--- a/doc/3_ 설계서/Class Design.pptx
+++ b/doc/3_ 설계서/Class Design.pptx
@@ -1137,10 +1137,34 @@
             <a:tbl>
               <a:tblPr/>
               <a:tblGrid>
-                <a:gridCol w="1022523"/>
-                <a:gridCol w="3439486"/>
-                <a:gridCol w="947956"/>
-                <a:gridCol w="3523377"/>
+                <a:gridCol w="1022523">
+                  <a:extLst>
+                    <a:ext uri="{9D8B030D-6E8A-4147-A177-3AD203B41FA5}">
+                      <a16:colId xmlns:a16="http://schemas.microsoft.com/office/drawing/2014/main" val="20000"/>
+                    </a:ext>
+                  </a:extLst>
+                </a:gridCol>
+                <a:gridCol w="3439486">
+                  <a:extLst>
+                    <a:ext uri="{9D8B030D-6E8A-4147-A177-3AD203B41FA5}">
+                      <a16:colId xmlns:a16="http://schemas.microsoft.com/office/drawing/2014/main" val="20001"/>
+                    </a:ext>
+                  </a:extLst>
+                </a:gridCol>
+                <a:gridCol w="947956">
+                  <a:extLst>
+                    <a:ext uri="{9D8B030D-6E8A-4147-A177-3AD203B41FA5}">
+                      <a16:colId xmlns:a16="http://schemas.microsoft.com/office/drawing/2014/main" val="20002"/>
+                    </a:ext>
+                  </a:extLst>
+                </a:gridCol>
+                <a:gridCol w="3523377">
+                  <a:extLst>
+                    <a:ext uri="{9D8B030D-6E8A-4147-A177-3AD203B41FA5}">
+                      <a16:colId xmlns:a16="http://schemas.microsoft.com/office/drawing/2014/main" val="20003"/>
+                    </a:ext>
+                  </a:extLst>
+                </a:gridCol>
               </a:tblGrid>
               <a:tr h="299619">
                 <a:tc rowSpan="2">
@@ -1523,6 +1547,11 @@
                     <a:noFill/>
                   </a:tcPr>
                 </a:tc>
+                <a:extLst>
+                  <a:ext uri="{0D108BD9-81ED-4DB2-BD59-A6C34878D82A}">
+                    <a16:rowId xmlns:a16="http://schemas.microsoft.com/office/drawing/2014/main" val="10000"/>
+                  </a:ext>
+                </a:extLst>
               </a:tr>
               <a:tr h="297106">
                 <a:tc vMerge="1">
@@ -1877,6 +1906,11 @@
                     <a:noFill/>
                   </a:tcPr>
                 </a:tc>
+                <a:extLst>
+                  <a:ext uri="{0D108BD9-81ED-4DB2-BD59-A6C34878D82A}">
+                    <a16:rowId xmlns:a16="http://schemas.microsoft.com/office/drawing/2014/main" val="10001"/>
+                  </a:ext>
+                </a:extLst>
               </a:tr>
             </a:tbl>
           </a:graphicData>
@@ -2308,10 +2342,34 @@
             <a:tbl>
               <a:tblPr/>
               <a:tblGrid>
-                <a:gridCol w="1022523"/>
-                <a:gridCol w="3439486"/>
-                <a:gridCol w="947956"/>
-                <a:gridCol w="3523377"/>
+                <a:gridCol w="1022523">
+                  <a:extLst>
+                    <a:ext uri="{9D8B030D-6E8A-4147-A177-3AD203B41FA5}">
+                      <a16:colId xmlns:a16="http://schemas.microsoft.com/office/drawing/2014/main" val="20000"/>
+                    </a:ext>
+                  </a:extLst>
+                </a:gridCol>
+                <a:gridCol w="3439486">
+                  <a:extLst>
+                    <a:ext uri="{9D8B030D-6E8A-4147-A177-3AD203B41FA5}">
+                      <a16:colId xmlns:a16="http://schemas.microsoft.com/office/drawing/2014/main" val="20001"/>
+                    </a:ext>
+                  </a:extLst>
+                </a:gridCol>
+                <a:gridCol w="947956">
+                  <a:extLst>
+                    <a:ext uri="{9D8B030D-6E8A-4147-A177-3AD203B41FA5}">
+                      <a16:colId xmlns:a16="http://schemas.microsoft.com/office/drawing/2014/main" val="20002"/>
+                    </a:ext>
+                  </a:extLst>
+                </a:gridCol>
+                <a:gridCol w="3523377">
+                  <a:extLst>
+                    <a:ext uri="{9D8B030D-6E8A-4147-A177-3AD203B41FA5}">
+                      <a16:colId xmlns:a16="http://schemas.microsoft.com/office/drawing/2014/main" val="20003"/>
+                    </a:ext>
+                  </a:extLst>
+                </a:gridCol>
               </a:tblGrid>
               <a:tr h="299619">
                 <a:tc rowSpan="2">
@@ -2726,6 +2784,11 @@
                     <a:noFill/>
                   </a:tcPr>
                 </a:tc>
+                <a:extLst>
+                  <a:ext uri="{0D108BD9-81ED-4DB2-BD59-A6C34878D82A}">
+                    <a16:rowId xmlns:a16="http://schemas.microsoft.com/office/drawing/2014/main" val="10000"/>
+                  </a:ext>
+                </a:extLst>
               </a:tr>
               <a:tr h="297106">
                 <a:tc vMerge="1">
@@ -3088,6 +3151,11 @@
                     <a:noFill/>
                   </a:tcPr>
                 </a:tc>
+                <a:extLst>
+                  <a:ext uri="{0D108BD9-81ED-4DB2-BD59-A6C34878D82A}">
+                    <a16:rowId xmlns:a16="http://schemas.microsoft.com/office/drawing/2014/main" val="10001"/>
+                  </a:ext>
+                </a:extLst>
               </a:tr>
             </a:tbl>
           </a:graphicData>
@@ -4088,7 +4156,13 @@
                 <a:tableStyleId>{5940675A-B579-460E-94D1-54222C63F5DA}</a:tableStyleId>
               </a:tblPr>
               <a:tblGrid>
-                <a:gridCol w="7556500"/>
+                <a:gridCol w="7556500">
+                  <a:extLst>
+                    <a:ext uri="{9D8B030D-6E8A-4147-A177-3AD203B41FA5}">
+                      <a16:colId xmlns:a16="http://schemas.microsoft.com/office/drawing/2014/main" val="20000"/>
+                    </a:ext>
+                  </a:extLst>
+                </a:gridCol>
               </a:tblGrid>
               <a:tr h="342902">
                 <a:tc>
@@ -4137,6 +4211,11 @@
                   </a:txBody>
                   <a:tcPr/>
                 </a:tc>
+                <a:extLst>
+                  <a:ext uri="{0D108BD9-81ED-4DB2-BD59-A6C34878D82A}">
+                    <a16:rowId xmlns:a16="http://schemas.microsoft.com/office/drawing/2014/main" val="10000"/>
+                  </a:ext>
+                </a:extLst>
               </a:tr>
               <a:tr h="2290108">
                 <a:tc>
@@ -4153,6 +4232,11 @@
                   </a:txBody>
                   <a:tcPr/>
                 </a:tc>
+                <a:extLst>
+                  <a:ext uri="{0D108BD9-81ED-4DB2-BD59-A6C34878D82A}">
+                    <a16:rowId xmlns:a16="http://schemas.microsoft.com/office/drawing/2014/main" val="10001"/>
+                  </a:ext>
+                </a:extLst>
               </a:tr>
               <a:tr h="2290108">
                 <a:tc>
@@ -4186,6 +4270,11 @@
                   </a:txBody>
                   <a:tcPr/>
                 </a:tc>
+                <a:extLst>
+                  <a:ext uri="{0D108BD9-81ED-4DB2-BD59-A6C34878D82A}">
+                    <a16:rowId xmlns:a16="http://schemas.microsoft.com/office/drawing/2014/main" val="10002"/>
+                  </a:ext>
+                </a:extLst>
               </a:tr>
             </a:tbl>
           </a:graphicData>
@@ -4265,7 +4354,13 @@
                 <a:tableStyleId>{5940675A-B579-460E-94D1-54222C63F5DA}</a:tableStyleId>
               </a:tblPr>
               <a:tblGrid>
-                <a:gridCol w="7556500"/>
+                <a:gridCol w="7556500">
+                  <a:extLst>
+                    <a:ext uri="{9D8B030D-6E8A-4147-A177-3AD203B41FA5}">
+                      <a16:colId xmlns:a16="http://schemas.microsoft.com/office/drawing/2014/main" val="20000"/>
+                    </a:ext>
+                  </a:extLst>
+                </a:gridCol>
               </a:tblGrid>
               <a:tr h="342902">
                 <a:tc>
@@ -4298,6 +4393,11 @@
                   </a:txBody>
                   <a:tcPr/>
                 </a:tc>
+                <a:extLst>
+                  <a:ext uri="{0D108BD9-81ED-4DB2-BD59-A6C34878D82A}">
+                    <a16:rowId xmlns:a16="http://schemas.microsoft.com/office/drawing/2014/main" val="10000"/>
+                  </a:ext>
+                </a:extLst>
               </a:tr>
               <a:tr h="2290108">
                 <a:tc>
@@ -4314,6 +4414,11 @@
                   </a:txBody>
                   <a:tcPr/>
                 </a:tc>
+                <a:extLst>
+                  <a:ext uri="{0D108BD9-81ED-4DB2-BD59-A6C34878D82A}">
+                    <a16:rowId xmlns:a16="http://schemas.microsoft.com/office/drawing/2014/main" val="10001"/>
+                  </a:ext>
+                </a:extLst>
               </a:tr>
               <a:tr h="2290108">
                 <a:tc>
@@ -4347,6 +4452,11 @@
                   </a:txBody>
                   <a:tcPr/>
                 </a:tc>
+                <a:extLst>
+                  <a:ext uri="{0D108BD9-81ED-4DB2-BD59-A6C34878D82A}">
+                    <a16:rowId xmlns:a16="http://schemas.microsoft.com/office/drawing/2014/main" val="10002"/>
+                  </a:ext>
+                </a:extLst>
               </a:tr>
             </a:tbl>
           </a:graphicData>
@@ -4426,7 +4536,13 @@
                 <a:tableStyleId>{5940675A-B579-460E-94D1-54222C63F5DA}</a:tableStyleId>
               </a:tblPr>
               <a:tblGrid>
-                <a:gridCol w="7556500"/>
+                <a:gridCol w="7556500">
+                  <a:extLst>
+                    <a:ext uri="{9D8B030D-6E8A-4147-A177-3AD203B41FA5}">
+                      <a16:colId xmlns:a16="http://schemas.microsoft.com/office/drawing/2014/main" val="20000"/>
+                    </a:ext>
+                  </a:extLst>
+                </a:gridCol>
               </a:tblGrid>
               <a:tr h="342902">
                 <a:tc>
@@ -4451,6 +4567,11 @@
                   </a:txBody>
                   <a:tcPr/>
                 </a:tc>
+                <a:extLst>
+                  <a:ext uri="{0D108BD9-81ED-4DB2-BD59-A6C34878D82A}">
+                    <a16:rowId xmlns:a16="http://schemas.microsoft.com/office/drawing/2014/main" val="10000"/>
+                  </a:ext>
+                </a:extLst>
               </a:tr>
               <a:tr h="2290108">
                 <a:tc>
@@ -4467,6 +4588,11 @@
                   </a:txBody>
                   <a:tcPr/>
                 </a:tc>
+                <a:extLst>
+                  <a:ext uri="{0D108BD9-81ED-4DB2-BD59-A6C34878D82A}">
+                    <a16:rowId xmlns:a16="http://schemas.microsoft.com/office/drawing/2014/main" val="10001"/>
+                  </a:ext>
+                </a:extLst>
               </a:tr>
               <a:tr h="2290108">
                 <a:tc>
@@ -4500,6 +4626,11 @@
                   </a:txBody>
                   <a:tcPr/>
                 </a:tc>
+                <a:extLst>
+                  <a:ext uri="{0D108BD9-81ED-4DB2-BD59-A6C34878D82A}">
+                    <a16:rowId xmlns:a16="http://schemas.microsoft.com/office/drawing/2014/main" val="10002"/>
+                  </a:ext>
+                </a:extLst>
               </a:tr>
             </a:tbl>
           </a:graphicData>
@@ -4565,7 +4696,11 @@
             <a:graphicFrameLocks noGrp="1"/>
           </p:cNvGraphicFramePr>
           <p:nvPr>
-            <p:extLst/>
+            <p:extLst>
+              <p:ext uri="{D42A27DB-BD31-4B8C-83A1-F6EECF244321}">
+                <p14:modId xmlns:p14="http://schemas.microsoft.com/office/powerpoint/2010/main" val="2471926084"/>
+              </p:ext>
+            </p:extLst>
           </p:nvPr>
         </p:nvGraphicFramePr>
         <p:xfrm>
@@ -4579,7 +4714,13 @@
                 <a:tableStyleId>{5940675A-B579-460E-94D1-54222C63F5DA}</a:tableStyleId>
               </a:tblPr>
               <a:tblGrid>
-                <a:gridCol w="7556500"/>
+                <a:gridCol w="7556500">
+                  <a:extLst>
+                    <a:ext uri="{9D8B030D-6E8A-4147-A177-3AD203B41FA5}">
+                      <a16:colId xmlns:a16="http://schemas.microsoft.com/office/drawing/2014/main" val="20000"/>
+                    </a:ext>
+                  </a:extLst>
+                </a:gridCol>
               </a:tblGrid>
               <a:tr h="342902">
                 <a:tc>
@@ -4604,6 +4745,11 @@
                   </a:txBody>
                   <a:tcPr/>
                 </a:tc>
+                <a:extLst>
+                  <a:ext uri="{0D108BD9-81ED-4DB2-BD59-A6C34878D82A}">
+                    <a16:rowId xmlns:a16="http://schemas.microsoft.com/office/drawing/2014/main" val="10000"/>
+                  </a:ext>
+                </a:extLst>
               </a:tr>
               <a:tr h="2290108">
                 <a:tc>
@@ -4611,15 +4757,221 @@
                     <a:bodyPr/>
                     <a:lstStyle/>
                     <a:p>
+                      <a:r>
+                        <a:rPr lang="en-US" sz="1200" dirty="0" smtClean="0">
+                          <a:latin typeface="Malgun Gothic" charset="-127"/>
+                          <a:ea typeface="Malgun Gothic" charset="-127"/>
+                          <a:cs typeface="Malgun Gothic" charset="-127"/>
+                        </a:rPr>
+                        <a:t>public String name</a:t>
+                      </a:r>
+                    </a:p>
+                    <a:p>
+                      <a:r>
+                        <a:rPr lang="en-US" sz="1200" dirty="0" smtClean="0">
+                          <a:latin typeface="Malgun Gothic" charset="-127"/>
+                          <a:ea typeface="Malgun Gothic" charset="-127"/>
+                          <a:cs typeface="Malgun Gothic" charset="-127"/>
+                        </a:rPr>
+                        <a:t>public String prof</a:t>
+                      </a:r>
+                    </a:p>
+                    <a:p>
+                      <a:r>
+                        <a:rPr lang="en-US" sz="1200" dirty="0" smtClean="0">
+                          <a:latin typeface="Malgun Gothic" charset="-127"/>
+                          <a:ea typeface="Malgun Gothic" charset="-127"/>
+                          <a:cs typeface="Malgun Gothic" charset="-127"/>
+                        </a:rPr>
+                        <a:t>public String </a:t>
+                      </a:r>
+                      <a:r>
+                        <a:rPr lang="en-US" sz="1200" dirty="0" err="1" smtClean="0">
+                          <a:latin typeface="Malgun Gothic" charset="-127"/>
+                          <a:ea typeface="Malgun Gothic" charset="-127"/>
+                          <a:cs typeface="Malgun Gothic" charset="-127"/>
+                        </a:rPr>
+                        <a:t>selectday</a:t>
+                      </a:r>
                       <a:endParaRPr lang="en-US" sz="1200" dirty="0" smtClean="0">
                         <a:latin typeface="Malgun Gothic" charset="-127"/>
                         <a:ea typeface="Malgun Gothic" charset="-127"/>
                         <a:cs typeface="Malgun Gothic" charset="-127"/>
                       </a:endParaRPr>
                     </a:p>
+                    <a:p>
+                      <a:r>
+                        <a:rPr lang="en-US" sz="1200" dirty="0" smtClean="0">
+                          <a:latin typeface="Malgun Gothic" charset="-127"/>
+                          <a:ea typeface="Malgun Gothic" charset="-127"/>
+                          <a:cs typeface="Malgun Gothic" charset="-127"/>
+                        </a:rPr>
+                        <a:t>public </a:t>
+                      </a:r>
+                      <a:r>
+                        <a:rPr lang="en-US" sz="1200" dirty="0" err="1" smtClean="0">
+                          <a:latin typeface="Malgun Gothic" charset="-127"/>
+                          <a:ea typeface="Malgun Gothic" charset="-127"/>
+                          <a:cs typeface="Malgun Gothic" charset="-127"/>
+                        </a:rPr>
+                        <a:t>int</a:t>
+                      </a:r>
+                      <a:r>
+                        <a:rPr lang="en-US" sz="1200" dirty="0" smtClean="0">
+                          <a:latin typeface="Malgun Gothic" charset="-127"/>
+                          <a:ea typeface="Malgun Gothic" charset="-127"/>
+                          <a:cs typeface="Malgun Gothic" charset="-127"/>
+                        </a:rPr>
+                        <a:t> </a:t>
+                      </a:r>
+                      <a:r>
+                        <a:rPr lang="en-US" sz="1200" dirty="0" err="1" smtClean="0">
+                          <a:latin typeface="Malgun Gothic" charset="-127"/>
+                          <a:ea typeface="Malgun Gothic" charset="-127"/>
+                          <a:cs typeface="Malgun Gothic" charset="-127"/>
+                        </a:rPr>
+                        <a:t>starthour</a:t>
+                      </a:r>
+                      <a:endParaRPr lang="en-US" sz="1200" dirty="0" smtClean="0">
+                        <a:latin typeface="Malgun Gothic" charset="-127"/>
+                        <a:ea typeface="Malgun Gothic" charset="-127"/>
+                        <a:cs typeface="Malgun Gothic" charset="-127"/>
+                      </a:endParaRPr>
+                    </a:p>
+                    <a:p>
+                      <a:r>
+                        <a:rPr lang="en-US" sz="1200" dirty="0" smtClean="0">
+                          <a:latin typeface="Malgun Gothic" charset="-127"/>
+                          <a:ea typeface="Malgun Gothic" charset="-127"/>
+                          <a:cs typeface="Malgun Gothic" charset="-127"/>
+                        </a:rPr>
+                        <a:t>public String </a:t>
+                      </a:r>
+                      <a:r>
+                        <a:rPr lang="en-US" sz="1200" dirty="0" err="1" smtClean="0">
+                          <a:latin typeface="Malgun Gothic" charset="-127"/>
+                          <a:ea typeface="Malgun Gothic" charset="-127"/>
+                          <a:cs typeface="Malgun Gothic" charset="-127"/>
+                        </a:rPr>
+                        <a:t>startminute</a:t>
+                      </a:r>
+                      <a:endParaRPr lang="en-US" sz="1200" dirty="0" smtClean="0">
+                        <a:latin typeface="Malgun Gothic" charset="-127"/>
+                        <a:ea typeface="Malgun Gothic" charset="-127"/>
+                        <a:cs typeface="Malgun Gothic" charset="-127"/>
+                      </a:endParaRPr>
+                    </a:p>
+                    <a:p>
+                      <a:r>
+                        <a:rPr lang="en-US" sz="1200" dirty="0" smtClean="0">
+                          <a:latin typeface="Malgun Gothic" charset="-127"/>
+                          <a:ea typeface="Malgun Gothic" charset="-127"/>
+                          <a:cs typeface="Malgun Gothic" charset="-127"/>
+                        </a:rPr>
+                        <a:t>public </a:t>
+                      </a:r>
+                      <a:r>
+                        <a:rPr lang="en-US" sz="1200" dirty="0" err="1" smtClean="0">
+                          <a:latin typeface="Malgun Gothic" charset="-127"/>
+                          <a:ea typeface="Malgun Gothic" charset="-127"/>
+                          <a:cs typeface="Malgun Gothic" charset="-127"/>
+                        </a:rPr>
+                        <a:t>int</a:t>
+                      </a:r>
+                      <a:r>
+                        <a:rPr lang="en-US" sz="1200" dirty="0" smtClean="0">
+                          <a:latin typeface="Malgun Gothic" charset="-127"/>
+                          <a:ea typeface="Malgun Gothic" charset="-127"/>
+                          <a:cs typeface="Malgun Gothic" charset="-127"/>
+                        </a:rPr>
+                        <a:t> </a:t>
+                      </a:r>
+                      <a:r>
+                        <a:rPr lang="en-US" sz="1200" dirty="0" err="1" smtClean="0">
+                          <a:latin typeface="Malgun Gothic" charset="-127"/>
+                          <a:ea typeface="Malgun Gothic" charset="-127"/>
+                          <a:cs typeface="Malgun Gothic" charset="-127"/>
+                        </a:rPr>
+                        <a:t>endhour</a:t>
+                      </a:r>
+                      <a:endParaRPr lang="en-US" sz="1200" dirty="0" smtClean="0">
+                        <a:latin typeface="Malgun Gothic" charset="-127"/>
+                        <a:ea typeface="Malgun Gothic" charset="-127"/>
+                        <a:cs typeface="Malgun Gothic" charset="-127"/>
+                      </a:endParaRPr>
+                    </a:p>
+                    <a:p>
+                      <a:r>
+                        <a:rPr lang="en-US" sz="1200" dirty="0" smtClean="0">
+                          <a:latin typeface="Malgun Gothic" charset="-127"/>
+                          <a:ea typeface="Malgun Gothic" charset="-127"/>
+                          <a:cs typeface="Malgun Gothic" charset="-127"/>
+                        </a:rPr>
+                        <a:t>public String </a:t>
+                      </a:r>
+                      <a:r>
+                        <a:rPr lang="en-US" sz="1200" dirty="0" err="1" smtClean="0">
+                          <a:latin typeface="Malgun Gothic" charset="-127"/>
+                          <a:ea typeface="Malgun Gothic" charset="-127"/>
+                          <a:cs typeface="Malgun Gothic" charset="-127"/>
+                        </a:rPr>
+                        <a:t>endminute</a:t>
+                      </a:r>
+                      <a:endParaRPr lang="en-US" sz="1200" dirty="0" smtClean="0">
+                        <a:latin typeface="Malgun Gothic" charset="-127"/>
+                        <a:ea typeface="Malgun Gothic" charset="-127"/>
+                        <a:cs typeface="Malgun Gothic" charset="-127"/>
+                      </a:endParaRPr>
+                    </a:p>
+                    <a:p>
+                      <a:r>
+                        <a:rPr lang="en-US" sz="1200" dirty="0" smtClean="0">
+                          <a:latin typeface="Malgun Gothic" charset="-127"/>
+                          <a:ea typeface="Malgun Gothic" charset="-127"/>
+                          <a:cs typeface="Malgun Gothic" charset="-127"/>
+                        </a:rPr>
+                        <a:t>public </a:t>
+                      </a:r>
+                      <a:r>
+                        <a:rPr lang="en-US" sz="1200" dirty="0" err="1" smtClean="0">
+                          <a:latin typeface="Malgun Gothic" charset="-127"/>
+                          <a:ea typeface="Malgun Gothic" charset="-127"/>
+                          <a:cs typeface="Malgun Gothic" charset="-127"/>
+                        </a:rPr>
+                        <a:t>int</a:t>
+                      </a:r>
+                      <a:r>
+                        <a:rPr lang="en-US" sz="1200" dirty="0" smtClean="0">
+                          <a:latin typeface="Malgun Gothic" charset="-127"/>
+                          <a:ea typeface="Malgun Gothic" charset="-127"/>
+                          <a:cs typeface="Malgun Gothic" charset="-127"/>
+                        </a:rPr>
+                        <a:t> year</a:t>
+                      </a:r>
+                    </a:p>
+                    <a:p>
+                      <a:r>
+                        <a:rPr lang="en-US" sz="1200" dirty="0" smtClean="0">
+                          <a:latin typeface="Malgun Gothic" charset="-127"/>
+                          <a:ea typeface="Malgun Gothic" charset="-127"/>
+                          <a:cs typeface="Malgun Gothic" charset="-127"/>
+                        </a:rPr>
+                        <a:t>public String semester</a:t>
+                      </a:r>
+                      <a:endParaRPr lang="en-US" sz="1200" dirty="0" smtClean="0">
+                        <a:latin typeface="Malgun Gothic" charset="-127"/>
+                        <a:ea typeface="Malgun Gothic" charset="-127"/>
+                        <a:cs typeface="Malgun Gothic" charset="-127"/>
+                      </a:endParaRPr>
+                    </a:p>
                   </a:txBody>
                   <a:tcPr/>
                 </a:tc>
+                <a:extLst>
+                  <a:ext uri="{0D108BD9-81ED-4DB2-BD59-A6C34878D82A}">
+                    <a16:rowId xmlns:a16="http://schemas.microsoft.com/office/drawing/2014/main" val="10001"/>
+                  </a:ext>
+                </a:extLst>
               </a:tr>
               <a:tr h="2290108">
                 <a:tc>
@@ -4644,6 +4996,169 @@
                         <a:tabLst/>
                         <a:defRPr/>
                       </a:pPr>
+                      <a:r>
+                        <a:rPr lang="en-US" sz="1200" baseline="0" dirty="0" smtClean="0">
+                          <a:latin typeface="Malgun Gothic" charset="-127"/>
+                          <a:ea typeface="Malgun Gothic" charset="-127"/>
+                          <a:cs typeface="Malgun Gothic" charset="-127"/>
+                        </a:rPr>
+                        <a:t>public Subject(String name, String prof, String </a:t>
+                      </a:r>
+                      <a:r>
+                        <a:rPr lang="en-US" sz="1200" baseline="0" dirty="0" err="1" smtClean="0">
+                          <a:latin typeface="Malgun Gothic" charset="-127"/>
+                          <a:ea typeface="Malgun Gothic" charset="-127"/>
+                          <a:cs typeface="Malgun Gothic" charset="-127"/>
+                        </a:rPr>
+                        <a:t>selectDay</a:t>
+                      </a:r>
+                      <a:r>
+                        <a:rPr lang="en-US" sz="1200" baseline="0" dirty="0" smtClean="0">
+                          <a:latin typeface="Malgun Gothic" charset="-127"/>
+                          <a:ea typeface="Malgun Gothic" charset="-127"/>
+                          <a:cs typeface="Malgun Gothic" charset="-127"/>
+                        </a:rPr>
+                        <a:t>, </a:t>
+                      </a:r>
+                      <a:r>
+                        <a:rPr lang="en-US" sz="1200" baseline="0" dirty="0" err="1" smtClean="0">
+                          <a:latin typeface="Malgun Gothic" charset="-127"/>
+                          <a:ea typeface="Malgun Gothic" charset="-127"/>
+                          <a:cs typeface="Malgun Gothic" charset="-127"/>
+                        </a:rPr>
+                        <a:t>int</a:t>
+                      </a:r>
+                      <a:r>
+                        <a:rPr lang="en-US" sz="1200" baseline="0" dirty="0" smtClean="0">
+                          <a:latin typeface="Malgun Gothic" charset="-127"/>
+                          <a:ea typeface="Malgun Gothic" charset="-127"/>
+                          <a:cs typeface="Malgun Gothic" charset="-127"/>
+                        </a:rPr>
+                        <a:t> </a:t>
+                      </a:r>
+                      <a:r>
+                        <a:rPr lang="en-US" sz="1200" baseline="0" dirty="0" err="1" smtClean="0">
+                          <a:latin typeface="Malgun Gothic" charset="-127"/>
+                          <a:ea typeface="Malgun Gothic" charset="-127"/>
+                          <a:cs typeface="Malgun Gothic" charset="-127"/>
+                        </a:rPr>
+                        <a:t>startHour</a:t>
+                      </a:r>
+                      <a:r>
+                        <a:rPr lang="en-US" sz="1200" baseline="0" dirty="0" smtClean="0">
+                          <a:latin typeface="Malgun Gothic" charset="-127"/>
+                          <a:ea typeface="Malgun Gothic" charset="-127"/>
+                          <a:cs typeface="Malgun Gothic" charset="-127"/>
+                        </a:rPr>
+                        <a:t>, String </a:t>
+                      </a:r>
+                      <a:r>
+                        <a:rPr lang="en-US" sz="1200" baseline="0" dirty="0" err="1" smtClean="0">
+                          <a:latin typeface="Malgun Gothic" charset="-127"/>
+                          <a:ea typeface="Malgun Gothic" charset="-127"/>
+                          <a:cs typeface="Malgun Gothic" charset="-127"/>
+                        </a:rPr>
+                        <a:t>startMinute</a:t>
+                      </a:r>
+                      <a:r>
+                        <a:rPr lang="en-US" sz="1200" baseline="0" dirty="0" smtClean="0">
+                          <a:latin typeface="Malgun Gothic" charset="-127"/>
+                          <a:ea typeface="Malgun Gothic" charset="-127"/>
+                          <a:cs typeface="Malgun Gothic" charset="-127"/>
+                        </a:rPr>
+                        <a:t>, </a:t>
+                      </a:r>
+                      <a:r>
+                        <a:rPr lang="en-US" sz="1200" baseline="0" dirty="0" err="1" smtClean="0">
+                          <a:latin typeface="Malgun Gothic" charset="-127"/>
+                          <a:ea typeface="Malgun Gothic" charset="-127"/>
+                          <a:cs typeface="Malgun Gothic" charset="-127"/>
+                        </a:rPr>
+                        <a:t>int</a:t>
+                      </a:r>
+                      <a:r>
+                        <a:rPr lang="en-US" sz="1200" baseline="0" dirty="0" smtClean="0">
+                          <a:latin typeface="Malgun Gothic" charset="-127"/>
+                          <a:ea typeface="Malgun Gothic" charset="-127"/>
+                          <a:cs typeface="Malgun Gothic" charset="-127"/>
+                        </a:rPr>
+                        <a:t> </a:t>
+                      </a:r>
+                      <a:r>
+                        <a:rPr lang="en-US" sz="1200" baseline="0" dirty="0" err="1" smtClean="0">
+                          <a:latin typeface="Malgun Gothic" charset="-127"/>
+                          <a:ea typeface="Malgun Gothic" charset="-127"/>
+                          <a:cs typeface="Malgun Gothic" charset="-127"/>
+                        </a:rPr>
+                        <a:t>endHour</a:t>
+                      </a:r>
+                      <a:r>
+                        <a:rPr lang="en-US" sz="1200" baseline="0" dirty="0" smtClean="0">
+                          <a:latin typeface="Malgun Gothic" charset="-127"/>
+                          <a:ea typeface="Malgun Gothic" charset="-127"/>
+                          <a:cs typeface="Malgun Gothic" charset="-127"/>
+                        </a:rPr>
+                        <a:t>,</a:t>
+                      </a:r>
+                    </a:p>
+                    <a:p>
+                      <a:pPr marL="0" marR="0" indent="0" algn="l" defTabSz="914400" rtl="0" eaLnBrk="1" fontAlgn="auto" latinLnBrk="1" hangingPunct="1">
+                        <a:lnSpc>
+                          <a:spcPct val="100000"/>
+                        </a:lnSpc>
+                        <a:spcBef>
+                          <a:spcPts val="0"/>
+                        </a:spcBef>
+                        <a:spcAft>
+                          <a:spcPts val="0"/>
+                        </a:spcAft>
+                        <a:buClrTx/>
+                        <a:buSzTx/>
+                        <a:buFontTx/>
+                        <a:buNone/>
+                        <a:tabLst/>
+                        <a:defRPr/>
+                      </a:pPr>
+                      <a:r>
+                        <a:rPr lang="en-US" sz="1200" baseline="0" dirty="0" smtClean="0">
+                          <a:latin typeface="Malgun Gothic" charset="-127"/>
+                          <a:ea typeface="Malgun Gothic" charset="-127"/>
+                          <a:cs typeface="Malgun Gothic" charset="-127"/>
+                        </a:rPr>
+                        <a:t>                    String </a:t>
+                      </a:r>
+                      <a:r>
+                        <a:rPr lang="en-US" sz="1200" baseline="0" dirty="0" err="1" smtClean="0">
+                          <a:latin typeface="Malgun Gothic" charset="-127"/>
+                          <a:ea typeface="Malgun Gothic" charset="-127"/>
+                          <a:cs typeface="Malgun Gothic" charset="-127"/>
+                        </a:rPr>
+                        <a:t>endMinute</a:t>
+                      </a:r>
+                      <a:r>
+                        <a:rPr lang="en-US" sz="1200" baseline="0" dirty="0" smtClean="0">
+                          <a:latin typeface="Malgun Gothic" charset="-127"/>
+                          <a:ea typeface="Malgun Gothic" charset="-127"/>
+                          <a:cs typeface="Malgun Gothic" charset="-127"/>
+                        </a:rPr>
+                        <a:t>, </a:t>
+                      </a:r>
+                      <a:r>
+                        <a:rPr lang="en-US" sz="1200" baseline="0" dirty="0" err="1" smtClean="0">
+                          <a:latin typeface="Malgun Gothic" charset="-127"/>
+                          <a:ea typeface="Malgun Gothic" charset="-127"/>
+                          <a:cs typeface="Malgun Gothic" charset="-127"/>
+                        </a:rPr>
+                        <a:t>int</a:t>
+                      </a:r>
+                      <a:r>
+                        <a:rPr lang="en-US" sz="1200" baseline="0" dirty="0" smtClean="0">
+                          <a:latin typeface="Malgun Gothic" charset="-127"/>
+                          <a:ea typeface="Malgun Gothic" charset="-127"/>
+                          <a:cs typeface="Malgun Gothic" charset="-127"/>
+                        </a:rPr>
+                        <a:t> year, String semester)</a:t>
+                      </a:r>
                       <a:endParaRPr lang="en-US" sz="1200" baseline="0" dirty="0" smtClean="0">
                         <a:latin typeface="Malgun Gothic" charset="-127"/>
                         <a:ea typeface="Malgun Gothic" charset="-127"/>
@@ -4653,6 +5168,11 @@
                   </a:txBody>
                   <a:tcPr/>
                 </a:tc>
+                <a:extLst>
+                  <a:ext uri="{0D108BD9-81ED-4DB2-BD59-A6C34878D82A}">
+                    <a16:rowId xmlns:a16="http://schemas.microsoft.com/office/drawing/2014/main" val="10002"/>
+                  </a:ext>
+                </a:extLst>
               </a:tr>
             </a:tbl>
           </a:graphicData>
@@ -4732,7 +5252,13 @@
                 <a:tableStyleId>{5940675A-B579-460E-94D1-54222C63F5DA}</a:tableStyleId>
               </a:tblPr>
               <a:tblGrid>
-                <a:gridCol w="7556500"/>
+                <a:gridCol w="7556500">
+                  <a:extLst>
+                    <a:ext uri="{9D8B030D-6E8A-4147-A177-3AD203B41FA5}">
+                      <a16:colId xmlns:a16="http://schemas.microsoft.com/office/drawing/2014/main" val="20000"/>
+                    </a:ext>
+                  </a:extLst>
+                </a:gridCol>
               </a:tblGrid>
               <a:tr h="342902">
                 <a:tc>
@@ -4765,6 +5291,11 @@
                   </a:txBody>
                   <a:tcPr/>
                 </a:tc>
+                <a:extLst>
+                  <a:ext uri="{0D108BD9-81ED-4DB2-BD59-A6C34878D82A}">
+                    <a16:rowId xmlns:a16="http://schemas.microsoft.com/office/drawing/2014/main" val="10000"/>
+                  </a:ext>
+                </a:extLst>
               </a:tr>
               <a:tr h="2290108">
                 <a:tc>
@@ -4781,6 +5312,11 @@
                   </a:txBody>
                   <a:tcPr/>
                 </a:tc>
+                <a:extLst>
+                  <a:ext uri="{0D108BD9-81ED-4DB2-BD59-A6C34878D82A}">
+                    <a16:rowId xmlns:a16="http://schemas.microsoft.com/office/drawing/2014/main" val="10001"/>
+                  </a:ext>
+                </a:extLst>
               </a:tr>
               <a:tr h="2290108">
                 <a:tc>
@@ -4814,6 +5350,11 @@
                   </a:txBody>
                   <a:tcPr/>
                 </a:tc>
+                <a:extLst>
+                  <a:ext uri="{0D108BD9-81ED-4DB2-BD59-A6C34878D82A}">
+                    <a16:rowId xmlns:a16="http://schemas.microsoft.com/office/drawing/2014/main" val="10002"/>
+                  </a:ext>
+                </a:extLst>
               </a:tr>
             </a:tbl>
           </a:graphicData>
@@ -4893,7 +5434,13 @@
                 <a:tableStyleId>{5940675A-B579-460E-94D1-54222C63F5DA}</a:tableStyleId>
               </a:tblPr>
               <a:tblGrid>
-                <a:gridCol w="7556500"/>
+                <a:gridCol w="7556500">
+                  <a:extLst>
+                    <a:ext uri="{9D8B030D-6E8A-4147-A177-3AD203B41FA5}">
+                      <a16:colId xmlns:a16="http://schemas.microsoft.com/office/drawing/2014/main" val="20000"/>
+                    </a:ext>
+                  </a:extLst>
+                </a:gridCol>
               </a:tblGrid>
               <a:tr h="342902">
                 <a:tc>
@@ -4918,6 +5465,11 @@
                   </a:txBody>
                   <a:tcPr/>
                 </a:tc>
+                <a:extLst>
+                  <a:ext uri="{0D108BD9-81ED-4DB2-BD59-A6C34878D82A}">
+                    <a16:rowId xmlns:a16="http://schemas.microsoft.com/office/drawing/2014/main" val="10000"/>
+                  </a:ext>
+                </a:extLst>
               </a:tr>
               <a:tr h="2290108">
                 <a:tc>
@@ -4934,6 +5486,11 @@
                   </a:txBody>
                   <a:tcPr/>
                 </a:tc>
+                <a:extLst>
+                  <a:ext uri="{0D108BD9-81ED-4DB2-BD59-A6C34878D82A}">
+                    <a16:rowId xmlns:a16="http://schemas.microsoft.com/office/drawing/2014/main" val="10001"/>
+                  </a:ext>
+                </a:extLst>
               </a:tr>
               <a:tr h="2290108">
                 <a:tc>
@@ -4967,6 +5524,11 @@
                   </a:txBody>
                   <a:tcPr/>
                 </a:tc>
+                <a:extLst>
+                  <a:ext uri="{0D108BD9-81ED-4DB2-BD59-A6C34878D82A}">
+                    <a16:rowId xmlns:a16="http://schemas.microsoft.com/office/drawing/2014/main" val="10002"/>
+                  </a:ext>
+                </a:extLst>
               </a:tr>
             </a:tbl>
           </a:graphicData>
@@ -5071,10 +5633,34 @@
                 <a:tableStyleId>{5940675A-B579-460E-94D1-54222C63F5DA}</a:tableStyleId>
               </a:tblPr>
               <a:tblGrid>
-                <a:gridCol w="2145506"/>
-                <a:gridCol w="2145506"/>
-                <a:gridCol w="2145506"/>
-                <a:gridCol w="2145506"/>
+                <a:gridCol w="2145506">
+                  <a:extLst>
+                    <a:ext uri="{9D8B030D-6E8A-4147-A177-3AD203B41FA5}">
+                      <a16:colId xmlns:a16="http://schemas.microsoft.com/office/drawing/2014/main" val="20000"/>
+                    </a:ext>
+                  </a:extLst>
+                </a:gridCol>
+                <a:gridCol w="2145506">
+                  <a:extLst>
+                    <a:ext uri="{9D8B030D-6E8A-4147-A177-3AD203B41FA5}">
+                      <a16:colId xmlns:a16="http://schemas.microsoft.com/office/drawing/2014/main" val="20001"/>
+                    </a:ext>
+                  </a:extLst>
+                </a:gridCol>
+                <a:gridCol w="2145506">
+                  <a:extLst>
+                    <a:ext uri="{9D8B030D-6E8A-4147-A177-3AD203B41FA5}">
+                      <a16:colId xmlns:a16="http://schemas.microsoft.com/office/drawing/2014/main" val="20002"/>
+                    </a:ext>
+                  </a:extLst>
+                </a:gridCol>
+                <a:gridCol w="2145506">
+                  <a:extLst>
+                    <a:ext uri="{9D8B030D-6E8A-4147-A177-3AD203B41FA5}">
+                      <a16:colId xmlns:a16="http://schemas.microsoft.com/office/drawing/2014/main" val="20003"/>
+                    </a:ext>
+                  </a:extLst>
+                </a:gridCol>
               </a:tblGrid>
               <a:tr h="370840">
                 <a:tc>
@@ -5197,6 +5783,11 @@
                     </a:solidFill>
                   </a:tcPr>
                 </a:tc>
+                <a:extLst>
+                  <a:ext uri="{0D108BD9-81ED-4DB2-BD59-A6C34878D82A}">
+                    <a16:rowId xmlns:a16="http://schemas.microsoft.com/office/drawing/2014/main" val="10000"/>
+                  </a:ext>
+                </a:extLst>
               </a:tr>
               <a:tr h="370840">
                 <a:tc>
@@ -5343,6 +5934,11 @@
                     </a:solidFill>
                   </a:tcPr>
                 </a:tc>
+                <a:extLst>
+                  <a:ext uri="{0D108BD9-81ED-4DB2-BD59-A6C34878D82A}">
+                    <a16:rowId xmlns:a16="http://schemas.microsoft.com/office/drawing/2014/main" val="10001"/>
+                  </a:ext>
+                </a:extLst>
               </a:tr>
               <a:tr h="370840">
                 <a:tc>
@@ -5429,6 +6025,11 @@
                     </a:solidFill>
                   </a:tcPr>
                 </a:tc>
+                <a:extLst>
+                  <a:ext uri="{0D108BD9-81ED-4DB2-BD59-A6C34878D82A}">
+                    <a16:rowId xmlns:a16="http://schemas.microsoft.com/office/drawing/2014/main" val="10002"/>
+                  </a:ext>
+                </a:extLst>
               </a:tr>
               <a:tr h="370840">
                 <a:tc>
@@ -5515,6 +6116,11 @@
                     </a:solidFill>
                   </a:tcPr>
                 </a:tc>
+                <a:extLst>
+                  <a:ext uri="{0D108BD9-81ED-4DB2-BD59-A6C34878D82A}">
+                    <a16:rowId xmlns:a16="http://schemas.microsoft.com/office/drawing/2014/main" val="10003"/>
+                  </a:ext>
+                </a:extLst>
               </a:tr>
               <a:tr h="370840">
                 <a:tc>
@@ -5601,6 +6207,11 @@
                     </a:solidFill>
                   </a:tcPr>
                 </a:tc>
+                <a:extLst>
+                  <a:ext uri="{0D108BD9-81ED-4DB2-BD59-A6C34878D82A}">
+                    <a16:rowId xmlns:a16="http://schemas.microsoft.com/office/drawing/2014/main" val="10004"/>
+                  </a:ext>
+                </a:extLst>
               </a:tr>
               <a:tr h="370840">
                 <a:tc>
@@ -5687,6 +6298,11 @@
                     </a:solidFill>
                   </a:tcPr>
                 </a:tc>
+                <a:extLst>
+                  <a:ext uri="{0D108BD9-81ED-4DB2-BD59-A6C34878D82A}">
+                    <a16:rowId xmlns:a16="http://schemas.microsoft.com/office/drawing/2014/main" val="10005"/>
+                  </a:ext>
+                </a:extLst>
               </a:tr>
               <a:tr h="370840">
                 <a:tc>
@@ -5773,6 +6389,11 @@
                     </a:solidFill>
                   </a:tcPr>
                 </a:tc>
+                <a:extLst>
+                  <a:ext uri="{0D108BD9-81ED-4DB2-BD59-A6C34878D82A}">
+                    <a16:rowId xmlns:a16="http://schemas.microsoft.com/office/drawing/2014/main" val="10006"/>
+                  </a:ext>
+                </a:extLst>
               </a:tr>
               <a:tr h="370840">
                 <a:tc>
@@ -5859,6 +6480,11 @@
                     </a:solidFill>
                   </a:tcPr>
                 </a:tc>
+                <a:extLst>
+                  <a:ext uri="{0D108BD9-81ED-4DB2-BD59-A6C34878D82A}">
+                    <a16:rowId xmlns:a16="http://schemas.microsoft.com/office/drawing/2014/main" val="10007"/>
+                  </a:ext>
+                </a:extLst>
               </a:tr>
             </a:tbl>
           </a:graphicData>
@@ -6063,7 +6689,13 @@
                 <a:tableStyleId>{5940675A-B579-460E-94D1-54222C63F5DA}</a:tableStyleId>
               </a:tblPr>
               <a:tblGrid>
-                <a:gridCol w="7556500"/>
+                <a:gridCol w="7556500">
+                  <a:extLst>
+                    <a:ext uri="{9D8B030D-6E8A-4147-A177-3AD203B41FA5}">
+                      <a16:colId xmlns:a16="http://schemas.microsoft.com/office/drawing/2014/main" val="20000"/>
+                    </a:ext>
+                  </a:extLst>
+                </a:gridCol>
               </a:tblGrid>
               <a:tr h="342902">
                 <a:tc>
@@ -6088,6 +6720,11 @@
                   </a:txBody>
                   <a:tcPr/>
                 </a:tc>
+                <a:extLst>
+                  <a:ext uri="{0D108BD9-81ED-4DB2-BD59-A6C34878D82A}">
+                    <a16:rowId xmlns:a16="http://schemas.microsoft.com/office/drawing/2014/main" val="10000"/>
+                  </a:ext>
+                </a:extLst>
               </a:tr>
               <a:tr h="2290108">
                 <a:tc>
@@ -6128,6 +6765,11 @@
                   </a:txBody>
                   <a:tcPr/>
                 </a:tc>
+                <a:extLst>
+                  <a:ext uri="{0D108BD9-81ED-4DB2-BD59-A6C34878D82A}">
+                    <a16:rowId xmlns:a16="http://schemas.microsoft.com/office/drawing/2014/main" val="10001"/>
+                  </a:ext>
+                </a:extLst>
               </a:tr>
               <a:tr h="2290108">
                 <a:tc>
@@ -6168,6 +6810,11 @@
                   </a:txBody>
                   <a:tcPr/>
                 </a:tc>
+                <a:extLst>
+                  <a:ext uri="{0D108BD9-81ED-4DB2-BD59-A6C34878D82A}">
+                    <a16:rowId xmlns:a16="http://schemas.microsoft.com/office/drawing/2014/main" val="10002"/>
+                  </a:ext>
+                </a:extLst>
               </a:tr>
             </a:tbl>
           </a:graphicData>
@@ -6247,7 +6894,13 @@
                 <a:tableStyleId>{5940675A-B579-460E-94D1-54222C63F5DA}</a:tableStyleId>
               </a:tblPr>
               <a:tblGrid>
-                <a:gridCol w="7556500"/>
+                <a:gridCol w="7556500">
+                  <a:extLst>
+                    <a:ext uri="{9D8B030D-6E8A-4147-A177-3AD203B41FA5}">
+                      <a16:colId xmlns:a16="http://schemas.microsoft.com/office/drawing/2014/main" val="20000"/>
+                    </a:ext>
+                  </a:extLst>
+                </a:gridCol>
               </a:tblGrid>
               <a:tr h="342902">
                 <a:tc>
@@ -6272,6 +6925,11 @@
                   </a:txBody>
                   <a:tcPr/>
                 </a:tc>
+                <a:extLst>
+                  <a:ext uri="{0D108BD9-81ED-4DB2-BD59-A6C34878D82A}">
+                    <a16:rowId xmlns:a16="http://schemas.microsoft.com/office/drawing/2014/main" val="10000"/>
+                  </a:ext>
+                </a:extLst>
               </a:tr>
               <a:tr h="2290108">
                 <a:tc>
@@ -6413,6 +7071,11 @@
                   </a:txBody>
                   <a:tcPr/>
                 </a:tc>
+                <a:extLst>
+                  <a:ext uri="{0D108BD9-81ED-4DB2-BD59-A6C34878D82A}">
+                    <a16:rowId xmlns:a16="http://schemas.microsoft.com/office/drawing/2014/main" val="10001"/>
+                  </a:ext>
+                </a:extLst>
               </a:tr>
               <a:tr h="2290108">
                 <a:tc>
@@ -6482,6 +7145,11 @@
                   </a:txBody>
                   <a:tcPr/>
                 </a:tc>
+                <a:extLst>
+                  <a:ext uri="{0D108BD9-81ED-4DB2-BD59-A6C34878D82A}">
+                    <a16:rowId xmlns:a16="http://schemas.microsoft.com/office/drawing/2014/main" val="10002"/>
+                  </a:ext>
+                </a:extLst>
               </a:tr>
             </a:tbl>
           </a:graphicData>
@@ -6561,7 +7229,13 @@
                 <a:tableStyleId>{5940675A-B579-460E-94D1-54222C63F5DA}</a:tableStyleId>
               </a:tblPr>
               <a:tblGrid>
-                <a:gridCol w="7556500"/>
+                <a:gridCol w="7556500">
+                  <a:extLst>
+                    <a:ext uri="{9D8B030D-6E8A-4147-A177-3AD203B41FA5}">
+                      <a16:colId xmlns:a16="http://schemas.microsoft.com/office/drawing/2014/main" val="20000"/>
+                    </a:ext>
+                  </a:extLst>
+                </a:gridCol>
               </a:tblGrid>
               <a:tr h="342902">
                 <a:tc>
@@ -6594,6 +7268,11 @@
                   </a:txBody>
                   <a:tcPr/>
                 </a:tc>
+                <a:extLst>
+                  <a:ext uri="{0D108BD9-81ED-4DB2-BD59-A6C34878D82A}">
+                    <a16:rowId xmlns:a16="http://schemas.microsoft.com/office/drawing/2014/main" val="10000"/>
+                  </a:ext>
+                </a:extLst>
               </a:tr>
               <a:tr h="2290108">
                 <a:tc>
@@ -6934,6 +7613,11 @@
                   </a:txBody>
                   <a:tcPr/>
                 </a:tc>
+                <a:extLst>
+                  <a:ext uri="{0D108BD9-81ED-4DB2-BD59-A6C34878D82A}">
+                    <a16:rowId xmlns:a16="http://schemas.microsoft.com/office/drawing/2014/main" val="10001"/>
+                  </a:ext>
+                </a:extLst>
               </a:tr>
               <a:tr h="2290108">
                 <a:tc>
@@ -7027,6 +7711,11 @@
                   </a:txBody>
                   <a:tcPr/>
                 </a:tc>
+                <a:extLst>
+                  <a:ext uri="{0D108BD9-81ED-4DB2-BD59-A6C34878D82A}">
+                    <a16:rowId xmlns:a16="http://schemas.microsoft.com/office/drawing/2014/main" val="10002"/>
+                  </a:ext>
+                </a:extLst>
               </a:tr>
             </a:tbl>
           </a:graphicData>
@@ -7106,8 +7795,20 @@
                 <a:tableStyleId>{5940675A-B579-460E-94D1-54222C63F5DA}</a:tableStyleId>
               </a:tblPr>
               <a:tblGrid>
-                <a:gridCol w="3778250"/>
-                <a:gridCol w="3778250"/>
+                <a:gridCol w="3778250">
+                  <a:extLst>
+                    <a:ext uri="{9D8B030D-6E8A-4147-A177-3AD203B41FA5}">
+                      <a16:colId xmlns:a16="http://schemas.microsoft.com/office/drawing/2014/main" val="20000"/>
+                    </a:ext>
+                  </a:extLst>
+                </a:gridCol>
+                <a:gridCol w="3778250">
+                  <a:extLst>
+                    <a:ext uri="{9D8B030D-6E8A-4147-A177-3AD203B41FA5}">
+                      <a16:colId xmlns:a16="http://schemas.microsoft.com/office/drawing/2014/main" val="20001"/>
+                    </a:ext>
+                  </a:extLst>
+                </a:gridCol>
               </a:tblGrid>
               <a:tr h="268531">
                 <a:tc gridSpan="2">
@@ -7150,6 +7851,11 @@
                   </a:txBody>
                   <a:tcPr/>
                 </a:tc>
+                <a:extLst>
+                  <a:ext uri="{0D108BD9-81ED-4DB2-BD59-A6C34878D82A}">
+                    <a16:rowId xmlns:a16="http://schemas.microsoft.com/office/drawing/2014/main" val="10000"/>
+                  </a:ext>
+                </a:extLst>
               </a:tr>
               <a:tr h="2916457">
                 <a:tc>
@@ -8585,6 +9291,11 @@
                     </a:lnL>
                   </a:tcPr>
                 </a:tc>
+                <a:extLst>
+                  <a:ext uri="{0D108BD9-81ED-4DB2-BD59-A6C34878D82A}">
+                    <a16:rowId xmlns:a16="http://schemas.microsoft.com/office/drawing/2014/main" val="10001"/>
+                  </a:ext>
+                </a:extLst>
               </a:tr>
               <a:tr h="1793413">
                 <a:tc gridSpan="2">
@@ -8753,6 +9464,11 @@
                   </a:txBody>
                   <a:tcPr/>
                 </a:tc>
+                <a:extLst>
+                  <a:ext uri="{0D108BD9-81ED-4DB2-BD59-A6C34878D82A}">
+                    <a16:rowId xmlns:a16="http://schemas.microsoft.com/office/drawing/2014/main" val="10002"/>
+                  </a:ext>
+                </a:extLst>
               </a:tr>
             </a:tbl>
           </a:graphicData>
@@ -8832,8 +9548,20 @@
                 <a:tableStyleId>{5940675A-B579-460E-94D1-54222C63F5DA}</a:tableStyleId>
               </a:tblPr>
               <a:tblGrid>
-                <a:gridCol w="3778250"/>
-                <a:gridCol w="3778250"/>
+                <a:gridCol w="3778250">
+                  <a:extLst>
+                    <a:ext uri="{9D8B030D-6E8A-4147-A177-3AD203B41FA5}">
+                      <a16:colId xmlns:a16="http://schemas.microsoft.com/office/drawing/2014/main" val="20000"/>
+                    </a:ext>
+                  </a:extLst>
+                </a:gridCol>
+                <a:gridCol w="3778250">
+                  <a:extLst>
+                    <a:ext uri="{9D8B030D-6E8A-4147-A177-3AD203B41FA5}">
+                      <a16:colId xmlns:a16="http://schemas.microsoft.com/office/drawing/2014/main" val="20001"/>
+                    </a:ext>
+                  </a:extLst>
+                </a:gridCol>
               </a:tblGrid>
               <a:tr h="261903">
                 <a:tc gridSpan="2">
@@ -8873,6 +9601,11 @@
                   </a:txBody>
                   <a:tcPr/>
                 </a:tc>
+                <a:extLst>
+                  <a:ext uri="{0D108BD9-81ED-4DB2-BD59-A6C34878D82A}">
+                    <a16:rowId xmlns:a16="http://schemas.microsoft.com/office/drawing/2014/main" val="10000"/>
+                  </a:ext>
+                </a:extLst>
               </a:tr>
               <a:tr h="3055536">
                 <a:tc>
@@ -10029,6 +10762,11 @@
                     </a:lnL>
                   </a:tcPr>
                 </a:tc>
+                <a:extLst>
+                  <a:ext uri="{0D108BD9-81ED-4DB2-BD59-A6C34878D82A}">
+                    <a16:rowId xmlns:a16="http://schemas.microsoft.com/office/drawing/2014/main" val="10001"/>
+                  </a:ext>
+                </a:extLst>
               </a:tr>
               <a:tr h="1559361">
                 <a:tc gridSpan="2">
@@ -10180,6 +10918,11 @@
                   </a:txBody>
                   <a:tcPr/>
                 </a:tc>
+                <a:extLst>
+                  <a:ext uri="{0D108BD9-81ED-4DB2-BD59-A6C34878D82A}">
+                    <a16:rowId xmlns:a16="http://schemas.microsoft.com/office/drawing/2014/main" val="10002"/>
+                  </a:ext>
+                </a:extLst>
               </a:tr>
             </a:tbl>
           </a:graphicData>
@@ -10259,7 +11002,13 @@
                 <a:tableStyleId>{5940675A-B579-460E-94D1-54222C63F5DA}</a:tableStyleId>
               </a:tblPr>
               <a:tblGrid>
-                <a:gridCol w="7556500"/>
+                <a:gridCol w="7556500">
+                  <a:extLst>
+                    <a:ext uri="{9D8B030D-6E8A-4147-A177-3AD203B41FA5}">
+                      <a16:colId xmlns:a16="http://schemas.microsoft.com/office/drawing/2014/main" val="20000"/>
+                    </a:ext>
+                  </a:extLst>
+                </a:gridCol>
               </a:tblGrid>
               <a:tr h="342902">
                 <a:tc>
@@ -10292,6 +11041,11 @@
                   </a:txBody>
                   <a:tcPr/>
                 </a:tc>
+                <a:extLst>
+                  <a:ext uri="{0D108BD9-81ED-4DB2-BD59-A6C34878D82A}">
+                    <a16:rowId xmlns:a16="http://schemas.microsoft.com/office/drawing/2014/main" val="10000"/>
+                  </a:ext>
+                </a:extLst>
               </a:tr>
               <a:tr h="2290108">
                 <a:tc>
@@ -10659,6 +11413,11 @@
                   </a:txBody>
                   <a:tcPr/>
                 </a:tc>
+                <a:extLst>
+                  <a:ext uri="{0D108BD9-81ED-4DB2-BD59-A6C34878D82A}">
+                    <a16:rowId xmlns:a16="http://schemas.microsoft.com/office/drawing/2014/main" val="10001"/>
+                  </a:ext>
+                </a:extLst>
               </a:tr>
               <a:tr h="2290108">
                 <a:tc>
@@ -10810,6 +11569,11 @@
                   </a:txBody>
                   <a:tcPr/>
                 </a:tc>
+                <a:extLst>
+                  <a:ext uri="{0D108BD9-81ED-4DB2-BD59-A6C34878D82A}">
+                    <a16:rowId xmlns:a16="http://schemas.microsoft.com/office/drawing/2014/main" val="10002"/>
+                  </a:ext>
+                </a:extLst>
               </a:tr>
             </a:tbl>
           </a:graphicData>

--- a/doc/3_ 설계서/Class Design.pptx
+++ b/doc/3_ 설계서/Class Design.pptx
@@ -4698,7 +4698,7 @@
           <p:nvPr>
             <p:extLst>
               <p:ext uri="{D42A27DB-BD31-4B8C-83A1-F6EECF244321}">
-                <p14:modId xmlns:p14="http://schemas.microsoft.com/office/powerpoint/2010/main" val="2471926084"/>
+                <p14:modId xmlns:p14="http://schemas.microsoft.com/office/powerpoint/2010/main" val="1668045349"/>
               </p:ext>
             </p:extLst>
           </p:nvPr>
@@ -4729,12 +4729,20 @@
                     <a:lstStyle/>
                     <a:p>
                       <a:r>
+                        <a:rPr lang="en-US" sz="1200" dirty="0" err="1" smtClean="0">
+                          <a:latin typeface="Malgun Gothic" charset="-127"/>
+                          <a:ea typeface="Malgun Gothic" charset="-127"/>
+                          <a:cs typeface="Malgun Gothic" charset="-127"/>
+                        </a:rPr>
+                        <a:t>SubjectElement</a:t>
+                      </a:r>
+                      <a:r>
                         <a:rPr lang="en-US" sz="1200" dirty="0" smtClean="0">
                           <a:latin typeface="Malgun Gothic" charset="-127"/>
                           <a:ea typeface="Malgun Gothic" charset="-127"/>
                           <a:cs typeface="Malgun Gothic" charset="-127"/>
                         </a:rPr>
-                        <a:t>Subject()</a:t>
+                        <a:t>()</a:t>
                       </a:r>
                       <a:endParaRPr lang="en-US" sz="1200" dirty="0">
                         <a:latin typeface="Malgun Gothic" charset="-127"/>
@@ -4958,11 +4966,6 @@
                         </a:rPr>
                         <a:t>public String semester</a:t>
                       </a:r>
-                      <a:endParaRPr lang="en-US" sz="1200" dirty="0" smtClean="0">
-                        <a:latin typeface="Malgun Gothic" charset="-127"/>
-                        <a:ea typeface="Malgun Gothic" charset="-127"/>
-                        <a:cs typeface="Malgun Gothic" charset="-127"/>
-                      </a:endParaRPr>
                     </a:p>
                   </a:txBody>
                   <a:tcPr/>
@@ -5002,7 +5005,31 @@
                           <a:ea typeface="Malgun Gothic" charset="-127"/>
                           <a:cs typeface="Malgun Gothic" charset="-127"/>
                         </a:rPr>
-                        <a:t>public Subject(String name, String prof, String </a:t>
+                        <a:t>public </a:t>
+                      </a:r>
+                      <a:r>
+                        <a:rPr lang="en-US" sz="1200" baseline="0" dirty="0" err="1" smtClean="0">
+                          <a:latin typeface="Malgun Gothic" charset="-127"/>
+                          <a:ea typeface="Malgun Gothic" charset="-127"/>
+                          <a:cs typeface="Malgun Gothic" charset="-127"/>
+                        </a:rPr>
+                        <a:t>SubjectElement</a:t>
+                      </a:r>
+                      <a:r>
+                        <a:rPr lang="en-US" sz="1200" baseline="0" dirty="0" smtClean="0">
+                          <a:latin typeface="Malgun Gothic" charset="-127"/>
+                          <a:ea typeface="Malgun Gothic" charset="-127"/>
+                          <a:cs typeface="Malgun Gothic" charset="-127"/>
+                        </a:rPr>
+                        <a:t>(String </a:t>
+                      </a:r>
+                      <a:r>
+                        <a:rPr lang="en-US" sz="1200" baseline="0" dirty="0" smtClean="0">
+                          <a:latin typeface="Malgun Gothic" charset="-127"/>
+                          <a:ea typeface="Malgun Gothic" charset="-127"/>
+                          <a:cs typeface="Malgun Gothic" charset="-127"/>
+                        </a:rPr>
+                        <a:t>name, String prof, String </a:t>
                       </a:r>
                       <a:r>
                         <a:rPr lang="en-US" sz="1200" baseline="0" dirty="0" err="1" smtClean="0">
@@ -5059,38 +5086,6 @@
                           <a:cs typeface="Malgun Gothic" charset="-127"/>
                         </a:rPr>
                         <a:t>startMinute</a:t>
-                      </a:r>
-                      <a:r>
-                        <a:rPr lang="en-US" sz="1200" baseline="0" dirty="0" smtClean="0">
-                          <a:latin typeface="Malgun Gothic" charset="-127"/>
-                          <a:ea typeface="Malgun Gothic" charset="-127"/>
-                          <a:cs typeface="Malgun Gothic" charset="-127"/>
-                        </a:rPr>
-                        <a:t>, </a:t>
-                      </a:r>
-                      <a:r>
-                        <a:rPr lang="en-US" sz="1200" baseline="0" dirty="0" err="1" smtClean="0">
-                          <a:latin typeface="Malgun Gothic" charset="-127"/>
-                          <a:ea typeface="Malgun Gothic" charset="-127"/>
-                          <a:cs typeface="Malgun Gothic" charset="-127"/>
-                        </a:rPr>
-                        <a:t>int</a:t>
-                      </a:r>
-                      <a:r>
-                        <a:rPr lang="en-US" sz="1200" baseline="0" dirty="0" smtClean="0">
-                          <a:latin typeface="Malgun Gothic" charset="-127"/>
-                          <a:ea typeface="Malgun Gothic" charset="-127"/>
-                          <a:cs typeface="Malgun Gothic" charset="-127"/>
-                        </a:rPr>
-                        <a:t> </a:t>
-                      </a:r>
-                      <a:r>
-                        <a:rPr lang="en-US" sz="1200" baseline="0" dirty="0" err="1" smtClean="0">
-                          <a:latin typeface="Malgun Gothic" charset="-127"/>
-                          <a:ea typeface="Malgun Gothic" charset="-127"/>
-                          <a:cs typeface="Malgun Gothic" charset="-127"/>
-                        </a:rPr>
-                        <a:t>endHour</a:t>
                       </a:r>
                       <a:r>
                         <a:rPr lang="en-US" sz="1200" baseline="0" dirty="0" smtClean="0">
@@ -5125,7 +5120,39 @@
                           <a:ea typeface="Malgun Gothic" charset="-127"/>
                           <a:cs typeface="Malgun Gothic" charset="-127"/>
                         </a:rPr>
-                        <a:t>                    String </a:t>
+                        <a:t>         </a:t>
+                      </a:r>
+                      <a:r>
+                        <a:rPr lang="en-US" sz="1200" baseline="0" dirty="0" err="1" smtClean="0">
+                          <a:latin typeface="Malgun Gothic" charset="-127"/>
+                          <a:ea typeface="Malgun Gothic" charset="-127"/>
+                          <a:cs typeface="Malgun Gothic" charset="-127"/>
+                        </a:rPr>
+                        <a:t>int</a:t>
+                      </a:r>
+                      <a:r>
+                        <a:rPr lang="en-US" sz="1200" baseline="0" dirty="0" smtClean="0">
+                          <a:latin typeface="Malgun Gothic" charset="-127"/>
+                          <a:ea typeface="Malgun Gothic" charset="-127"/>
+                          <a:cs typeface="Malgun Gothic" charset="-127"/>
+                        </a:rPr>
+                        <a:t> </a:t>
+                      </a:r>
+                      <a:r>
+                        <a:rPr lang="en-US" sz="1200" baseline="0" dirty="0" err="1" smtClean="0">
+                          <a:latin typeface="Malgun Gothic" charset="-127"/>
+                          <a:ea typeface="Malgun Gothic" charset="-127"/>
+                          <a:cs typeface="Malgun Gothic" charset="-127"/>
+                        </a:rPr>
+                        <a:t>endHour</a:t>
+                      </a:r>
+                      <a:r>
+                        <a:rPr lang="en-US" sz="1200" baseline="0" dirty="0" smtClean="0">
+                          <a:latin typeface="Malgun Gothic" charset="-127"/>
+                          <a:ea typeface="Malgun Gothic" charset="-127"/>
+                          <a:cs typeface="Malgun Gothic" charset="-127"/>
+                        </a:rPr>
+                        <a:t>, String </a:t>
                       </a:r>
                       <a:r>
                         <a:rPr lang="en-US" sz="1200" baseline="0" dirty="0" err="1" smtClean="0">
@@ -5159,11 +5186,6 @@
                         </a:rPr>
                         <a:t> year, String semester)</a:t>
                       </a:r>
-                      <a:endParaRPr lang="en-US" sz="1200" baseline="0" dirty="0" smtClean="0">
-                        <a:latin typeface="Malgun Gothic" charset="-127"/>
-                        <a:ea typeface="Malgun Gothic" charset="-127"/>
-                        <a:cs typeface="Malgun Gothic" charset="-127"/>
-                      </a:endParaRPr>
                     </a:p>
                   </a:txBody>
                   <a:tcPr/>
@@ -5420,7 +5442,11 @@
             <a:graphicFrameLocks noGrp="1"/>
           </p:cNvGraphicFramePr>
           <p:nvPr>
-            <p:extLst/>
+            <p:extLst>
+              <p:ext uri="{D42A27DB-BD31-4B8C-83A1-F6EECF244321}">
+                <p14:modId xmlns:p14="http://schemas.microsoft.com/office/powerpoint/2010/main" val="2888848395"/>
+              </p:ext>
+            </p:extLst>
           </p:nvPr>
         </p:nvGraphicFramePr>
         <p:xfrm>
@@ -5619,7 +5645,11 @@
           </p:cNvGraphicFramePr>
           <p:nvPr>
             <p:ph idx="1"/>
-            <p:extLst/>
+            <p:extLst>
+              <p:ext uri="{D42A27DB-BD31-4B8C-83A1-F6EECF244321}">
+                <p14:modId xmlns:p14="http://schemas.microsoft.com/office/powerpoint/2010/main" val="1791108034"/>
+              </p:ext>
+            </p:extLst>
           </p:nvPr>
         </p:nvGraphicFramePr>
         <p:xfrm>
@@ -5947,6 +5977,16 @@
                     <a:lstStyle/>
                     <a:p>
                       <a:pPr algn="ctr" latinLnBrk="1"/>
+                      <a:r>
+                        <a:rPr lang="en-US" altLang="ko-KR" sz="1200" b="0" dirty="0" smtClean="0">
+                          <a:solidFill>
+                            <a:schemeClr val="tx1"/>
+                          </a:solidFill>
+                          <a:latin typeface="맑은 고딕" pitchFamily="50" charset="-127"/>
+                          <a:ea typeface="맑은 고딕" pitchFamily="50" charset="-127"/>
+                        </a:rPr>
+                        <a:t>2017.05.24</a:t>
+                      </a:r>
                       <a:endParaRPr lang="ko-KR" altLang="en-US" sz="1200" b="0" dirty="0">
                         <a:solidFill>
                           <a:schemeClr val="tx1"/>
@@ -5968,6 +6008,16 @@
                     <a:lstStyle/>
                     <a:p>
                       <a:pPr algn="ctr" latinLnBrk="1"/>
+                      <a:r>
+                        <a:rPr lang="en-US" altLang="ko-KR" sz="1200" b="0" dirty="0" smtClean="0">
+                          <a:solidFill>
+                            <a:schemeClr val="tx1"/>
+                          </a:solidFill>
+                          <a:latin typeface="맑은 고딕" pitchFamily="50" charset="-127"/>
+                          <a:ea typeface="맑은 고딕" pitchFamily="50" charset="-127"/>
+                        </a:rPr>
+                        <a:t>V0.1.1</a:t>
+                      </a:r>
                       <a:endParaRPr lang="ko-KR" altLang="en-US" sz="1200" b="0" dirty="0">
                         <a:solidFill>
                           <a:schemeClr val="tx1"/>
@@ -5988,8 +6038,38 @@
                     <a:bodyPr/>
                     <a:lstStyle/>
                     <a:p>
-                      <a:pPr latinLnBrk="1"/>
-                      <a:endParaRPr lang="ko-KR" altLang="en-US" sz="1200" b="0">
+                      <a:pPr algn="ctr" latinLnBrk="1"/>
+                      <a:r>
+                        <a:rPr lang="en-US" altLang="ko-KR" sz="1200" b="0" dirty="0" smtClean="0">
+                          <a:solidFill>
+                            <a:schemeClr val="tx1"/>
+                          </a:solidFill>
+                          <a:latin typeface="맑은 고딕" pitchFamily="50" charset="-127"/>
+                          <a:ea typeface="맑은 고딕" pitchFamily="50" charset="-127"/>
+                        </a:rPr>
+                        <a:t>Subject</a:t>
+                      </a:r>
+                      <a:r>
+                        <a:rPr lang="ko-KR" altLang="en-US" sz="1200" b="0" dirty="0" smtClean="0">
+                          <a:solidFill>
+                            <a:schemeClr val="tx1"/>
+                          </a:solidFill>
+                          <a:latin typeface="맑은 고딕" pitchFamily="50" charset="-127"/>
+                          <a:ea typeface="맑은 고딕" pitchFamily="50" charset="-127"/>
+                        </a:rPr>
+                        <a:t>관련 설계서 수</a:t>
+                      </a:r>
+                      <a:r>
+                        <a:rPr lang="ko-KR" altLang="en-US" sz="1200" b="0" dirty="0" smtClean="0">
+                          <a:solidFill>
+                            <a:schemeClr val="tx1"/>
+                          </a:solidFill>
+                          <a:latin typeface="맑은 고딕" pitchFamily="50" charset="-127"/>
+                          <a:ea typeface="맑은 고딕" pitchFamily="50" charset="-127"/>
+                        </a:rPr>
+                        <a:t>정</a:t>
+                      </a:r>
+                      <a:endParaRPr lang="ko-KR" altLang="en-US" sz="1200" b="0" dirty="0">
                         <a:solidFill>
                           <a:schemeClr val="tx1"/>
                         </a:solidFill>
@@ -6010,6 +6090,16 @@
                     <a:lstStyle/>
                     <a:p>
                       <a:pPr algn="ctr" latinLnBrk="1"/>
+                      <a:r>
+                        <a:rPr lang="ko-KR" altLang="en-US" sz="1200" b="0" dirty="0" smtClean="0">
+                          <a:solidFill>
+                            <a:schemeClr val="tx1"/>
+                          </a:solidFill>
+                          <a:latin typeface="맑은 고딕" pitchFamily="50" charset="-127"/>
+                          <a:ea typeface="맑은 고딕" pitchFamily="50" charset="-127"/>
+                        </a:rPr>
+                        <a:t>김희애</a:t>
+                      </a:r>
                       <a:endParaRPr lang="ko-KR" altLang="en-US" sz="1200" b="0" dirty="0">
                         <a:solidFill>
                           <a:schemeClr val="tx1"/>
@@ -6880,7 +6970,11 @@
             <a:graphicFrameLocks noGrp="1"/>
           </p:cNvGraphicFramePr>
           <p:nvPr>
-            <p:extLst/>
+            <p:extLst>
+              <p:ext uri="{D42A27DB-BD31-4B8C-83A1-F6EECF244321}">
+                <p14:modId xmlns:p14="http://schemas.microsoft.com/office/powerpoint/2010/main" val="3359020594"/>
+              </p:ext>
+            </p:extLst>
           </p:nvPr>
         </p:nvGraphicFramePr>
         <p:xfrm>
@@ -7008,28 +7102,54 @@
                     </a:p>
                     <a:p>
                       <a:r>
-                        <a:rPr lang="en-US" sz="1200" baseline="0" dirty="0" err="1" smtClean="0">
-                          <a:latin typeface="Malgun Gothic" charset="-127"/>
-                          <a:ea typeface="Malgun Gothic" charset="-127"/>
-                          <a:cs typeface="Malgun Gothic" charset="-127"/>
-                        </a:rPr>
-                        <a:t>JButton</a:t>
-                      </a:r>
-                      <a:r>
                         <a:rPr lang="en-US" sz="1200" baseline="0" dirty="0" smtClean="0">
                           <a:latin typeface="Malgun Gothic" charset="-127"/>
                           <a:ea typeface="Malgun Gothic" charset="-127"/>
                           <a:cs typeface="Malgun Gothic" charset="-127"/>
                         </a:rPr>
-                        <a:t> </a:t>
-                      </a:r>
-                      <a:r>
-                        <a:rPr lang="en-US" sz="1200" baseline="0" dirty="0" err="1" smtClean="0">
-                          <a:latin typeface="Malgun Gothic" charset="-127"/>
-                          <a:ea typeface="Malgun Gothic" charset="-127"/>
-                          <a:cs typeface="Malgun Gothic" charset="-127"/>
-                        </a:rPr>
-                        <a:t>btnSubjectMange</a:t>
+                        <a:t>Private </a:t>
+                      </a:r>
+                      <a:r>
+                        <a:rPr lang="en-US" sz="1200" baseline="0" dirty="0" err="1" smtClean="0">
+                          <a:latin typeface="Malgun Gothic" charset="-127"/>
+                          <a:ea typeface="Malgun Gothic" charset="-127"/>
+                          <a:cs typeface="Malgun Gothic" charset="-127"/>
+                        </a:rPr>
+                        <a:t>SubjectManage</a:t>
+                      </a:r>
+                      <a:r>
+                        <a:rPr lang="en-US" sz="1200" baseline="0" dirty="0" smtClean="0">
+                          <a:latin typeface="Malgun Gothic" charset="-127"/>
+                          <a:ea typeface="Malgun Gothic" charset="-127"/>
+                          <a:cs typeface="Malgun Gothic" charset="-127"/>
+                        </a:rPr>
+                        <a:t> subjectmanage1</a:t>
+                      </a:r>
+                    </a:p>
+                    <a:p>
+                      <a:r>
+                        <a:rPr lang="en-US" sz="1200" baseline="0" dirty="0" smtClean="0">
+                          <a:latin typeface="Malgun Gothic" charset="-127"/>
+                          <a:ea typeface="Malgun Gothic" charset="-127"/>
+                          <a:cs typeface="Malgun Gothic" charset="-127"/>
+                        </a:rPr>
+                        <a:t>Private </a:t>
+                      </a:r>
+                      <a:r>
+                        <a:rPr lang="en-US" sz="1200" baseline="0" dirty="0" err="1" smtClean="0">
+                          <a:latin typeface="Malgun Gothic" charset="-127"/>
+                          <a:ea typeface="Malgun Gothic" charset="-127"/>
+                          <a:cs typeface="Malgun Gothic" charset="-127"/>
+                        </a:rPr>
+                        <a:t>TodoManage</a:t>
+                      </a:r>
+                      <a:r>
+                        <a:rPr lang="en-US" sz="1200" baseline="0" dirty="0" smtClean="0">
+                          <a:latin typeface="Malgun Gothic" charset="-127"/>
+                          <a:ea typeface="Malgun Gothic" charset="-127"/>
+                          <a:cs typeface="Malgun Gothic" charset="-127"/>
+                        </a:rPr>
+                        <a:t> todomanage1</a:t>
                       </a:r>
                       <a:endParaRPr lang="en-US" sz="1200" baseline="0" dirty="0" smtClean="0">
                         <a:latin typeface="Malgun Gothic" charset="-127"/>
@@ -7060,7 +7180,38 @@
                           <a:ea typeface="Malgun Gothic" charset="-127"/>
                           <a:cs typeface="Malgun Gothic" charset="-127"/>
                         </a:rPr>
-                        <a:t>btnTodoList</a:t>
+                        <a:t>btnSubjectMange</a:t>
+                      </a:r>
+                      <a:endParaRPr lang="en-US" sz="1200" baseline="0" dirty="0" smtClean="0">
+                        <a:latin typeface="Malgun Gothic" charset="-127"/>
+                        <a:ea typeface="Malgun Gothic" charset="-127"/>
+                        <a:cs typeface="Malgun Gothic" charset="-127"/>
+                      </a:endParaRPr>
+                    </a:p>
+                    <a:p>
+                      <a:r>
+                        <a:rPr lang="en-US" sz="1200" baseline="0" dirty="0" err="1" smtClean="0">
+                          <a:latin typeface="Malgun Gothic" charset="-127"/>
+                          <a:ea typeface="Malgun Gothic" charset="-127"/>
+                          <a:cs typeface="Malgun Gothic" charset="-127"/>
+                        </a:rPr>
+                        <a:t>JButton</a:t>
+                      </a:r>
+                      <a:r>
+                        <a:rPr lang="en-US" sz="1200" baseline="0" dirty="0" smtClean="0">
+                          <a:latin typeface="Malgun Gothic" charset="-127"/>
+                          <a:ea typeface="Malgun Gothic" charset="-127"/>
+                          <a:cs typeface="Malgun Gothic" charset="-127"/>
+                        </a:rPr>
+                        <a:t> </a:t>
+                      </a:r>
+                      <a:r>
+                        <a:rPr lang="en-US" sz="1200" baseline="0" dirty="0" err="1" smtClean="0">
+                          <a:latin typeface="Malgun Gothic" charset="-127"/>
+                          <a:ea typeface="Malgun Gothic" charset="-127"/>
+                          <a:cs typeface="Malgun Gothic" charset="-127"/>
+                        </a:rPr>
+                        <a:t>btnTo</a:t>
                       </a:r>
                       <a:endParaRPr lang="en-US" sz="1200" dirty="0">
                         <a:latin typeface="Malgun Gothic" charset="-127"/>
@@ -7215,7 +7366,11 @@
             <a:graphicFrameLocks noGrp="1"/>
           </p:cNvGraphicFramePr>
           <p:nvPr>
-            <p:extLst/>
+            <p:extLst>
+              <p:ext uri="{D42A27DB-BD31-4B8C-83A1-F6EECF244321}">
+                <p14:modId xmlns:p14="http://schemas.microsoft.com/office/powerpoint/2010/main" val="3316411020"/>
+              </p:ext>
+            </p:extLst>
           </p:nvPr>
         </p:nvGraphicFramePr>
         <p:xfrm>
@@ -7229,16 +7384,23 @@
                 <a:tableStyleId>{5940675A-B579-460E-94D1-54222C63F5DA}</a:tableStyleId>
               </a:tblPr>
               <a:tblGrid>
-                <a:gridCol w="7556500">
+                <a:gridCol w="3872696">
                   <a:extLst>
                     <a:ext uri="{9D8B030D-6E8A-4147-A177-3AD203B41FA5}">
                       <a16:colId xmlns:a16="http://schemas.microsoft.com/office/drawing/2014/main" val="20000"/>
                     </a:ext>
                   </a:extLst>
                 </a:gridCol>
+                <a:gridCol w="3683804">
+                  <a:extLst>
+                    <a:ext uri="{9D8B030D-6E8A-4147-A177-3AD203B41FA5}">
+                      <a16:colId xmlns:a16="http://schemas.microsoft.com/office/drawing/2014/main" val="1913853126"/>
+                    </a:ext>
+                  </a:extLst>
+                </a:gridCol>
               </a:tblGrid>
               <a:tr h="342902">
-                <a:tc>
+                <a:tc gridSpan="2">
                   <a:txBody>
                     <a:bodyPr/>
                     <a:lstStyle/>
@@ -7264,6 +7426,27 @@
                         <a:ea typeface="Malgun Gothic" charset="-127"/>
                         <a:cs typeface="Malgun Gothic" charset="-127"/>
                       </a:endParaRPr>
+                    </a:p>
+                  </a:txBody>
+                  <a:tcPr>
+                    <a:lnB w="12700" cap="flat" cmpd="sng" algn="ctr">
+                      <a:solidFill>
+                        <a:schemeClr val="tx1"/>
+                      </a:solidFill>
+                      <a:prstDash val="solid"/>
+                      <a:round/>
+                      <a:headEnd type="none" w="med" len="med"/>
+                      <a:tailEnd type="none" w="med" len="med"/>
+                    </a:lnB>
+                  </a:tcPr>
+                </a:tc>
+                <a:tc hMerge="1">
+                  <a:txBody>
+                    <a:bodyPr/>
+                    <a:lstStyle/>
+                    <a:p>
+                      <a:pPr latinLnBrk="1"/>
+                      <a:endParaRPr lang="ko-KR" altLang="en-US"/>
                     </a:p>
                   </a:txBody>
                   <a:tcPr/>
@@ -7411,17 +7594,7 @@
                           <a:ea typeface="Malgun Gothic" charset="-127"/>
                           <a:cs typeface="Malgun Gothic" charset="-127"/>
                         </a:rPr>
-                        <a:t> table</a:t>
-                      </a:r>
-                    </a:p>
-                    <a:p>
-                      <a:r>
-                        <a:rPr lang="en-US" sz="1200" dirty="0" err="1" smtClean="0">
-                          <a:latin typeface="Malgun Gothic" charset="-127"/>
-                          <a:ea typeface="Malgun Gothic" charset="-127"/>
-                          <a:cs typeface="Malgun Gothic" charset="-127"/>
-                        </a:rPr>
-                        <a:t>JButton</a:t>
+                        <a:t> </a:t>
                       </a:r>
                       <a:r>
                         <a:rPr lang="en-US" sz="1200" baseline="0" dirty="0" smtClean="0">
@@ -7429,6 +7602,49 @@
                           <a:ea typeface="Malgun Gothic" charset="-127"/>
                           <a:cs typeface="Malgun Gothic" charset="-127"/>
                         </a:rPr>
+                        <a:t>table</a:t>
+                      </a:r>
+                    </a:p>
+                    <a:p>
+                      <a:pPr marL="0" marR="0" indent="0" algn="l" defTabSz="914400" rtl="0" eaLnBrk="1" fontAlgn="auto" latinLnBrk="1" hangingPunct="1">
+                        <a:lnSpc>
+                          <a:spcPct val="100000"/>
+                        </a:lnSpc>
+                        <a:spcBef>
+                          <a:spcPts val="0"/>
+                        </a:spcBef>
+                        <a:spcAft>
+                          <a:spcPts val="0"/>
+                        </a:spcAft>
+                        <a:buClrTx/>
+                        <a:buSzTx/>
+                        <a:buFontTx/>
+                        <a:buNone/>
+                        <a:tabLst/>
+                        <a:defRPr/>
+                      </a:pPr>
+                      <a:r>
+                        <a:rPr lang="en-US" sz="1200" baseline="0" dirty="0" smtClean="0">
+                          <a:latin typeface="Malgun Gothic" charset="-127"/>
+                          <a:ea typeface="Malgun Gothic" charset="-127"/>
+                          <a:cs typeface="Malgun Gothic" charset="-127"/>
+                        </a:rPr>
+                        <a:t>private </a:t>
+                      </a:r>
+                      <a:r>
+                        <a:rPr lang="en-US" sz="1200" baseline="0" dirty="0" err="1" smtClean="0">
+                          <a:latin typeface="Malgun Gothic" charset="-127"/>
+                          <a:ea typeface="Malgun Gothic" charset="-127"/>
+                          <a:cs typeface="Malgun Gothic" charset="-127"/>
+                        </a:rPr>
+                        <a:t>DefaultTableModel</a:t>
+                      </a:r>
+                      <a:r>
+                        <a:rPr lang="en-US" sz="1200" baseline="0" dirty="0" smtClean="0">
+                          <a:latin typeface="Malgun Gothic" charset="-127"/>
+                          <a:ea typeface="Malgun Gothic" charset="-127"/>
+                          <a:cs typeface="Malgun Gothic" charset="-127"/>
+                        </a:rPr>
                         <a:t> </a:t>
                       </a:r>
                       <a:r>
@@ -7437,7 +7653,7 @@
                           <a:ea typeface="Malgun Gothic" charset="-127"/>
                           <a:cs typeface="Malgun Gothic" charset="-127"/>
                         </a:rPr>
-                        <a:t>btnAdd</a:t>
+                        <a:t>TableModel</a:t>
                       </a:r>
                       <a:endParaRPr lang="en-US" sz="1200" baseline="0" dirty="0" smtClean="0">
                         <a:latin typeface="Malgun Gothic" charset="-127"/>
@@ -7446,16 +7662,33 @@
                       </a:endParaRPr>
                     </a:p>
                     <a:p>
-                      <a:r>
-                        <a:rPr lang="en-US" sz="1200" baseline="0" dirty="0" err="1" smtClean="0">
-                          <a:latin typeface="Malgun Gothic" charset="-127"/>
-                          <a:ea typeface="Malgun Gothic" charset="-127"/>
-                          <a:cs typeface="Malgun Gothic" charset="-127"/>
-                        </a:rPr>
-                        <a:t>JButton</a:t>
-                      </a:r>
-                      <a:r>
-                        <a:rPr lang="en-US" sz="1200" baseline="0" dirty="0" smtClean="0">
+                      <a:pPr marL="0" marR="0" indent="0" algn="l" defTabSz="914400" rtl="0" eaLnBrk="1" fontAlgn="auto" latinLnBrk="1" hangingPunct="1">
+                        <a:lnSpc>
+                          <a:spcPct val="100000"/>
+                        </a:lnSpc>
+                        <a:spcBef>
+                          <a:spcPts val="0"/>
+                        </a:spcBef>
+                        <a:spcAft>
+                          <a:spcPts val="0"/>
+                        </a:spcAft>
+                        <a:buClrTx/>
+                        <a:buSzTx/>
+                        <a:buFontTx/>
+                        <a:buNone/>
+                        <a:tabLst/>
+                        <a:defRPr/>
+                      </a:pPr>
+                      <a:r>
+                        <a:rPr lang="en-US" altLang="ko-KR" sz="1200" dirty="0" smtClean="0">
+                          <a:latin typeface="Malgun Gothic" charset="-127"/>
+                          <a:ea typeface="Malgun Gothic" charset="-127"/>
+                          <a:cs typeface="Malgun Gothic" charset="-127"/>
+                        </a:rPr>
+                        <a:t>Private Database</a:t>
+                      </a:r>
+                      <a:r>
+                        <a:rPr lang="en-US" altLang="ko-KR" sz="1200" baseline="0" dirty="0" smtClean="0">
                           <a:latin typeface="Malgun Gothic" charset="-127"/>
                           <a:ea typeface="Malgun Gothic" charset="-127"/>
                           <a:cs typeface="Malgun Gothic" charset="-127"/>
@@ -7463,12 +7696,12 @@
                         <a:t> </a:t>
                       </a:r>
                       <a:r>
-                        <a:rPr lang="en-US" sz="1200" baseline="0" dirty="0" err="1" smtClean="0">
-                          <a:latin typeface="Malgun Gothic" charset="-127"/>
-                          <a:ea typeface="Malgun Gothic" charset="-127"/>
-                          <a:cs typeface="Malgun Gothic" charset="-127"/>
-                        </a:rPr>
-                        <a:t>btnChange</a:t>
+                        <a:rPr lang="en-US" altLang="ko-KR" sz="1200" baseline="0" dirty="0" err="1" smtClean="0">
+                          <a:latin typeface="Malgun Gothic" charset="-127"/>
+                          <a:ea typeface="Malgun Gothic" charset="-127"/>
+                          <a:cs typeface="Malgun Gothic" charset="-127"/>
+                        </a:rPr>
+                        <a:t>database</a:t>
                       </a:r>
                       <a:endParaRPr lang="en-US" sz="1200" baseline="0" dirty="0" smtClean="0">
                         <a:latin typeface="Malgun Gothic" charset="-127"/>
@@ -7478,7 +7711,7 @@
                     </a:p>
                     <a:p>
                       <a:r>
-                        <a:rPr lang="en-US" sz="1200" baseline="0" dirty="0" err="1" smtClean="0">
+                        <a:rPr lang="en-US" sz="1200" dirty="0" err="1" smtClean="0">
                           <a:latin typeface="Malgun Gothic" charset="-127"/>
                           <a:ea typeface="Malgun Gothic" charset="-127"/>
                           <a:cs typeface="Malgun Gothic" charset="-127"/>
@@ -7499,7 +7732,7 @@
                           <a:ea typeface="Malgun Gothic" charset="-127"/>
                           <a:cs typeface="Malgun Gothic" charset="-127"/>
                         </a:rPr>
-                        <a:t>btnDelete</a:t>
+                        <a:t>btnAdd</a:t>
                       </a:r>
                       <a:endParaRPr lang="en-US" sz="1200" baseline="0" dirty="0" smtClean="0">
                         <a:latin typeface="Malgun Gothic" charset="-127"/>
@@ -7530,7 +7763,7 @@
                           <a:ea typeface="Malgun Gothic" charset="-127"/>
                           <a:cs typeface="Malgun Gothic" charset="-127"/>
                         </a:rPr>
-                        <a:t>btnBack</a:t>
+                        <a:t>btnChange</a:t>
                       </a:r>
                       <a:endParaRPr lang="en-US" sz="1200" baseline="0" dirty="0" smtClean="0">
                         <a:latin typeface="Malgun Gothic" charset="-127"/>
@@ -7545,7 +7778,7 @@
                           <a:ea typeface="Malgun Gothic" charset="-127"/>
                           <a:cs typeface="Malgun Gothic" charset="-127"/>
                         </a:rPr>
-                        <a:t>JScrollPane</a:t>
+                        <a:t>JButton</a:t>
                       </a:r>
                       <a:r>
                         <a:rPr lang="en-US" sz="1200" baseline="0" dirty="0" smtClean="0">
@@ -7561,9 +7794,9 @@
                           <a:ea typeface="Malgun Gothic" charset="-127"/>
                           <a:cs typeface="Malgun Gothic" charset="-127"/>
                         </a:rPr>
-                        <a:t>scrollPane</a:t>
-                      </a:r>
-                      <a:endParaRPr lang="en-US" sz="1200" dirty="0" smtClean="0">
+                        <a:t>btnDelete</a:t>
+                      </a:r>
+                      <a:endParaRPr lang="en-US" sz="1200" baseline="0" dirty="0" smtClean="0">
                         <a:latin typeface="Malgun Gothic" charset="-127"/>
                         <a:ea typeface="Malgun Gothic" charset="-127"/>
                         <a:cs typeface="Malgun Gothic" charset="-127"/>
@@ -7571,12 +7804,12 @@
                     </a:p>
                     <a:p>
                       <a:r>
-                        <a:rPr lang="en-US" sz="1200" dirty="0" err="1" smtClean="0">
-                          <a:latin typeface="Malgun Gothic" charset="-127"/>
-                          <a:ea typeface="Malgun Gothic" charset="-127"/>
-                          <a:cs typeface="Malgun Gothic" charset="-127"/>
-                        </a:rPr>
-                        <a:t>JTable</a:t>
+                        <a:rPr lang="en-US" sz="1200" baseline="0" dirty="0" err="1" smtClean="0">
+                          <a:latin typeface="Malgun Gothic" charset="-127"/>
+                          <a:ea typeface="Malgun Gothic" charset="-127"/>
+                          <a:cs typeface="Malgun Gothic" charset="-127"/>
+                        </a:rPr>
+                        <a:t>JButton</a:t>
                       </a:r>
                       <a:r>
                         <a:rPr lang="en-US" sz="1200" baseline="0" dirty="0" smtClean="0">
@@ -7584,34 +7817,139 @@
                           <a:ea typeface="Malgun Gothic" charset="-127"/>
                           <a:cs typeface="Malgun Gothic" charset="-127"/>
                         </a:rPr>
-                        <a:t> table</a:t>
-                      </a:r>
-                    </a:p>
-                    <a:p>
-                      <a:r>
-                        <a:rPr lang="en-US" sz="1200" dirty="0" smtClean="0">
-                          <a:latin typeface="Malgun Gothic" charset="-127"/>
-                          <a:ea typeface="Malgun Gothic" charset="-127"/>
-                          <a:cs typeface="Malgun Gothic" charset="-127"/>
-                        </a:rPr>
-                        <a:t>Database</a:t>
-                      </a:r>
-                      <a:r>
-                        <a:rPr lang="en-US" sz="1200" baseline="0" dirty="0" smtClean="0">
-                          <a:latin typeface="Malgun Gothic" charset="-127"/>
-                          <a:ea typeface="Malgun Gothic" charset="-127"/>
-                          <a:cs typeface="Malgun Gothic" charset="-127"/>
-                        </a:rPr>
-                        <a:t> database</a:t>
-                      </a:r>
-                      <a:endParaRPr lang="en-US" sz="1200" dirty="0">
+                        <a:t> </a:t>
+                      </a:r>
+                      <a:r>
+                        <a:rPr lang="en-US" sz="1200" baseline="0" dirty="0" err="1" smtClean="0">
+                          <a:latin typeface="Malgun Gothic" charset="-127"/>
+                          <a:ea typeface="Malgun Gothic" charset="-127"/>
+                          <a:cs typeface="Malgun Gothic" charset="-127"/>
+                        </a:rPr>
+                        <a:t>btnBack</a:t>
+                      </a:r>
+                      <a:endParaRPr lang="en-US" sz="1200" baseline="0" dirty="0" smtClean="0">
                         <a:latin typeface="Malgun Gothic" charset="-127"/>
                         <a:ea typeface="Malgun Gothic" charset="-127"/>
                         <a:cs typeface="Malgun Gothic" charset="-127"/>
                       </a:endParaRPr>
                     </a:p>
+                    <a:p>
+                      <a:r>
+                        <a:rPr lang="en-US" sz="1200" baseline="0" dirty="0" err="1" smtClean="0">
+                          <a:latin typeface="Malgun Gothic" charset="-127"/>
+                          <a:ea typeface="Malgun Gothic" charset="-127"/>
+                          <a:cs typeface="Malgun Gothic" charset="-127"/>
+                        </a:rPr>
+                        <a:t>JScrollPane</a:t>
+                      </a:r>
+                      <a:r>
+                        <a:rPr lang="en-US" sz="1200" baseline="0" dirty="0" smtClean="0">
+                          <a:latin typeface="Malgun Gothic" charset="-127"/>
+                          <a:ea typeface="Malgun Gothic" charset="-127"/>
+                          <a:cs typeface="Malgun Gothic" charset="-127"/>
+                        </a:rPr>
+                        <a:t> </a:t>
+                      </a:r>
+                      <a:r>
+                        <a:rPr lang="en-US" sz="1200" baseline="0" dirty="0" err="1" smtClean="0">
+                          <a:latin typeface="Malgun Gothic" charset="-127"/>
+                          <a:ea typeface="Malgun Gothic" charset="-127"/>
+                          <a:cs typeface="Malgun Gothic" charset="-127"/>
+                        </a:rPr>
+                        <a:t>scrollPane</a:t>
+                      </a:r>
+                      <a:endParaRPr lang="en-US" sz="1200" baseline="0" dirty="0" smtClean="0">
+                        <a:latin typeface="Malgun Gothic" charset="-127"/>
+                        <a:ea typeface="Malgun Gothic" charset="-127"/>
+                        <a:cs typeface="Malgun Gothic" charset="-127"/>
+                      </a:endParaRPr>
+                    </a:p>
                   </a:txBody>
-                  <a:tcPr/>
+                  <a:tcPr>
+                    <a:lnR w="12700" cap="flat" cmpd="sng" algn="ctr">
+                      <a:solidFill>
+                        <a:schemeClr val="tx1"/>
+                      </a:solidFill>
+                      <a:prstDash val="solid"/>
+                      <a:round/>
+                      <a:headEnd type="none" w="med" len="med"/>
+                      <a:tailEnd type="none" w="med" len="med"/>
+                    </a:lnR>
+                    <a:lnT w="12700" cap="flat" cmpd="sng" algn="ctr">
+                      <a:solidFill>
+                        <a:schemeClr val="tx1"/>
+                      </a:solidFill>
+                      <a:prstDash val="solid"/>
+                      <a:round/>
+                      <a:headEnd type="none" w="med" len="med"/>
+                      <a:tailEnd type="none" w="med" len="med"/>
+                    </a:lnT>
+                  </a:tcPr>
+                </a:tc>
+                <a:tc>
+                  <a:txBody>
+                    <a:bodyPr/>
+                    <a:lstStyle/>
+                    <a:p>
+                      <a:r>
+                        <a:rPr lang="en-US" altLang="ko-KR" sz="1200" baseline="0" dirty="0" smtClean="0">
+                          <a:latin typeface="Malgun Gothic" charset="-127"/>
+                          <a:ea typeface="Malgun Gothic" charset="-127"/>
+                          <a:cs typeface="Malgun Gothic" charset="-127"/>
+                        </a:rPr>
+                        <a:t>Private</a:t>
+                      </a:r>
+                      <a:r>
+                        <a:rPr lang="ko-KR" altLang="en-US" sz="1200" baseline="0" dirty="0" smtClean="0">
+                          <a:latin typeface="Malgun Gothic" charset="-127"/>
+                          <a:ea typeface="Malgun Gothic" charset="-127"/>
+                          <a:cs typeface="Malgun Gothic" charset="-127"/>
+                        </a:rPr>
+                        <a:t> </a:t>
+                      </a:r>
+                      <a:r>
+                        <a:rPr lang="en-US" sz="1200" baseline="0" dirty="0" smtClean="0">
+                          <a:latin typeface="Malgun Gothic" charset="-127"/>
+                          <a:ea typeface="Malgun Gothic" charset="-127"/>
+                          <a:cs typeface="Malgun Gothic" charset="-127"/>
+                        </a:rPr>
+                        <a:t>String[] </a:t>
+                      </a:r>
+                      <a:r>
+                        <a:rPr lang="en-US" sz="1200" baseline="0" dirty="0" err="1" smtClean="0">
+                          <a:latin typeface="Malgun Gothic" charset="-127"/>
+                          <a:ea typeface="Malgun Gothic" charset="-127"/>
+                          <a:cs typeface="Malgun Gothic" charset="-127"/>
+                        </a:rPr>
+                        <a:t>SubjectColumnNames</a:t>
+                      </a:r>
+                      <a:endParaRPr lang="en-US" sz="1200" baseline="0" dirty="0" smtClean="0">
+                        <a:latin typeface="Malgun Gothic" charset="-127"/>
+                        <a:ea typeface="Malgun Gothic" charset="-127"/>
+                        <a:cs typeface="Malgun Gothic" charset="-127"/>
+                      </a:endParaRPr>
+                    </a:p>
+                  </a:txBody>
+                  <a:tcPr>
+                    <a:lnL w="12700" cap="flat" cmpd="sng" algn="ctr">
+                      <a:solidFill>
+                        <a:schemeClr val="tx1"/>
+                      </a:solidFill>
+                      <a:prstDash val="solid"/>
+                      <a:round/>
+                      <a:headEnd type="none" w="med" len="med"/>
+                      <a:tailEnd type="none" w="med" len="med"/>
+                    </a:lnL>
+                    <a:lnT w="12700" cap="flat" cmpd="sng" algn="ctr">
+                      <a:solidFill>
+                        <a:schemeClr val="tx1"/>
+                      </a:solidFill>
+                      <a:prstDash val="solid"/>
+                      <a:round/>
+                      <a:headEnd type="none" w="med" len="med"/>
+                      <a:tailEnd type="none" w="med" len="med"/>
+                    </a:lnT>
+                  </a:tcPr>
                 </a:tc>
                 <a:extLst>
                   <a:ext uri="{0D108BD9-81ED-4DB2-BD59-A6C34878D82A}">
@@ -7620,7 +7958,7 @@
                 </a:extLst>
               </a:tr>
               <a:tr h="2290108">
-                <a:tc>
+                <a:tc gridSpan="2">
                   <a:txBody>
                     <a:bodyPr/>
                     <a:lstStyle/>
@@ -7705,8 +8043,58 @@
                           <a:ea typeface="Malgun Gothic" charset="-127"/>
                           <a:cs typeface="Malgun Gothic" charset="-127"/>
                         </a:rPr>
-                        <a:t> e)</a:t>
-                      </a:r>
+                        <a:t> e</a:t>
+                      </a:r>
+                      <a:r>
+                        <a:rPr lang="en-US" sz="1200" baseline="0" dirty="0" smtClean="0">
+                          <a:latin typeface="Malgun Gothic" charset="-127"/>
+                          <a:ea typeface="Malgun Gothic" charset="-127"/>
+                          <a:cs typeface="Malgun Gothic" charset="-127"/>
+                        </a:rPr>
+                        <a:t>)</a:t>
+                      </a:r>
+                    </a:p>
+                    <a:p>
+                      <a:r>
+                        <a:rPr lang="en-US" sz="1200" baseline="0" dirty="0" smtClean="0">
+                          <a:latin typeface="Malgun Gothic" charset="-127"/>
+                          <a:ea typeface="Malgun Gothic" charset="-127"/>
+                          <a:cs typeface="Malgun Gothic" charset="-127"/>
+                        </a:rPr>
+                        <a:t>public void </a:t>
+                      </a:r>
+                      <a:r>
+                        <a:rPr lang="en-US" sz="1200" baseline="0" dirty="0" err="1" smtClean="0">
+                          <a:latin typeface="Malgun Gothic" charset="-127"/>
+                          <a:ea typeface="Malgun Gothic" charset="-127"/>
+                          <a:cs typeface="Malgun Gothic" charset="-127"/>
+                        </a:rPr>
+                        <a:t>SubjectTable</a:t>
+                      </a:r>
+                      <a:r>
+                        <a:rPr lang="en-US" sz="1200" baseline="0" dirty="0" smtClean="0">
+                          <a:latin typeface="Malgun Gothic" charset="-127"/>
+                          <a:ea typeface="Malgun Gothic" charset="-127"/>
+                          <a:cs typeface="Malgun Gothic" charset="-127"/>
+                        </a:rPr>
+                        <a:t>()</a:t>
+                      </a:r>
+                      <a:endParaRPr lang="en-US" sz="1200" baseline="0" dirty="0" smtClean="0">
+                        <a:latin typeface="Malgun Gothic" charset="-127"/>
+                        <a:ea typeface="Malgun Gothic" charset="-127"/>
+                        <a:cs typeface="Malgun Gothic" charset="-127"/>
+                      </a:endParaRPr>
+                    </a:p>
+                  </a:txBody>
+                  <a:tcPr/>
+                </a:tc>
+                <a:tc hMerge="1">
+                  <a:txBody>
+                    <a:bodyPr/>
+                    <a:lstStyle/>
+                    <a:p>
+                      <a:pPr latinLnBrk="1"/>
+                      <a:endParaRPr lang="ko-KR" altLang="en-US"/>
                     </a:p>
                   </a:txBody>
                   <a:tcPr/>
@@ -7781,7 +8169,11 @@
             <a:graphicFrameLocks noGrp="1"/>
           </p:cNvGraphicFramePr>
           <p:nvPr>
-            <p:extLst/>
+            <p:extLst>
+              <p:ext uri="{D42A27DB-BD31-4B8C-83A1-F6EECF244321}">
+                <p14:modId xmlns:p14="http://schemas.microsoft.com/office/powerpoint/2010/main" val="2754500208"/>
+              </p:ext>
+            </p:extLst>
           </p:nvPr>
         </p:nvGraphicFramePr>
         <p:xfrm>
@@ -8076,14 +8468,11 @@
                         </a:rPr>
                         <a:t>txtProf</a:t>
                       </a:r>
-                      <a:r>
-                        <a:rPr lang="en-US" sz="1200" baseline="0" dirty="0" smtClean="0">
-                          <a:latin typeface="Malgun Gothic" charset="-127"/>
-                          <a:ea typeface="Malgun Gothic" charset="-127"/>
-                          <a:cs typeface="Malgun Gothic" charset="-127"/>
-                        </a:rPr>
-                        <a:t>_</a:t>
-                      </a:r>
+                      <a:endParaRPr lang="en-US" sz="1200" baseline="0" dirty="0" smtClean="0">
+                        <a:latin typeface="Malgun Gothic" charset="-127"/>
+                        <a:ea typeface="Malgun Gothic" charset="-127"/>
+                        <a:cs typeface="Malgun Gothic" charset="-127"/>
+                      </a:endParaRPr>
                     </a:p>
                     <a:p>
                       <a:pPr marL="0" marR="0" indent="0" algn="l" defTabSz="914400" rtl="0" eaLnBrk="1" fontAlgn="auto" latinLnBrk="1" hangingPunct="1">
@@ -8104,6 +8493,54 @@
                         <a:defRPr/>
                       </a:pPr>
                       <a:r>
+                        <a:rPr lang="en-US" altLang="ko-KR" sz="1200" baseline="0" dirty="0" smtClean="0">
+                          <a:latin typeface="Malgun Gothic" charset="-127"/>
+                          <a:ea typeface="Malgun Gothic" charset="-127"/>
+                          <a:cs typeface="Malgun Gothic" charset="-127"/>
+                        </a:rPr>
+                        <a:t>private </a:t>
+                      </a:r>
+                      <a:r>
+                        <a:rPr lang="en-US" altLang="ko-KR" sz="1200" baseline="0" dirty="0" err="1" smtClean="0">
+                          <a:latin typeface="Malgun Gothic" charset="-127"/>
+                          <a:ea typeface="Malgun Gothic" charset="-127"/>
+                          <a:cs typeface="Malgun Gothic" charset="-127"/>
+                        </a:rPr>
+                        <a:t>DataBase</a:t>
+                      </a:r>
+                      <a:r>
+                        <a:rPr lang="en-US" altLang="ko-KR" sz="1200" baseline="0" dirty="0" smtClean="0">
+                          <a:latin typeface="Malgun Gothic" charset="-127"/>
+                          <a:ea typeface="Malgun Gothic" charset="-127"/>
+                          <a:cs typeface="Malgun Gothic" charset="-127"/>
+                        </a:rPr>
+                        <a:t> database</a:t>
+                      </a:r>
+                      <a:endParaRPr lang="en-US" sz="1200" baseline="0" dirty="0" smtClean="0">
+                        <a:latin typeface="Malgun Gothic" charset="-127"/>
+                        <a:ea typeface="Malgun Gothic" charset="-127"/>
+                        <a:cs typeface="Malgun Gothic" charset="-127"/>
+                      </a:endParaRPr>
+                    </a:p>
+                    <a:p>
+                      <a:pPr marL="0" marR="0" indent="0" algn="l" defTabSz="914400" rtl="0" eaLnBrk="1" fontAlgn="auto" latinLnBrk="1" hangingPunct="1">
+                        <a:lnSpc>
+                          <a:spcPct val="100000"/>
+                        </a:lnSpc>
+                        <a:spcBef>
+                          <a:spcPts val="0"/>
+                        </a:spcBef>
+                        <a:spcAft>
+                          <a:spcPts val="0"/>
+                        </a:spcAft>
+                        <a:buClrTx/>
+                        <a:buSzTx/>
+                        <a:buFontTx/>
+                        <a:buNone/>
+                        <a:tabLst/>
+                        <a:defRPr/>
+                      </a:pPr>
+                      <a:r>
                         <a:rPr lang="en-US" sz="1200" baseline="0" dirty="0" err="1" smtClean="0">
                           <a:latin typeface="Malgun Gothic" charset="-127"/>
                           <a:ea typeface="Malgun Gothic" charset="-127"/>
@@ -8125,7 +8562,7 @@
                           <a:ea typeface="Malgun Gothic" charset="-127"/>
                           <a:cs typeface="Malgun Gothic" charset="-127"/>
                         </a:rPr>
-                        <a:t>btnADD</a:t>
+                        <a:t>btnAdd</a:t>
                       </a:r>
                       <a:endParaRPr lang="en-US" sz="1200" baseline="0" dirty="0" smtClean="0">
                         <a:latin typeface="Malgun Gothic" charset="-127"/>
@@ -8493,6 +8930,23 @@
                         <a:cs typeface="Malgun Gothic" charset="-127"/>
                       </a:endParaRPr>
                     </a:p>
+                  </a:txBody>
+                  <a:tcPr>
+                    <a:lnR w="12700" cap="flat" cmpd="sng" algn="ctr">
+                      <a:solidFill>
+                        <a:schemeClr val="tx1"/>
+                      </a:solidFill>
+                      <a:prstDash val="solid"/>
+                      <a:round/>
+                      <a:headEnd type="none" w="med" len="med"/>
+                      <a:tailEnd type="none" w="med" len="med"/>
+                    </a:lnR>
+                  </a:tcPr>
+                </a:tc>
+                <a:tc>
+                  <a:txBody>
+                    <a:bodyPr/>
+                    <a:lstStyle/>
                     <a:p>
                       <a:pPr marL="0" marR="0" indent="0" algn="l" defTabSz="914400" rtl="0" eaLnBrk="1" fontAlgn="auto" latinLnBrk="1" hangingPunct="1">
                         <a:lnSpc>
@@ -8511,29 +8965,36 @@
                         <a:tabLst/>
                         <a:defRPr/>
                       </a:pPr>
+                      <a:r>
+                        <a:rPr lang="en-US" sz="1200" baseline="0" dirty="0" err="1" smtClean="0">
+                          <a:latin typeface="Malgun Gothic" charset="-127"/>
+                          <a:ea typeface="Malgun Gothic" charset="-127"/>
+                          <a:cs typeface="Malgun Gothic" charset="-127"/>
+                        </a:rPr>
+                        <a:t>JComboBox</a:t>
+                      </a:r>
+                      <a:r>
+                        <a:rPr lang="en-US" sz="1200" baseline="0" dirty="0" smtClean="0">
+                          <a:latin typeface="Malgun Gothic" charset="-127"/>
+                          <a:ea typeface="Malgun Gothic" charset="-127"/>
+                          <a:cs typeface="Malgun Gothic" charset="-127"/>
+                        </a:rPr>
+                        <a:t> </a:t>
+                      </a:r>
+                      <a:r>
+                        <a:rPr lang="en-US" sz="1200" baseline="0" dirty="0" err="1" smtClean="0">
+                          <a:latin typeface="Malgun Gothic" charset="-127"/>
+                          <a:ea typeface="Malgun Gothic" charset="-127"/>
+                          <a:cs typeface="Malgun Gothic" charset="-127"/>
+                        </a:rPr>
+                        <a:t>cbStartAm</a:t>
+                      </a:r>
                       <a:endParaRPr lang="en-US" sz="1200" baseline="0" dirty="0" smtClean="0">
                         <a:latin typeface="Malgun Gothic" charset="-127"/>
                         <a:ea typeface="Malgun Gothic" charset="-127"/>
                         <a:cs typeface="Malgun Gothic" charset="-127"/>
                       </a:endParaRPr>
                     </a:p>
-                  </a:txBody>
-                  <a:tcPr>
-                    <a:lnR w="12700" cap="flat" cmpd="sng" algn="ctr">
-                      <a:solidFill>
-                        <a:schemeClr val="tx1"/>
-                      </a:solidFill>
-                      <a:prstDash val="solid"/>
-                      <a:round/>
-                      <a:headEnd type="none" w="med" len="med"/>
-                      <a:tailEnd type="none" w="med" len="med"/>
-                    </a:lnR>
-                  </a:tcPr>
-                </a:tc>
-                <a:tc>
-                  <a:txBody>
-                    <a:bodyPr/>
-                    <a:lstStyle/>
                     <a:p>
                       <a:pPr marL="0" marR="0" indent="0" algn="l" defTabSz="914400" rtl="0" eaLnBrk="1" fontAlgn="auto" latinLnBrk="1" hangingPunct="1">
                         <a:lnSpc>
@@ -8574,7 +9035,7 @@
                           <a:ea typeface="Malgun Gothic" charset="-127"/>
                           <a:cs typeface="Malgun Gothic" charset="-127"/>
                         </a:rPr>
-                        <a:t>cbStartAm</a:t>
+                        <a:t>cbStartHour</a:t>
                       </a:r>
                       <a:endParaRPr lang="en-US" sz="1200" baseline="0" dirty="0" smtClean="0">
                         <a:latin typeface="Malgun Gothic" charset="-127"/>
@@ -8622,7 +9083,7 @@
                           <a:ea typeface="Malgun Gothic" charset="-127"/>
                           <a:cs typeface="Malgun Gothic" charset="-127"/>
                         </a:rPr>
-                        <a:t>cbStartHour</a:t>
+                        <a:t>cbStartMinute</a:t>
                       </a:r>
                       <a:endParaRPr lang="en-US" sz="1200" baseline="0" dirty="0" smtClean="0">
                         <a:latin typeface="Malgun Gothic" charset="-127"/>
@@ -8670,7 +9131,7 @@
                           <a:ea typeface="Malgun Gothic" charset="-127"/>
                           <a:cs typeface="Malgun Gothic" charset="-127"/>
                         </a:rPr>
-                        <a:t>cbStartMinute</a:t>
+                        <a:t>cbEndAm</a:t>
                       </a:r>
                       <a:endParaRPr lang="en-US" sz="1200" baseline="0" dirty="0" smtClean="0">
                         <a:latin typeface="Malgun Gothic" charset="-127"/>
@@ -8718,7 +9179,7 @@
                           <a:ea typeface="Malgun Gothic" charset="-127"/>
                           <a:cs typeface="Malgun Gothic" charset="-127"/>
                         </a:rPr>
-                        <a:t>cbEndAm</a:t>
+                        <a:t>cbEndHour</a:t>
                       </a:r>
                       <a:endParaRPr lang="en-US" sz="1200" baseline="0" dirty="0" smtClean="0">
                         <a:latin typeface="Malgun Gothic" charset="-127"/>
@@ -8766,7 +9227,7 @@
                           <a:ea typeface="Malgun Gothic" charset="-127"/>
                           <a:cs typeface="Malgun Gothic" charset="-127"/>
                         </a:rPr>
-                        <a:t>cbEndHour</a:t>
+                        <a:t>cbEndMinute</a:t>
                       </a:r>
                       <a:endParaRPr lang="en-US" sz="1200" baseline="0" dirty="0" smtClean="0">
                         <a:latin typeface="Malgun Gothic" charset="-127"/>
@@ -8814,7 +9275,7 @@
                           <a:ea typeface="Malgun Gothic" charset="-127"/>
                           <a:cs typeface="Malgun Gothic" charset="-127"/>
                         </a:rPr>
-                        <a:t>cbEndMinute</a:t>
+                        <a:t>cbSemester</a:t>
                       </a:r>
                       <a:endParaRPr lang="en-US" sz="1200" baseline="0" dirty="0" smtClean="0">
                         <a:latin typeface="Malgun Gothic" charset="-127"/>
@@ -8846,7 +9307,7 @@
                           <a:ea typeface="Malgun Gothic" charset="-127"/>
                           <a:cs typeface="Malgun Gothic" charset="-127"/>
                         </a:rPr>
-                        <a:t>JComboBox</a:t>
+                        <a:t>JYearChooser</a:t>
                       </a:r>
                       <a:r>
                         <a:rPr lang="en-US" sz="1200" baseline="0" dirty="0" smtClean="0">
@@ -8862,55 +9323,7 @@
                           <a:ea typeface="Malgun Gothic" charset="-127"/>
                           <a:cs typeface="Malgun Gothic" charset="-127"/>
                         </a:rPr>
-                        <a:t>cbYear</a:t>
-                      </a:r>
-                      <a:endParaRPr lang="en-US" sz="1200" baseline="0" dirty="0" smtClean="0">
-                        <a:latin typeface="Malgun Gothic" charset="-127"/>
-                        <a:ea typeface="Malgun Gothic" charset="-127"/>
-                        <a:cs typeface="Malgun Gothic" charset="-127"/>
-                      </a:endParaRPr>
-                    </a:p>
-                    <a:p>
-                      <a:pPr marL="0" marR="0" indent="0" algn="l" defTabSz="914400" rtl="0" eaLnBrk="1" fontAlgn="auto" latinLnBrk="1" hangingPunct="1">
-                        <a:lnSpc>
-                          <a:spcPct val="100000"/>
-                        </a:lnSpc>
-                        <a:spcBef>
-                          <a:spcPts val="0"/>
-                        </a:spcBef>
-                        <a:spcAft>
-                          <a:spcPts val="0"/>
-                        </a:spcAft>
-                        <a:buClrTx/>
-                        <a:buSzTx/>
-                        <a:buFontTx/>
-                        <a:buNone/>
-                        <a:tabLst/>
-                        <a:defRPr/>
-                      </a:pPr>
-                      <a:r>
-                        <a:rPr lang="en-US" sz="1200" baseline="0" dirty="0" err="1" smtClean="0">
-                          <a:latin typeface="Malgun Gothic" charset="-127"/>
-                          <a:ea typeface="Malgun Gothic" charset="-127"/>
-                          <a:cs typeface="Malgun Gothic" charset="-127"/>
-                        </a:rPr>
-                        <a:t>JComboBox</a:t>
-                      </a:r>
-                      <a:r>
-                        <a:rPr lang="en-US" sz="1200" baseline="0" dirty="0" smtClean="0">
-                          <a:latin typeface="Malgun Gothic" charset="-127"/>
-                          <a:ea typeface="Malgun Gothic" charset="-127"/>
-                          <a:cs typeface="Malgun Gothic" charset="-127"/>
-                        </a:rPr>
-                        <a:t> </a:t>
-                      </a:r>
-                      <a:r>
-                        <a:rPr lang="en-US" sz="1200" baseline="0" dirty="0" err="1" smtClean="0">
-                          <a:latin typeface="Malgun Gothic" charset="-127"/>
-                          <a:ea typeface="Malgun Gothic" charset="-127"/>
-                          <a:cs typeface="Malgun Gothic" charset="-127"/>
-                        </a:rPr>
-                        <a:t>cbSemester</a:t>
+                        <a:t>ycYear</a:t>
                       </a:r>
                       <a:endParaRPr lang="en-US" sz="1200" baseline="0" dirty="0" smtClean="0">
                         <a:latin typeface="Malgun Gothic" charset="-127"/>
@@ -9417,7 +9830,7 @@
                           <a:ea typeface="Malgun Gothic" charset="-127"/>
                           <a:cs typeface="Malgun Gothic" charset="-127"/>
                         </a:rPr>
-                        <a:t>mousePressed</a:t>
+                        <a:t>mouseClicked</a:t>
                       </a:r>
                       <a:r>
                         <a:rPr lang="en-US" sz="1200" baseline="0" dirty="0" smtClean="0">
@@ -9441,7 +9854,15 @@
                           <a:ea typeface="Malgun Gothic" charset="-127"/>
                           <a:cs typeface="Malgun Gothic" charset="-127"/>
                         </a:rPr>
-                        <a:t> e)   </a:t>
+                        <a:t> </a:t>
+                      </a:r>
+                      <a:r>
+                        <a:rPr lang="en-US" sz="1200" baseline="0" dirty="0" smtClean="0">
+                          <a:latin typeface="Malgun Gothic" charset="-127"/>
+                          <a:ea typeface="Malgun Gothic" charset="-127"/>
+                          <a:cs typeface="Malgun Gothic" charset="-127"/>
+                        </a:rPr>
+                        <a:t>e)   </a:t>
                       </a:r>
                     </a:p>
                     <a:p>
@@ -9534,12 +9955,16 @@
             <a:graphicFrameLocks noGrp="1"/>
           </p:cNvGraphicFramePr>
           <p:nvPr>
-            <p:extLst/>
+            <p:extLst>
+              <p:ext uri="{D42A27DB-BD31-4B8C-83A1-F6EECF244321}">
+                <p14:modId xmlns:p14="http://schemas.microsoft.com/office/powerpoint/2010/main" val="2573125126"/>
+              </p:ext>
+            </p:extLst>
           </p:nvPr>
         </p:nvGraphicFramePr>
         <p:xfrm>
           <a:off x="838200" y="1066799"/>
-          <a:ext cx="7556500" cy="5034081"/>
+          <a:ext cx="7556500" cy="4889217"/>
         </p:xfrm>
         <a:graphic>
           <a:graphicData uri="http://schemas.openxmlformats.org/drawingml/2006/table">
@@ -9618,6 +10043,40 @@
                           <a:latin typeface="+mn-ea"/>
                           <a:ea typeface="+mn-ea"/>
                         </a:rPr>
+                        <a:t>public </a:t>
+                      </a:r>
+                      <a:r>
+                        <a:rPr lang="en-US" sz="1200" dirty="0" err="1" smtClean="0">
+                          <a:latin typeface="+mn-ea"/>
+                          <a:ea typeface="+mn-ea"/>
+                        </a:rPr>
+                        <a:t>SubjectElement</a:t>
+                      </a:r>
+                      <a:r>
+                        <a:rPr lang="en-US" sz="1200" dirty="0" smtClean="0">
+                          <a:latin typeface="+mn-ea"/>
+                          <a:ea typeface="+mn-ea"/>
+                        </a:rPr>
+                        <a:t> </a:t>
+                      </a:r>
+                      <a:r>
+                        <a:rPr lang="en-US" sz="1200" dirty="0" err="1" smtClean="0">
+                          <a:latin typeface="+mn-ea"/>
+                          <a:ea typeface="+mn-ea"/>
+                        </a:rPr>
+                        <a:t>SubjectElement</a:t>
+                      </a:r>
+                      <a:endParaRPr lang="en-US" sz="1200" dirty="0" smtClean="0">
+                        <a:latin typeface="+mn-ea"/>
+                        <a:ea typeface="+mn-ea"/>
+                      </a:endParaRPr>
+                    </a:p>
+                    <a:p>
+                      <a:r>
+                        <a:rPr lang="en-US" sz="1200" dirty="0" smtClean="0">
+                          <a:latin typeface="+mn-ea"/>
+                          <a:ea typeface="+mn-ea"/>
+                        </a:rPr>
                         <a:t>private</a:t>
                       </a:r>
                       <a:r>
@@ -9680,7 +10139,7 @@
                           <a:latin typeface="+mn-ea"/>
                           <a:ea typeface="+mn-ea"/>
                         </a:rPr>
-                        <a:t>subjectChange</a:t>
+                        <a:t>subjectmanageclass</a:t>
                       </a:r>
                       <a:endParaRPr lang="en-US" sz="1200" baseline="0" dirty="0" smtClean="0">
                         <a:latin typeface="+mn-ea"/>
@@ -9783,6 +10242,33 @@
                           <a:ea typeface="+mn-ea"/>
                         </a:rPr>
                         <a:t>txtProf</a:t>
+                      </a:r>
+                      <a:endParaRPr lang="en-US" sz="1200" baseline="0" dirty="0" smtClean="0">
+                        <a:latin typeface="+mn-ea"/>
+                        <a:ea typeface="+mn-ea"/>
+                      </a:endParaRPr>
+                    </a:p>
+                    <a:p>
+                      <a:r>
+                        <a:rPr lang="en-US" sz="1200" baseline="0" dirty="0" smtClean="0">
+                          <a:latin typeface="+mn-ea"/>
+                          <a:ea typeface="+mn-ea"/>
+                        </a:rPr>
+                        <a:t>private </a:t>
+                      </a:r>
+                      <a:r>
+                        <a:rPr lang="en-US" sz="1200" baseline="0" dirty="0" err="1" smtClean="0">
+                          <a:latin typeface="+mn-ea"/>
+                          <a:ea typeface="+mn-ea"/>
+                        </a:rPr>
+                        <a:t>DataBase</a:t>
+                      </a:r>
+                      <a:r>
+                        <a:rPr lang="en-US" sz="1200" baseline="0" dirty="0" smtClean="0">
+                          <a:latin typeface="+mn-ea"/>
+                          <a:ea typeface="+mn-ea"/>
+                        </a:rPr>
+                        <a:t> database</a:t>
                       </a:r>
                       <a:endParaRPr lang="en-US" sz="1200" baseline="0" dirty="0" smtClean="0">
                         <a:latin typeface="+mn-ea"/>
@@ -10323,7 +10809,7 @@
                           <a:latin typeface="+mn-ea"/>
                           <a:ea typeface="+mn-ea"/>
                         </a:rPr>
-                        <a:t>cbYear</a:t>
+                        <a:t>cbSemester</a:t>
                       </a:r>
                       <a:endParaRPr lang="en-US" sz="1200" baseline="0" dirty="0" smtClean="0">
                         <a:latin typeface="+mn-ea"/>
@@ -10353,7 +10839,7 @@
                           <a:latin typeface="+mn-ea"/>
                           <a:ea typeface="+mn-ea"/>
                         </a:rPr>
-                        <a:t>JComboBox</a:t>
+                        <a:t>JYearChooser</a:t>
                       </a:r>
                       <a:r>
                         <a:rPr lang="en-US" sz="1200" baseline="0" dirty="0" smtClean="0">
@@ -10367,7 +10853,7 @@
                           <a:latin typeface="+mn-ea"/>
                           <a:ea typeface="+mn-ea"/>
                         </a:rPr>
-                        <a:t>cbSemester</a:t>
+                        <a:t>ycYear</a:t>
                       </a:r>
                       <a:endParaRPr lang="en-US" sz="1200" baseline="0" dirty="0" smtClean="0">
                         <a:latin typeface="+mn-ea"/>
@@ -10676,50 +11162,6 @@
                           <a:ea typeface="+mn-ea"/>
                         </a:rPr>
                         <a:t>btnSun</a:t>
-                      </a:r>
-                      <a:endParaRPr lang="en-US" sz="1200" baseline="0" dirty="0" smtClean="0">
-                        <a:latin typeface="+mn-ea"/>
-                        <a:ea typeface="+mn-ea"/>
-                      </a:endParaRPr>
-                    </a:p>
-                    <a:p>
-                      <a:pPr marL="0" marR="0" indent="0" algn="l" defTabSz="914400" rtl="0" eaLnBrk="1" fontAlgn="auto" latinLnBrk="1" hangingPunct="1">
-                        <a:lnSpc>
-                          <a:spcPct val="100000"/>
-                        </a:lnSpc>
-                        <a:spcBef>
-                          <a:spcPts val="0"/>
-                        </a:spcBef>
-                        <a:spcAft>
-                          <a:spcPts val="0"/>
-                        </a:spcAft>
-                        <a:buClrTx/>
-                        <a:buSzTx/>
-                        <a:buFontTx/>
-                        <a:buNone/>
-                        <a:tabLst/>
-                        <a:defRPr/>
-                      </a:pPr>
-                      <a:r>
-                        <a:rPr lang="ko-KR" altLang="en-US" sz="1200" baseline="0" dirty="0" smtClean="0">
-                          <a:latin typeface="+mn-ea"/>
-                          <a:ea typeface="+mn-ea"/>
-                        </a:rPr>
-                        <a:t>* 강의실 </a:t>
-                      </a:r>
-                      <a:r>
-                        <a:rPr lang="mr-IN" altLang="ko-KR" sz="1200" baseline="0" dirty="0" smtClean="0">
-                          <a:latin typeface="+mn-ea"/>
-                          <a:ea typeface="+mn-ea"/>
-                        </a:rPr>
-                        <a:t>–</a:t>
-                      </a:r>
-                      <a:r>
-                        <a:rPr lang="ko-KR" altLang="en-US" sz="1200" baseline="0" dirty="0" smtClean="0">
-                          <a:latin typeface="+mn-ea"/>
-                          <a:ea typeface="+mn-ea"/>
-                        </a:rPr>
-                        <a:t> 보류 </a:t>
                       </a:r>
                       <a:endParaRPr lang="en-US" sz="1200" baseline="0" dirty="0" smtClean="0">
                         <a:latin typeface="+mn-ea"/>
@@ -10828,8 +11270,40 @@
                           <a:latin typeface="+mn-ea"/>
                           <a:ea typeface="+mn-ea"/>
                         </a:rPr>
+                        <a:t>, </a:t>
+                      </a:r>
+                      <a:r>
+                        <a:rPr lang="en-US" sz="1200" baseline="0" dirty="0" err="1" smtClean="0">
+                          <a:latin typeface="+mn-ea"/>
+                          <a:ea typeface="+mn-ea"/>
+                        </a:rPr>
+                        <a:t>int</a:t>
+                      </a:r>
+                      <a:r>
+                        <a:rPr lang="en-US" sz="1200" baseline="0" dirty="0" smtClean="0">
+                          <a:latin typeface="+mn-ea"/>
+                          <a:ea typeface="+mn-ea"/>
+                        </a:rPr>
+                        <a:t> </a:t>
+                      </a:r>
+                      <a:r>
+                        <a:rPr lang="en-US" sz="1200" baseline="0" dirty="0" err="1" smtClean="0">
+                          <a:latin typeface="+mn-ea"/>
+                          <a:ea typeface="+mn-ea"/>
+                        </a:rPr>
+                        <a:t>selectedRow</a:t>
+                      </a:r>
+                      <a:r>
+                        <a:rPr lang="en-US" sz="1200" baseline="0" dirty="0" smtClean="0">
+                          <a:latin typeface="+mn-ea"/>
+                          <a:ea typeface="+mn-ea"/>
+                        </a:rPr>
                         <a:t>)</a:t>
                       </a:r>
+                      <a:endParaRPr lang="en-US" sz="1200" baseline="0" dirty="0" smtClean="0">
+                        <a:latin typeface="+mn-ea"/>
+                        <a:ea typeface="+mn-ea"/>
+                      </a:endParaRPr>
                     </a:p>
                     <a:p>
                       <a:r>
@@ -10881,14 +11355,14 @@
                           <a:latin typeface="+mn-ea"/>
                           <a:ea typeface="+mn-ea"/>
                         </a:rPr>
-                        <a:t>mousePressed</a:t>
+                        <a:t>mouseClicked</a:t>
                       </a:r>
                       <a:r>
                         <a:rPr lang="en-US" sz="1200" baseline="0" dirty="0" smtClean="0">
                           <a:latin typeface="+mn-ea"/>
                           <a:ea typeface="+mn-ea"/>
                         </a:rPr>
-                        <a:t>(</a:t>
+                        <a:t> (</a:t>
                       </a:r>
                       <a:r>
                         <a:rPr lang="en-US" sz="1200" baseline="0" dirty="0" err="1" smtClean="0">
@@ -10902,7 +11376,14 @@
                           <a:latin typeface="+mn-ea"/>
                           <a:ea typeface="+mn-ea"/>
                         </a:rPr>
-                        <a:t> e)   </a:t>
+                        <a:t> </a:t>
+                      </a:r>
+                      <a:r>
+                        <a:rPr lang="en-US" sz="1200" baseline="0" dirty="0" smtClean="0">
+                          <a:latin typeface="+mn-ea"/>
+                          <a:ea typeface="+mn-ea"/>
+                        </a:rPr>
+                        <a:t>e)   </a:t>
                       </a:r>
                     </a:p>
                   </a:txBody>

--- a/doc/3_ 설계서/Class Design.pptx
+++ b/doc/3_ 설계서/Class Design.pptx
@@ -5021,15 +5021,7 @@
                           <a:ea typeface="Malgun Gothic" charset="-127"/>
                           <a:cs typeface="Malgun Gothic" charset="-127"/>
                         </a:rPr>
-                        <a:t>(String </a:t>
-                      </a:r>
-                      <a:r>
-                        <a:rPr lang="en-US" sz="1200" baseline="0" dirty="0" smtClean="0">
-                          <a:latin typeface="Malgun Gothic" charset="-127"/>
-                          <a:ea typeface="Malgun Gothic" charset="-127"/>
-                          <a:cs typeface="Malgun Gothic" charset="-127"/>
-                        </a:rPr>
-                        <a:t>name, String prof, String </a:t>
+                        <a:t>(String name, String prof, String </a:t>
                       </a:r>
                       <a:r>
                         <a:rPr lang="en-US" sz="1200" baseline="0" dirty="0" err="1" smtClean="0">
@@ -5444,14 +5436,14 @@
           <p:nvPr>
             <p:extLst>
               <p:ext uri="{D42A27DB-BD31-4B8C-83A1-F6EECF244321}">
-                <p14:modId xmlns:p14="http://schemas.microsoft.com/office/powerpoint/2010/main" val="2888848395"/>
+                <p14:modId xmlns:p14="http://schemas.microsoft.com/office/powerpoint/2010/main" val="2580429335"/>
               </p:ext>
             </p:extLst>
           </p:nvPr>
         </p:nvGraphicFramePr>
         <p:xfrm>
           <a:off x="838200" y="1066798"/>
-          <a:ext cx="7556500" cy="4923118"/>
+          <a:ext cx="7556500" cy="5284770"/>
         </p:xfrm>
         <a:graphic>
           <a:graphicData uri="http://schemas.openxmlformats.org/drawingml/2006/table">
@@ -5503,6 +5495,318 @@
                     <a:bodyPr/>
                     <a:lstStyle/>
                     <a:p>
+                      <a:r>
+                        <a:rPr lang="en-US" sz="1200" dirty="0" smtClean="0">
+                          <a:latin typeface="Malgun Gothic" charset="-127"/>
+                          <a:ea typeface="Malgun Gothic" charset="-127"/>
+                          <a:cs typeface="Malgun Gothic" charset="-127"/>
+                        </a:rPr>
+                        <a:t>public final String[] </a:t>
+                      </a:r>
+                      <a:r>
+                        <a:rPr lang="en-US" sz="1200" dirty="0" err="1" smtClean="0">
+                          <a:latin typeface="Malgun Gothic" charset="-127"/>
+                          <a:ea typeface="Malgun Gothic" charset="-127"/>
+                          <a:cs typeface="Malgun Gothic" charset="-127"/>
+                        </a:rPr>
+                        <a:t>SubjectColumnNames</a:t>
+                      </a:r>
+                      <a:endParaRPr lang="en-US" sz="1200" dirty="0" smtClean="0">
+                        <a:latin typeface="Malgun Gothic" charset="-127"/>
+                        <a:ea typeface="Malgun Gothic" charset="-127"/>
+                        <a:cs typeface="Malgun Gothic" charset="-127"/>
+                      </a:endParaRPr>
+                    </a:p>
+                    <a:p>
+                      <a:r>
+                        <a:rPr lang="en-US" sz="1200" dirty="0" smtClean="0">
+                          <a:latin typeface="Malgun Gothic" charset="-127"/>
+                          <a:ea typeface="Malgun Gothic" charset="-127"/>
+                          <a:cs typeface="Malgun Gothic" charset="-127"/>
+                        </a:rPr>
+                        <a:t>public final String[] </a:t>
+                      </a:r>
+                      <a:r>
+                        <a:rPr lang="en-US" sz="1200" dirty="0" err="1" smtClean="0">
+                          <a:latin typeface="Malgun Gothic" charset="-127"/>
+                          <a:ea typeface="Malgun Gothic" charset="-127"/>
+                          <a:cs typeface="Malgun Gothic" charset="-127"/>
+                        </a:rPr>
+                        <a:t>TodoColumnNames</a:t>
+                      </a:r>
+                      <a:r>
+                        <a:rPr lang="en-US" sz="1200" dirty="0" smtClean="0">
+                          <a:latin typeface="Malgun Gothic" charset="-127"/>
+                          <a:ea typeface="Malgun Gothic" charset="-127"/>
+                          <a:cs typeface="Malgun Gothic" charset="-127"/>
+                        </a:rPr>
+                        <a:t/>
+                      </a:r>
+                      <a:br>
+                        <a:rPr lang="en-US" sz="1200" dirty="0" smtClean="0">
+                          <a:latin typeface="Malgun Gothic" charset="-127"/>
+                          <a:ea typeface="Malgun Gothic" charset="-127"/>
+                          <a:cs typeface="Malgun Gothic" charset="-127"/>
+                        </a:rPr>
+                      </a:br>
+                      <a:r>
+                        <a:rPr lang="en-US" sz="1200" dirty="0" smtClean="0">
+                          <a:latin typeface="Malgun Gothic" charset="-127"/>
+                          <a:ea typeface="Malgun Gothic" charset="-127"/>
+                          <a:cs typeface="Malgun Gothic" charset="-127"/>
+                        </a:rPr>
+                        <a:t>public final String[] Hour</a:t>
+                      </a:r>
+                    </a:p>
+                    <a:p>
+                      <a:r>
+                        <a:rPr lang="en-US" sz="1200" dirty="0" smtClean="0">
+                          <a:latin typeface="Malgun Gothic" charset="-127"/>
+                          <a:ea typeface="Malgun Gothic" charset="-127"/>
+                          <a:cs typeface="Malgun Gothic" charset="-127"/>
+                        </a:rPr>
+                        <a:t>public final String[] Minute</a:t>
+                      </a:r>
+                    </a:p>
+                    <a:p>
+                      <a:r>
+                        <a:rPr lang="en-US" sz="1200" dirty="0" smtClean="0">
+                          <a:latin typeface="Malgun Gothic" charset="-127"/>
+                          <a:ea typeface="Malgun Gothic" charset="-127"/>
+                          <a:cs typeface="Malgun Gothic" charset="-127"/>
+                        </a:rPr>
+                        <a:t>public final String[] Am</a:t>
+                      </a:r>
+                    </a:p>
+                    <a:p>
+                      <a:r>
+                        <a:rPr lang="en-US" sz="1200" dirty="0" smtClean="0">
+                          <a:latin typeface="Malgun Gothic" charset="-127"/>
+                          <a:ea typeface="Malgun Gothic" charset="-127"/>
+                          <a:cs typeface="Malgun Gothic" charset="-127"/>
+                        </a:rPr>
+                        <a:t>public final String[] Semester</a:t>
+                      </a:r>
+                    </a:p>
+                    <a:p>
+                      <a:r>
+                        <a:rPr lang="en-US" sz="1200" dirty="0" smtClean="0">
+                          <a:latin typeface="Malgun Gothic" charset="-127"/>
+                          <a:ea typeface="Malgun Gothic" charset="-127"/>
+                          <a:cs typeface="Malgun Gothic" charset="-127"/>
+                        </a:rPr>
+                        <a:t>private static </a:t>
+                      </a:r>
+                      <a:r>
+                        <a:rPr lang="en-US" sz="1200" dirty="0" err="1" smtClean="0">
+                          <a:latin typeface="Malgun Gothic" charset="-127"/>
+                          <a:ea typeface="Malgun Gothic" charset="-127"/>
+                          <a:cs typeface="Malgun Gothic" charset="-127"/>
+                        </a:rPr>
+                        <a:t>DataBase</a:t>
+                      </a:r>
+                      <a:r>
+                        <a:rPr lang="en-US" sz="1200" dirty="0" smtClean="0">
+                          <a:latin typeface="Malgun Gothic" charset="-127"/>
+                          <a:ea typeface="Malgun Gothic" charset="-127"/>
+                          <a:cs typeface="Malgun Gothic" charset="-127"/>
+                        </a:rPr>
+                        <a:t> database</a:t>
+                      </a:r>
+                    </a:p>
+                    <a:p>
+                      <a:r>
+                        <a:rPr lang="en-US" sz="1200" dirty="0" smtClean="0">
+                          <a:latin typeface="Malgun Gothic" charset="-127"/>
+                          <a:ea typeface="Malgun Gothic" charset="-127"/>
+                          <a:cs typeface="Malgun Gothic" charset="-127"/>
+                        </a:rPr>
+                        <a:t>Private String </a:t>
+                      </a:r>
+                      <a:r>
+                        <a:rPr lang="en-US" sz="1200" dirty="0" err="1" smtClean="0">
+                          <a:latin typeface="Malgun Gothic" charset="-127"/>
+                          <a:ea typeface="Malgun Gothic" charset="-127"/>
+                          <a:cs typeface="Malgun Gothic" charset="-127"/>
+                        </a:rPr>
+                        <a:t>subjectmatrix</a:t>
+                      </a:r>
+                      <a:r>
+                        <a:rPr lang="en-US" sz="1200" dirty="0" smtClean="0">
+                          <a:latin typeface="Malgun Gothic" charset="-127"/>
+                          <a:ea typeface="Malgun Gothic" charset="-127"/>
+                          <a:cs typeface="Malgun Gothic" charset="-127"/>
+                        </a:rPr>
+                        <a:t>[][]</a:t>
+                      </a:r>
+                    </a:p>
+                    <a:p>
+                      <a:r>
+                        <a:rPr lang="en-US" sz="1200" dirty="0" smtClean="0">
+                          <a:latin typeface="Malgun Gothic" charset="-127"/>
+                          <a:ea typeface="Malgun Gothic" charset="-127"/>
+                          <a:cs typeface="Malgun Gothic" charset="-127"/>
+                        </a:rPr>
+                        <a:t>Private String </a:t>
+                      </a:r>
+                      <a:r>
+                        <a:rPr lang="en-US" sz="1200" dirty="0" err="1" smtClean="0">
+                          <a:latin typeface="Malgun Gothic" charset="-127"/>
+                          <a:ea typeface="Malgun Gothic" charset="-127"/>
+                          <a:cs typeface="Malgun Gothic" charset="-127"/>
+                        </a:rPr>
+                        <a:t>SubjectName</a:t>
+                      </a:r>
+                      <a:r>
+                        <a:rPr lang="en-US" sz="1200" dirty="0" smtClean="0">
+                          <a:latin typeface="Malgun Gothic" charset="-127"/>
+                          <a:ea typeface="Malgun Gothic" charset="-127"/>
+                          <a:cs typeface="Malgun Gothic" charset="-127"/>
+                        </a:rPr>
+                        <a:t>[]</a:t>
+                      </a:r>
+                    </a:p>
+                    <a:p>
+                      <a:r>
+                        <a:rPr lang="en-US" sz="1200" dirty="0" smtClean="0">
+                          <a:latin typeface="Malgun Gothic" charset="-127"/>
+                          <a:ea typeface="Malgun Gothic" charset="-127"/>
+                          <a:cs typeface="Malgun Gothic" charset="-127"/>
+                        </a:rPr>
+                        <a:t>Private String [][] </a:t>
+                      </a:r>
+                      <a:r>
+                        <a:rPr lang="en-US" sz="1200" dirty="0" err="1" smtClean="0">
+                          <a:latin typeface="Malgun Gothic" charset="-127"/>
+                          <a:ea typeface="Malgun Gothic" charset="-127"/>
+                          <a:cs typeface="Malgun Gothic" charset="-127"/>
+                        </a:rPr>
+                        <a:t>TodoMatrix</a:t>
+                      </a:r>
+                      <a:endParaRPr lang="en-US" sz="1200" dirty="0" smtClean="0">
+                        <a:latin typeface="Malgun Gothic" charset="-127"/>
+                        <a:ea typeface="Malgun Gothic" charset="-127"/>
+                        <a:cs typeface="Malgun Gothic" charset="-127"/>
+                      </a:endParaRPr>
+                    </a:p>
+                    <a:p>
+                      <a:r>
+                        <a:rPr lang="en-US" sz="1200" dirty="0" smtClean="0">
+                          <a:latin typeface="Malgun Gothic" charset="-127"/>
+                          <a:ea typeface="Malgun Gothic" charset="-127"/>
+                          <a:cs typeface="Malgun Gothic" charset="-127"/>
+                        </a:rPr>
+                        <a:t>Private </a:t>
+                      </a:r>
+                      <a:r>
+                        <a:rPr lang="en-US" sz="1200" dirty="0" err="1" smtClean="0">
+                          <a:latin typeface="Malgun Gothic" charset="-127"/>
+                          <a:ea typeface="Malgun Gothic" charset="-127"/>
+                          <a:cs typeface="Malgun Gothic" charset="-127"/>
+                        </a:rPr>
+                        <a:t>TodoElement</a:t>
+                      </a:r>
+                      <a:r>
+                        <a:rPr lang="en-US" sz="1200" dirty="0" smtClean="0">
+                          <a:latin typeface="Malgun Gothic" charset="-127"/>
+                          <a:ea typeface="Malgun Gothic" charset="-127"/>
+                          <a:cs typeface="Malgun Gothic" charset="-127"/>
+                        </a:rPr>
+                        <a:t> </a:t>
+                      </a:r>
+                      <a:r>
+                        <a:rPr lang="en-US" sz="1200" dirty="0" err="1" smtClean="0">
+                          <a:latin typeface="Malgun Gothic" charset="-127"/>
+                          <a:ea typeface="Malgun Gothic" charset="-127"/>
+                          <a:cs typeface="Malgun Gothic" charset="-127"/>
+                        </a:rPr>
+                        <a:t>selectedTodoElement</a:t>
+                      </a:r>
+                      <a:endParaRPr lang="en-US" sz="1200" dirty="0" smtClean="0">
+                        <a:latin typeface="Malgun Gothic" charset="-127"/>
+                        <a:ea typeface="Malgun Gothic" charset="-127"/>
+                        <a:cs typeface="Malgun Gothic" charset="-127"/>
+                      </a:endParaRPr>
+                    </a:p>
+                    <a:p>
+                      <a:r>
+                        <a:rPr lang="en-US" sz="1200" dirty="0" smtClean="0">
+                          <a:latin typeface="Malgun Gothic" charset="-127"/>
+                          <a:ea typeface="Malgun Gothic" charset="-127"/>
+                          <a:cs typeface="Malgun Gothic" charset="-127"/>
+                        </a:rPr>
+                        <a:t>Vector&lt;</a:t>
+                      </a:r>
+                      <a:r>
+                        <a:rPr lang="en-US" sz="1200" dirty="0" err="1" smtClean="0">
+                          <a:latin typeface="Malgun Gothic" charset="-127"/>
+                          <a:ea typeface="Malgun Gothic" charset="-127"/>
+                          <a:cs typeface="Malgun Gothic" charset="-127"/>
+                        </a:rPr>
+                        <a:t>SubjectElement</a:t>
+                      </a:r>
+                      <a:r>
+                        <a:rPr lang="en-US" sz="1200" dirty="0" smtClean="0">
+                          <a:latin typeface="Malgun Gothic" charset="-127"/>
+                          <a:ea typeface="Malgun Gothic" charset="-127"/>
+                          <a:cs typeface="Malgun Gothic" charset="-127"/>
+                        </a:rPr>
+                        <a:t>&gt; </a:t>
+                      </a:r>
+                      <a:r>
+                        <a:rPr lang="en-US" sz="1200" dirty="0" err="1" smtClean="0">
+                          <a:latin typeface="Malgun Gothic" charset="-127"/>
+                          <a:ea typeface="Malgun Gothic" charset="-127"/>
+                          <a:cs typeface="Malgun Gothic" charset="-127"/>
+                        </a:rPr>
+                        <a:t>SubjectElement</a:t>
+                      </a:r>
+                      <a:endParaRPr lang="en-US" sz="1200" dirty="0" smtClean="0">
+                        <a:latin typeface="Malgun Gothic" charset="-127"/>
+                        <a:ea typeface="Malgun Gothic" charset="-127"/>
+                        <a:cs typeface="Malgun Gothic" charset="-127"/>
+                      </a:endParaRPr>
+                    </a:p>
+                    <a:p>
+                      <a:r>
+                        <a:rPr lang="en-US" sz="1200" dirty="0" smtClean="0">
+                          <a:latin typeface="Malgun Gothic" charset="-127"/>
+                          <a:ea typeface="Malgun Gothic" charset="-127"/>
+                          <a:cs typeface="Malgun Gothic" charset="-127"/>
+                        </a:rPr>
+                        <a:t>Vector&lt;</a:t>
+                      </a:r>
+                      <a:r>
+                        <a:rPr lang="en-US" sz="1200" dirty="0" err="1" smtClean="0">
+                          <a:latin typeface="Malgun Gothic" charset="-127"/>
+                          <a:ea typeface="Malgun Gothic" charset="-127"/>
+                          <a:cs typeface="Malgun Gothic" charset="-127"/>
+                        </a:rPr>
+                        <a:t>TodoElement</a:t>
+                      </a:r>
+                      <a:r>
+                        <a:rPr lang="en-US" sz="1200" dirty="0" smtClean="0">
+                          <a:latin typeface="Malgun Gothic" charset="-127"/>
+                          <a:ea typeface="Malgun Gothic" charset="-127"/>
+                          <a:cs typeface="Malgun Gothic" charset="-127"/>
+                        </a:rPr>
+                        <a:t>&gt; </a:t>
+                      </a:r>
+                      <a:r>
+                        <a:rPr lang="en-US" sz="1200" dirty="0" err="1" smtClean="0">
+                          <a:latin typeface="Malgun Gothic" charset="-127"/>
+                          <a:ea typeface="Malgun Gothic" charset="-127"/>
+                          <a:cs typeface="Malgun Gothic" charset="-127"/>
+                        </a:rPr>
+                        <a:t>TodoElement</a:t>
+                      </a:r>
+                      <a:endParaRPr lang="en-US" sz="1200" dirty="0" smtClean="0">
+                        <a:latin typeface="Malgun Gothic" charset="-127"/>
+                        <a:ea typeface="Malgun Gothic" charset="-127"/>
+                        <a:cs typeface="Malgun Gothic" charset="-127"/>
+                      </a:endParaRPr>
+                    </a:p>
+                    <a:p>
                       <a:endParaRPr lang="en-US" sz="1200" dirty="0" smtClean="0">
                         <a:latin typeface="Malgun Gothic" charset="-127"/>
                         <a:ea typeface="Malgun Gothic" charset="-127"/>
@@ -5541,6 +5845,796 @@
                         <a:tabLst/>
                         <a:defRPr/>
                       </a:pPr>
+                      <a:r>
+                        <a:rPr lang="en-US" sz="1200" baseline="0" dirty="0" smtClean="0">
+                          <a:latin typeface="Malgun Gothic" charset="-127"/>
+                          <a:ea typeface="Malgun Gothic" charset="-127"/>
+                          <a:cs typeface="Malgun Gothic" charset="-127"/>
+                        </a:rPr>
+                        <a:t>public static </a:t>
+                      </a:r>
+                      <a:r>
+                        <a:rPr lang="en-US" sz="1200" baseline="0" dirty="0" err="1" smtClean="0">
+                          <a:latin typeface="Malgun Gothic" charset="-127"/>
+                          <a:ea typeface="Malgun Gothic" charset="-127"/>
+                          <a:cs typeface="Malgun Gothic" charset="-127"/>
+                        </a:rPr>
+                        <a:t>DataBase</a:t>
+                      </a:r>
+                      <a:r>
+                        <a:rPr lang="en-US" sz="1200" baseline="0" dirty="0" smtClean="0">
+                          <a:latin typeface="Malgun Gothic" charset="-127"/>
+                          <a:ea typeface="Malgun Gothic" charset="-127"/>
+                          <a:cs typeface="Malgun Gothic" charset="-127"/>
+                        </a:rPr>
+                        <a:t> </a:t>
+                      </a:r>
+                      <a:r>
+                        <a:rPr lang="en-US" sz="1200" baseline="0" dirty="0" err="1" smtClean="0">
+                          <a:latin typeface="Malgun Gothic" charset="-127"/>
+                          <a:ea typeface="Malgun Gothic" charset="-127"/>
+                          <a:cs typeface="Malgun Gothic" charset="-127"/>
+                        </a:rPr>
+                        <a:t>getDataBase</a:t>
+                      </a:r>
+                      <a:r>
+                        <a:rPr lang="en-US" sz="1200" baseline="0" dirty="0" smtClean="0">
+                          <a:latin typeface="Malgun Gothic" charset="-127"/>
+                          <a:ea typeface="Malgun Gothic" charset="-127"/>
+                          <a:cs typeface="Malgun Gothic" charset="-127"/>
+                        </a:rPr>
+                        <a:t>()</a:t>
+                      </a:r>
+                    </a:p>
+                    <a:p>
+                      <a:pPr marL="0" marR="0" indent="0" algn="l" defTabSz="914400" rtl="0" eaLnBrk="1" fontAlgn="auto" latinLnBrk="1" hangingPunct="1">
+                        <a:lnSpc>
+                          <a:spcPct val="100000"/>
+                        </a:lnSpc>
+                        <a:spcBef>
+                          <a:spcPts val="0"/>
+                        </a:spcBef>
+                        <a:spcAft>
+                          <a:spcPts val="0"/>
+                        </a:spcAft>
+                        <a:buClrTx/>
+                        <a:buSzTx/>
+                        <a:buFontTx/>
+                        <a:buNone/>
+                        <a:tabLst/>
+                        <a:defRPr/>
+                      </a:pPr>
+                      <a:r>
+                        <a:rPr lang="en-US" sz="1200" baseline="0" dirty="0" smtClean="0">
+                          <a:latin typeface="Malgun Gothic" charset="-127"/>
+                          <a:ea typeface="Malgun Gothic" charset="-127"/>
+                          <a:cs typeface="Malgun Gothic" charset="-127"/>
+                        </a:rPr>
+                        <a:t>public void </a:t>
+                      </a:r>
+                      <a:r>
+                        <a:rPr lang="en-US" sz="1200" baseline="0" dirty="0" err="1" smtClean="0">
+                          <a:latin typeface="Malgun Gothic" charset="-127"/>
+                          <a:ea typeface="Malgun Gothic" charset="-127"/>
+                          <a:cs typeface="Malgun Gothic" charset="-127"/>
+                        </a:rPr>
+                        <a:t>SubjectAdd</a:t>
+                      </a:r>
+                      <a:r>
+                        <a:rPr lang="en-US" sz="1200" baseline="0" dirty="0" smtClean="0">
+                          <a:latin typeface="Malgun Gothic" charset="-127"/>
+                          <a:ea typeface="Malgun Gothic" charset="-127"/>
+                          <a:cs typeface="Malgun Gothic" charset="-127"/>
+                        </a:rPr>
+                        <a:t>(</a:t>
+                      </a:r>
+                      <a:r>
+                        <a:rPr lang="en-US" sz="1200" baseline="0" dirty="0" err="1" smtClean="0">
+                          <a:latin typeface="Malgun Gothic" charset="-127"/>
+                          <a:ea typeface="Malgun Gothic" charset="-127"/>
+                          <a:cs typeface="Malgun Gothic" charset="-127"/>
+                        </a:rPr>
+                        <a:t>SubjectElement</a:t>
+                      </a:r>
+                      <a:r>
+                        <a:rPr lang="en-US" sz="1200" baseline="0" dirty="0" smtClean="0">
+                          <a:latin typeface="Malgun Gothic" charset="-127"/>
+                          <a:ea typeface="Malgun Gothic" charset="-127"/>
+                          <a:cs typeface="Malgun Gothic" charset="-127"/>
+                        </a:rPr>
+                        <a:t> Element)</a:t>
+                      </a:r>
+                    </a:p>
+                    <a:p>
+                      <a:pPr marL="0" marR="0" indent="0" algn="l" defTabSz="914400" rtl="0" eaLnBrk="1" fontAlgn="auto" latinLnBrk="1" hangingPunct="1">
+                        <a:lnSpc>
+                          <a:spcPct val="100000"/>
+                        </a:lnSpc>
+                        <a:spcBef>
+                          <a:spcPts val="0"/>
+                        </a:spcBef>
+                        <a:spcAft>
+                          <a:spcPts val="0"/>
+                        </a:spcAft>
+                        <a:buClrTx/>
+                        <a:buSzTx/>
+                        <a:buFontTx/>
+                        <a:buNone/>
+                        <a:tabLst/>
+                        <a:defRPr/>
+                      </a:pPr>
+                      <a:r>
+                        <a:rPr lang="en-US" sz="1200" baseline="0" dirty="0" smtClean="0">
+                          <a:latin typeface="Malgun Gothic" charset="-127"/>
+                          <a:ea typeface="Malgun Gothic" charset="-127"/>
+                          <a:cs typeface="Malgun Gothic" charset="-127"/>
+                        </a:rPr>
+                        <a:t>public void </a:t>
+                      </a:r>
+                      <a:r>
+                        <a:rPr lang="en-US" sz="1200" baseline="0" dirty="0" err="1" smtClean="0">
+                          <a:latin typeface="Malgun Gothic" charset="-127"/>
+                          <a:ea typeface="Malgun Gothic" charset="-127"/>
+                          <a:cs typeface="Malgun Gothic" charset="-127"/>
+                        </a:rPr>
+                        <a:t>SubjectChange</a:t>
+                      </a:r>
+                      <a:r>
+                        <a:rPr lang="en-US" sz="1200" baseline="0" dirty="0" smtClean="0">
+                          <a:latin typeface="Malgun Gothic" charset="-127"/>
+                          <a:ea typeface="Malgun Gothic" charset="-127"/>
+                          <a:cs typeface="Malgun Gothic" charset="-127"/>
+                        </a:rPr>
+                        <a:t>(</a:t>
+                      </a:r>
+                      <a:r>
+                        <a:rPr lang="en-US" sz="1200" baseline="0" dirty="0" err="1" smtClean="0">
+                          <a:latin typeface="Malgun Gothic" charset="-127"/>
+                          <a:ea typeface="Malgun Gothic" charset="-127"/>
+                          <a:cs typeface="Malgun Gothic" charset="-127"/>
+                        </a:rPr>
+                        <a:t>SubjectElement</a:t>
+                      </a:r>
+                      <a:r>
+                        <a:rPr lang="en-US" sz="1200" baseline="0" dirty="0" smtClean="0">
+                          <a:latin typeface="Malgun Gothic" charset="-127"/>
+                          <a:ea typeface="Malgun Gothic" charset="-127"/>
+                          <a:cs typeface="Malgun Gothic" charset="-127"/>
+                        </a:rPr>
+                        <a:t> Element, </a:t>
+                      </a:r>
+                      <a:r>
+                        <a:rPr lang="en-US" sz="1200" baseline="0" dirty="0" err="1" smtClean="0">
+                          <a:latin typeface="Malgun Gothic" charset="-127"/>
+                          <a:ea typeface="Malgun Gothic" charset="-127"/>
+                          <a:cs typeface="Malgun Gothic" charset="-127"/>
+                        </a:rPr>
+                        <a:t>int</a:t>
+                      </a:r>
+                      <a:r>
+                        <a:rPr lang="en-US" sz="1200" baseline="0" dirty="0" smtClean="0">
+                          <a:latin typeface="Malgun Gothic" charset="-127"/>
+                          <a:ea typeface="Malgun Gothic" charset="-127"/>
+                          <a:cs typeface="Malgun Gothic" charset="-127"/>
+                        </a:rPr>
+                        <a:t> </a:t>
+                      </a:r>
+                      <a:r>
+                        <a:rPr lang="en-US" sz="1200" baseline="0" dirty="0" err="1" smtClean="0">
+                          <a:latin typeface="Malgun Gothic" charset="-127"/>
+                          <a:ea typeface="Malgun Gothic" charset="-127"/>
+                          <a:cs typeface="Malgun Gothic" charset="-127"/>
+                        </a:rPr>
+                        <a:t>selectedRow</a:t>
+                      </a:r>
+                      <a:r>
+                        <a:rPr lang="en-US" sz="1200" baseline="0" dirty="0" smtClean="0">
+                          <a:latin typeface="Malgun Gothic" charset="-127"/>
+                          <a:ea typeface="Malgun Gothic" charset="-127"/>
+                          <a:cs typeface="Malgun Gothic" charset="-127"/>
+                        </a:rPr>
+                        <a:t>)</a:t>
+                      </a:r>
+                    </a:p>
+                    <a:p>
+                      <a:pPr marL="0" marR="0" indent="0" algn="l" defTabSz="914400" rtl="0" eaLnBrk="1" fontAlgn="auto" latinLnBrk="1" hangingPunct="1">
+                        <a:lnSpc>
+                          <a:spcPct val="100000"/>
+                        </a:lnSpc>
+                        <a:spcBef>
+                          <a:spcPts val="0"/>
+                        </a:spcBef>
+                        <a:spcAft>
+                          <a:spcPts val="0"/>
+                        </a:spcAft>
+                        <a:buClrTx/>
+                        <a:buSzTx/>
+                        <a:buFontTx/>
+                        <a:buNone/>
+                        <a:tabLst/>
+                        <a:defRPr/>
+                      </a:pPr>
+                      <a:r>
+                        <a:rPr lang="en-US" sz="1200" baseline="0" dirty="0" smtClean="0">
+                          <a:latin typeface="Malgun Gothic" charset="-127"/>
+                          <a:ea typeface="Malgun Gothic" charset="-127"/>
+                          <a:cs typeface="Malgun Gothic" charset="-127"/>
+                        </a:rPr>
+                        <a:t>public </a:t>
+                      </a:r>
+                      <a:r>
+                        <a:rPr lang="en-US" sz="1200" baseline="0" dirty="0" err="1" smtClean="0">
+                          <a:latin typeface="Malgun Gothic" charset="-127"/>
+                          <a:ea typeface="Malgun Gothic" charset="-127"/>
+                          <a:cs typeface="Malgun Gothic" charset="-127"/>
+                        </a:rPr>
+                        <a:t>SubjectElement</a:t>
+                      </a:r>
+                      <a:r>
+                        <a:rPr lang="en-US" sz="1200" baseline="0" dirty="0" smtClean="0">
+                          <a:latin typeface="Malgun Gothic" charset="-127"/>
+                          <a:ea typeface="Malgun Gothic" charset="-127"/>
+                          <a:cs typeface="Malgun Gothic" charset="-127"/>
+                        </a:rPr>
+                        <a:t> </a:t>
+                      </a:r>
+                      <a:r>
+                        <a:rPr lang="en-US" sz="1200" baseline="0" dirty="0" err="1" smtClean="0">
+                          <a:latin typeface="Malgun Gothic" charset="-127"/>
+                          <a:ea typeface="Malgun Gothic" charset="-127"/>
+                          <a:cs typeface="Malgun Gothic" charset="-127"/>
+                        </a:rPr>
+                        <a:t>getSelectedSubject</a:t>
+                      </a:r>
+                      <a:r>
+                        <a:rPr lang="en-US" sz="1200" baseline="0" dirty="0" smtClean="0">
+                          <a:latin typeface="Malgun Gothic" charset="-127"/>
+                          <a:ea typeface="Malgun Gothic" charset="-127"/>
+                          <a:cs typeface="Malgun Gothic" charset="-127"/>
+                        </a:rPr>
+                        <a:t>(</a:t>
+                      </a:r>
+                      <a:r>
+                        <a:rPr lang="en-US" sz="1200" baseline="0" dirty="0" err="1" smtClean="0">
+                          <a:latin typeface="Malgun Gothic" charset="-127"/>
+                          <a:ea typeface="Malgun Gothic" charset="-127"/>
+                          <a:cs typeface="Malgun Gothic" charset="-127"/>
+                        </a:rPr>
+                        <a:t>int</a:t>
+                      </a:r>
+                      <a:r>
+                        <a:rPr lang="en-US" sz="1200" baseline="0" dirty="0" smtClean="0">
+                          <a:latin typeface="Malgun Gothic" charset="-127"/>
+                          <a:ea typeface="Malgun Gothic" charset="-127"/>
+                          <a:cs typeface="Malgun Gothic" charset="-127"/>
+                        </a:rPr>
+                        <a:t> </a:t>
+                      </a:r>
+                      <a:r>
+                        <a:rPr lang="en-US" sz="1200" baseline="0" dirty="0" err="1" smtClean="0">
+                          <a:latin typeface="Malgun Gothic" charset="-127"/>
+                          <a:ea typeface="Malgun Gothic" charset="-127"/>
+                          <a:cs typeface="Malgun Gothic" charset="-127"/>
+                        </a:rPr>
+                        <a:t>selectedRow</a:t>
+                      </a:r>
+                      <a:r>
+                        <a:rPr lang="en-US" sz="1200" baseline="0" dirty="0" smtClean="0">
+                          <a:latin typeface="Malgun Gothic" charset="-127"/>
+                          <a:ea typeface="Malgun Gothic" charset="-127"/>
+                          <a:cs typeface="Malgun Gothic" charset="-127"/>
+                        </a:rPr>
+                        <a:t>)</a:t>
+                      </a:r>
+                    </a:p>
+                    <a:p>
+                      <a:pPr marL="0" marR="0" indent="0" algn="l" defTabSz="914400" rtl="0" eaLnBrk="1" fontAlgn="auto" latinLnBrk="1" hangingPunct="1">
+                        <a:lnSpc>
+                          <a:spcPct val="100000"/>
+                        </a:lnSpc>
+                        <a:spcBef>
+                          <a:spcPts val="0"/>
+                        </a:spcBef>
+                        <a:spcAft>
+                          <a:spcPts val="0"/>
+                        </a:spcAft>
+                        <a:buClrTx/>
+                        <a:buSzTx/>
+                        <a:buFontTx/>
+                        <a:buNone/>
+                        <a:tabLst/>
+                        <a:defRPr/>
+                      </a:pPr>
+                      <a:r>
+                        <a:rPr lang="en-US" sz="1200" baseline="0" dirty="0" smtClean="0">
+                          <a:latin typeface="Malgun Gothic" charset="-127"/>
+                          <a:ea typeface="Malgun Gothic" charset="-127"/>
+                          <a:cs typeface="Malgun Gothic" charset="-127"/>
+                        </a:rPr>
+                        <a:t>public void </a:t>
+                      </a:r>
+                      <a:r>
+                        <a:rPr lang="en-US" sz="1200" baseline="0" dirty="0" err="1" smtClean="0">
+                          <a:latin typeface="Malgun Gothic" charset="-127"/>
+                          <a:ea typeface="Malgun Gothic" charset="-127"/>
+                          <a:cs typeface="Malgun Gothic" charset="-127"/>
+                        </a:rPr>
+                        <a:t>SubjectDelete</a:t>
+                      </a:r>
+                      <a:r>
+                        <a:rPr lang="en-US" sz="1200" baseline="0" dirty="0" smtClean="0">
+                          <a:latin typeface="Malgun Gothic" charset="-127"/>
+                          <a:ea typeface="Malgun Gothic" charset="-127"/>
+                          <a:cs typeface="Malgun Gothic" charset="-127"/>
+                        </a:rPr>
+                        <a:t>(</a:t>
+                      </a:r>
+                      <a:r>
+                        <a:rPr lang="en-US" sz="1200" baseline="0" dirty="0" err="1" smtClean="0">
+                          <a:latin typeface="Malgun Gothic" charset="-127"/>
+                          <a:ea typeface="Malgun Gothic" charset="-127"/>
+                          <a:cs typeface="Malgun Gothic" charset="-127"/>
+                        </a:rPr>
+                        <a:t>SubjectElement</a:t>
+                      </a:r>
+                      <a:r>
+                        <a:rPr lang="en-US" sz="1200" baseline="0" dirty="0" smtClean="0">
+                          <a:latin typeface="Malgun Gothic" charset="-127"/>
+                          <a:ea typeface="Malgun Gothic" charset="-127"/>
+                          <a:cs typeface="Malgun Gothic" charset="-127"/>
+                        </a:rPr>
+                        <a:t> Element, </a:t>
+                      </a:r>
+                      <a:r>
+                        <a:rPr lang="en-US" sz="1200" baseline="0" dirty="0" err="1" smtClean="0">
+                          <a:latin typeface="Malgun Gothic" charset="-127"/>
+                          <a:ea typeface="Malgun Gothic" charset="-127"/>
+                          <a:cs typeface="Malgun Gothic" charset="-127"/>
+                        </a:rPr>
+                        <a:t>int</a:t>
+                      </a:r>
+                      <a:r>
+                        <a:rPr lang="en-US" sz="1200" baseline="0" dirty="0" smtClean="0">
+                          <a:latin typeface="Malgun Gothic" charset="-127"/>
+                          <a:ea typeface="Malgun Gothic" charset="-127"/>
+                          <a:cs typeface="Malgun Gothic" charset="-127"/>
+                        </a:rPr>
+                        <a:t> </a:t>
+                      </a:r>
+                      <a:r>
+                        <a:rPr lang="en-US" sz="1200" baseline="0" dirty="0" err="1" smtClean="0">
+                          <a:latin typeface="Malgun Gothic" charset="-127"/>
+                          <a:ea typeface="Malgun Gothic" charset="-127"/>
+                          <a:cs typeface="Malgun Gothic" charset="-127"/>
+                        </a:rPr>
+                        <a:t>selectedRow</a:t>
+                      </a:r>
+                      <a:r>
+                        <a:rPr lang="en-US" sz="1200" baseline="0" dirty="0" smtClean="0">
+                          <a:latin typeface="Malgun Gothic" charset="-127"/>
+                          <a:ea typeface="Malgun Gothic" charset="-127"/>
+                          <a:cs typeface="Malgun Gothic" charset="-127"/>
+                        </a:rPr>
+                        <a:t>)</a:t>
+                      </a:r>
+                    </a:p>
+                    <a:p>
+                      <a:pPr marL="0" marR="0" indent="0" algn="l" defTabSz="914400" rtl="0" eaLnBrk="1" fontAlgn="auto" latinLnBrk="1" hangingPunct="1">
+                        <a:lnSpc>
+                          <a:spcPct val="100000"/>
+                        </a:lnSpc>
+                        <a:spcBef>
+                          <a:spcPts val="0"/>
+                        </a:spcBef>
+                        <a:spcAft>
+                          <a:spcPts val="0"/>
+                        </a:spcAft>
+                        <a:buClrTx/>
+                        <a:buSzTx/>
+                        <a:buFontTx/>
+                        <a:buNone/>
+                        <a:tabLst/>
+                        <a:defRPr/>
+                      </a:pPr>
+                      <a:r>
+                        <a:rPr lang="en-US" sz="1200" baseline="0" dirty="0" smtClean="0">
+                          <a:latin typeface="Malgun Gothic" charset="-127"/>
+                          <a:ea typeface="Malgun Gothic" charset="-127"/>
+                          <a:cs typeface="Malgun Gothic" charset="-127"/>
+                        </a:rPr>
+                        <a:t>public String[][] </a:t>
+                      </a:r>
+                      <a:r>
+                        <a:rPr lang="en-US" sz="1200" baseline="0" dirty="0" err="1" smtClean="0">
+                          <a:latin typeface="Malgun Gothic" charset="-127"/>
+                          <a:ea typeface="Malgun Gothic" charset="-127"/>
+                          <a:cs typeface="Malgun Gothic" charset="-127"/>
+                        </a:rPr>
+                        <a:t>MatrixSubject</a:t>
+                      </a:r>
+                      <a:r>
+                        <a:rPr lang="en-US" sz="1200" baseline="0" dirty="0" smtClean="0">
+                          <a:latin typeface="Malgun Gothic" charset="-127"/>
+                          <a:ea typeface="Malgun Gothic" charset="-127"/>
+                          <a:cs typeface="Malgun Gothic" charset="-127"/>
+                        </a:rPr>
+                        <a:t>()</a:t>
+                      </a:r>
+                    </a:p>
+                    <a:p>
+                      <a:pPr marL="0" marR="0" indent="0" algn="l" defTabSz="914400" rtl="0" eaLnBrk="1" fontAlgn="auto" latinLnBrk="1" hangingPunct="1">
+                        <a:lnSpc>
+                          <a:spcPct val="100000"/>
+                        </a:lnSpc>
+                        <a:spcBef>
+                          <a:spcPts val="0"/>
+                        </a:spcBef>
+                        <a:spcAft>
+                          <a:spcPts val="0"/>
+                        </a:spcAft>
+                        <a:buClrTx/>
+                        <a:buSzTx/>
+                        <a:buFontTx/>
+                        <a:buNone/>
+                        <a:tabLst/>
+                        <a:defRPr/>
+                      </a:pPr>
+                      <a:r>
+                        <a:rPr lang="en-US" sz="1200" baseline="0" dirty="0" smtClean="0">
+                          <a:latin typeface="Malgun Gothic" charset="-127"/>
+                          <a:ea typeface="Malgun Gothic" charset="-127"/>
+                          <a:cs typeface="Malgun Gothic" charset="-127"/>
+                        </a:rPr>
+                        <a:t>public void </a:t>
+                      </a:r>
+                      <a:r>
+                        <a:rPr lang="en-US" sz="1200" baseline="0" dirty="0" err="1" smtClean="0">
+                          <a:latin typeface="Malgun Gothic" charset="-127"/>
+                          <a:ea typeface="Malgun Gothic" charset="-127"/>
+                          <a:cs typeface="Malgun Gothic" charset="-127"/>
+                        </a:rPr>
+                        <a:t>TodoAdd</a:t>
+                      </a:r>
+                      <a:r>
+                        <a:rPr lang="en-US" sz="1200" baseline="0" dirty="0" smtClean="0">
+                          <a:latin typeface="Malgun Gothic" charset="-127"/>
+                          <a:ea typeface="Malgun Gothic" charset="-127"/>
+                          <a:cs typeface="Malgun Gothic" charset="-127"/>
+                        </a:rPr>
+                        <a:t>(</a:t>
+                      </a:r>
+                      <a:r>
+                        <a:rPr lang="en-US" sz="1200" baseline="0" dirty="0" err="1" smtClean="0">
+                          <a:latin typeface="Malgun Gothic" charset="-127"/>
+                          <a:ea typeface="Malgun Gothic" charset="-127"/>
+                          <a:cs typeface="Malgun Gothic" charset="-127"/>
+                        </a:rPr>
+                        <a:t>TodoElement</a:t>
+                      </a:r>
+                      <a:r>
+                        <a:rPr lang="en-US" sz="1200" baseline="0" dirty="0" smtClean="0">
+                          <a:latin typeface="Malgun Gothic" charset="-127"/>
+                          <a:ea typeface="Malgun Gothic" charset="-127"/>
+                          <a:cs typeface="Malgun Gothic" charset="-127"/>
+                        </a:rPr>
+                        <a:t> Element)</a:t>
+                      </a:r>
+                    </a:p>
+                    <a:p>
+                      <a:pPr marL="0" marR="0" indent="0" algn="l" defTabSz="914400" rtl="0" eaLnBrk="1" fontAlgn="auto" latinLnBrk="1" hangingPunct="1">
+                        <a:lnSpc>
+                          <a:spcPct val="100000"/>
+                        </a:lnSpc>
+                        <a:spcBef>
+                          <a:spcPts val="0"/>
+                        </a:spcBef>
+                        <a:spcAft>
+                          <a:spcPts val="0"/>
+                        </a:spcAft>
+                        <a:buClrTx/>
+                        <a:buSzTx/>
+                        <a:buFontTx/>
+                        <a:buNone/>
+                        <a:tabLst/>
+                        <a:defRPr/>
+                      </a:pPr>
+                      <a:r>
+                        <a:rPr lang="en-US" sz="1200" baseline="0" dirty="0" smtClean="0">
+                          <a:latin typeface="Malgun Gothic" charset="-127"/>
+                          <a:ea typeface="Malgun Gothic" charset="-127"/>
+                          <a:cs typeface="Malgun Gothic" charset="-127"/>
+                        </a:rPr>
+                        <a:t>public void </a:t>
+                      </a:r>
+                      <a:r>
+                        <a:rPr lang="en-US" sz="1200" baseline="0" dirty="0" err="1" smtClean="0">
+                          <a:latin typeface="Malgun Gothic" charset="-127"/>
+                          <a:ea typeface="Malgun Gothic" charset="-127"/>
+                          <a:cs typeface="Malgun Gothic" charset="-127"/>
+                        </a:rPr>
+                        <a:t>TodoChange</a:t>
+                      </a:r>
+                      <a:r>
+                        <a:rPr lang="en-US" sz="1200" baseline="0" dirty="0" smtClean="0">
+                          <a:latin typeface="Malgun Gothic" charset="-127"/>
+                          <a:ea typeface="Malgun Gothic" charset="-127"/>
+                          <a:cs typeface="Malgun Gothic" charset="-127"/>
+                        </a:rPr>
+                        <a:t>(</a:t>
+                      </a:r>
+                      <a:r>
+                        <a:rPr lang="en-US" sz="1200" baseline="0" dirty="0" err="1" smtClean="0">
+                          <a:latin typeface="Malgun Gothic" charset="-127"/>
+                          <a:ea typeface="Malgun Gothic" charset="-127"/>
+                          <a:cs typeface="Malgun Gothic" charset="-127"/>
+                        </a:rPr>
+                        <a:t>TodoElement</a:t>
+                      </a:r>
+                      <a:r>
+                        <a:rPr lang="en-US" sz="1200" baseline="0" dirty="0" smtClean="0">
+                          <a:latin typeface="Malgun Gothic" charset="-127"/>
+                          <a:ea typeface="Malgun Gothic" charset="-127"/>
+                          <a:cs typeface="Malgun Gothic" charset="-127"/>
+                        </a:rPr>
+                        <a:t> Element, </a:t>
+                      </a:r>
+                      <a:r>
+                        <a:rPr lang="en-US" sz="1200" baseline="0" dirty="0" err="1" smtClean="0">
+                          <a:latin typeface="Malgun Gothic" charset="-127"/>
+                          <a:ea typeface="Malgun Gothic" charset="-127"/>
+                          <a:cs typeface="Malgun Gothic" charset="-127"/>
+                        </a:rPr>
+                        <a:t>int</a:t>
+                      </a:r>
+                      <a:r>
+                        <a:rPr lang="en-US" sz="1200" baseline="0" dirty="0" smtClean="0">
+                          <a:latin typeface="Malgun Gothic" charset="-127"/>
+                          <a:ea typeface="Malgun Gothic" charset="-127"/>
+                          <a:cs typeface="Malgun Gothic" charset="-127"/>
+                        </a:rPr>
+                        <a:t> </a:t>
+                      </a:r>
+                      <a:r>
+                        <a:rPr lang="en-US" sz="1200" baseline="0" dirty="0" err="1" smtClean="0">
+                          <a:latin typeface="Malgun Gothic" charset="-127"/>
+                          <a:ea typeface="Malgun Gothic" charset="-127"/>
+                          <a:cs typeface="Malgun Gothic" charset="-127"/>
+                        </a:rPr>
+                        <a:t>selectedRow</a:t>
+                      </a:r>
+                      <a:r>
+                        <a:rPr lang="en-US" sz="1200" baseline="0" dirty="0" smtClean="0">
+                          <a:latin typeface="Malgun Gothic" charset="-127"/>
+                          <a:ea typeface="Malgun Gothic" charset="-127"/>
+                          <a:cs typeface="Malgun Gothic" charset="-127"/>
+                        </a:rPr>
+                        <a:t>)</a:t>
+                      </a:r>
+                    </a:p>
+                    <a:p>
+                      <a:pPr marL="0" marR="0" indent="0" algn="l" defTabSz="914400" rtl="0" eaLnBrk="1" fontAlgn="auto" latinLnBrk="1" hangingPunct="1">
+                        <a:lnSpc>
+                          <a:spcPct val="100000"/>
+                        </a:lnSpc>
+                        <a:spcBef>
+                          <a:spcPts val="0"/>
+                        </a:spcBef>
+                        <a:spcAft>
+                          <a:spcPts val="0"/>
+                        </a:spcAft>
+                        <a:buClrTx/>
+                        <a:buSzTx/>
+                        <a:buFontTx/>
+                        <a:buNone/>
+                        <a:tabLst/>
+                        <a:defRPr/>
+                      </a:pPr>
+                      <a:r>
+                        <a:rPr lang="en-US" sz="1200" baseline="0" dirty="0" smtClean="0">
+                          <a:latin typeface="Malgun Gothic" charset="-127"/>
+                          <a:ea typeface="Malgun Gothic" charset="-127"/>
+                          <a:cs typeface="Malgun Gothic" charset="-127"/>
+                        </a:rPr>
+                        <a:t>public </a:t>
+                      </a:r>
+                      <a:r>
+                        <a:rPr lang="en-US" sz="1200" baseline="0" dirty="0" err="1" smtClean="0">
+                          <a:latin typeface="Malgun Gothic" charset="-127"/>
+                          <a:ea typeface="Malgun Gothic" charset="-127"/>
+                          <a:cs typeface="Malgun Gothic" charset="-127"/>
+                        </a:rPr>
+                        <a:t>TodoElement</a:t>
+                      </a:r>
+                      <a:r>
+                        <a:rPr lang="en-US" sz="1200" baseline="0" dirty="0" smtClean="0">
+                          <a:latin typeface="Malgun Gothic" charset="-127"/>
+                          <a:ea typeface="Malgun Gothic" charset="-127"/>
+                          <a:cs typeface="Malgun Gothic" charset="-127"/>
+                        </a:rPr>
+                        <a:t> </a:t>
+                      </a:r>
+                      <a:r>
+                        <a:rPr lang="en-US" sz="1200" baseline="0" dirty="0" err="1" smtClean="0">
+                          <a:latin typeface="Malgun Gothic" charset="-127"/>
+                          <a:ea typeface="Malgun Gothic" charset="-127"/>
+                          <a:cs typeface="Malgun Gothic" charset="-127"/>
+                        </a:rPr>
+                        <a:t>getSelectedTodoElement</a:t>
+                      </a:r>
+                      <a:r>
+                        <a:rPr lang="en-US" sz="1200" baseline="0" dirty="0" smtClean="0">
+                          <a:latin typeface="Malgun Gothic" charset="-127"/>
+                          <a:ea typeface="Malgun Gothic" charset="-127"/>
+                          <a:cs typeface="Malgun Gothic" charset="-127"/>
+                        </a:rPr>
+                        <a:t>(</a:t>
+                      </a:r>
+                      <a:r>
+                        <a:rPr lang="en-US" sz="1200" baseline="0" dirty="0" err="1" smtClean="0">
+                          <a:latin typeface="Malgun Gothic" charset="-127"/>
+                          <a:ea typeface="Malgun Gothic" charset="-127"/>
+                          <a:cs typeface="Malgun Gothic" charset="-127"/>
+                        </a:rPr>
+                        <a:t>int</a:t>
+                      </a:r>
+                      <a:r>
+                        <a:rPr lang="en-US" sz="1200" baseline="0" dirty="0" smtClean="0">
+                          <a:latin typeface="Malgun Gothic" charset="-127"/>
+                          <a:ea typeface="Malgun Gothic" charset="-127"/>
+                          <a:cs typeface="Malgun Gothic" charset="-127"/>
+                        </a:rPr>
+                        <a:t> </a:t>
+                      </a:r>
+                      <a:r>
+                        <a:rPr lang="en-US" sz="1200" baseline="0" dirty="0" err="1" smtClean="0">
+                          <a:latin typeface="Malgun Gothic" charset="-127"/>
+                          <a:ea typeface="Malgun Gothic" charset="-127"/>
+                          <a:cs typeface="Malgun Gothic" charset="-127"/>
+                        </a:rPr>
+                        <a:t>selectedRow</a:t>
+                      </a:r>
+                      <a:r>
+                        <a:rPr lang="en-US" sz="1200" baseline="0" dirty="0" smtClean="0">
+                          <a:latin typeface="Malgun Gothic" charset="-127"/>
+                          <a:ea typeface="Malgun Gothic" charset="-127"/>
+                          <a:cs typeface="Malgun Gothic" charset="-127"/>
+                        </a:rPr>
+                        <a:t>)</a:t>
+                      </a:r>
+                    </a:p>
+                    <a:p>
+                      <a:pPr marL="0" marR="0" indent="0" algn="l" defTabSz="914400" rtl="0" eaLnBrk="1" fontAlgn="auto" latinLnBrk="1" hangingPunct="1">
+                        <a:lnSpc>
+                          <a:spcPct val="100000"/>
+                        </a:lnSpc>
+                        <a:spcBef>
+                          <a:spcPts val="0"/>
+                        </a:spcBef>
+                        <a:spcAft>
+                          <a:spcPts val="0"/>
+                        </a:spcAft>
+                        <a:buClrTx/>
+                        <a:buSzTx/>
+                        <a:buFontTx/>
+                        <a:buNone/>
+                        <a:tabLst/>
+                        <a:defRPr/>
+                      </a:pPr>
+                      <a:r>
+                        <a:rPr lang="en-US" sz="1200" baseline="0" dirty="0" smtClean="0">
+                          <a:latin typeface="Malgun Gothic" charset="-127"/>
+                          <a:ea typeface="Malgun Gothic" charset="-127"/>
+                          <a:cs typeface="Malgun Gothic" charset="-127"/>
+                        </a:rPr>
+                        <a:t>public void </a:t>
+                      </a:r>
+                      <a:r>
+                        <a:rPr lang="en-US" sz="1200" baseline="0" dirty="0" err="1" smtClean="0">
+                          <a:latin typeface="Malgun Gothic" charset="-127"/>
+                          <a:ea typeface="Malgun Gothic" charset="-127"/>
+                          <a:cs typeface="Malgun Gothic" charset="-127"/>
+                        </a:rPr>
+                        <a:t>TodoDelete</a:t>
+                      </a:r>
+                      <a:r>
+                        <a:rPr lang="en-US" sz="1200" baseline="0" dirty="0" smtClean="0">
+                          <a:latin typeface="Malgun Gothic" charset="-127"/>
+                          <a:ea typeface="Malgun Gothic" charset="-127"/>
+                          <a:cs typeface="Malgun Gothic" charset="-127"/>
+                        </a:rPr>
+                        <a:t>(</a:t>
+                      </a:r>
+                      <a:r>
+                        <a:rPr lang="en-US" sz="1200" baseline="0" dirty="0" err="1" smtClean="0">
+                          <a:latin typeface="Malgun Gothic" charset="-127"/>
+                          <a:ea typeface="Malgun Gothic" charset="-127"/>
+                          <a:cs typeface="Malgun Gothic" charset="-127"/>
+                        </a:rPr>
+                        <a:t>TodoElement</a:t>
+                      </a:r>
+                      <a:r>
+                        <a:rPr lang="en-US" sz="1200" baseline="0" dirty="0" smtClean="0">
+                          <a:latin typeface="Malgun Gothic" charset="-127"/>
+                          <a:ea typeface="Malgun Gothic" charset="-127"/>
+                          <a:cs typeface="Malgun Gothic" charset="-127"/>
+                        </a:rPr>
+                        <a:t> Element, </a:t>
+                      </a:r>
+                      <a:r>
+                        <a:rPr lang="en-US" sz="1200" baseline="0" dirty="0" err="1" smtClean="0">
+                          <a:latin typeface="Malgun Gothic" charset="-127"/>
+                          <a:ea typeface="Malgun Gothic" charset="-127"/>
+                          <a:cs typeface="Malgun Gothic" charset="-127"/>
+                        </a:rPr>
+                        <a:t>int</a:t>
+                      </a:r>
+                      <a:r>
+                        <a:rPr lang="en-US" sz="1200" baseline="0" dirty="0" smtClean="0">
+                          <a:latin typeface="Malgun Gothic" charset="-127"/>
+                          <a:ea typeface="Malgun Gothic" charset="-127"/>
+                          <a:cs typeface="Malgun Gothic" charset="-127"/>
+                        </a:rPr>
+                        <a:t> </a:t>
+                      </a:r>
+                      <a:r>
+                        <a:rPr lang="en-US" sz="1200" baseline="0" dirty="0" err="1" smtClean="0">
+                          <a:latin typeface="Malgun Gothic" charset="-127"/>
+                          <a:ea typeface="Malgun Gothic" charset="-127"/>
+                          <a:cs typeface="Malgun Gothic" charset="-127"/>
+                        </a:rPr>
+                        <a:t>selectedRow</a:t>
+                      </a:r>
+                      <a:r>
+                        <a:rPr lang="en-US" sz="1200" baseline="0" dirty="0" smtClean="0">
+                          <a:latin typeface="Malgun Gothic" charset="-127"/>
+                          <a:ea typeface="Malgun Gothic" charset="-127"/>
+                          <a:cs typeface="Malgun Gothic" charset="-127"/>
+                        </a:rPr>
+                        <a:t>)</a:t>
+                      </a:r>
+                    </a:p>
+                    <a:p>
+                      <a:pPr marL="0" marR="0" indent="0" algn="l" defTabSz="914400" rtl="0" eaLnBrk="1" fontAlgn="auto" latinLnBrk="1" hangingPunct="1">
+                        <a:lnSpc>
+                          <a:spcPct val="100000"/>
+                        </a:lnSpc>
+                        <a:spcBef>
+                          <a:spcPts val="0"/>
+                        </a:spcBef>
+                        <a:spcAft>
+                          <a:spcPts val="0"/>
+                        </a:spcAft>
+                        <a:buClrTx/>
+                        <a:buSzTx/>
+                        <a:buFontTx/>
+                        <a:buNone/>
+                        <a:tabLst/>
+                        <a:defRPr/>
+                      </a:pPr>
+                      <a:r>
+                        <a:rPr lang="en-US" sz="1200" baseline="0" dirty="0" smtClean="0">
+                          <a:latin typeface="Malgun Gothic" charset="-127"/>
+                          <a:ea typeface="Malgun Gothic" charset="-127"/>
+                          <a:cs typeface="Malgun Gothic" charset="-127"/>
+                        </a:rPr>
+                        <a:t>public String[][] </a:t>
+                      </a:r>
+                      <a:r>
+                        <a:rPr lang="en-US" sz="1200" baseline="0" dirty="0" err="1" smtClean="0">
+                          <a:latin typeface="Malgun Gothic" charset="-127"/>
+                          <a:ea typeface="Malgun Gothic" charset="-127"/>
+                          <a:cs typeface="Malgun Gothic" charset="-127"/>
+                        </a:rPr>
+                        <a:t>MatrixTodoElement</a:t>
+                      </a:r>
+                      <a:r>
+                        <a:rPr lang="en-US" sz="1200" baseline="0" dirty="0" smtClean="0">
+                          <a:latin typeface="Malgun Gothic" charset="-127"/>
+                          <a:ea typeface="Malgun Gothic" charset="-127"/>
+                          <a:cs typeface="Malgun Gothic" charset="-127"/>
+                        </a:rPr>
+                        <a:t>()</a:t>
+                      </a:r>
                       <a:endParaRPr lang="en-US" sz="1200" baseline="0" dirty="0" smtClean="0">
                         <a:latin typeface="Malgun Gothic" charset="-127"/>
                         <a:ea typeface="Malgun Gothic" charset="-127"/>
@@ -5647,7 +6741,7 @@
             <p:ph idx="1"/>
             <p:extLst>
               <p:ext uri="{D42A27DB-BD31-4B8C-83A1-F6EECF244321}">
-                <p14:modId xmlns:p14="http://schemas.microsoft.com/office/powerpoint/2010/main" val="1791108034"/>
+                <p14:modId xmlns:p14="http://schemas.microsoft.com/office/powerpoint/2010/main" val="696872340"/>
               </p:ext>
             </p:extLst>
           </p:nvPr>
@@ -6057,17 +7151,7 @@
                           <a:latin typeface="맑은 고딕" pitchFamily="50" charset="-127"/>
                           <a:ea typeface="맑은 고딕" pitchFamily="50" charset="-127"/>
                         </a:rPr>
-                        <a:t>관련 설계서 수</a:t>
-                      </a:r>
-                      <a:r>
-                        <a:rPr lang="ko-KR" altLang="en-US" sz="1200" b="0" dirty="0" smtClean="0">
-                          <a:solidFill>
-                            <a:schemeClr val="tx1"/>
-                          </a:solidFill>
-                          <a:latin typeface="맑은 고딕" pitchFamily="50" charset="-127"/>
-                          <a:ea typeface="맑은 고딕" pitchFamily="50" charset="-127"/>
-                        </a:rPr>
-                        <a:t>정</a:t>
+                        <a:t>관련 설계서 수정</a:t>
                       </a:r>
                       <a:endParaRPr lang="ko-KR" altLang="en-US" sz="1200" b="0" dirty="0">
                         <a:solidFill>
@@ -6127,8 +7211,34 @@
                     <a:bodyPr/>
                     <a:lstStyle/>
                     <a:p>
-                      <a:pPr algn="ctr" latinLnBrk="1"/>
-                      <a:endParaRPr lang="ko-KR" altLang="en-US" sz="1200" b="0" dirty="0">
+                      <a:pPr marL="0" marR="0" indent="0" algn="ctr" defTabSz="914400" rtl="0" eaLnBrk="1" fontAlgn="auto" latinLnBrk="1" hangingPunct="1">
+                        <a:lnSpc>
+                          <a:spcPct val="100000"/>
+                        </a:lnSpc>
+                        <a:spcBef>
+                          <a:spcPts val="0"/>
+                        </a:spcBef>
+                        <a:spcAft>
+                          <a:spcPts val="0"/>
+                        </a:spcAft>
+                        <a:buClrTx/>
+                        <a:buSzTx/>
+                        <a:buFontTx/>
+                        <a:buNone/>
+                        <a:tabLst/>
+                        <a:defRPr/>
+                      </a:pPr>
+                      <a:r>
+                        <a:rPr lang="en-US" altLang="ko-KR" sz="1200" b="0" dirty="0" smtClean="0">
+                          <a:solidFill>
+                            <a:schemeClr val="tx1"/>
+                          </a:solidFill>
+                          <a:latin typeface="맑은 고딕" pitchFamily="50" charset="-127"/>
+                          <a:ea typeface="맑은 고딕" pitchFamily="50" charset="-127"/>
+                        </a:rPr>
+                        <a:t>2017.05.24</a:t>
+                      </a:r>
+                      <a:endParaRPr lang="ko-KR" altLang="en-US" sz="1200" b="0" dirty="0" smtClean="0">
                         <a:solidFill>
                           <a:schemeClr val="tx1"/>
                         </a:solidFill>
@@ -6149,6 +7259,16 @@
                     <a:lstStyle/>
                     <a:p>
                       <a:pPr algn="ctr" latinLnBrk="1"/>
+                      <a:r>
+                        <a:rPr lang="en-US" altLang="ko-KR" sz="1200" b="0" dirty="0" smtClean="0">
+                          <a:solidFill>
+                            <a:schemeClr val="tx1"/>
+                          </a:solidFill>
+                          <a:latin typeface="맑은 고딕" pitchFamily="50" charset="-127"/>
+                          <a:ea typeface="맑은 고딕" pitchFamily="50" charset="-127"/>
+                        </a:rPr>
+                        <a:t>V0.2.0</a:t>
+                      </a:r>
                       <a:endParaRPr lang="ko-KR" altLang="en-US" sz="1200" b="0" dirty="0">
                         <a:solidFill>
                           <a:schemeClr val="tx1"/>
@@ -6169,8 +7289,28 @@
                     <a:bodyPr/>
                     <a:lstStyle/>
                     <a:p>
-                      <a:pPr latinLnBrk="1"/>
-                      <a:endParaRPr lang="ko-KR" altLang="en-US" sz="1200" b="0">
+                      <a:pPr algn="ctr" latinLnBrk="1"/>
+                      <a:r>
+                        <a:rPr lang="en-US" altLang="ko-KR" sz="1200" b="0" dirty="0" err="1" smtClean="0">
+                          <a:solidFill>
+                            <a:schemeClr val="tx1"/>
+                          </a:solidFill>
+                          <a:latin typeface="맑은 고딕" pitchFamily="50" charset="-127"/>
+                          <a:ea typeface="맑은 고딕" pitchFamily="50" charset="-127"/>
+                        </a:rPr>
+                        <a:t>DataBase</a:t>
+                      </a:r>
+                      <a:r>
+                        <a:rPr lang="ko-KR" altLang="en-US" sz="1200" b="0" dirty="0" smtClean="0">
+                          <a:solidFill>
+                            <a:schemeClr val="tx1"/>
+                          </a:solidFill>
+                          <a:latin typeface="맑은 고딕" pitchFamily="50" charset="-127"/>
+                          <a:ea typeface="맑은 고딕" pitchFamily="50" charset="-127"/>
+                        </a:rPr>
+                        <a:t>클래스 추가</a:t>
+                      </a:r>
+                      <a:endParaRPr lang="ko-KR" altLang="en-US" sz="1200" b="0" dirty="0">
                         <a:solidFill>
                           <a:schemeClr val="tx1"/>
                         </a:solidFill>
@@ -6191,6 +7331,16 @@
                     <a:lstStyle/>
                     <a:p>
                       <a:pPr algn="ctr" latinLnBrk="1"/>
+                      <a:r>
+                        <a:rPr lang="ko-KR" altLang="en-US" sz="1200" b="0" smtClean="0">
+                          <a:solidFill>
+                            <a:schemeClr val="tx1"/>
+                          </a:solidFill>
+                          <a:latin typeface="맑은 고딕" pitchFamily="50" charset="-127"/>
+                          <a:ea typeface="맑은 고딕" pitchFamily="50" charset="-127"/>
+                        </a:rPr>
+                        <a:t>김희애</a:t>
+                      </a:r>
                       <a:endParaRPr lang="ko-KR" altLang="en-US" sz="1200" b="0" dirty="0">
                         <a:solidFill>
                           <a:schemeClr val="tx1"/>
@@ -7151,11 +8301,6 @@
                         </a:rPr>
                         <a:t> todomanage1</a:t>
                       </a:r>
-                      <a:endParaRPr lang="en-US" sz="1200" baseline="0" dirty="0" smtClean="0">
-                        <a:latin typeface="Malgun Gothic" charset="-127"/>
-                        <a:ea typeface="Malgun Gothic" charset="-127"/>
-                        <a:cs typeface="Malgun Gothic" charset="-127"/>
-                      </a:endParaRPr>
                     </a:p>
                     <a:p>
                       <a:r>
@@ -7594,15 +8739,7 @@
                           <a:ea typeface="Malgun Gothic" charset="-127"/>
                           <a:cs typeface="Malgun Gothic" charset="-127"/>
                         </a:rPr>
-                        <a:t> </a:t>
-                      </a:r>
-                      <a:r>
-                        <a:rPr lang="en-US" sz="1200" baseline="0" dirty="0" smtClean="0">
-                          <a:latin typeface="Malgun Gothic" charset="-127"/>
-                          <a:ea typeface="Malgun Gothic" charset="-127"/>
-                          <a:cs typeface="Malgun Gothic" charset="-127"/>
-                        </a:rPr>
-                        <a:t>table</a:t>
+                        <a:t> table</a:t>
                       </a:r>
                     </a:p>
                     <a:p>
@@ -8043,15 +9180,7 @@
                           <a:ea typeface="Malgun Gothic" charset="-127"/>
                           <a:cs typeface="Malgun Gothic" charset="-127"/>
                         </a:rPr>
-                        <a:t> e</a:t>
-                      </a:r>
-                      <a:r>
-                        <a:rPr lang="en-US" sz="1200" baseline="0" dirty="0" smtClean="0">
-                          <a:latin typeface="Malgun Gothic" charset="-127"/>
-                          <a:ea typeface="Malgun Gothic" charset="-127"/>
-                          <a:cs typeface="Malgun Gothic" charset="-127"/>
-                        </a:rPr>
-                        <a:t>)</a:t>
+                        <a:t> e)</a:t>
                       </a:r>
                     </a:p>
                     <a:p>
@@ -8079,11 +9208,6 @@
                         </a:rPr>
                         <a:t>()</a:t>
                       </a:r>
-                      <a:endParaRPr lang="en-US" sz="1200" baseline="0" dirty="0" smtClean="0">
-                        <a:latin typeface="Malgun Gothic" charset="-127"/>
-                        <a:ea typeface="Malgun Gothic" charset="-127"/>
-                        <a:cs typeface="Malgun Gothic" charset="-127"/>
-                      </a:endParaRPr>
                     </a:p>
                   </a:txBody>
                   <a:tcPr/>
@@ -9854,15 +10978,7 @@
                           <a:ea typeface="Malgun Gothic" charset="-127"/>
                           <a:cs typeface="Malgun Gothic" charset="-127"/>
                         </a:rPr>
-                        <a:t> </a:t>
-                      </a:r>
-                      <a:r>
-                        <a:rPr lang="en-US" sz="1200" baseline="0" dirty="0" smtClean="0">
-                          <a:latin typeface="Malgun Gothic" charset="-127"/>
-                          <a:ea typeface="Malgun Gothic" charset="-127"/>
-                          <a:cs typeface="Malgun Gothic" charset="-127"/>
-                        </a:rPr>
-                        <a:t>e)   </a:t>
+                        <a:t> e)   </a:t>
                       </a:r>
                     </a:p>
                     <a:p>
@@ -10270,10 +11386,6 @@
                         </a:rPr>
                         <a:t> database</a:t>
                       </a:r>
-                      <a:endParaRPr lang="en-US" sz="1200" baseline="0" dirty="0" smtClean="0">
-                        <a:latin typeface="+mn-ea"/>
-                        <a:ea typeface="+mn-ea"/>
-                      </a:endParaRPr>
                     </a:p>
                     <a:p>
                       <a:r>
@@ -11300,10 +12412,6 @@
                         </a:rPr>
                         <a:t>)</a:t>
                       </a:r>
-                      <a:endParaRPr lang="en-US" sz="1200" baseline="0" dirty="0" smtClean="0">
-                        <a:latin typeface="+mn-ea"/>
-                        <a:ea typeface="+mn-ea"/>
-                      </a:endParaRPr>
                     </a:p>
                     <a:p>
                       <a:r>
@@ -11376,14 +12484,7 @@
                           <a:latin typeface="+mn-ea"/>
                           <a:ea typeface="+mn-ea"/>
                         </a:rPr>
-                        <a:t> </a:t>
-                      </a:r>
-                      <a:r>
-                        <a:rPr lang="en-US" sz="1200" baseline="0" dirty="0" smtClean="0">
-                          <a:latin typeface="+mn-ea"/>
-                          <a:ea typeface="+mn-ea"/>
-                        </a:rPr>
-                        <a:t>e)   </a:t>
+                        <a:t> e)   </a:t>
                       </a:r>
                     </a:p>
                   </a:txBody>

--- a/doc/3_ 설계서/Class Design.pptx
+++ b/doc/3_ 설계서/Class Design.pptx
@@ -5,10 +5,10 @@
     <p:sldMasterId id="2147483655" r:id="rId1"/>
   </p:sldMasterIdLst>
   <p:notesMasterIdLst>
-    <p:notesMasterId r:id="rId17"/>
+    <p:notesMasterId r:id="rId16"/>
   </p:notesMasterIdLst>
   <p:handoutMasterIdLst>
-    <p:handoutMasterId r:id="rId18"/>
+    <p:handoutMasterId r:id="rId17"/>
   </p:handoutMasterIdLst>
   <p:sldIdLst>
     <p:sldId id="256" r:id="rId2"/>
@@ -22,10 +22,9 @@
     <p:sldId id="264" r:id="rId10"/>
     <p:sldId id="265" r:id="rId11"/>
     <p:sldId id="266" r:id="rId12"/>
-    <p:sldId id="267" r:id="rId13"/>
-    <p:sldId id="268" r:id="rId14"/>
-    <p:sldId id="269" r:id="rId15"/>
-    <p:sldId id="270" r:id="rId16"/>
+    <p:sldId id="268" r:id="rId13"/>
+    <p:sldId id="269" r:id="rId14"/>
+    <p:sldId id="270" r:id="rId15"/>
   </p:sldIdLst>
   <p:sldSz cx="9144000" cy="6858000" type="screen4x3"/>
   <p:notesSz cx="6797675" cy="9928225"/>
@@ -4133,21 +4132,21 @@
       </p:sp>
       <p:graphicFrame>
         <p:nvGraphicFramePr>
-          <p:cNvPr id="4" name="Table 3"/>
+          <p:cNvPr id="5" name="Table 3"/>
           <p:cNvGraphicFramePr>
             <a:graphicFrameLocks noGrp="1"/>
           </p:cNvGraphicFramePr>
           <p:nvPr>
             <p:extLst>
               <p:ext uri="{D42A27DB-BD31-4B8C-83A1-F6EECF244321}">
-                <p14:modId xmlns:p14="http://schemas.microsoft.com/office/powerpoint/2010/main" val="109742516"/>
+                <p14:modId xmlns:p14="http://schemas.microsoft.com/office/powerpoint/2010/main" val="1610270332"/>
               </p:ext>
             </p:extLst>
           </p:nvPr>
         </p:nvGraphicFramePr>
         <p:xfrm>
           <a:off x="838200" y="1066798"/>
-          <a:ext cx="7556500" cy="4923118"/>
+          <a:ext cx="7556500" cy="4691470"/>
         </p:xfrm>
         <a:graphic>
           <a:graphicData uri="http://schemas.openxmlformats.org/drawingml/2006/table">
@@ -4156,52 +4155,65 @@
                 <a:tableStyleId>{5940675A-B579-460E-94D1-54222C63F5DA}</a:tableStyleId>
               </a:tblPr>
               <a:tblGrid>
-                <a:gridCol w="7556500">
+                <a:gridCol w="3778250">
                   <a:extLst>
                     <a:ext uri="{9D8B030D-6E8A-4147-A177-3AD203B41FA5}">
                       <a16:colId xmlns:a16="http://schemas.microsoft.com/office/drawing/2014/main" val="20000"/>
                     </a:ext>
                   </a:extLst>
                 </a:gridCol>
+                <a:gridCol w="3778250">
+                  <a:extLst>
+                    <a:ext uri="{9D8B030D-6E8A-4147-A177-3AD203B41FA5}">
+                      <a16:colId xmlns:a16="http://schemas.microsoft.com/office/drawing/2014/main" val="4260403839"/>
+                    </a:ext>
+                  </a:extLst>
+                </a:gridCol>
               </a:tblGrid>
-              <a:tr h="342902">
-                <a:tc>
+              <a:tr h="264335">
+                <a:tc gridSpan="2">
                   <a:txBody>
                     <a:bodyPr/>
                     <a:lstStyle/>
                     <a:p>
                       <a:r>
-                        <a:rPr lang="en-US" sz="1200" dirty="0" err="1" smtClean="0">
-                          <a:latin typeface="Malgun Gothic" charset="-127"/>
-                          <a:ea typeface="Malgun Gothic" charset="-127"/>
+                        <a:rPr lang="en-US" sz="1200" b="0" dirty="0" err="1" smtClean="0">
+                          <a:latin typeface="맑은 고딕" panose="020B0503020000020004" pitchFamily="50" charset="-127"/>
+                          <a:ea typeface="맑은 고딕" panose="020B0503020000020004" pitchFamily="50" charset="-127"/>
                           <a:cs typeface="Malgun Gothic" charset="-127"/>
                         </a:rPr>
                         <a:t>TodoAdd</a:t>
                       </a:r>
                       <a:r>
-                        <a:rPr lang="en-US" sz="1200" dirty="0" smtClean="0">
-                          <a:latin typeface="Malgun Gothic" charset="-127"/>
-                          <a:ea typeface="Malgun Gothic" charset="-127"/>
+                        <a:rPr lang="en-US" sz="1200" b="0" dirty="0" smtClean="0">
+                          <a:latin typeface="맑은 고딕" panose="020B0503020000020004" pitchFamily="50" charset="-127"/>
+                          <a:ea typeface="맑은 고딕" panose="020B0503020000020004" pitchFamily="50" charset="-127"/>
                           <a:cs typeface="Malgun Gothic" charset="-127"/>
                         </a:rPr>
                         <a:t>()</a:t>
                       </a:r>
                       <a:r>
-                        <a:rPr lang="ko-KR" altLang="en-US" sz="1200" dirty="0" smtClean="0">
-                          <a:latin typeface="Malgun Gothic" charset="-127"/>
-                          <a:ea typeface="Malgun Gothic" charset="-127"/>
+                        <a:rPr lang="ko-KR" altLang="en-US" sz="1200" b="0" dirty="0" smtClean="0">
+                          <a:latin typeface="맑은 고딕" panose="020B0503020000020004" pitchFamily="50" charset="-127"/>
+                          <a:ea typeface="맑은 고딕" panose="020B0503020000020004" pitchFamily="50" charset="-127"/>
                           <a:cs typeface="Malgun Gothic" charset="-127"/>
                         </a:rPr>
                         <a:t> </a:t>
                       </a:r>
-                      <a:r>
-                        <a:rPr lang="en-US" altLang="ko-KR" sz="1200" smtClean="0">
-                          <a:latin typeface="Malgun Gothic" charset="-127"/>
-                          <a:ea typeface="Malgun Gothic" charset="-127"/>
-                          <a:cs typeface="Malgun Gothic" charset="-127"/>
-                        </a:rPr>
-                        <a:t>@@</a:t>
-                      </a:r>
+                      <a:endParaRPr lang="en-US" sz="1200" b="0" dirty="0">
+                        <a:latin typeface="맑은 고딕" panose="020B0503020000020004" pitchFamily="50" charset="-127"/>
+                        <a:ea typeface="맑은 고딕" panose="020B0503020000020004" pitchFamily="50" charset="-127"/>
+                        <a:cs typeface="Malgun Gothic" charset="-127"/>
+                      </a:endParaRPr>
+                    </a:p>
+                  </a:txBody>
+                  <a:tcPr/>
+                </a:tc>
+                <a:tc hMerge="1">
+                  <a:txBody>
+                    <a:bodyPr/>
+                    <a:lstStyle/>
+                    <a:p>
                       <a:endParaRPr lang="en-US" sz="1200" dirty="0">
                         <a:latin typeface="Malgun Gothic" charset="-127"/>
                         <a:ea typeface="Malgun Gothic" charset="-127"/>
@@ -4217,15 +4229,1104 @@
                   </a:ext>
                 </a:extLst>
               </a:tr>
-              <a:tr h="2290108">
+              <a:tr h="2401452">
                 <a:tc>
                   <a:txBody>
                     <a:bodyPr/>
                     <a:lstStyle/>
                     <a:p>
-                      <a:endParaRPr lang="en-US" sz="1200" dirty="0" smtClean="0">
-                        <a:latin typeface="Malgun Gothic" charset="-127"/>
-                        <a:ea typeface="Malgun Gothic" charset="-127"/>
+                      <a:r>
+                        <a:rPr lang="en-US" altLang="ko-KR" sz="1200" b="0" kern="1200" dirty="0" smtClean="0">
+                          <a:solidFill>
+                            <a:schemeClr val="tx1"/>
+                          </a:solidFill>
+                          <a:latin typeface="맑은 고딕" panose="020B0503020000020004" pitchFamily="50" charset="-127"/>
+                          <a:ea typeface="맑은 고딕" panose="020B0503020000020004" pitchFamily="50" charset="-127"/>
+                          <a:cs typeface="+mn-cs"/>
+                        </a:rPr>
+                        <a:t>private </a:t>
+                      </a:r>
+                      <a:r>
+                        <a:rPr lang="en-US" altLang="ko-KR" sz="1200" b="0" kern="1200" dirty="0" err="1" smtClean="0">
+                          <a:solidFill>
+                            <a:schemeClr val="tx1"/>
+                          </a:solidFill>
+                          <a:latin typeface="맑은 고딕" panose="020B0503020000020004" pitchFamily="50" charset="-127"/>
+                          <a:ea typeface="맑은 고딕" panose="020B0503020000020004" pitchFamily="50" charset="-127"/>
+                          <a:cs typeface="+mn-cs"/>
+                        </a:rPr>
+                        <a:t>JPanel</a:t>
+                      </a:r>
+                      <a:r>
+                        <a:rPr lang="en-US" altLang="ko-KR" sz="1200" b="0" kern="1200" dirty="0" smtClean="0">
+                          <a:solidFill>
+                            <a:schemeClr val="tx1"/>
+                          </a:solidFill>
+                          <a:latin typeface="맑은 고딕" panose="020B0503020000020004" pitchFamily="50" charset="-127"/>
+                          <a:ea typeface="맑은 고딕" panose="020B0503020000020004" pitchFamily="50" charset="-127"/>
+                          <a:cs typeface="+mn-cs"/>
+                        </a:rPr>
+                        <a:t> </a:t>
+                      </a:r>
+                      <a:r>
+                        <a:rPr lang="en-US" altLang="ko-KR" sz="1200" b="0" kern="1200" dirty="0" err="1" smtClean="0">
+                          <a:solidFill>
+                            <a:schemeClr val="tx1"/>
+                          </a:solidFill>
+                          <a:latin typeface="맑은 고딕" panose="020B0503020000020004" pitchFamily="50" charset="-127"/>
+                          <a:ea typeface="맑은 고딕" panose="020B0503020000020004" pitchFamily="50" charset="-127"/>
+                          <a:cs typeface="+mn-cs"/>
+                        </a:rPr>
+                        <a:t>contentPane</a:t>
+                      </a:r>
+                      <a:endParaRPr lang="en-US" altLang="ko-KR" sz="1200" b="0" kern="1200" dirty="0" smtClean="0">
+                        <a:solidFill>
+                          <a:schemeClr val="tx1"/>
+                        </a:solidFill>
+                        <a:latin typeface="맑은 고딕" panose="020B0503020000020004" pitchFamily="50" charset="-127"/>
+                        <a:ea typeface="맑은 고딕" panose="020B0503020000020004" pitchFamily="50" charset="-127"/>
+                        <a:cs typeface="+mn-cs"/>
+                      </a:endParaRPr>
+                    </a:p>
+                    <a:p>
+                      <a:r>
+                        <a:rPr lang="en-US" altLang="ko-KR" sz="1200" b="0" kern="1200" dirty="0" smtClean="0">
+                          <a:solidFill>
+                            <a:schemeClr val="tx1"/>
+                          </a:solidFill>
+                          <a:latin typeface="맑은 고딕" panose="020B0503020000020004" pitchFamily="50" charset="-127"/>
+                          <a:ea typeface="맑은 고딕" panose="020B0503020000020004" pitchFamily="50" charset="-127"/>
+                          <a:cs typeface="+mn-cs"/>
+                        </a:rPr>
+                        <a:t>private </a:t>
+                      </a:r>
+                      <a:r>
+                        <a:rPr lang="en-US" altLang="ko-KR" sz="1200" b="0" kern="1200" dirty="0" err="1" smtClean="0">
+                          <a:solidFill>
+                            <a:schemeClr val="tx1"/>
+                          </a:solidFill>
+                          <a:latin typeface="맑은 고딕" panose="020B0503020000020004" pitchFamily="50" charset="-127"/>
+                          <a:ea typeface="맑은 고딕" panose="020B0503020000020004" pitchFamily="50" charset="-127"/>
+                          <a:cs typeface="+mn-cs"/>
+                        </a:rPr>
+                        <a:t>TodoManage</a:t>
+                      </a:r>
+                      <a:r>
+                        <a:rPr lang="en-US" altLang="ko-KR" sz="1200" b="0" kern="1200" dirty="0" smtClean="0">
+                          <a:solidFill>
+                            <a:schemeClr val="tx1"/>
+                          </a:solidFill>
+                          <a:latin typeface="맑은 고딕" panose="020B0503020000020004" pitchFamily="50" charset="-127"/>
+                          <a:ea typeface="맑은 고딕" panose="020B0503020000020004" pitchFamily="50" charset="-127"/>
+                          <a:cs typeface="+mn-cs"/>
+                        </a:rPr>
+                        <a:t> </a:t>
+                      </a:r>
+                      <a:r>
+                        <a:rPr lang="en-US" altLang="ko-KR" sz="1200" b="0" kern="1200" dirty="0" err="1" smtClean="0">
+                          <a:solidFill>
+                            <a:schemeClr val="tx1"/>
+                          </a:solidFill>
+                          <a:latin typeface="맑은 고딕" panose="020B0503020000020004" pitchFamily="50" charset="-127"/>
+                          <a:ea typeface="맑은 고딕" panose="020B0503020000020004" pitchFamily="50" charset="-127"/>
+                          <a:cs typeface="+mn-cs"/>
+                        </a:rPr>
+                        <a:t>todomanageclass</a:t>
+                      </a:r>
+                      <a:endParaRPr lang="en-US" altLang="ko-KR" sz="1200" b="0" kern="1200" dirty="0" smtClean="0">
+                        <a:solidFill>
+                          <a:schemeClr val="tx1"/>
+                        </a:solidFill>
+                        <a:latin typeface="맑은 고딕" panose="020B0503020000020004" pitchFamily="50" charset="-127"/>
+                        <a:ea typeface="맑은 고딕" panose="020B0503020000020004" pitchFamily="50" charset="-127"/>
+                        <a:cs typeface="+mn-cs"/>
+                      </a:endParaRPr>
+                    </a:p>
+                    <a:p>
+                      <a:r>
+                        <a:rPr lang="en-US" altLang="ko-KR" sz="1200" b="0" kern="1200" dirty="0" smtClean="0">
+                          <a:solidFill>
+                            <a:schemeClr val="tx1"/>
+                          </a:solidFill>
+                          <a:latin typeface="맑은 고딕" panose="020B0503020000020004" pitchFamily="50" charset="-127"/>
+                          <a:ea typeface="맑은 고딕" panose="020B0503020000020004" pitchFamily="50" charset="-127"/>
+                          <a:cs typeface="+mn-cs"/>
+                        </a:rPr>
+                        <a:t>private </a:t>
+                      </a:r>
+                      <a:r>
+                        <a:rPr lang="en-US" altLang="ko-KR" sz="1200" b="0" kern="1200" dirty="0" err="1" smtClean="0">
+                          <a:solidFill>
+                            <a:schemeClr val="tx1"/>
+                          </a:solidFill>
+                          <a:latin typeface="맑은 고딕" panose="020B0503020000020004" pitchFamily="50" charset="-127"/>
+                          <a:ea typeface="맑은 고딕" panose="020B0503020000020004" pitchFamily="50" charset="-127"/>
+                          <a:cs typeface="+mn-cs"/>
+                        </a:rPr>
+                        <a:t>TodoAdd</a:t>
+                      </a:r>
+                      <a:r>
+                        <a:rPr lang="en-US" altLang="ko-KR" sz="1200" b="0" kern="1200" dirty="0" smtClean="0">
+                          <a:solidFill>
+                            <a:schemeClr val="tx1"/>
+                          </a:solidFill>
+                          <a:latin typeface="맑은 고딕" panose="020B0503020000020004" pitchFamily="50" charset="-127"/>
+                          <a:ea typeface="맑은 고딕" panose="020B0503020000020004" pitchFamily="50" charset="-127"/>
+                          <a:cs typeface="+mn-cs"/>
+                        </a:rPr>
+                        <a:t> </a:t>
+                      </a:r>
+                      <a:r>
+                        <a:rPr lang="en-US" altLang="ko-KR" sz="1200" b="0" kern="1200" dirty="0" err="1" smtClean="0">
+                          <a:solidFill>
+                            <a:schemeClr val="tx1"/>
+                          </a:solidFill>
+                          <a:latin typeface="맑은 고딕" panose="020B0503020000020004" pitchFamily="50" charset="-127"/>
+                          <a:ea typeface="맑은 고딕" panose="020B0503020000020004" pitchFamily="50" charset="-127"/>
+                          <a:cs typeface="+mn-cs"/>
+                        </a:rPr>
+                        <a:t>thisTodoAdd</a:t>
+                      </a:r>
+                      <a:r>
+                        <a:rPr lang="en-US" altLang="ko-KR" sz="1200" b="0" kern="1200" dirty="0" smtClean="0">
+                          <a:solidFill>
+                            <a:schemeClr val="tx1"/>
+                          </a:solidFill>
+                          <a:latin typeface="맑은 고딕" panose="020B0503020000020004" pitchFamily="50" charset="-127"/>
+                          <a:ea typeface="맑은 고딕" panose="020B0503020000020004" pitchFamily="50" charset="-127"/>
+                          <a:cs typeface="+mn-cs"/>
+                        </a:rPr>
+                        <a:t> </a:t>
+                      </a:r>
+                    </a:p>
+                    <a:p>
+                      <a:r>
+                        <a:rPr lang="en-US" altLang="ko-KR" sz="1200" b="0" kern="1200" dirty="0" smtClean="0">
+                          <a:solidFill>
+                            <a:schemeClr val="tx1"/>
+                          </a:solidFill>
+                          <a:latin typeface="맑은 고딕" panose="020B0503020000020004" pitchFamily="50" charset="-127"/>
+                          <a:ea typeface="맑은 고딕" panose="020B0503020000020004" pitchFamily="50" charset="-127"/>
+                          <a:cs typeface="+mn-cs"/>
+                        </a:rPr>
+                        <a:t>private </a:t>
+                      </a:r>
+                      <a:r>
+                        <a:rPr lang="en-US" altLang="ko-KR" sz="1200" b="0" kern="1200" dirty="0" err="1" smtClean="0">
+                          <a:solidFill>
+                            <a:schemeClr val="tx1"/>
+                          </a:solidFill>
+                          <a:latin typeface="맑은 고딕" panose="020B0503020000020004" pitchFamily="50" charset="-127"/>
+                          <a:ea typeface="맑은 고딕" panose="020B0503020000020004" pitchFamily="50" charset="-127"/>
+                          <a:cs typeface="+mn-cs"/>
+                        </a:rPr>
+                        <a:t>JTextField</a:t>
+                      </a:r>
+                      <a:r>
+                        <a:rPr lang="en-US" altLang="ko-KR" sz="1200" b="0" kern="1200" dirty="0" smtClean="0">
+                          <a:solidFill>
+                            <a:schemeClr val="tx1"/>
+                          </a:solidFill>
+                          <a:latin typeface="맑은 고딕" panose="020B0503020000020004" pitchFamily="50" charset="-127"/>
+                          <a:ea typeface="맑은 고딕" panose="020B0503020000020004" pitchFamily="50" charset="-127"/>
+                          <a:cs typeface="+mn-cs"/>
+                        </a:rPr>
+                        <a:t> </a:t>
+                      </a:r>
+                      <a:r>
+                        <a:rPr lang="en-US" altLang="ko-KR" sz="1200" b="0" kern="1200" dirty="0" err="1" smtClean="0">
+                          <a:solidFill>
+                            <a:schemeClr val="tx1"/>
+                          </a:solidFill>
+                          <a:latin typeface="맑은 고딕" panose="020B0503020000020004" pitchFamily="50" charset="-127"/>
+                          <a:ea typeface="맑은 고딕" panose="020B0503020000020004" pitchFamily="50" charset="-127"/>
+                          <a:cs typeface="+mn-cs"/>
+                        </a:rPr>
+                        <a:t>txtTodo</a:t>
+                      </a:r>
+                      <a:endParaRPr lang="en-US" altLang="ko-KR" sz="1200" b="0" kern="1200" dirty="0" smtClean="0">
+                        <a:solidFill>
+                          <a:schemeClr val="tx1"/>
+                        </a:solidFill>
+                        <a:latin typeface="맑은 고딕" panose="020B0503020000020004" pitchFamily="50" charset="-127"/>
+                        <a:ea typeface="맑은 고딕" panose="020B0503020000020004" pitchFamily="50" charset="-127"/>
+                        <a:cs typeface="+mn-cs"/>
+                      </a:endParaRPr>
+                    </a:p>
+                    <a:p>
+                      <a:r>
+                        <a:rPr lang="en-US" altLang="ko-KR" sz="1200" b="0" kern="1200" dirty="0" smtClean="0">
+                          <a:solidFill>
+                            <a:schemeClr val="tx1"/>
+                          </a:solidFill>
+                          <a:latin typeface="맑은 고딕" panose="020B0503020000020004" pitchFamily="50" charset="-127"/>
+                          <a:ea typeface="맑은 고딕" panose="020B0503020000020004" pitchFamily="50" charset="-127"/>
+                          <a:cs typeface="+mn-cs"/>
+                        </a:rPr>
+                        <a:t>private </a:t>
+                      </a:r>
+                      <a:r>
+                        <a:rPr lang="en-US" altLang="ko-KR" sz="1200" b="0" kern="1200" dirty="0" err="1" smtClean="0">
+                          <a:solidFill>
+                            <a:schemeClr val="tx1"/>
+                          </a:solidFill>
+                          <a:latin typeface="맑은 고딕" panose="020B0503020000020004" pitchFamily="50" charset="-127"/>
+                          <a:ea typeface="맑은 고딕" panose="020B0503020000020004" pitchFamily="50" charset="-127"/>
+                          <a:cs typeface="+mn-cs"/>
+                        </a:rPr>
+                        <a:t>DataBase</a:t>
+                      </a:r>
+                      <a:r>
+                        <a:rPr lang="en-US" altLang="ko-KR" sz="1200" b="0" kern="1200" dirty="0" smtClean="0">
+                          <a:solidFill>
+                            <a:schemeClr val="tx1"/>
+                          </a:solidFill>
+                          <a:latin typeface="맑은 고딕" panose="020B0503020000020004" pitchFamily="50" charset="-127"/>
+                          <a:ea typeface="맑은 고딕" panose="020B0503020000020004" pitchFamily="50" charset="-127"/>
+                          <a:cs typeface="+mn-cs"/>
+                        </a:rPr>
+                        <a:t> </a:t>
+                      </a:r>
+                      <a:r>
+                        <a:rPr lang="en-US" altLang="ko-KR" sz="1200" b="0" kern="1200" dirty="0" err="1" smtClean="0">
+                          <a:solidFill>
+                            <a:schemeClr val="tx1"/>
+                          </a:solidFill>
+                          <a:latin typeface="맑은 고딕" panose="020B0503020000020004" pitchFamily="50" charset="-127"/>
+                          <a:ea typeface="맑은 고딕" panose="020B0503020000020004" pitchFamily="50" charset="-127"/>
+                          <a:cs typeface="+mn-cs"/>
+                        </a:rPr>
+                        <a:t>DataBase</a:t>
+                      </a:r>
+                      <a:endParaRPr lang="en-US" altLang="ko-KR" sz="1200" b="0" kern="1200" dirty="0" smtClean="0">
+                        <a:solidFill>
+                          <a:schemeClr val="tx1"/>
+                        </a:solidFill>
+                        <a:latin typeface="맑은 고딕" panose="020B0503020000020004" pitchFamily="50" charset="-127"/>
+                        <a:ea typeface="맑은 고딕" panose="020B0503020000020004" pitchFamily="50" charset="-127"/>
+                        <a:cs typeface="+mn-cs"/>
+                      </a:endParaRPr>
+                    </a:p>
+                    <a:p>
+                      <a:r>
+                        <a:rPr lang="en-US" altLang="ko-KR" sz="1200" b="0" kern="1200" dirty="0" smtClean="0">
+                          <a:solidFill>
+                            <a:schemeClr val="tx1"/>
+                          </a:solidFill>
+                          <a:latin typeface="맑은 고딕" panose="020B0503020000020004" pitchFamily="50" charset="-127"/>
+                          <a:ea typeface="맑은 고딕" panose="020B0503020000020004" pitchFamily="50" charset="-127"/>
+                          <a:cs typeface="+mn-cs"/>
+                        </a:rPr>
+                        <a:t>public </a:t>
+                      </a:r>
+                      <a:r>
+                        <a:rPr lang="en-US" altLang="ko-KR" sz="1200" b="0" kern="1200" dirty="0" err="1" smtClean="0">
+                          <a:solidFill>
+                            <a:schemeClr val="tx1"/>
+                          </a:solidFill>
+                          <a:latin typeface="맑은 고딕" panose="020B0503020000020004" pitchFamily="50" charset="-127"/>
+                          <a:ea typeface="맑은 고딕" panose="020B0503020000020004" pitchFamily="50" charset="-127"/>
+                          <a:cs typeface="+mn-cs"/>
+                        </a:rPr>
+                        <a:t>TodoElement</a:t>
+                      </a:r>
+                      <a:r>
+                        <a:rPr lang="en-US" altLang="ko-KR" sz="1200" b="0" kern="1200" dirty="0" smtClean="0">
+                          <a:solidFill>
+                            <a:schemeClr val="tx1"/>
+                          </a:solidFill>
+                          <a:latin typeface="맑은 고딕" panose="020B0503020000020004" pitchFamily="50" charset="-127"/>
+                          <a:ea typeface="맑은 고딕" panose="020B0503020000020004" pitchFamily="50" charset="-127"/>
+                          <a:cs typeface="+mn-cs"/>
+                        </a:rPr>
+                        <a:t> </a:t>
+                      </a:r>
+                      <a:r>
+                        <a:rPr lang="en-US" altLang="ko-KR" sz="1200" b="0" kern="1200" dirty="0" err="1" smtClean="0">
+                          <a:solidFill>
+                            <a:schemeClr val="tx1"/>
+                          </a:solidFill>
+                          <a:latin typeface="맑은 고딕" panose="020B0503020000020004" pitchFamily="50" charset="-127"/>
+                          <a:ea typeface="맑은 고딕" panose="020B0503020000020004" pitchFamily="50" charset="-127"/>
+                          <a:cs typeface="+mn-cs"/>
+                        </a:rPr>
+                        <a:t>TodoElement</a:t>
+                      </a:r>
+                      <a:endParaRPr lang="en-US" altLang="ko-KR" sz="1200" b="0" kern="1200" dirty="0" smtClean="0">
+                        <a:solidFill>
+                          <a:schemeClr val="tx1"/>
+                        </a:solidFill>
+                        <a:latin typeface="맑은 고딕" panose="020B0503020000020004" pitchFamily="50" charset="-127"/>
+                        <a:ea typeface="맑은 고딕" panose="020B0503020000020004" pitchFamily="50" charset="-127"/>
+                        <a:cs typeface="+mn-cs"/>
+                      </a:endParaRPr>
+                    </a:p>
+                    <a:p>
+                      <a:r>
+                        <a:rPr lang="en-US" altLang="ko-KR" sz="1200" b="0" kern="1200" dirty="0" err="1" smtClean="0">
+                          <a:solidFill>
+                            <a:schemeClr val="tx1"/>
+                          </a:solidFill>
+                          <a:latin typeface="맑은 고딕" panose="020B0503020000020004" pitchFamily="50" charset="-127"/>
+                          <a:ea typeface="맑은 고딕" panose="020B0503020000020004" pitchFamily="50" charset="-127"/>
+                          <a:cs typeface="+mn-cs"/>
+                        </a:rPr>
+                        <a:t>JButton</a:t>
+                      </a:r>
+                      <a:r>
+                        <a:rPr lang="en-US" altLang="ko-KR" sz="1200" b="0" kern="1200" dirty="0" smtClean="0">
+                          <a:solidFill>
+                            <a:schemeClr val="tx1"/>
+                          </a:solidFill>
+                          <a:latin typeface="맑은 고딕" panose="020B0503020000020004" pitchFamily="50" charset="-127"/>
+                          <a:ea typeface="맑은 고딕" panose="020B0503020000020004" pitchFamily="50" charset="-127"/>
+                          <a:cs typeface="+mn-cs"/>
+                        </a:rPr>
+                        <a:t> </a:t>
+                      </a:r>
+                      <a:r>
+                        <a:rPr lang="en-US" altLang="ko-KR" sz="1200" b="0" kern="1200" dirty="0" err="1" smtClean="0">
+                          <a:solidFill>
+                            <a:schemeClr val="tx1"/>
+                          </a:solidFill>
+                          <a:latin typeface="맑은 고딕" panose="020B0503020000020004" pitchFamily="50" charset="-127"/>
+                          <a:ea typeface="맑은 고딕" panose="020B0503020000020004" pitchFamily="50" charset="-127"/>
+                          <a:cs typeface="+mn-cs"/>
+                        </a:rPr>
+                        <a:t>btnAdd</a:t>
+                      </a:r>
+                      <a:endParaRPr lang="en-US" altLang="ko-KR" sz="1200" b="0" kern="1200" dirty="0" smtClean="0">
+                        <a:solidFill>
+                          <a:schemeClr val="tx1"/>
+                        </a:solidFill>
+                        <a:latin typeface="맑은 고딕" panose="020B0503020000020004" pitchFamily="50" charset="-127"/>
+                        <a:ea typeface="맑은 고딕" panose="020B0503020000020004" pitchFamily="50" charset="-127"/>
+                        <a:cs typeface="+mn-cs"/>
+                      </a:endParaRPr>
+                    </a:p>
+                    <a:p>
+                      <a:r>
+                        <a:rPr lang="en-US" altLang="ko-KR" sz="1200" b="0" kern="1200" dirty="0" err="1" smtClean="0">
+                          <a:solidFill>
+                            <a:schemeClr val="tx1"/>
+                          </a:solidFill>
+                          <a:latin typeface="맑은 고딕" panose="020B0503020000020004" pitchFamily="50" charset="-127"/>
+                          <a:ea typeface="맑은 고딕" panose="020B0503020000020004" pitchFamily="50" charset="-127"/>
+                          <a:cs typeface="+mn-cs"/>
+                        </a:rPr>
+                        <a:t>JButton</a:t>
+                      </a:r>
+                      <a:r>
+                        <a:rPr lang="en-US" altLang="ko-KR" sz="1200" b="0" kern="1200" dirty="0" smtClean="0">
+                          <a:solidFill>
+                            <a:schemeClr val="tx1"/>
+                          </a:solidFill>
+                          <a:latin typeface="맑은 고딕" panose="020B0503020000020004" pitchFamily="50" charset="-127"/>
+                          <a:ea typeface="맑은 고딕" panose="020B0503020000020004" pitchFamily="50" charset="-127"/>
+                          <a:cs typeface="+mn-cs"/>
+                        </a:rPr>
+                        <a:t> </a:t>
+                      </a:r>
+                      <a:r>
+                        <a:rPr lang="en-US" altLang="ko-KR" sz="1200" b="0" kern="1200" dirty="0" err="1" smtClean="0">
+                          <a:solidFill>
+                            <a:schemeClr val="tx1"/>
+                          </a:solidFill>
+                          <a:latin typeface="맑은 고딕" panose="020B0503020000020004" pitchFamily="50" charset="-127"/>
+                          <a:ea typeface="맑은 고딕" panose="020B0503020000020004" pitchFamily="50" charset="-127"/>
+                          <a:cs typeface="+mn-cs"/>
+                        </a:rPr>
+                        <a:t>btnBack</a:t>
+                      </a:r>
+                      <a:endParaRPr lang="en-US" altLang="ko-KR" sz="1200" b="0" kern="1200" dirty="0" smtClean="0">
+                        <a:solidFill>
+                          <a:schemeClr val="tx1"/>
+                        </a:solidFill>
+                        <a:latin typeface="맑은 고딕" panose="020B0503020000020004" pitchFamily="50" charset="-127"/>
+                        <a:ea typeface="맑은 고딕" panose="020B0503020000020004" pitchFamily="50" charset="-127"/>
+                        <a:cs typeface="+mn-cs"/>
+                      </a:endParaRPr>
+                    </a:p>
+                    <a:p>
+                      <a:r>
+                        <a:rPr lang="en-US" altLang="ko-KR" sz="1200" b="0" kern="1200" dirty="0" err="1" smtClean="0">
+                          <a:solidFill>
+                            <a:schemeClr val="tx1"/>
+                          </a:solidFill>
+                          <a:latin typeface="맑은 고딕" panose="020B0503020000020004" pitchFamily="50" charset="-127"/>
+                          <a:ea typeface="맑은 고딕" panose="020B0503020000020004" pitchFamily="50" charset="-127"/>
+                          <a:cs typeface="+mn-cs"/>
+                        </a:rPr>
+                        <a:t>JButton</a:t>
+                      </a:r>
+                      <a:r>
+                        <a:rPr lang="en-US" altLang="ko-KR" sz="1200" b="0" kern="1200" dirty="0" smtClean="0">
+                          <a:solidFill>
+                            <a:schemeClr val="tx1"/>
+                          </a:solidFill>
+                          <a:latin typeface="맑은 고딕" panose="020B0503020000020004" pitchFamily="50" charset="-127"/>
+                          <a:ea typeface="맑은 고딕" panose="020B0503020000020004" pitchFamily="50" charset="-127"/>
+                          <a:cs typeface="+mn-cs"/>
+                        </a:rPr>
+                        <a:t> </a:t>
+                      </a:r>
+                      <a:r>
+                        <a:rPr lang="en-US" altLang="ko-KR" sz="1200" b="0" kern="1200" dirty="0" err="1" smtClean="0">
+                          <a:solidFill>
+                            <a:schemeClr val="tx1"/>
+                          </a:solidFill>
+                          <a:latin typeface="맑은 고딕" panose="020B0503020000020004" pitchFamily="50" charset="-127"/>
+                          <a:ea typeface="맑은 고딕" panose="020B0503020000020004" pitchFamily="50" charset="-127"/>
+                          <a:cs typeface="+mn-cs"/>
+                        </a:rPr>
+                        <a:t>btnAmPmDeadline</a:t>
+                      </a:r>
+                      <a:endParaRPr lang="en-US" altLang="ko-KR" sz="1200" b="0" kern="1200" dirty="0" smtClean="0">
+                        <a:solidFill>
+                          <a:schemeClr val="tx1"/>
+                        </a:solidFill>
+                        <a:latin typeface="맑은 고딕" panose="020B0503020000020004" pitchFamily="50" charset="-127"/>
+                        <a:ea typeface="맑은 고딕" panose="020B0503020000020004" pitchFamily="50" charset="-127"/>
+                        <a:cs typeface="+mn-cs"/>
+                      </a:endParaRPr>
+                    </a:p>
+                    <a:p>
+                      <a:r>
+                        <a:rPr lang="en-US" altLang="ko-KR" sz="1200" b="0" kern="1200" dirty="0" err="1" smtClean="0">
+                          <a:solidFill>
+                            <a:schemeClr val="tx1"/>
+                          </a:solidFill>
+                          <a:latin typeface="맑은 고딕" panose="020B0503020000020004" pitchFamily="50" charset="-127"/>
+                          <a:ea typeface="맑은 고딕" panose="020B0503020000020004" pitchFamily="50" charset="-127"/>
+                          <a:cs typeface="+mn-cs"/>
+                        </a:rPr>
+                        <a:t>JButton</a:t>
+                      </a:r>
+                      <a:r>
+                        <a:rPr lang="en-US" altLang="ko-KR" sz="1200" b="0" kern="1200" dirty="0" smtClean="0">
+                          <a:solidFill>
+                            <a:schemeClr val="tx1"/>
+                          </a:solidFill>
+                          <a:latin typeface="맑은 고딕" panose="020B0503020000020004" pitchFamily="50" charset="-127"/>
+                          <a:ea typeface="맑은 고딕" panose="020B0503020000020004" pitchFamily="50" charset="-127"/>
+                          <a:cs typeface="+mn-cs"/>
+                        </a:rPr>
+                        <a:t> </a:t>
+                      </a:r>
+                      <a:r>
+                        <a:rPr lang="en-US" altLang="ko-KR" sz="1200" b="0" kern="1200" dirty="0" err="1" smtClean="0">
+                          <a:solidFill>
+                            <a:schemeClr val="tx1"/>
+                          </a:solidFill>
+                          <a:latin typeface="맑은 고딕" panose="020B0503020000020004" pitchFamily="50" charset="-127"/>
+                          <a:ea typeface="맑은 고딕" panose="020B0503020000020004" pitchFamily="50" charset="-127"/>
+                          <a:cs typeface="+mn-cs"/>
+                        </a:rPr>
+                        <a:t>btnAmPmDueDate</a:t>
+                      </a:r>
+                      <a:endParaRPr lang="en-US" altLang="ko-KR" sz="1200" b="0" kern="1200" dirty="0" smtClean="0">
+                        <a:solidFill>
+                          <a:schemeClr val="tx1"/>
+                        </a:solidFill>
+                        <a:latin typeface="맑은 고딕" panose="020B0503020000020004" pitchFamily="50" charset="-127"/>
+                        <a:ea typeface="맑은 고딕" panose="020B0503020000020004" pitchFamily="50" charset="-127"/>
+                        <a:cs typeface="+mn-cs"/>
+                      </a:endParaRPr>
+                    </a:p>
+                    <a:p>
+                      <a:r>
+                        <a:rPr lang="en-US" altLang="ko-KR" sz="1200" b="0" kern="1200" dirty="0" err="1" smtClean="0">
+                          <a:solidFill>
+                            <a:schemeClr val="tx1"/>
+                          </a:solidFill>
+                          <a:latin typeface="맑은 고딕" panose="020B0503020000020004" pitchFamily="50" charset="-127"/>
+                          <a:ea typeface="맑은 고딕" panose="020B0503020000020004" pitchFamily="50" charset="-127"/>
+                          <a:cs typeface="+mn-cs"/>
+                        </a:rPr>
+                        <a:t>JTextField</a:t>
+                      </a:r>
+                      <a:r>
+                        <a:rPr lang="en-US" altLang="ko-KR" sz="1200" b="0" kern="1200" dirty="0" smtClean="0">
+                          <a:solidFill>
+                            <a:schemeClr val="tx1"/>
+                          </a:solidFill>
+                          <a:latin typeface="맑은 고딕" panose="020B0503020000020004" pitchFamily="50" charset="-127"/>
+                          <a:ea typeface="맑은 고딕" panose="020B0503020000020004" pitchFamily="50" charset="-127"/>
+                          <a:cs typeface="+mn-cs"/>
+                        </a:rPr>
+                        <a:t> </a:t>
+                      </a:r>
+                      <a:r>
+                        <a:rPr lang="en-US" altLang="ko-KR" sz="1200" b="0" kern="1200" dirty="0" err="1" smtClean="0">
+                          <a:solidFill>
+                            <a:schemeClr val="tx1"/>
+                          </a:solidFill>
+                          <a:latin typeface="맑은 고딕" panose="020B0503020000020004" pitchFamily="50" charset="-127"/>
+                          <a:ea typeface="맑은 고딕" panose="020B0503020000020004" pitchFamily="50" charset="-127"/>
+                          <a:cs typeface="+mn-cs"/>
+                        </a:rPr>
+                        <a:t>txtTodo</a:t>
+                      </a:r>
+                      <a:endParaRPr lang="en-US" altLang="ko-KR" sz="1200" b="0" kern="1200" dirty="0" smtClean="0">
+                        <a:solidFill>
+                          <a:schemeClr val="tx1"/>
+                        </a:solidFill>
+                        <a:latin typeface="맑은 고딕" panose="020B0503020000020004" pitchFamily="50" charset="-127"/>
+                        <a:ea typeface="맑은 고딕" panose="020B0503020000020004" pitchFamily="50" charset="-127"/>
+                        <a:cs typeface="+mn-cs"/>
+                      </a:endParaRPr>
+                    </a:p>
+                  </a:txBody>
+                  <a:tcPr/>
+                </a:tc>
+                <a:tc>
+                  <a:txBody>
+                    <a:bodyPr/>
+                    <a:lstStyle/>
+                    <a:p>
+                      <a:r>
+                        <a:rPr lang="en-US" altLang="ko-KR" sz="1200" b="0" kern="1200" dirty="0" err="1" smtClean="0">
+                          <a:solidFill>
+                            <a:schemeClr val="tx1"/>
+                          </a:solidFill>
+                          <a:latin typeface="맑은 고딕" panose="020B0503020000020004" pitchFamily="50" charset="-127"/>
+                          <a:ea typeface="맑은 고딕" panose="020B0503020000020004" pitchFamily="50" charset="-127"/>
+                          <a:cs typeface="+mn-cs"/>
+                        </a:rPr>
+                        <a:t>JCalendar</a:t>
+                      </a:r>
+                      <a:r>
+                        <a:rPr lang="en-US" altLang="ko-KR" sz="1200" b="0" kern="1200" dirty="0" smtClean="0">
+                          <a:solidFill>
+                            <a:schemeClr val="tx1"/>
+                          </a:solidFill>
+                          <a:latin typeface="맑은 고딕" panose="020B0503020000020004" pitchFamily="50" charset="-127"/>
+                          <a:ea typeface="맑은 고딕" panose="020B0503020000020004" pitchFamily="50" charset="-127"/>
+                          <a:cs typeface="+mn-cs"/>
+                        </a:rPr>
+                        <a:t> </a:t>
+                      </a:r>
+                      <a:r>
+                        <a:rPr lang="en-US" altLang="ko-KR" sz="1200" b="0" kern="1200" dirty="0" err="1" smtClean="0">
+                          <a:solidFill>
+                            <a:schemeClr val="tx1"/>
+                          </a:solidFill>
+                          <a:latin typeface="맑은 고딕" panose="020B0503020000020004" pitchFamily="50" charset="-127"/>
+                          <a:ea typeface="맑은 고딕" panose="020B0503020000020004" pitchFamily="50" charset="-127"/>
+                          <a:cs typeface="+mn-cs"/>
+                        </a:rPr>
+                        <a:t>JCalendarDueDate</a:t>
+                      </a:r>
+                      <a:endParaRPr lang="en-US" altLang="ko-KR" sz="1200" b="0" kern="1200" dirty="0" smtClean="0">
+                        <a:solidFill>
+                          <a:schemeClr val="tx1"/>
+                        </a:solidFill>
+                        <a:latin typeface="맑은 고딕" panose="020B0503020000020004" pitchFamily="50" charset="-127"/>
+                        <a:ea typeface="맑은 고딕" panose="020B0503020000020004" pitchFamily="50" charset="-127"/>
+                        <a:cs typeface="+mn-cs"/>
+                      </a:endParaRPr>
+                    </a:p>
+                    <a:p>
+                      <a:r>
+                        <a:rPr lang="en-US" altLang="ko-KR" sz="1200" b="0" kern="1200" dirty="0" err="1" smtClean="0">
+                          <a:solidFill>
+                            <a:schemeClr val="tx1"/>
+                          </a:solidFill>
+                          <a:latin typeface="맑은 고딕" panose="020B0503020000020004" pitchFamily="50" charset="-127"/>
+                          <a:ea typeface="맑은 고딕" panose="020B0503020000020004" pitchFamily="50" charset="-127"/>
+                          <a:cs typeface="+mn-cs"/>
+                        </a:rPr>
+                        <a:t>JCalendar</a:t>
+                      </a:r>
+                      <a:r>
+                        <a:rPr lang="en-US" altLang="ko-KR" sz="1200" b="0" kern="1200" dirty="0" smtClean="0">
+                          <a:solidFill>
+                            <a:schemeClr val="tx1"/>
+                          </a:solidFill>
+                          <a:latin typeface="맑은 고딕" panose="020B0503020000020004" pitchFamily="50" charset="-127"/>
+                          <a:ea typeface="맑은 고딕" panose="020B0503020000020004" pitchFamily="50" charset="-127"/>
+                          <a:cs typeface="+mn-cs"/>
+                        </a:rPr>
+                        <a:t> </a:t>
+                      </a:r>
+                      <a:r>
+                        <a:rPr lang="en-US" altLang="ko-KR" sz="1200" b="0" kern="1200" dirty="0" err="1" smtClean="0">
+                          <a:solidFill>
+                            <a:schemeClr val="tx1"/>
+                          </a:solidFill>
+                          <a:latin typeface="맑은 고딕" panose="020B0503020000020004" pitchFamily="50" charset="-127"/>
+                          <a:ea typeface="맑은 고딕" panose="020B0503020000020004" pitchFamily="50" charset="-127"/>
+                          <a:cs typeface="+mn-cs"/>
+                        </a:rPr>
+                        <a:t>JCalendarDeadline</a:t>
+                      </a:r>
+                      <a:endParaRPr lang="en-US" altLang="ko-KR" sz="1200" b="0" kern="1200" dirty="0" smtClean="0">
+                        <a:solidFill>
+                          <a:schemeClr val="tx1"/>
+                        </a:solidFill>
+                        <a:latin typeface="맑은 고딕" panose="020B0503020000020004" pitchFamily="50" charset="-127"/>
+                        <a:ea typeface="맑은 고딕" panose="020B0503020000020004" pitchFamily="50" charset="-127"/>
+                        <a:cs typeface="+mn-cs"/>
+                      </a:endParaRPr>
+                    </a:p>
+                    <a:p>
+                      <a:r>
+                        <a:rPr lang="en-US" altLang="ko-KR" sz="1200" b="0" kern="1200" dirty="0" err="1" smtClean="0">
+                          <a:solidFill>
+                            <a:schemeClr val="tx1"/>
+                          </a:solidFill>
+                          <a:latin typeface="맑은 고딕" panose="020B0503020000020004" pitchFamily="50" charset="-127"/>
+                          <a:ea typeface="맑은 고딕" panose="020B0503020000020004" pitchFamily="50" charset="-127"/>
+                          <a:cs typeface="+mn-cs"/>
+                        </a:rPr>
+                        <a:t>JComboBox</a:t>
+                      </a:r>
+                      <a:r>
+                        <a:rPr lang="en-US" altLang="ko-KR" sz="1200" b="0" kern="1200" dirty="0" smtClean="0">
+                          <a:solidFill>
+                            <a:schemeClr val="tx1"/>
+                          </a:solidFill>
+                          <a:latin typeface="맑은 고딕" panose="020B0503020000020004" pitchFamily="50" charset="-127"/>
+                          <a:ea typeface="맑은 고딕" panose="020B0503020000020004" pitchFamily="50" charset="-127"/>
+                          <a:cs typeface="+mn-cs"/>
+                        </a:rPr>
+                        <a:t> </a:t>
+                      </a:r>
+                      <a:r>
+                        <a:rPr lang="en-US" altLang="ko-KR" sz="1200" b="0" kern="1200" dirty="0" err="1" smtClean="0">
+                          <a:solidFill>
+                            <a:schemeClr val="tx1"/>
+                          </a:solidFill>
+                          <a:latin typeface="맑은 고딕" panose="020B0503020000020004" pitchFamily="50" charset="-127"/>
+                          <a:ea typeface="맑은 고딕" panose="020B0503020000020004" pitchFamily="50" charset="-127"/>
+                          <a:cs typeface="+mn-cs"/>
+                        </a:rPr>
+                        <a:t>cbSubject</a:t>
+                      </a:r>
+                      <a:r>
+                        <a:rPr lang="en-US" altLang="ko-KR" sz="1200" b="0" kern="1200" dirty="0" smtClean="0">
+                          <a:solidFill>
+                            <a:schemeClr val="tx1"/>
+                          </a:solidFill>
+                          <a:latin typeface="맑은 고딕" panose="020B0503020000020004" pitchFamily="50" charset="-127"/>
+                          <a:ea typeface="맑은 고딕" panose="020B0503020000020004" pitchFamily="50" charset="-127"/>
+                          <a:cs typeface="+mn-cs"/>
+                        </a:rPr>
+                        <a:t> </a:t>
+                      </a:r>
+                    </a:p>
+                    <a:p>
+                      <a:r>
+                        <a:rPr lang="en-US" altLang="ko-KR" sz="1200" b="0" kern="1200" dirty="0" err="1" smtClean="0">
+                          <a:solidFill>
+                            <a:schemeClr val="tx1"/>
+                          </a:solidFill>
+                          <a:latin typeface="맑은 고딕" panose="020B0503020000020004" pitchFamily="50" charset="-127"/>
+                          <a:ea typeface="맑은 고딕" panose="020B0503020000020004" pitchFamily="50" charset="-127"/>
+                          <a:cs typeface="+mn-cs"/>
+                        </a:rPr>
+                        <a:t>JComboBox</a:t>
+                      </a:r>
+                      <a:r>
+                        <a:rPr lang="en-US" altLang="ko-KR" sz="1200" b="0" kern="1200" dirty="0" smtClean="0">
+                          <a:solidFill>
+                            <a:schemeClr val="tx1"/>
+                          </a:solidFill>
+                          <a:latin typeface="맑은 고딕" panose="020B0503020000020004" pitchFamily="50" charset="-127"/>
+                          <a:ea typeface="맑은 고딕" panose="020B0503020000020004" pitchFamily="50" charset="-127"/>
+                          <a:cs typeface="+mn-cs"/>
+                        </a:rPr>
+                        <a:t> </a:t>
+                      </a:r>
+                      <a:r>
+                        <a:rPr lang="en-US" altLang="ko-KR" sz="1200" b="0" kern="1200" dirty="0" err="1" smtClean="0">
+                          <a:solidFill>
+                            <a:schemeClr val="tx1"/>
+                          </a:solidFill>
+                          <a:latin typeface="맑은 고딕" panose="020B0503020000020004" pitchFamily="50" charset="-127"/>
+                          <a:ea typeface="맑은 고딕" panose="020B0503020000020004" pitchFamily="50" charset="-127"/>
+                          <a:cs typeface="+mn-cs"/>
+                        </a:rPr>
+                        <a:t>cbDeadlineHour</a:t>
+                      </a:r>
+                      <a:endParaRPr lang="en-US" altLang="ko-KR" sz="1200" b="0" kern="1200" dirty="0" smtClean="0">
+                        <a:solidFill>
+                          <a:schemeClr val="tx1"/>
+                        </a:solidFill>
+                        <a:latin typeface="맑은 고딕" panose="020B0503020000020004" pitchFamily="50" charset="-127"/>
+                        <a:ea typeface="맑은 고딕" panose="020B0503020000020004" pitchFamily="50" charset="-127"/>
+                        <a:cs typeface="+mn-cs"/>
+                      </a:endParaRPr>
+                    </a:p>
+                    <a:p>
+                      <a:r>
+                        <a:rPr lang="en-US" altLang="ko-KR" sz="1200" b="0" kern="1200" dirty="0" err="1" smtClean="0">
+                          <a:solidFill>
+                            <a:schemeClr val="tx1"/>
+                          </a:solidFill>
+                          <a:latin typeface="맑은 고딕" panose="020B0503020000020004" pitchFamily="50" charset="-127"/>
+                          <a:ea typeface="맑은 고딕" panose="020B0503020000020004" pitchFamily="50" charset="-127"/>
+                          <a:cs typeface="+mn-cs"/>
+                        </a:rPr>
+                        <a:t>JComboBox</a:t>
+                      </a:r>
+                      <a:r>
+                        <a:rPr lang="en-US" altLang="ko-KR" sz="1200" b="0" kern="1200" dirty="0" smtClean="0">
+                          <a:solidFill>
+                            <a:schemeClr val="tx1"/>
+                          </a:solidFill>
+                          <a:latin typeface="맑은 고딕" panose="020B0503020000020004" pitchFamily="50" charset="-127"/>
+                          <a:ea typeface="맑은 고딕" panose="020B0503020000020004" pitchFamily="50" charset="-127"/>
+                          <a:cs typeface="+mn-cs"/>
+                        </a:rPr>
+                        <a:t> </a:t>
+                      </a:r>
+                      <a:r>
+                        <a:rPr lang="en-US" altLang="ko-KR" sz="1200" b="0" kern="1200" dirty="0" err="1" smtClean="0">
+                          <a:solidFill>
+                            <a:schemeClr val="tx1"/>
+                          </a:solidFill>
+                          <a:latin typeface="맑은 고딕" panose="020B0503020000020004" pitchFamily="50" charset="-127"/>
+                          <a:ea typeface="맑은 고딕" panose="020B0503020000020004" pitchFamily="50" charset="-127"/>
+                          <a:cs typeface="+mn-cs"/>
+                        </a:rPr>
+                        <a:t>cbDueDateHour</a:t>
+                      </a:r>
+                      <a:endParaRPr lang="en-US" altLang="ko-KR" sz="1200" b="0" kern="1200" dirty="0" smtClean="0">
+                        <a:solidFill>
+                          <a:schemeClr val="tx1"/>
+                        </a:solidFill>
+                        <a:latin typeface="맑은 고딕" panose="020B0503020000020004" pitchFamily="50" charset="-127"/>
+                        <a:ea typeface="맑은 고딕" panose="020B0503020000020004" pitchFamily="50" charset="-127"/>
+                        <a:cs typeface="+mn-cs"/>
+                      </a:endParaRPr>
+                    </a:p>
+                    <a:p>
+                      <a:r>
+                        <a:rPr lang="en-US" altLang="ko-KR" sz="1200" b="0" kern="1200" dirty="0" err="1" smtClean="0">
+                          <a:solidFill>
+                            <a:schemeClr val="tx1"/>
+                          </a:solidFill>
+                          <a:latin typeface="맑은 고딕" panose="020B0503020000020004" pitchFamily="50" charset="-127"/>
+                          <a:ea typeface="맑은 고딕" panose="020B0503020000020004" pitchFamily="50" charset="-127"/>
+                          <a:cs typeface="+mn-cs"/>
+                        </a:rPr>
+                        <a:t>JComboBox</a:t>
+                      </a:r>
+                      <a:r>
+                        <a:rPr lang="en-US" altLang="ko-KR" sz="1200" b="0" kern="1200" dirty="0" smtClean="0">
+                          <a:solidFill>
+                            <a:schemeClr val="tx1"/>
+                          </a:solidFill>
+                          <a:latin typeface="맑은 고딕" panose="020B0503020000020004" pitchFamily="50" charset="-127"/>
+                          <a:ea typeface="맑은 고딕" panose="020B0503020000020004" pitchFamily="50" charset="-127"/>
+                          <a:cs typeface="+mn-cs"/>
+                        </a:rPr>
+                        <a:t> </a:t>
+                      </a:r>
+                      <a:r>
+                        <a:rPr lang="en-US" altLang="ko-KR" sz="1200" b="0" kern="1200" dirty="0" err="1" smtClean="0">
+                          <a:solidFill>
+                            <a:schemeClr val="tx1"/>
+                          </a:solidFill>
+                          <a:latin typeface="맑은 고딕" panose="020B0503020000020004" pitchFamily="50" charset="-127"/>
+                          <a:ea typeface="맑은 고딕" panose="020B0503020000020004" pitchFamily="50" charset="-127"/>
+                          <a:cs typeface="+mn-cs"/>
+                        </a:rPr>
+                        <a:t>cbDeadlineMinute</a:t>
+                      </a:r>
+                      <a:endParaRPr lang="en-US" altLang="ko-KR" sz="1200" b="0" kern="1200" dirty="0" smtClean="0">
+                        <a:solidFill>
+                          <a:schemeClr val="tx1"/>
+                        </a:solidFill>
+                        <a:latin typeface="맑은 고딕" panose="020B0503020000020004" pitchFamily="50" charset="-127"/>
+                        <a:ea typeface="맑은 고딕" panose="020B0503020000020004" pitchFamily="50" charset="-127"/>
+                        <a:cs typeface="+mn-cs"/>
+                      </a:endParaRPr>
+                    </a:p>
+                    <a:p>
+                      <a:r>
+                        <a:rPr lang="en-US" altLang="ko-KR" sz="1200" b="0" kern="1200" dirty="0" err="1" smtClean="0">
+                          <a:solidFill>
+                            <a:schemeClr val="tx1"/>
+                          </a:solidFill>
+                          <a:latin typeface="맑은 고딕" panose="020B0503020000020004" pitchFamily="50" charset="-127"/>
+                          <a:ea typeface="맑은 고딕" panose="020B0503020000020004" pitchFamily="50" charset="-127"/>
+                          <a:cs typeface="+mn-cs"/>
+                        </a:rPr>
+                        <a:t>JComboBox</a:t>
+                      </a:r>
+                      <a:r>
+                        <a:rPr lang="en-US" altLang="ko-KR" sz="1200" b="0" kern="1200" dirty="0" smtClean="0">
+                          <a:solidFill>
+                            <a:schemeClr val="tx1"/>
+                          </a:solidFill>
+                          <a:latin typeface="맑은 고딕" panose="020B0503020000020004" pitchFamily="50" charset="-127"/>
+                          <a:ea typeface="맑은 고딕" panose="020B0503020000020004" pitchFamily="50" charset="-127"/>
+                          <a:cs typeface="+mn-cs"/>
+                        </a:rPr>
+                        <a:t> </a:t>
+                      </a:r>
+                      <a:r>
+                        <a:rPr lang="en-US" altLang="ko-KR" sz="1200" b="0" kern="1200" dirty="0" err="1" smtClean="0">
+                          <a:solidFill>
+                            <a:schemeClr val="tx1"/>
+                          </a:solidFill>
+                          <a:latin typeface="맑은 고딕" panose="020B0503020000020004" pitchFamily="50" charset="-127"/>
+                          <a:ea typeface="맑은 고딕" panose="020B0503020000020004" pitchFamily="50" charset="-127"/>
+                          <a:cs typeface="+mn-cs"/>
+                        </a:rPr>
+                        <a:t>cbDueDateMinute</a:t>
+                      </a:r>
+                      <a:endParaRPr lang="en-US" altLang="ko-KR" sz="1200" b="0" kern="1200" dirty="0" smtClean="0">
+                        <a:solidFill>
+                          <a:schemeClr val="tx1"/>
+                        </a:solidFill>
+                        <a:latin typeface="맑은 고딕" panose="020B0503020000020004" pitchFamily="50" charset="-127"/>
+                        <a:ea typeface="맑은 고딕" panose="020B0503020000020004" pitchFamily="50" charset="-127"/>
+                        <a:cs typeface="+mn-cs"/>
+                      </a:endParaRPr>
+                    </a:p>
+                    <a:p>
+                      <a:r>
+                        <a:rPr lang="en-US" altLang="ko-KR" sz="1200" b="0" kern="1200" dirty="0" err="1" smtClean="0">
+                          <a:solidFill>
+                            <a:schemeClr val="tx1"/>
+                          </a:solidFill>
+                          <a:latin typeface="맑은 고딕" panose="020B0503020000020004" pitchFamily="50" charset="-127"/>
+                          <a:ea typeface="맑은 고딕" panose="020B0503020000020004" pitchFamily="50" charset="-127"/>
+                          <a:cs typeface="+mn-cs"/>
+                        </a:rPr>
+                        <a:t>JCheckBox</a:t>
+                      </a:r>
+                      <a:r>
+                        <a:rPr lang="en-US" altLang="ko-KR" sz="1200" b="0" kern="1200" dirty="0" smtClean="0">
+                          <a:solidFill>
+                            <a:schemeClr val="tx1"/>
+                          </a:solidFill>
+                          <a:latin typeface="맑은 고딕" panose="020B0503020000020004" pitchFamily="50" charset="-127"/>
+                          <a:ea typeface="맑은 고딕" panose="020B0503020000020004" pitchFamily="50" charset="-127"/>
+                          <a:cs typeface="+mn-cs"/>
+                        </a:rPr>
+                        <a:t> </a:t>
+                      </a:r>
+                      <a:r>
+                        <a:rPr lang="en-US" altLang="ko-KR" sz="1200" b="0" kern="1200" dirty="0" err="1" smtClean="0">
+                          <a:solidFill>
+                            <a:schemeClr val="tx1"/>
+                          </a:solidFill>
+                          <a:latin typeface="맑은 고딕" panose="020B0503020000020004" pitchFamily="50" charset="-127"/>
+                          <a:ea typeface="맑은 고딕" panose="020B0503020000020004" pitchFamily="50" charset="-127"/>
+                          <a:cs typeface="+mn-cs"/>
+                        </a:rPr>
+                        <a:t>checkImportance</a:t>
+                      </a:r>
+                      <a:endParaRPr lang="en-US" altLang="ko-KR" sz="1200" b="0" dirty="0" smtClean="0">
+                        <a:latin typeface="맑은 고딕" panose="020B0503020000020004" pitchFamily="50" charset="-127"/>
+                        <a:ea typeface="맑은 고딕" panose="020B0503020000020004" pitchFamily="50" charset="-127"/>
+                        <a:cs typeface="Malgun Gothic" charset="-127"/>
+                      </a:endParaRPr>
+                    </a:p>
+                    <a:p>
+                      <a:r>
+                        <a:rPr lang="en-US" altLang="ko-KR" sz="1200" b="0" kern="1200" dirty="0" err="1" smtClean="0">
+                          <a:solidFill>
+                            <a:schemeClr val="tx1"/>
+                          </a:solidFill>
+                          <a:latin typeface="맑은 고딕" panose="020B0503020000020004" pitchFamily="50" charset="-127"/>
+                          <a:ea typeface="맑은 고딕" panose="020B0503020000020004" pitchFamily="50" charset="-127"/>
+                          <a:cs typeface="+mn-cs"/>
+                        </a:rPr>
+                        <a:t>JLabel</a:t>
+                      </a:r>
+                      <a:r>
+                        <a:rPr lang="en-US" altLang="ko-KR" sz="1200" b="0" kern="1200" dirty="0" smtClean="0">
+                          <a:solidFill>
+                            <a:schemeClr val="tx1"/>
+                          </a:solidFill>
+                          <a:latin typeface="맑은 고딕" panose="020B0503020000020004" pitchFamily="50" charset="-127"/>
+                          <a:ea typeface="맑은 고딕" panose="020B0503020000020004" pitchFamily="50" charset="-127"/>
+                          <a:cs typeface="+mn-cs"/>
+                        </a:rPr>
+                        <a:t> </a:t>
+                      </a:r>
+                      <a:r>
+                        <a:rPr lang="en-US" altLang="ko-KR" sz="1200" b="0" kern="1200" dirty="0" err="1" smtClean="0">
+                          <a:solidFill>
+                            <a:schemeClr val="tx1"/>
+                          </a:solidFill>
+                          <a:latin typeface="맑은 고딕" panose="020B0503020000020004" pitchFamily="50" charset="-127"/>
+                          <a:ea typeface="맑은 고딕" panose="020B0503020000020004" pitchFamily="50" charset="-127"/>
+                          <a:cs typeface="+mn-cs"/>
+                        </a:rPr>
+                        <a:t>lblToDo</a:t>
+                      </a:r>
+                      <a:endParaRPr lang="en-US" altLang="ko-KR" sz="1200" b="0" kern="1200" dirty="0" smtClean="0">
+                        <a:solidFill>
+                          <a:schemeClr val="tx1"/>
+                        </a:solidFill>
+                        <a:latin typeface="맑은 고딕" panose="020B0503020000020004" pitchFamily="50" charset="-127"/>
+                        <a:ea typeface="맑은 고딕" panose="020B0503020000020004" pitchFamily="50" charset="-127"/>
+                        <a:cs typeface="+mn-cs"/>
+                      </a:endParaRPr>
+                    </a:p>
+                    <a:p>
+                      <a:r>
+                        <a:rPr lang="en-US" altLang="ko-KR" sz="1200" b="0" kern="1200" dirty="0" err="1" smtClean="0">
+                          <a:solidFill>
+                            <a:schemeClr val="tx1"/>
+                          </a:solidFill>
+                          <a:latin typeface="맑은 고딕" panose="020B0503020000020004" pitchFamily="50" charset="-127"/>
+                          <a:ea typeface="맑은 고딕" panose="020B0503020000020004" pitchFamily="50" charset="-127"/>
+                          <a:cs typeface="+mn-cs"/>
+                        </a:rPr>
+                        <a:t>JLabel</a:t>
+                      </a:r>
+                      <a:r>
+                        <a:rPr lang="en-US" altLang="ko-KR" sz="1200" b="0" kern="1200" dirty="0" smtClean="0">
+                          <a:solidFill>
+                            <a:schemeClr val="tx1"/>
+                          </a:solidFill>
+                          <a:latin typeface="맑은 고딕" panose="020B0503020000020004" pitchFamily="50" charset="-127"/>
+                          <a:ea typeface="맑은 고딕" panose="020B0503020000020004" pitchFamily="50" charset="-127"/>
+                          <a:cs typeface="+mn-cs"/>
+                        </a:rPr>
+                        <a:t> </a:t>
+                      </a:r>
+                      <a:r>
+                        <a:rPr lang="en-US" altLang="ko-KR" sz="1200" b="0" kern="1200" dirty="0" err="1" smtClean="0">
+                          <a:solidFill>
+                            <a:schemeClr val="tx1"/>
+                          </a:solidFill>
+                          <a:latin typeface="맑은 고딕" panose="020B0503020000020004" pitchFamily="50" charset="-127"/>
+                          <a:ea typeface="맑은 고딕" panose="020B0503020000020004" pitchFamily="50" charset="-127"/>
+                          <a:cs typeface="+mn-cs"/>
+                        </a:rPr>
+                        <a:t>lblSubject</a:t>
+                      </a:r>
+                      <a:endParaRPr lang="en-US" altLang="ko-KR" sz="1200" b="0" kern="1200" dirty="0" smtClean="0">
+                        <a:solidFill>
+                          <a:schemeClr val="tx1"/>
+                        </a:solidFill>
+                        <a:latin typeface="맑은 고딕" panose="020B0503020000020004" pitchFamily="50" charset="-127"/>
+                        <a:ea typeface="맑은 고딕" panose="020B0503020000020004" pitchFamily="50" charset="-127"/>
+                        <a:cs typeface="+mn-cs"/>
+                      </a:endParaRPr>
+                    </a:p>
+                    <a:p>
+                      <a:r>
+                        <a:rPr lang="en-US" altLang="ko-KR" sz="1200" b="0" kern="1200" dirty="0" err="1" smtClean="0">
+                          <a:solidFill>
+                            <a:schemeClr val="tx1"/>
+                          </a:solidFill>
+                          <a:latin typeface="맑은 고딕" panose="020B0503020000020004" pitchFamily="50" charset="-127"/>
+                          <a:ea typeface="맑은 고딕" panose="020B0503020000020004" pitchFamily="50" charset="-127"/>
+                          <a:cs typeface="+mn-cs"/>
+                        </a:rPr>
+                        <a:t>JLabel</a:t>
+                      </a:r>
+                      <a:r>
+                        <a:rPr lang="en-US" altLang="ko-KR" sz="1200" b="0" kern="1200" dirty="0" smtClean="0">
+                          <a:solidFill>
+                            <a:schemeClr val="tx1"/>
+                          </a:solidFill>
+                          <a:latin typeface="맑은 고딕" panose="020B0503020000020004" pitchFamily="50" charset="-127"/>
+                          <a:ea typeface="맑은 고딕" panose="020B0503020000020004" pitchFamily="50" charset="-127"/>
+                          <a:cs typeface="+mn-cs"/>
+                        </a:rPr>
+                        <a:t> </a:t>
+                      </a:r>
+                      <a:r>
+                        <a:rPr lang="en-US" altLang="ko-KR" sz="1200" b="0" kern="1200" dirty="0" err="1" smtClean="0">
+                          <a:solidFill>
+                            <a:schemeClr val="tx1"/>
+                          </a:solidFill>
+                          <a:latin typeface="맑은 고딕" panose="020B0503020000020004" pitchFamily="50" charset="-127"/>
+                          <a:ea typeface="맑은 고딕" panose="020B0503020000020004" pitchFamily="50" charset="-127"/>
+                          <a:cs typeface="+mn-cs"/>
+                        </a:rPr>
+                        <a:t>lblDeadline</a:t>
+                      </a:r>
+                      <a:endParaRPr lang="en-US" altLang="ko-KR" sz="1200" b="0" kern="1200" dirty="0" smtClean="0">
+                        <a:solidFill>
+                          <a:schemeClr val="tx1"/>
+                        </a:solidFill>
+                        <a:latin typeface="맑은 고딕" panose="020B0503020000020004" pitchFamily="50" charset="-127"/>
+                        <a:ea typeface="맑은 고딕" panose="020B0503020000020004" pitchFamily="50" charset="-127"/>
+                        <a:cs typeface="+mn-cs"/>
+                      </a:endParaRPr>
+                    </a:p>
+                    <a:p>
+                      <a:r>
+                        <a:rPr lang="en-US" altLang="ko-KR" sz="1200" b="0" kern="1200" dirty="0" err="1" smtClean="0">
+                          <a:solidFill>
+                            <a:schemeClr val="tx1"/>
+                          </a:solidFill>
+                          <a:latin typeface="맑은 고딕" panose="020B0503020000020004" pitchFamily="50" charset="-127"/>
+                          <a:ea typeface="맑은 고딕" panose="020B0503020000020004" pitchFamily="50" charset="-127"/>
+                          <a:cs typeface="+mn-cs"/>
+                        </a:rPr>
+                        <a:t>JLabel</a:t>
+                      </a:r>
+                      <a:r>
+                        <a:rPr lang="en-US" altLang="ko-KR" sz="1200" b="0" kern="1200" dirty="0" smtClean="0">
+                          <a:solidFill>
+                            <a:schemeClr val="tx1"/>
+                          </a:solidFill>
+                          <a:latin typeface="맑은 고딕" panose="020B0503020000020004" pitchFamily="50" charset="-127"/>
+                          <a:ea typeface="맑은 고딕" panose="020B0503020000020004" pitchFamily="50" charset="-127"/>
+                          <a:cs typeface="+mn-cs"/>
+                        </a:rPr>
+                        <a:t> lblNewLabel_1</a:t>
+                      </a:r>
+                    </a:p>
+                    <a:p>
+                      <a:r>
+                        <a:rPr lang="en-US" altLang="ko-KR" sz="1200" b="0" kern="1200" dirty="0" err="1" smtClean="0">
+                          <a:solidFill>
+                            <a:schemeClr val="tx1"/>
+                          </a:solidFill>
+                          <a:latin typeface="맑은 고딕" panose="020B0503020000020004" pitchFamily="50" charset="-127"/>
+                          <a:ea typeface="맑은 고딕" panose="020B0503020000020004" pitchFamily="50" charset="-127"/>
+                          <a:cs typeface="+mn-cs"/>
+                        </a:rPr>
+                        <a:t>JLabel</a:t>
+                      </a:r>
+                      <a:r>
+                        <a:rPr lang="en-US" altLang="ko-KR" sz="1200" b="0" kern="1200" dirty="0" smtClean="0">
+                          <a:solidFill>
+                            <a:schemeClr val="tx1"/>
+                          </a:solidFill>
+                          <a:latin typeface="맑은 고딕" panose="020B0503020000020004" pitchFamily="50" charset="-127"/>
+                          <a:ea typeface="맑은 고딕" panose="020B0503020000020004" pitchFamily="50" charset="-127"/>
+                          <a:cs typeface="+mn-cs"/>
+                        </a:rPr>
+                        <a:t> </a:t>
+                      </a:r>
+                      <a:r>
+                        <a:rPr lang="en-US" altLang="ko-KR" sz="1200" b="0" kern="1200" dirty="0" err="1" smtClean="0">
+                          <a:solidFill>
+                            <a:schemeClr val="tx1"/>
+                          </a:solidFill>
+                          <a:latin typeface="맑은 고딕" panose="020B0503020000020004" pitchFamily="50" charset="-127"/>
+                          <a:ea typeface="맑은 고딕" panose="020B0503020000020004" pitchFamily="50" charset="-127"/>
+                          <a:cs typeface="+mn-cs"/>
+                        </a:rPr>
+                        <a:t>lblImportance</a:t>
+                      </a:r>
+                      <a:endParaRPr lang="en-US" altLang="ko-KR" sz="1200" b="0" kern="1200" dirty="0" smtClean="0">
+                        <a:solidFill>
+                          <a:schemeClr val="tx1"/>
+                        </a:solidFill>
+                        <a:latin typeface="맑은 고딕" panose="020B0503020000020004" pitchFamily="50" charset="-127"/>
+                        <a:ea typeface="맑은 고딕" panose="020B0503020000020004" pitchFamily="50" charset="-127"/>
+                        <a:cs typeface="+mn-cs"/>
+                      </a:endParaRPr>
+                    </a:p>
+                    <a:p>
+                      <a:endParaRPr lang="en-US" sz="1200" b="0" dirty="0" smtClean="0">
+                        <a:latin typeface="맑은 고딕" panose="020B0503020000020004" pitchFamily="50" charset="-127"/>
+                        <a:ea typeface="맑은 고딕" panose="020B0503020000020004" pitchFamily="50" charset="-127"/>
                         <a:cs typeface="Malgun Gothic" charset="-127"/>
                       </a:endParaRPr>
                     </a:p>
@@ -4238,8 +5339,8 @@
                   </a:ext>
                 </a:extLst>
               </a:tr>
-              <a:tr h="2290108">
-                <a:tc>
+              <a:tr h="1765390">
+                <a:tc gridSpan="2">
                   <a:txBody>
                     <a:bodyPr/>
                     <a:lstStyle/>
@@ -4261,11 +5362,264 @@
                         <a:tabLst/>
                         <a:defRPr/>
                       </a:pPr>
-                      <a:endParaRPr lang="en-US" sz="1200" baseline="0" dirty="0" smtClean="0">
-                        <a:latin typeface="Malgun Gothic" charset="-127"/>
-                        <a:ea typeface="Malgun Gothic" charset="-127"/>
-                        <a:cs typeface="Malgun Gothic" charset="-127"/>
-                      </a:endParaRPr>
+                      <a:r>
+                        <a:rPr lang="en-US" altLang="ko-KR" sz="1200" b="0" kern="1200" dirty="0" smtClean="0">
+                          <a:solidFill>
+                            <a:schemeClr val="tx1"/>
+                          </a:solidFill>
+                          <a:latin typeface="맑은 고딕" panose="020B0503020000020004" pitchFamily="50" charset="-127"/>
+                          <a:ea typeface="맑은 고딕" panose="020B0503020000020004" pitchFamily="50" charset="-127"/>
+                          <a:cs typeface="+mn-cs"/>
+                        </a:rPr>
+                        <a:t>public static void AM_PM(Calendar </a:t>
+                      </a:r>
+                      <a:r>
+                        <a:rPr lang="en-US" altLang="ko-KR" sz="1200" b="0" kern="1200" dirty="0" err="1" smtClean="0">
+                          <a:solidFill>
+                            <a:schemeClr val="tx1"/>
+                          </a:solidFill>
+                          <a:latin typeface="맑은 고딕" panose="020B0503020000020004" pitchFamily="50" charset="-127"/>
+                          <a:ea typeface="맑은 고딕" panose="020B0503020000020004" pitchFamily="50" charset="-127"/>
+                          <a:cs typeface="+mn-cs"/>
+                        </a:rPr>
+                        <a:t>calendar</a:t>
+                      </a:r>
+                      <a:r>
+                        <a:rPr lang="en-US" altLang="ko-KR" sz="1200" b="0" kern="1200" dirty="0" smtClean="0">
+                          <a:solidFill>
+                            <a:schemeClr val="tx1"/>
+                          </a:solidFill>
+                          <a:latin typeface="맑은 고딕" panose="020B0503020000020004" pitchFamily="50" charset="-127"/>
+                          <a:ea typeface="맑은 고딕" panose="020B0503020000020004" pitchFamily="50" charset="-127"/>
+                          <a:cs typeface="+mn-cs"/>
+                        </a:rPr>
+                        <a:t>, </a:t>
+                      </a:r>
+                      <a:r>
+                        <a:rPr lang="en-US" altLang="ko-KR" sz="1200" b="0" kern="1200" dirty="0" err="1" smtClean="0">
+                          <a:solidFill>
+                            <a:schemeClr val="tx1"/>
+                          </a:solidFill>
+                          <a:latin typeface="맑은 고딕" panose="020B0503020000020004" pitchFamily="50" charset="-127"/>
+                          <a:ea typeface="맑은 고딕" panose="020B0503020000020004" pitchFamily="50" charset="-127"/>
+                          <a:cs typeface="+mn-cs"/>
+                        </a:rPr>
+                        <a:t>JButton</a:t>
+                      </a:r>
+                      <a:r>
+                        <a:rPr lang="en-US" altLang="ko-KR" sz="1200" b="0" kern="1200" dirty="0" smtClean="0">
+                          <a:solidFill>
+                            <a:schemeClr val="tx1"/>
+                          </a:solidFill>
+                          <a:latin typeface="맑은 고딕" panose="020B0503020000020004" pitchFamily="50" charset="-127"/>
+                          <a:ea typeface="맑은 고딕" panose="020B0503020000020004" pitchFamily="50" charset="-127"/>
+                          <a:cs typeface="+mn-cs"/>
+                        </a:rPr>
+                        <a:t> </a:t>
+                      </a:r>
+                      <a:r>
+                        <a:rPr lang="en-US" altLang="ko-KR" sz="1200" b="0" kern="1200" dirty="0" err="1" smtClean="0">
+                          <a:solidFill>
+                            <a:schemeClr val="tx1"/>
+                          </a:solidFill>
+                          <a:latin typeface="맑은 고딕" panose="020B0503020000020004" pitchFamily="50" charset="-127"/>
+                          <a:ea typeface="맑은 고딕" panose="020B0503020000020004" pitchFamily="50" charset="-127"/>
+                          <a:cs typeface="+mn-cs"/>
+                        </a:rPr>
+                        <a:t>btn</a:t>
+                      </a:r>
+                      <a:r>
+                        <a:rPr lang="en-US" altLang="ko-KR" sz="1200" b="0" kern="1200" dirty="0" smtClean="0">
+                          <a:solidFill>
+                            <a:schemeClr val="tx1"/>
+                          </a:solidFill>
+                          <a:latin typeface="맑은 고딕" panose="020B0503020000020004" pitchFamily="50" charset="-127"/>
+                          <a:ea typeface="맑은 고딕" panose="020B0503020000020004" pitchFamily="50" charset="-127"/>
+                          <a:cs typeface="+mn-cs"/>
+                        </a:rPr>
+                        <a:t>)</a:t>
+                      </a:r>
+                    </a:p>
+                    <a:p>
+                      <a:pPr marL="0" marR="0" indent="0" algn="l" defTabSz="914400" rtl="0" eaLnBrk="1" fontAlgn="auto" latinLnBrk="1" hangingPunct="1">
+                        <a:lnSpc>
+                          <a:spcPct val="100000"/>
+                        </a:lnSpc>
+                        <a:spcBef>
+                          <a:spcPts val="0"/>
+                        </a:spcBef>
+                        <a:spcAft>
+                          <a:spcPts val="0"/>
+                        </a:spcAft>
+                        <a:buClrTx/>
+                        <a:buSzTx/>
+                        <a:buFontTx/>
+                        <a:buNone/>
+                        <a:tabLst/>
+                        <a:defRPr/>
+                      </a:pPr>
+                      <a:r>
+                        <a:rPr lang="en-US" altLang="ko-KR" sz="1200" b="0" kern="1200" dirty="0" smtClean="0">
+                          <a:solidFill>
+                            <a:schemeClr val="tx1"/>
+                          </a:solidFill>
+                          <a:latin typeface="맑은 고딕" panose="020B0503020000020004" pitchFamily="50" charset="-127"/>
+                          <a:ea typeface="맑은 고딕" panose="020B0503020000020004" pitchFamily="50" charset="-127"/>
+                          <a:cs typeface="+mn-cs"/>
+                        </a:rPr>
+                        <a:t>public </a:t>
+                      </a:r>
+                      <a:r>
+                        <a:rPr lang="en-US" altLang="ko-KR" sz="1200" b="0" kern="1200" dirty="0" err="1" smtClean="0">
+                          <a:solidFill>
+                            <a:schemeClr val="tx1"/>
+                          </a:solidFill>
+                          <a:latin typeface="맑은 고딕" panose="020B0503020000020004" pitchFamily="50" charset="-127"/>
+                          <a:ea typeface="맑은 고딕" panose="020B0503020000020004" pitchFamily="50" charset="-127"/>
+                          <a:cs typeface="+mn-cs"/>
+                        </a:rPr>
+                        <a:t>TodoAdd</a:t>
+                      </a:r>
+                      <a:r>
+                        <a:rPr lang="en-US" altLang="ko-KR" sz="1200" b="0" kern="1200" dirty="0" smtClean="0">
+                          <a:solidFill>
+                            <a:schemeClr val="tx1"/>
+                          </a:solidFill>
+                          <a:latin typeface="맑은 고딕" panose="020B0503020000020004" pitchFamily="50" charset="-127"/>
+                          <a:ea typeface="맑은 고딕" panose="020B0503020000020004" pitchFamily="50" charset="-127"/>
+                          <a:cs typeface="+mn-cs"/>
+                        </a:rPr>
+                        <a:t>(</a:t>
+                      </a:r>
+                      <a:r>
+                        <a:rPr lang="en-US" altLang="ko-KR" sz="1200" b="0" kern="1200" dirty="0" err="1" smtClean="0">
+                          <a:solidFill>
+                            <a:schemeClr val="tx1"/>
+                          </a:solidFill>
+                          <a:latin typeface="맑은 고딕" panose="020B0503020000020004" pitchFamily="50" charset="-127"/>
+                          <a:ea typeface="맑은 고딕" panose="020B0503020000020004" pitchFamily="50" charset="-127"/>
+                          <a:cs typeface="+mn-cs"/>
+                        </a:rPr>
+                        <a:t>TodoManage</a:t>
+                      </a:r>
+                      <a:r>
+                        <a:rPr lang="en-US" altLang="ko-KR" sz="1200" b="0" kern="1200" dirty="0" smtClean="0">
+                          <a:solidFill>
+                            <a:schemeClr val="tx1"/>
+                          </a:solidFill>
+                          <a:latin typeface="맑은 고딕" panose="020B0503020000020004" pitchFamily="50" charset="-127"/>
+                          <a:ea typeface="맑은 고딕" panose="020B0503020000020004" pitchFamily="50" charset="-127"/>
+                          <a:cs typeface="+mn-cs"/>
+                        </a:rPr>
+                        <a:t> </a:t>
+                      </a:r>
+                      <a:r>
+                        <a:rPr lang="en-US" altLang="ko-KR" sz="1200" b="0" kern="1200" dirty="0" err="1" smtClean="0">
+                          <a:solidFill>
+                            <a:schemeClr val="tx1"/>
+                          </a:solidFill>
+                          <a:latin typeface="맑은 고딕" panose="020B0503020000020004" pitchFamily="50" charset="-127"/>
+                          <a:ea typeface="맑은 고딕" panose="020B0503020000020004" pitchFamily="50" charset="-127"/>
+                          <a:cs typeface="+mn-cs"/>
+                        </a:rPr>
+                        <a:t>todomanage_parm</a:t>
+                      </a:r>
+                      <a:r>
+                        <a:rPr lang="en-US" altLang="ko-KR" sz="1200" b="0" kern="1200" dirty="0" smtClean="0">
+                          <a:solidFill>
+                            <a:schemeClr val="tx1"/>
+                          </a:solidFill>
+                          <a:latin typeface="맑은 고딕" panose="020B0503020000020004" pitchFamily="50" charset="-127"/>
+                          <a:ea typeface="맑은 고딕" panose="020B0503020000020004" pitchFamily="50" charset="-127"/>
+                          <a:cs typeface="+mn-cs"/>
+                        </a:rPr>
+                        <a:t>)</a:t>
+                      </a:r>
+                    </a:p>
+                    <a:p>
+                      <a:pPr marL="0" marR="0" indent="0" algn="l" defTabSz="914400" rtl="0" eaLnBrk="1" fontAlgn="auto" latinLnBrk="1" hangingPunct="1">
+                        <a:lnSpc>
+                          <a:spcPct val="100000"/>
+                        </a:lnSpc>
+                        <a:spcBef>
+                          <a:spcPts val="0"/>
+                        </a:spcBef>
+                        <a:spcAft>
+                          <a:spcPts val="0"/>
+                        </a:spcAft>
+                        <a:buClrTx/>
+                        <a:buSzTx/>
+                        <a:buFontTx/>
+                        <a:buNone/>
+                        <a:tabLst/>
+                        <a:defRPr/>
+                      </a:pPr>
+                      <a:r>
+                        <a:rPr lang="en-US" altLang="ko-KR" sz="1200" b="0" kern="1200" dirty="0" smtClean="0">
+                          <a:solidFill>
+                            <a:schemeClr val="tx1"/>
+                          </a:solidFill>
+                          <a:latin typeface="맑은 고딕" panose="020B0503020000020004" pitchFamily="50" charset="-127"/>
+                          <a:ea typeface="맑은 고딕" panose="020B0503020000020004" pitchFamily="50" charset="-127"/>
+                          <a:cs typeface="+mn-cs"/>
+                        </a:rPr>
+                        <a:t>public void </a:t>
+                      </a:r>
+                      <a:r>
+                        <a:rPr lang="en-US" altLang="ko-KR" sz="1200" b="0" kern="1200" dirty="0" err="1" smtClean="0">
+                          <a:solidFill>
+                            <a:schemeClr val="tx1"/>
+                          </a:solidFill>
+                          <a:latin typeface="맑은 고딕" panose="020B0503020000020004" pitchFamily="50" charset="-127"/>
+                          <a:ea typeface="맑은 고딕" panose="020B0503020000020004" pitchFamily="50" charset="-127"/>
+                          <a:cs typeface="+mn-cs"/>
+                        </a:rPr>
+                        <a:t>actionPerformed</a:t>
+                      </a:r>
+                      <a:r>
+                        <a:rPr lang="en-US" altLang="ko-KR" sz="1200" b="0" kern="1200" dirty="0" smtClean="0">
+                          <a:solidFill>
+                            <a:schemeClr val="tx1"/>
+                          </a:solidFill>
+                          <a:latin typeface="맑은 고딕" panose="020B0503020000020004" pitchFamily="50" charset="-127"/>
+                          <a:ea typeface="맑은 고딕" panose="020B0503020000020004" pitchFamily="50" charset="-127"/>
+                          <a:cs typeface="+mn-cs"/>
+                        </a:rPr>
+                        <a:t>(</a:t>
+                      </a:r>
+                      <a:r>
+                        <a:rPr lang="en-US" altLang="ko-KR" sz="1200" b="0" kern="1200" dirty="0" err="1" smtClean="0">
+                          <a:solidFill>
+                            <a:schemeClr val="tx1"/>
+                          </a:solidFill>
+                          <a:latin typeface="맑은 고딕" panose="020B0503020000020004" pitchFamily="50" charset="-127"/>
+                          <a:ea typeface="맑은 고딕" panose="020B0503020000020004" pitchFamily="50" charset="-127"/>
+                          <a:cs typeface="+mn-cs"/>
+                        </a:rPr>
+                        <a:t>ActionEvent</a:t>
+                      </a:r>
+                      <a:r>
+                        <a:rPr lang="en-US" altLang="ko-KR" sz="1200" b="0" kern="1200" dirty="0" smtClean="0">
+                          <a:solidFill>
+                            <a:schemeClr val="tx1"/>
+                          </a:solidFill>
+                          <a:latin typeface="맑은 고딕" panose="020B0503020000020004" pitchFamily="50" charset="-127"/>
+                          <a:ea typeface="맑은 고딕" panose="020B0503020000020004" pitchFamily="50" charset="-127"/>
+                          <a:cs typeface="+mn-cs"/>
+                        </a:rPr>
+                        <a:t> e)</a:t>
+                      </a:r>
+                    </a:p>
+                  </a:txBody>
+                  <a:tcPr/>
+                </a:tc>
+                <a:tc hMerge="1">
+                  <a:txBody>
+                    <a:bodyPr/>
+                    <a:lstStyle/>
+                    <a:p>
+                      <a:pPr latinLnBrk="1"/>
+                      <a:endParaRPr lang="ko-KR" altLang="en-US"/>
                     </a:p>
                   </a:txBody>
                   <a:tcPr/>
@@ -4335,17 +5689,21 @@
       </p:sp>
       <p:graphicFrame>
         <p:nvGraphicFramePr>
-          <p:cNvPr id="4" name="Table 3"/>
+          <p:cNvPr id="6" name="Table 3"/>
           <p:cNvGraphicFramePr>
             <a:graphicFrameLocks noGrp="1"/>
           </p:cNvGraphicFramePr>
           <p:nvPr>
-            <p:extLst/>
+            <p:extLst>
+              <p:ext uri="{D42A27DB-BD31-4B8C-83A1-F6EECF244321}">
+                <p14:modId xmlns:p14="http://schemas.microsoft.com/office/powerpoint/2010/main" val="216960002"/>
+              </p:ext>
+            </p:extLst>
           </p:nvPr>
         </p:nvGraphicFramePr>
         <p:xfrm>
           <a:off x="838200" y="1066798"/>
-          <a:ext cx="7556500" cy="4923118"/>
+          <a:ext cx="7556500" cy="5032491"/>
         </p:xfrm>
         <a:graphic>
           <a:graphicData uri="http://schemas.openxmlformats.org/drawingml/2006/table">
@@ -4354,36 +5712,57 @@
                 <a:tableStyleId>{5940675A-B579-460E-94D1-54222C63F5DA}</a:tableStyleId>
               </a:tblPr>
               <a:tblGrid>
-                <a:gridCol w="7556500">
+                <a:gridCol w="3778250">
                   <a:extLst>
                     <a:ext uri="{9D8B030D-6E8A-4147-A177-3AD203B41FA5}">
                       <a16:colId xmlns:a16="http://schemas.microsoft.com/office/drawing/2014/main" val="20000"/>
                     </a:ext>
                   </a:extLst>
                 </a:gridCol>
+                <a:gridCol w="3778250">
+                  <a:extLst>
+                    <a:ext uri="{9D8B030D-6E8A-4147-A177-3AD203B41FA5}">
+                      <a16:colId xmlns:a16="http://schemas.microsoft.com/office/drawing/2014/main" val="704386244"/>
+                    </a:ext>
+                  </a:extLst>
+                </a:gridCol>
               </a:tblGrid>
-              <a:tr h="342902">
-                <a:tc>
+              <a:tr h="310047">
+                <a:tc gridSpan="2">
                   <a:txBody>
                     <a:bodyPr/>
                     <a:lstStyle/>
                     <a:p>
                       <a:r>
-                        <a:rPr lang="en-US" sz="1200" dirty="0" err="1" smtClean="0">
-                          <a:latin typeface="Malgun Gothic" charset="-127"/>
-                          <a:ea typeface="Malgun Gothic" charset="-127"/>
+                        <a:rPr lang="en-US" sz="1200" b="0" dirty="0" err="1" smtClean="0">
+                          <a:latin typeface="맑은 고딕" panose="020B0503020000020004" pitchFamily="50" charset="-127"/>
+                          <a:ea typeface="맑은 고딕" panose="020B0503020000020004" pitchFamily="50" charset="-127"/>
                           <a:cs typeface="Malgun Gothic" charset="-127"/>
                         </a:rPr>
                         <a:t>TodoChange</a:t>
                       </a:r>
                       <a:r>
-                        <a:rPr lang="en-US" sz="1200" dirty="0" smtClean="0">
-                          <a:latin typeface="Malgun Gothic" charset="-127"/>
-                          <a:ea typeface="Malgun Gothic" charset="-127"/>
+                        <a:rPr lang="en-US" sz="1200" b="0" dirty="0" smtClean="0">
+                          <a:latin typeface="맑은 고딕" panose="020B0503020000020004" pitchFamily="50" charset="-127"/>
+                          <a:ea typeface="맑은 고딕" panose="020B0503020000020004" pitchFamily="50" charset="-127"/>
                           <a:cs typeface="Malgun Gothic" charset="-127"/>
                         </a:rPr>
                         <a:t>()</a:t>
                       </a:r>
+                      <a:endParaRPr lang="en-US" sz="1200" b="0" dirty="0">
+                        <a:latin typeface="맑은 고딕" panose="020B0503020000020004" pitchFamily="50" charset="-127"/>
+                        <a:ea typeface="맑은 고딕" panose="020B0503020000020004" pitchFamily="50" charset="-127"/>
+                        <a:cs typeface="Malgun Gothic" charset="-127"/>
+                      </a:endParaRPr>
+                    </a:p>
+                  </a:txBody>
+                  <a:tcPr/>
+                </a:tc>
+                <a:tc hMerge="1">
+                  <a:txBody>
+                    <a:bodyPr/>
+                    <a:lstStyle/>
+                    <a:p>
                       <a:endParaRPr lang="en-US" sz="1200" dirty="0">
                         <a:latin typeface="Malgun Gothic" charset="-127"/>
                         <a:ea typeface="Malgun Gothic" charset="-127"/>
@@ -4399,15 +5778,1130 @@
                   </a:ext>
                 </a:extLst>
               </a:tr>
-              <a:tr h="2290108">
+              <a:tr h="2397685">
                 <a:tc>
                   <a:txBody>
                     <a:bodyPr/>
                     <a:lstStyle/>
                     <a:p>
-                      <a:endParaRPr lang="en-US" sz="1200" dirty="0" smtClean="0">
-                        <a:latin typeface="Malgun Gothic" charset="-127"/>
-                        <a:ea typeface="Malgun Gothic" charset="-127"/>
+                      <a:r>
+                        <a:rPr lang="en-US" altLang="ko-KR" sz="1200" b="0" kern="1200" dirty="0" smtClean="0">
+                          <a:solidFill>
+                            <a:schemeClr val="tx1"/>
+                          </a:solidFill>
+                          <a:latin typeface="맑은 고딕" panose="020B0503020000020004" pitchFamily="50" charset="-127"/>
+                          <a:ea typeface="맑은 고딕" panose="020B0503020000020004" pitchFamily="50" charset="-127"/>
+                          <a:cs typeface="+mn-cs"/>
+                        </a:rPr>
+                        <a:t>private </a:t>
+                      </a:r>
+                      <a:r>
+                        <a:rPr lang="en-US" altLang="ko-KR" sz="1200" b="0" kern="1200" dirty="0" err="1" smtClean="0">
+                          <a:solidFill>
+                            <a:schemeClr val="tx1"/>
+                          </a:solidFill>
+                          <a:latin typeface="맑은 고딕" panose="020B0503020000020004" pitchFamily="50" charset="-127"/>
+                          <a:ea typeface="맑은 고딕" panose="020B0503020000020004" pitchFamily="50" charset="-127"/>
+                          <a:cs typeface="+mn-cs"/>
+                        </a:rPr>
+                        <a:t>JPanel</a:t>
+                      </a:r>
+                      <a:r>
+                        <a:rPr lang="en-US" altLang="ko-KR" sz="1200" b="0" kern="1200" dirty="0" smtClean="0">
+                          <a:solidFill>
+                            <a:schemeClr val="tx1"/>
+                          </a:solidFill>
+                          <a:latin typeface="맑은 고딕" panose="020B0503020000020004" pitchFamily="50" charset="-127"/>
+                          <a:ea typeface="맑은 고딕" panose="020B0503020000020004" pitchFamily="50" charset="-127"/>
+                          <a:cs typeface="+mn-cs"/>
+                        </a:rPr>
+                        <a:t> </a:t>
+                      </a:r>
+                      <a:r>
+                        <a:rPr lang="en-US" altLang="ko-KR" sz="1200" b="0" kern="1200" dirty="0" err="1" smtClean="0">
+                          <a:solidFill>
+                            <a:schemeClr val="tx1"/>
+                          </a:solidFill>
+                          <a:latin typeface="맑은 고딕" panose="020B0503020000020004" pitchFamily="50" charset="-127"/>
+                          <a:ea typeface="맑은 고딕" panose="020B0503020000020004" pitchFamily="50" charset="-127"/>
+                          <a:cs typeface="+mn-cs"/>
+                        </a:rPr>
+                        <a:t>contentPane</a:t>
+                      </a:r>
+                      <a:endParaRPr lang="en-US" altLang="ko-KR" sz="1200" b="0" kern="1200" dirty="0" smtClean="0">
+                        <a:solidFill>
+                          <a:schemeClr val="tx1"/>
+                        </a:solidFill>
+                        <a:latin typeface="맑은 고딕" panose="020B0503020000020004" pitchFamily="50" charset="-127"/>
+                        <a:ea typeface="맑은 고딕" panose="020B0503020000020004" pitchFamily="50" charset="-127"/>
+                        <a:cs typeface="+mn-cs"/>
+                      </a:endParaRPr>
+                    </a:p>
+                    <a:p>
+                      <a:r>
+                        <a:rPr lang="en-US" altLang="ko-KR" sz="1200" b="0" kern="1200" dirty="0" smtClean="0">
+                          <a:solidFill>
+                            <a:schemeClr val="tx1"/>
+                          </a:solidFill>
+                          <a:latin typeface="맑은 고딕" panose="020B0503020000020004" pitchFamily="50" charset="-127"/>
+                          <a:ea typeface="맑은 고딕" panose="020B0503020000020004" pitchFamily="50" charset="-127"/>
+                          <a:cs typeface="+mn-cs"/>
+                        </a:rPr>
+                        <a:t>private </a:t>
+                      </a:r>
+                      <a:r>
+                        <a:rPr lang="en-US" altLang="ko-KR" sz="1200" b="0" kern="1200" dirty="0" err="1" smtClean="0">
+                          <a:solidFill>
+                            <a:schemeClr val="tx1"/>
+                          </a:solidFill>
+                          <a:latin typeface="맑은 고딕" panose="020B0503020000020004" pitchFamily="50" charset="-127"/>
+                          <a:ea typeface="맑은 고딕" panose="020B0503020000020004" pitchFamily="50" charset="-127"/>
+                          <a:cs typeface="+mn-cs"/>
+                        </a:rPr>
+                        <a:t>TodoChange</a:t>
+                      </a:r>
+                      <a:r>
+                        <a:rPr lang="en-US" altLang="ko-KR" sz="1200" b="0" kern="1200" dirty="0" smtClean="0">
+                          <a:solidFill>
+                            <a:schemeClr val="tx1"/>
+                          </a:solidFill>
+                          <a:latin typeface="맑은 고딕" panose="020B0503020000020004" pitchFamily="50" charset="-127"/>
+                          <a:ea typeface="맑은 고딕" panose="020B0503020000020004" pitchFamily="50" charset="-127"/>
+                          <a:cs typeface="+mn-cs"/>
+                        </a:rPr>
+                        <a:t> </a:t>
+                      </a:r>
+                      <a:r>
+                        <a:rPr lang="en-US" altLang="ko-KR" sz="1200" b="0" kern="1200" dirty="0" err="1" smtClean="0">
+                          <a:solidFill>
+                            <a:schemeClr val="tx1"/>
+                          </a:solidFill>
+                          <a:latin typeface="맑은 고딕" panose="020B0503020000020004" pitchFamily="50" charset="-127"/>
+                          <a:ea typeface="맑은 고딕" panose="020B0503020000020004" pitchFamily="50" charset="-127"/>
+                          <a:cs typeface="+mn-cs"/>
+                        </a:rPr>
+                        <a:t>thisTodoChange</a:t>
+                      </a:r>
+                      <a:endParaRPr lang="en-US" altLang="ko-KR" sz="1200" b="0" kern="1200" dirty="0" smtClean="0">
+                        <a:solidFill>
+                          <a:schemeClr val="tx1"/>
+                        </a:solidFill>
+                        <a:latin typeface="맑은 고딕" panose="020B0503020000020004" pitchFamily="50" charset="-127"/>
+                        <a:ea typeface="맑은 고딕" panose="020B0503020000020004" pitchFamily="50" charset="-127"/>
+                        <a:cs typeface="+mn-cs"/>
+                      </a:endParaRPr>
+                    </a:p>
+                    <a:p>
+                      <a:r>
+                        <a:rPr lang="en-US" altLang="ko-KR" sz="1200" b="0" kern="1200" dirty="0" smtClean="0">
+                          <a:solidFill>
+                            <a:schemeClr val="tx1"/>
+                          </a:solidFill>
+                          <a:latin typeface="맑은 고딕" panose="020B0503020000020004" pitchFamily="50" charset="-127"/>
+                          <a:ea typeface="맑은 고딕" panose="020B0503020000020004" pitchFamily="50" charset="-127"/>
+                          <a:cs typeface="+mn-cs"/>
+                        </a:rPr>
+                        <a:t>private </a:t>
+                      </a:r>
+                      <a:r>
+                        <a:rPr lang="en-US" altLang="ko-KR" sz="1200" b="0" kern="1200" dirty="0" err="1" smtClean="0">
+                          <a:solidFill>
+                            <a:schemeClr val="tx1"/>
+                          </a:solidFill>
+                          <a:latin typeface="맑은 고딕" panose="020B0503020000020004" pitchFamily="50" charset="-127"/>
+                          <a:ea typeface="맑은 고딕" panose="020B0503020000020004" pitchFamily="50" charset="-127"/>
+                          <a:cs typeface="+mn-cs"/>
+                        </a:rPr>
+                        <a:t>TodoElement</a:t>
+                      </a:r>
+                      <a:r>
+                        <a:rPr lang="en-US" altLang="ko-KR" sz="1200" b="0" kern="1200" dirty="0" smtClean="0">
+                          <a:solidFill>
+                            <a:schemeClr val="tx1"/>
+                          </a:solidFill>
+                          <a:latin typeface="맑은 고딕" panose="020B0503020000020004" pitchFamily="50" charset="-127"/>
+                          <a:ea typeface="맑은 고딕" panose="020B0503020000020004" pitchFamily="50" charset="-127"/>
+                          <a:cs typeface="+mn-cs"/>
+                        </a:rPr>
+                        <a:t> </a:t>
+                      </a:r>
+                      <a:r>
+                        <a:rPr lang="en-US" altLang="ko-KR" sz="1200" b="0" kern="1200" dirty="0" err="1" smtClean="0">
+                          <a:solidFill>
+                            <a:schemeClr val="tx1"/>
+                          </a:solidFill>
+                          <a:latin typeface="맑은 고딕" panose="020B0503020000020004" pitchFamily="50" charset="-127"/>
+                          <a:ea typeface="맑은 고딕" panose="020B0503020000020004" pitchFamily="50" charset="-127"/>
+                          <a:cs typeface="+mn-cs"/>
+                        </a:rPr>
+                        <a:t>TodoElement</a:t>
+                      </a:r>
+                      <a:endParaRPr lang="en-US" altLang="ko-KR" sz="1200" b="0" kern="1200" dirty="0" smtClean="0">
+                        <a:solidFill>
+                          <a:schemeClr val="tx1"/>
+                        </a:solidFill>
+                        <a:latin typeface="맑은 고딕" panose="020B0503020000020004" pitchFamily="50" charset="-127"/>
+                        <a:ea typeface="맑은 고딕" panose="020B0503020000020004" pitchFamily="50" charset="-127"/>
+                        <a:cs typeface="+mn-cs"/>
+                      </a:endParaRPr>
+                    </a:p>
+                    <a:p>
+                      <a:r>
+                        <a:rPr lang="en-US" altLang="ko-KR" sz="1200" b="0" kern="1200" dirty="0" smtClean="0">
+                          <a:solidFill>
+                            <a:schemeClr val="tx1"/>
+                          </a:solidFill>
+                          <a:latin typeface="맑은 고딕" panose="020B0503020000020004" pitchFamily="50" charset="-127"/>
+                          <a:ea typeface="맑은 고딕" panose="020B0503020000020004" pitchFamily="50" charset="-127"/>
+                          <a:cs typeface="+mn-cs"/>
+                        </a:rPr>
+                        <a:t>private </a:t>
+                      </a:r>
+                      <a:r>
+                        <a:rPr lang="en-US" altLang="ko-KR" sz="1200" b="0" kern="1200" dirty="0" err="1" smtClean="0">
+                          <a:solidFill>
+                            <a:schemeClr val="tx1"/>
+                          </a:solidFill>
+                          <a:latin typeface="맑은 고딕" panose="020B0503020000020004" pitchFamily="50" charset="-127"/>
+                          <a:ea typeface="맑은 고딕" panose="020B0503020000020004" pitchFamily="50" charset="-127"/>
+                          <a:cs typeface="+mn-cs"/>
+                        </a:rPr>
+                        <a:t>DataBase</a:t>
+                      </a:r>
+                      <a:r>
+                        <a:rPr lang="en-US" altLang="ko-KR" sz="1200" b="0" kern="1200" dirty="0" smtClean="0">
+                          <a:solidFill>
+                            <a:schemeClr val="tx1"/>
+                          </a:solidFill>
+                          <a:latin typeface="맑은 고딕" panose="020B0503020000020004" pitchFamily="50" charset="-127"/>
+                          <a:ea typeface="맑은 고딕" panose="020B0503020000020004" pitchFamily="50" charset="-127"/>
+                          <a:cs typeface="+mn-cs"/>
+                        </a:rPr>
+                        <a:t> </a:t>
+                      </a:r>
+                      <a:r>
+                        <a:rPr lang="en-US" altLang="ko-KR" sz="1200" b="0" kern="1200" dirty="0" err="1" smtClean="0">
+                          <a:solidFill>
+                            <a:schemeClr val="tx1"/>
+                          </a:solidFill>
+                          <a:latin typeface="맑은 고딕" panose="020B0503020000020004" pitchFamily="50" charset="-127"/>
+                          <a:ea typeface="맑은 고딕" panose="020B0503020000020004" pitchFamily="50" charset="-127"/>
+                          <a:cs typeface="+mn-cs"/>
+                        </a:rPr>
+                        <a:t>DataBase</a:t>
+                      </a:r>
+                      <a:endParaRPr lang="en-US" altLang="ko-KR" sz="1200" b="0" kern="1200" dirty="0" smtClean="0">
+                        <a:solidFill>
+                          <a:schemeClr val="tx1"/>
+                        </a:solidFill>
+                        <a:latin typeface="맑은 고딕" panose="020B0503020000020004" pitchFamily="50" charset="-127"/>
+                        <a:ea typeface="맑은 고딕" panose="020B0503020000020004" pitchFamily="50" charset="-127"/>
+                        <a:cs typeface="+mn-cs"/>
+                      </a:endParaRPr>
+                    </a:p>
+                    <a:p>
+                      <a:r>
+                        <a:rPr lang="en-US" altLang="ko-KR" sz="1200" b="0" kern="1200" dirty="0" err="1" smtClean="0">
+                          <a:solidFill>
+                            <a:schemeClr val="tx1"/>
+                          </a:solidFill>
+                          <a:latin typeface="맑은 고딕" panose="020B0503020000020004" pitchFamily="50" charset="-127"/>
+                          <a:ea typeface="맑은 고딕" panose="020B0503020000020004" pitchFamily="50" charset="-127"/>
+                          <a:cs typeface="+mn-cs"/>
+                        </a:rPr>
+                        <a:t>JLabel</a:t>
+                      </a:r>
+                      <a:r>
+                        <a:rPr lang="en-US" altLang="ko-KR" sz="1200" b="0" kern="1200" dirty="0" smtClean="0">
+                          <a:solidFill>
+                            <a:schemeClr val="tx1"/>
+                          </a:solidFill>
+                          <a:latin typeface="맑은 고딕" panose="020B0503020000020004" pitchFamily="50" charset="-127"/>
+                          <a:ea typeface="맑은 고딕" panose="020B0503020000020004" pitchFamily="50" charset="-127"/>
+                          <a:cs typeface="+mn-cs"/>
+                        </a:rPr>
+                        <a:t> label</a:t>
+                      </a:r>
+                    </a:p>
+                    <a:p>
+                      <a:r>
+                        <a:rPr lang="en-US" altLang="ko-KR" sz="1200" b="0" kern="1200" dirty="0" err="1" smtClean="0">
+                          <a:solidFill>
+                            <a:schemeClr val="tx1"/>
+                          </a:solidFill>
+                          <a:latin typeface="맑은 고딕" panose="020B0503020000020004" pitchFamily="50" charset="-127"/>
+                          <a:ea typeface="맑은 고딕" panose="020B0503020000020004" pitchFamily="50" charset="-127"/>
+                          <a:cs typeface="+mn-cs"/>
+                        </a:rPr>
+                        <a:t>JLabel</a:t>
+                      </a:r>
+                      <a:r>
+                        <a:rPr lang="en-US" altLang="ko-KR" sz="1200" b="0" kern="1200" dirty="0" smtClean="0">
+                          <a:solidFill>
+                            <a:schemeClr val="tx1"/>
+                          </a:solidFill>
+                          <a:latin typeface="맑은 고딕" panose="020B0503020000020004" pitchFamily="50" charset="-127"/>
+                          <a:ea typeface="맑은 고딕" panose="020B0503020000020004" pitchFamily="50" charset="-127"/>
+                          <a:cs typeface="+mn-cs"/>
+                        </a:rPr>
+                        <a:t> </a:t>
+                      </a:r>
+                      <a:r>
+                        <a:rPr lang="en-US" altLang="ko-KR" sz="1200" b="0" kern="1200" dirty="0" err="1" smtClean="0">
+                          <a:solidFill>
+                            <a:schemeClr val="tx1"/>
+                          </a:solidFill>
+                          <a:latin typeface="맑은 고딕" panose="020B0503020000020004" pitchFamily="50" charset="-127"/>
+                          <a:ea typeface="맑은 고딕" panose="020B0503020000020004" pitchFamily="50" charset="-127"/>
+                          <a:cs typeface="+mn-cs"/>
+                        </a:rPr>
+                        <a:t>lblTodo</a:t>
+                      </a:r>
+                      <a:endParaRPr lang="en-US" altLang="ko-KR" sz="1200" b="0" kern="1200" dirty="0" smtClean="0">
+                        <a:solidFill>
+                          <a:schemeClr val="tx1"/>
+                        </a:solidFill>
+                        <a:latin typeface="맑은 고딕" panose="020B0503020000020004" pitchFamily="50" charset="-127"/>
+                        <a:ea typeface="맑은 고딕" panose="020B0503020000020004" pitchFamily="50" charset="-127"/>
+                        <a:cs typeface="+mn-cs"/>
+                      </a:endParaRPr>
+                    </a:p>
+                    <a:p>
+                      <a:r>
+                        <a:rPr lang="en-US" altLang="ko-KR" sz="1200" b="0" kern="1200" dirty="0" err="1" smtClean="0">
+                          <a:solidFill>
+                            <a:schemeClr val="tx1"/>
+                          </a:solidFill>
+                          <a:latin typeface="맑은 고딕" panose="020B0503020000020004" pitchFamily="50" charset="-127"/>
+                          <a:ea typeface="맑은 고딕" panose="020B0503020000020004" pitchFamily="50" charset="-127"/>
+                          <a:cs typeface="+mn-cs"/>
+                        </a:rPr>
+                        <a:t>JLabel</a:t>
+                      </a:r>
+                      <a:r>
+                        <a:rPr lang="en-US" altLang="ko-KR" sz="1200" b="0" kern="1200" dirty="0" smtClean="0">
+                          <a:solidFill>
+                            <a:schemeClr val="tx1"/>
+                          </a:solidFill>
+                          <a:latin typeface="맑은 고딕" panose="020B0503020000020004" pitchFamily="50" charset="-127"/>
+                          <a:ea typeface="맑은 고딕" panose="020B0503020000020004" pitchFamily="50" charset="-127"/>
+                          <a:cs typeface="+mn-cs"/>
+                        </a:rPr>
+                        <a:t> </a:t>
+                      </a:r>
+                      <a:r>
+                        <a:rPr lang="en-US" altLang="ko-KR" sz="1200" b="0" kern="1200" dirty="0" err="1" smtClean="0">
+                          <a:solidFill>
+                            <a:schemeClr val="tx1"/>
+                          </a:solidFill>
+                          <a:latin typeface="맑은 고딕" panose="020B0503020000020004" pitchFamily="50" charset="-127"/>
+                          <a:ea typeface="맑은 고딕" panose="020B0503020000020004" pitchFamily="50" charset="-127"/>
+                          <a:cs typeface="+mn-cs"/>
+                        </a:rPr>
+                        <a:t>lblSubject</a:t>
+                      </a:r>
+                      <a:endParaRPr lang="en-US" altLang="ko-KR" sz="1200" b="0" kern="1200" dirty="0" smtClean="0">
+                        <a:solidFill>
+                          <a:schemeClr val="tx1"/>
+                        </a:solidFill>
+                        <a:latin typeface="맑은 고딕" panose="020B0503020000020004" pitchFamily="50" charset="-127"/>
+                        <a:ea typeface="맑은 고딕" panose="020B0503020000020004" pitchFamily="50" charset="-127"/>
+                        <a:cs typeface="+mn-cs"/>
+                      </a:endParaRPr>
+                    </a:p>
+                    <a:p>
+                      <a:r>
+                        <a:rPr lang="en-US" altLang="ko-KR" sz="1200" b="0" kern="1200" dirty="0" err="1" smtClean="0">
+                          <a:solidFill>
+                            <a:schemeClr val="tx1"/>
+                          </a:solidFill>
+                          <a:latin typeface="맑은 고딕" panose="020B0503020000020004" pitchFamily="50" charset="-127"/>
+                          <a:ea typeface="맑은 고딕" panose="020B0503020000020004" pitchFamily="50" charset="-127"/>
+                          <a:cs typeface="+mn-cs"/>
+                        </a:rPr>
+                        <a:t>JLabel</a:t>
+                      </a:r>
+                      <a:r>
+                        <a:rPr lang="en-US" altLang="ko-KR" sz="1200" b="0" kern="1200" dirty="0" smtClean="0">
+                          <a:solidFill>
+                            <a:schemeClr val="tx1"/>
+                          </a:solidFill>
+                          <a:latin typeface="맑은 고딕" panose="020B0503020000020004" pitchFamily="50" charset="-127"/>
+                          <a:ea typeface="맑은 고딕" panose="020B0503020000020004" pitchFamily="50" charset="-127"/>
+                          <a:cs typeface="+mn-cs"/>
+                        </a:rPr>
+                        <a:t> </a:t>
+                      </a:r>
+                      <a:r>
+                        <a:rPr lang="en-US" altLang="ko-KR" sz="1200" b="0" kern="1200" dirty="0" err="1" smtClean="0">
+                          <a:solidFill>
+                            <a:schemeClr val="tx1"/>
+                          </a:solidFill>
+                          <a:latin typeface="맑은 고딕" panose="020B0503020000020004" pitchFamily="50" charset="-127"/>
+                          <a:ea typeface="맑은 고딕" panose="020B0503020000020004" pitchFamily="50" charset="-127"/>
+                          <a:cs typeface="+mn-cs"/>
+                        </a:rPr>
+                        <a:t>lblDeadline</a:t>
+                      </a:r>
+                      <a:endParaRPr lang="en-US" altLang="ko-KR" sz="1200" b="0" kern="1200" dirty="0" smtClean="0">
+                        <a:solidFill>
+                          <a:schemeClr val="tx1"/>
+                        </a:solidFill>
+                        <a:latin typeface="맑은 고딕" panose="020B0503020000020004" pitchFamily="50" charset="-127"/>
+                        <a:ea typeface="맑은 고딕" panose="020B0503020000020004" pitchFamily="50" charset="-127"/>
+                        <a:cs typeface="+mn-cs"/>
+                      </a:endParaRPr>
+                    </a:p>
+                    <a:p>
+                      <a:r>
+                        <a:rPr lang="en-US" altLang="ko-KR" sz="1200" b="0" kern="1200" dirty="0" err="1" smtClean="0">
+                          <a:solidFill>
+                            <a:schemeClr val="tx1"/>
+                          </a:solidFill>
+                          <a:latin typeface="맑은 고딕" panose="020B0503020000020004" pitchFamily="50" charset="-127"/>
+                          <a:ea typeface="맑은 고딕" panose="020B0503020000020004" pitchFamily="50" charset="-127"/>
+                          <a:cs typeface="+mn-cs"/>
+                        </a:rPr>
+                        <a:t>JLabel</a:t>
+                      </a:r>
+                      <a:r>
+                        <a:rPr lang="en-US" altLang="ko-KR" sz="1200" b="0" kern="1200" dirty="0" smtClean="0">
+                          <a:solidFill>
+                            <a:schemeClr val="tx1"/>
+                          </a:solidFill>
+                          <a:latin typeface="맑은 고딕" panose="020B0503020000020004" pitchFamily="50" charset="-127"/>
+                          <a:ea typeface="맑은 고딕" panose="020B0503020000020004" pitchFamily="50" charset="-127"/>
+                          <a:cs typeface="+mn-cs"/>
+                        </a:rPr>
+                        <a:t> </a:t>
+                      </a:r>
+                      <a:r>
+                        <a:rPr lang="en-US" altLang="ko-KR" sz="1200" b="0" kern="1200" dirty="0" err="1" smtClean="0">
+                          <a:solidFill>
+                            <a:schemeClr val="tx1"/>
+                          </a:solidFill>
+                          <a:latin typeface="맑은 고딕" panose="020B0503020000020004" pitchFamily="50" charset="-127"/>
+                          <a:ea typeface="맑은 고딕" panose="020B0503020000020004" pitchFamily="50" charset="-127"/>
+                          <a:cs typeface="+mn-cs"/>
+                        </a:rPr>
+                        <a:t>lblimportance</a:t>
+                      </a:r>
+                      <a:r>
+                        <a:rPr lang="en-US" altLang="ko-KR" sz="1200" b="0" kern="1200" dirty="0" smtClean="0">
+                          <a:solidFill>
+                            <a:schemeClr val="tx1"/>
+                          </a:solidFill>
+                          <a:latin typeface="맑은 고딕" panose="020B0503020000020004" pitchFamily="50" charset="-127"/>
+                          <a:ea typeface="맑은 고딕" panose="020B0503020000020004" pitchFamily="50" charset="-127"/>
+                          <a:cs typeface="+mn-cs"/>
+                        </a:rPr>
+                        <a:t> </a:t>
+                      </a:r>
+                    </a:p>
+                    <a:p>
+                      <a:r>
+                        <a:rPr lang="en-US" altLang="ko-KR" sz="1200" b="0" kern="1200" dirty="0" err="1" smtClean="0">
+                          <a:solidFill>
+                            <a:schemeClr val="tx1"/>
+                          </a:solidFill>
+                          <a:latin typeface="맑은 고딕" panose="020B0503020000020004" pitchFamily="50" charset="-127"/>
+                          <a:ea typeface="맑은 고딕" panose="020B0503020000020004" pitchFamily="50" charset="-127"/>
+                          <a:cs typeface="+mn-cs"/>
+                        </a:rPr>
+                        <a:t>JLabel</a:t>
+                      </a:r>
+                      <a:r>
+                        <a:rPr lang="en-US" altLang="ko-KR" sz="1200" b="0" kern="1200" dirty="0" smtClean="0">
+                          <a:solidFill>
+                            <a:schemeClr val="tx1"/>
+                          </a:solidFill>
+                          <a:latin typeface="맑은 고딕" panose="020B0503020000020004" pitchFamily="50" charset="-127"/>
+                          <a:ea typeface="맑은 고딕" panose="020B0503020000020004" pitchFamily="50" charset="-127"/>
+                          <a:cs typeface="+mn-cs"/>
+                        </a:rPr>
+                        <a:t> </a:t>
+                      </a:r>
+                      <a:r>
+                        <a:rPr lang="en-US" altLang="ko-KR" sz="1200" b="0" kern="1200" dirty="0" err="1" smtClean="0">
+                          <a:solidFill>
+                            <a:schemeClr val="tx1"/>
+                          </a:solidFill>
+                          <a:latin typeface="맑은 고딕" panose="020B0503020000020004" pitchFamily="50" charset="-127"/>
+                          <a:ea typeface="맑은 고딕" panose="020B0503020000020004" pitchFamily="50" charset="-127"/>
+                          <a:cs typeface="+mn-cs"/>
+                        </a:rPr>
+                        <a:t>lblDueDate</a:t>
+                      </a:r>
+                      <a:endParaRPr lang="en-US" altLang="ko-KR" sz="1200" b="0" kern="1200" dirty="0" smtClean="0">
+                        <a:solidFill>
+                          <a:schemeClr val="tx1"/>
+                        </a:solidFill>
+                        <a:latin typeface="맑은 고딕" panose="020B0503020000020004" pitchFamily="50" charset="-127"/>
+                        <a:ea typeface="맑은 고딕" panose="020B0503020000020004" pitchFamily="50" charset="-127"/>
+                        <a:cs typeface="+mn-cs"/>
+                      </a:endParaRPr>
+                    </a:p>
+                    <a:p>
+                      <a:r>
+                        <a:rPr lang="en-US" altLang="ko-KR" sz="1200" b="0" kern="1200" dirty="0" err="1" smtClean="0">
+                          <a:solidFill>
+                            <a:schemeClr val="tx1"/>
+                          </a:solidFill>
+                          <a:latin typeface="맑은 고딕" panose="020B0503020000020004" pitchFamily="50" charset="-127"/>
+                          <a:ea typeface="맑은 고딕" panose="020B0503020000020004" pitchFamily="50" charset="-127"/>
+                          <a:cs typeface="+mn-cs"/>
+                        </a:rPr>
+                        <a:t>boolean</a:t>
+                      </a:r>
+                      <a:r>
+                        <a:rPr lang="en-US" altLang="ko-KR" sz="1200" b="0" kern="1200" dirty="0" smtClean="0">
+                          <a:solidFill>
+                            <a:schemeClr val="tx1"/>
+                          </a:solidFill>
+                          <a:latin typeface="맑은 고딕" panose="020B0503020000020004" pitchFamily="50" charset="-127"/>
+                          <a:ea typeface="맑은 고딕" panose="020B0503020000020004" pitchFamily="50" charset="-127"/>
+                          <a:cs typeface="+mn-cs"/>
+                        </a:rPr>
+                        <a:t> Completed</a:t>
+                      </a:r>
+                    </a:p>
+                    <a:p>
+                      <a:r>
+                        <a:rPr lang="en-US" altLang="ko-KR" sz="1200" b="0" kern="1200" dirty="0" err="1" smtClean="0">
+                          <a:solidFill>
+                            <a:schemeClr val="tx1"/>
+                          </a:solidFill>
+                          <a:latin typeface="맑은 고딕" panose="020B0503020000020004" pitchFamily="50" charset="-127"/>
+                          <a:ea typeface="맑은 고딕" panose="020B0503020000020004" pitchFamily="50" charset="-127"/>
+                          <a:cs typeface="+mn-cs"/>
+                        </a:rPr>
+                        <a:t>boolean</a:t>
+                      </a:r>
+                      <a:r>
+                        <a:rPr lang="en-US" altLang="ko-KR" sz="1200" b="0" kern="1200" dirty="0" smtClean="0">
+                          <a:solidFill>
+                            <a:schemeClr val="tx1"/>
+                          </a:solidFill>
+                          <a:latin typeface="맑은 고딕" panose="020B0503020000020004" pitchFamily="50" charset="-127"/>
+                          <a:ea typeface="맑은 고딕" panose="020B0503020000020004" pitchFamily="50" charset="-127"/>
+                          <a:cs typeface="+mn-cs"/>
+                        </a:rPr>
+                        <a:t> Importance</a:t>
+                      </a:r>
+                    </a:p>
+                    <a:p>
+                      <a:endParaRPr lang="en-US" altLang="ko-KR" sz="1200" b="0" kern="1200" dirty="0" smtClean="0">
+                        <a:solidFill>
+                          <a:schemeClr val="tx1"/>
+                        </a:solidFill>
+                        <a:latin typeface="맑은 고딕" panose="020B0503020000020004" pitchFamily="50" charset="-127"/>
+                        <a:ea typeface="맑은 고딕" panose="020B0503020000020004" pitchFamily="50" charset="-127"/>
+                        <a:cs typeface="+mn-cs"/>
+                      </a:endParaRPr>
+                    </a:p>
+                  </a:txBody>
+                  <a:tcPr/>
+                </a:tc>
+                <a:tc>
+                  <a:txBody>
+                    <a:bodyPr/>
+                    <a:lstStyle/>
+                    <a:p>
+                      <a:r>
+                        <a:rPr lang="en-US" altLang="ko-KR" sz="1200" b="0" kern="1200" dirty="0" err="1" smtClean="0">
+                          <a:solidFill>
+                            <a:schemeClr val="tx1"/>
+                          </a:solidFill>
+                          <a:latin typeface="맑은 고딕" panose="020B0503020000020004" pitchFamily="50" charset="-127"/>
+                          <a:ea typeface="맑은 고딕" panose="020B0503020000020004" pitchFamily="50" charset="-127"/>
+                          <a:cs typeface="+mn-cs"/>
+                        </a:rPr>
+                        <a:t>JButton</a:t>
+                      </a:r>
+                      <a:r>
+                        <a:rPr lang="en-US" altLang="ko-KR" sz="1200" b="0" kern="1200" dirty="0" smtClean="0">
+                          <a:solidFill>
+                            <a:schemeClr val="tx1"/>
+                          </a:solidFill>
+                          <a:latin typeface="맑은 고딕" panose="020B0503020000020004" pitchFamily="50" charset="-127"/>
+                          <a:ea typeface="맑은 고딕" panose="020B0503020000020004" pitchFamily="50" charset="-127"/>
+                          <a:cs typeface="+mn-cs"/>
+                        </a:rPr>
+                        <a:t> </a:t>
+                      </a:r>
+                      <a:r>
+                        <a:rPr lang="en-US" altLang="ko-KR" sz="1200" b="0" kern="1200" dirty="0" err="1" smtClean="0">
+                          <a:solidFill>
+                            <a:schemeClr val="tx1"/>
+                          </a:solidFill>
+                          <a:latin typeface="맑은 고딕" panose="020B0503020000020004" pitchFamily="50" charset="-127"/>
+                          <a:ea typeface="맑은 고딕" panose="020B0503020000020004" pitchFamily="50" charset="-127"/>
+                          <a:cs typeface="+mn-cs"/>
+                        </a:rPr>
+                        <a:t>btnAmPmDueDate</a:t>
+                      </a:r>
+                      <a:endParaRPr lang="en-US" altLang="ko-KR" sz="1200" b="0" kern="1200" dirty="0" smtClean="0">
+                        <a:solidFill>
+                          <a:schemeClr val="tx1"/>
+                        </a:solidFill>
+                        <a:latin typeface="맑은 고딕" panose="020B0503020000020004" pitchFamily="50" charset="-127"/>
+                        <a:ea typeface="맑은 고딕" panose="020B0503020000020004" pitchFamily="50" charset="-127"/>
+                        <a:cs typeface="+mn-cs"/>
+                      </a:endParaRPr>
+                    </a:p>
+                    <a:p>
+                      <a:r>
+                        <a:rPr lang="en-US" altLang="ko-KR" sz="1200" b="0" kern="1200" dirty="0" err="1" smtClean="0">
+                          <a:solidFill>
+                            <a:schemeClr val="tx1"/>
+                          </a:solidFill>
+                          <a:latin typeface="맑은 고딕" panose="020B0503020000020004" pitchFamily="50" charset="-127"/>
+                          <a:ea typeface="맑은 고딕" panose="020B0503020000020004" pitchFamily="50" charset="-127"/>
+                          <a:cs typeface="+mn-cs"/>
+                        </a:rPr>
+                        <a:t>JButton</a:t>
+                      </a:r>
+                      <a:r>
+                        <a:rPr lang="en-US" altLang="ko-KR" sz="1200" b="0" kern="1200" dirty="0" smtClean="0">
+                          <a:solidFill>
+                            <a:schemeClr val="tx1"/>
+                          </a:solidFill>
+                          <a:latin typeface="맑은 고딕" panose="020B0503020000020004" pitchFamily="50" charset="-127"/>
+                          <a:ea typeface="맑은 고딕" panose="020B0503020000020004" pitchFamily="50" charset="-127"/>
+                          <a:cs typeface="+mn-cs"/>
+                        </a:rPr>
+                        <a:t> </a:t>
+                      </a:r>
+                      <a:r>
+                        <a:rPr lang="en-US" altLang="ko-KR" sz="1200" b="0" kern="1200" dirty="0" err="1" smtClean="0">
+                          <a:solidFill>
+                            <a:schemeClr val="tx1"/>
+                          </a:solidFill>
+                          <a:latin typeface="맑은 고딕" panose="020B0503020000020004" pitchFamily="50" charset="-127"/>
+                          <a:ea typeface="맑은 고딕" panose="020B0503020000020004" pitchFamily="50" charset="-127"/>
+                          <a:cs typeface="+mn-cs"/>
+                        </a:rPr>
+                        <a:t>btnAmPmDeadline</a:t>
+                      </a:r>
+                      <a:endParaRPr lang="en-US" altLang="ko-KR" sz="1200" b="0" kern="1200" dirty="0" smtClean="0">
+                        <a:solidFill>
+                          <a:schemeClr val="tx1"/>
+                        </a:solidFill>
+                        <a:latin typeface="맑은 고딕" panose="020B0503020000020004" pitchFamily="50" charset="-127"/>
+                        <a:ea typeface="맑은 고딕" panose="020B0503020000020004" pitchFamily="50" charset="-127"/>
+                        <a:cs typeface="+mn-cs"/>
+                      </a:endParaRPr>
+                    </a:p>
+                    <a:p>
+                      <a:r>
+                        <a:rPr lang="en-US" altLang="ko-KR" sz="1200" b="0" kern="1200" dirty="0" err="1" smtClean="0">
+                          <a:solidFill>
+                            <a:schemeClr val="tx1"/>
+                          </a:solidFill>
+                          <a:latin typeface="맑은 고딕" panose="020B0503020000020004" pitchFamily="50" charset="-127"/>
+                          <a:ea typeface="맑은 고딕" panose="020B0503020000020004" pitchFamily="50" charset="-127"/>
+                          <a:cs typeface="+mn-cs"/>
+                        </a:rPr>
+                        <a:t>JButton</a:t>
+                      </a:r>
+                      <a:r>
+                        <a:rPr lang="en-US" altLang="ko-KR" sz="1200" b="0" kern="1200" dirty="0" smtClean="0">
+                          <a:solidFill>
+                            <a:schemeClr val="tx1"/>
+                          </a:solidFill>
+                          <a:latin typeface="맑은 고딕" panose="020B0503020000020004" pitchFamily="50" charset="-127"/>
+                          <a:ea typeface="맑은 고딕" panose="020B0503020000020004" pitchFamily="50" charset="-127"/>
+                          <a:cs typeface="+mn-cs"/>
+                        </a:rPr>
+                        <a:t> </a:t>
+                      </a:r>
+                      <a:r>
+                        <a:rPr lang="en-US" altLang="ko-KR" sz="1200" b="0" kern="1200" dirty="0" err="1" smtClean="0">
+                          <a:solidFill>
+                            <a:schemeClr val="tx1"/>
+                          </a:solidFill>
+                          <a:latin typeface="맑은 고딕" panose="020B0503020000020004" pitchFamily="50" charset="-127"/>
+                          <a:ea typeface="맑은 고딕" panose="020B0503020000020004" pitchFamily="50" charset="-127"/>
+                          <a:cs typeface="+mn-cs"/>
+                        </a:rPr>
+                        <a:t>btnBack</a:t>
+                      </a:r>
+                      <a:endParaRPr lang="en-US" altLang="ko-KR" sz="1200" b="0" kern="1200" dirty="0" smtClean="0">
+                        <a:solidFill>
+                          <a:schemeClr val="tx1"/>
+                        </a:solidFill>
+                        <a:latin typeface="맑은 고딕" panose="020B0503020000020004" pitchFamily="50" charset="-127"/>
+                        <a:ea typeface="맑은 고딕" panose="020B0503020000020004" pitchFamily="50" charset="-127"/>
+                        <a:cs typeface="+mn-cs"/>
+                      </a:endParaRPr>
+                    </a:p>
+                    <a:p>
+                      <a:r>
+                        <a:rPr lang="en-US" altLang="ko-KR" sz="1200" b="0" kern="1200" dirty="0" err="1" smtClean="0">
+                          <a:solidFill>
+                            <a:schemeClr val="tx1"/>
+                          </a:solidFill>
+                          <a:latin typeface="맑은 고딕" panose="020B0503020000020004" pitchFamily="50" charset="-127"/>
+                          <a:ea typeface="맑은 고딕" panose="020B0503020000020004" pitchFamily="50" charset="-127"/>
+                          <a:cs typeface="+mn-cs"/>
+                        </a:rPr>
+                        <a:t>JButton</a:t>
+                      </a:r>
+                      <a:r>
+                        <a:rPr lang="en-US" altLang="ko-KR" sz="1200" b="0" kern="1200" dirty="0" smtClean="0">
+                          <a:solidFill>
+                            <a:schemeClr val="tx1"/>
+                          </a:solidFill>
+                          <a:latin typeface="맑은 고딕" panose="020B0503020000020004" pitchFamily="50" charset="-127"/>
+                          <a:ea typeface="맑은 고딕" panose="020B0503020000020004" pitchFamily="50" charset="-127"/>
+                          <a:cs typeface="+mn-cs"/>
+                        </a:rPr>
+                        <a:t> </a:t>
+                      </a:r>
+                      <a:r>
+                        <a:rPr lang="en-US" altLang="ko-KR" sz="1200" b="0" kern="1200" dirty="0" err="1" smtClean="0">
+                          <a:solidFill>
+                            <a:schemeClr val="tx1"/>
+                          </a:solidFill>
+                          <a:latin typeface="맑은 고딕" panose="020B0503020000020004" pitchFamily="50" charset="-127"/>
+                          <a:ea typeface="맑은 고딕" panose="020B0503020000020004" pitchFamily="50" charset="-127"/>
+                          <a:cs typeface="+mn-cs"/>
+                        </a:rPr>
+                        <a:t>btnChange</a:t>
+                      </a:r>
+                      <a:endParaRPr lang="en-US" altLang="ko-KR" sz="1200" b="0" kern="1200" dirty="0" smtClean="0">
+                        <a:solidFill>
+                          <a:schemeClr val="tx1"/>
+                        </a:solidFill>
+                        <a:latin typeface="맑은 고딕" panose="020B0503020000020004" pitchFamily="50" charset="-127"/>
+                        <a:ea typeface="맑은 고딕" panose="020B0503020000020004" pitchFamily="50" charset="-127"/>
+                        <a:cs typeface="+mn-cs"/>
+                      </a:endParaRPr>
+                    </a:p>
+                    <a:p>
+                      <a:r>
+                        <a:rPr lang="en-US" altLang="ko-KR" sz="1200" b="0" kern="1200" dirty="0" err="1" smtClean="0">
+                          <a:solidFill>
+                            <a:schemeClr val="tx1"/>
+                          </a:solidFill>
+                          <a:latin typeface="맑은 고딕" panose="020B0503020000020004" pitchFamily="50" charset="-127"/>
+                          <a:ea typeface="맑은 고딕" panose="020B0503020000020004" pitchFamily="50" charset="-127"/>
+                          <a:cs typeface="+mn-cs"/>
+                        </a:rPr>
+                        <a:t>JTextField</a:t>
+                      </a:r>
+                      <a:r>
+                        <a:rPr lang="en-US" altLang="ko-KR" sz="1200" b="0" kern="1200" dirty="0" smtClean="0">
+                          <a:solidFill>
+                            <a:schemeClr val="tx1"/>
+                          </a:solidFill>
+                          <a:latin typeface="맑은 고딕" panose="020B0503020000020004" pitchFamily="50" charset="-127"/>
+                          <a:ea typeface="맑은 고딕" panose="020B0503020000020004" pitchFamily="50" charset="-127"/>
+                          <a:cs typeface="+mn-cs"/>
+                        </a:rPr>
+                        <a:t> </a:t>
+                      </a:r>
+                      <a:r>
+                        <a:rPr lang="en-US" altLang="ko-KR" sz="1200" b="0" kern="1200" dirty="0" err="1" smtClean="0">
+                          <a:solidFill>
+                            <a:schemeClr val="tx1"/>
+                          </a:solidFill>
+                          <a:latin typeface="맑은 고딕" panose="020B0503020000020004" pitchFamily="50" charset="-127"/>
+                          <a:ea typeface="맑은 고딕" panose="020B0503020000020004" pitchFamily="50" charset="-127"/>
+                          <a:cs typeface="+mn-cs"/>
+                        </a:rPr>
+                        <a:t>txtTodo</a:t>
+                      </a:r>
+                      <a:endParaRPr lang="en-US" altLang="ko-KR" sz="1200" b="0" kern="1200" dirty="0" smtClean="0">
+                        <a:solidFill>
+                          <a:schemeClr val="tx1"/>
+                        </a:solidFill>
+                        <a:latin typeface="맑은 고딕" panose="020B0503020000020004" pitchFamily="50" charset="-127"/>
+                        <a:ea typeface="맑은 고딕" panose="020B0503020000020004" pitchFamily="50" charset="-127"/>
+                        <a:cs typeface="+mn-cs"/>
+                      </a:endParaRPr>
+                    </a:p>
+                    <a:p>
+                      <a:r>
+                        <a:rPr lang="en-US" altLang="ko-KR" sz="1200" b="0" kern="1200" dirty="0" err="1" smtClean="0">
+                          <a:solidFill>
+                            <a:schemeClr val="tx1"/>
+                          </a:solidFill>
+                          <a:latin typeface="맑은 고딕" panose="020B0503020000020004" pitchFamily="50" charset="-127"/>
+                          <a:ea typeface="맑은 고딕" panose="020B0503020000020004" pitchFamily="50" charset="-127"/>
+                          <a:cs typeface="+mn-cs"/>
+                        </a:rPr>
+                        <a:t>JComboBox</a:t>
+                      </a:r>
+                      <a:r>
+                        <a:rPr lang="en-US" altLang="ko-KR" sz="1200" b="0" kern="1200" dirty="0" smtClean="0">
+                          <a:solidFill>
+                            <a:schemeClr val="tx1"/>
+                          </a:solidFill>
+                          <a:latin typeface="맑은 고딕" panose="020B0503020000020004" pitchFamily="50" charset="-127"/>
+                          <a:ea typeface="맑은 고딕" panose="020B0503020000020004" pitchFamily="50" charset="-127"/>
+                          <a:cs typeface="+mn-cs"/>
+                        </a:rPr>
+                        <a:t> </a:t>
+                      </a:r>
+                      <a:r>
+                        <a:rPr lang="en-US" altLang="ko-KR" sz="1200" b="0" kern="1200" dirty="0" err="1" smtClean="0">
+                          <a:solidFill>
+                            <a:schemeClr val="tx1"/>
+                          </a:solidFill>
+                          <a:latin typeface="맑은 고딕" panose="020B0503020000020004" pitchFamily="50" charset="-127"/>
+                          <a:ea typeface="맑은 고딕" panose="020B0503020000020004" pitchFamily="50" charset="-127"/>
+                          <a:cs typeface="+mn-cs"/>
+                        </a:rPr>
+                        <a:t>cbSubject</a:t>
+                      </a:r>
+                      <a:endParaRPr lang="en-US" altLang="ko-KR" sz="1200" b="0" kern="1200" dirty="0" smtClean="0">
+                        <a:solidFill>
+                          <a:schemeClr val="tx1"/>
+                        </a:solidFill>
+                        <a:latin typeface="맑은 고딕" panose="020B0503020000020004" pitchFamily="50" charset="-127"/>
+                        <a:ea typeface="맑은 고딕" panose="020B0503020000020004" pitchFamily="50" charset="-127"/>
+                        <a:cs typeface="+mn-cs"/>
+                      </a:endParaRPr>
+                    </a:p>
+                    <a:p>
+                      <a:r>
+                        <a:rPr lang="en-US" altLang="ko-KR" sz="1200" b="0" kern="1200" dirty="0" err="1" smtClean="0">
+                          <a:solidFill>
+                            <a:schemeClr val="tx1"/>
+                          </a:solidFill>
+                          <a:latin typeface="맑은 고딕" panose="020B0503020000020004" pitchFamily="50" charset="-127"/>
+                          <a:ea typeface="맑은 고딕" panose="020B0503020000020004" pitchFamily="50" charset="-127"/>
+                          <a:cs typeface="+mn-cs"/>
+                        </a:rPr>
+                        <a:t>JCheckBox</a:t>
+                      </a:r>
+                      <a:r>
+                        <a:rPr lang="en-US" altLang="ko-KR" sz="1200" b="0" kern="1200" dirty="0" smtClean="0">
+                          <a:solidFill>
+                            <a:schemeClr val="tx1"/>
+                          </a:solidFill>
+                          <a:latin typeface="맑은 고딕" panose="020B0503020000020004" pitchFamily="50" charset="-127"/>
+                          <a:ea typeface="맑은 고딕" panose="020B0503020000020004" pitchFamily="50" charset="-127"/>
+                          <a:cs typeface="+mn-cs"/>
+                        </a:rPr>
+                        <a:t> </a:t>
+                      </a:r>
+                      <a:r>
+                        <a:rPr lang="en-US" altLang="ko-KR" sz="1200" b="0" kern="1200" dirty="0" err="1" smtClean="0">
+                          <a:solidFill>
+                            <a:schemeClr val="tx1"/>
+                          </a:solidFill>
+                          <a:latin typeface="맑은 고딕" panose="020B0503020000020004" pitchFamily="50" charset="-127"/>
+                          <a:ea typeface="맑은 고딕" panose="020B0503020000020004" pitchFamily="50" charset="-127"/>
+                          <a:cs typeface="+mn-cs"/>
+                        </a:rPr>
+                        <a:t>checkImportance</a:t>
+                      </a:r>
+                      <a:endParaRPr lang="en-US" altLang="ko-KR" sz="1200" b="0" kern="1200" dirty="0" smtClean="0">
+                        <a:solidFill>
+                          <a:schemeClr val="tx1"/>
+                        </a:solidFill>
+                        <a:latin typeface="맑은 고딕" panose="020B0503020000020004" pitchFamily="50" charset="-127"/>
+                        <a:ea typeface="맑은 고딕" panose="020B0503020000020004" pitchFamily="50" charset="-127"/>
+                        <a:cs typeface="+mn-cs"/>
+                      </a:endParaRPr>
+                    </a:p>
+                    <a:p>
+                      <a:r>
+                        <a:rPr lang="en-US" altLang="ko-KR" sz="1200" b="0" kern="1200" dirty="0" err="1" smtClean="0">
+                          <a:solidFill>
+                            <a:schemeClr val="tx1"/>
+                          </a:solidFill>
+                          <a:latin typeface="맑은 고딕" panose="020B0503020000020004" pitchFamily="50" charset="-127"/>
+                          <a:ea typeface="맑은 고딕" panose="020B0503020000020004" pitchFamily="50" charset="-127"/>
+                          <a:cs typeface="+mn-cs"/>
+                        </a:rPr>
+                        <a:t>JCheckBox</a:t>
+                      </a:r>
+                      <a:r>
+                        <a:rPr lang="en-US" altLang="ko-KR" sz="1200" b="0" kern="1200" dirty="0" smtClean="0">
+                          <a:solidFill>
+                            <a:schemeClr val="tx1"/>
+                          </a:solidFill>
+                          <a:latin typeface="맑은 고딕" panose="020B0503020000020004" pitchFamily="50" charset="-127"/>
+                          <a:ea typeface="맑은 고딕" panose="020B0503020000020004" pitchFamily="50" charset="-127"/>
+                          <a:cs typeface="+mn-cs"/>
+                        </a:rPr>
+                        <a:t> </a:t>
+                      </a:r>
+                      <a:r>
+                        <a:rPr lang="en-US" altLang="ko-KR" sz="1200" b="0" kern="1200" dirty="0" err="1" smtClean="0">
+                          <a:solidFill>
+                            <a:schemeClr val="tx1"/>
+                          </a:solidFill>
+                          <a:latin typeface="맑은 고딕" panose="020B0503020000020004" pitchFamily="50" charset="-127"/>
+                          <a:ea typeface="맑은 고딕" panose="020B0503020000020004" pitchFamily="50" charset="-127"/>
+                          <a:cs typeface="+mn-cs"/>
+                        </a:rPr>
+                        <a:t>checkCompleted</a:t>
+                      </a:r>
+                      <a:endParaRPr lang="en-US" altLang="ko-KR" sz="1200" b="0" kern="1200" dirty="0" smtClean="0">
+                        <a:solidFill>
+                          <a:schemeClr val="tx1"/>
+                        </a:solidFill>
+                        <a:latin typeface="맑은 고딕" panose="020B0503020000020004" pitchFamily="50" charset="-127"/>
+                        <a:ea typeface="맑은 고딕" panose="020B0503020000020004" pitchFamily="50" charset="-127"/>
+                        <a:cs typeface="+mn-cs"/>
+                      </a:endParaRPr>
+                    </a:p>
+                    <a:p>
+                      <a:r>
+                        <a:rPr lang="en-US" altLang="ko-KR" sz="1200" b="0" kern="1200" dirty="0" err="1" smtClean="0">
+                          <a:solidFill>
+                            <a:schemeClr val="tx1"/>
+                          </a:solidFill>
+                          <a:latin typeface="맑은 고딕" panose="020B0503020000020004" pitchFamily="50" charset="-127"/>
+                          <a:ea typeface="맑은 고딕" panose="020B0503020000020004" pitchFamily="50" charset="-127"/>
+                          <a:cs typeface="+mn-cs"/>
+                        </a:rPr>
+                        <a:t>JComboBox</a:t>
+                      </a:r>
+                      <a:r>
+                        <a:rPr lang="en-US" altLang="ko-KR" sz="1200" b="0" kern="1200" dirty="0" smtClean="0">
+                          <a:solidFill>
+                            <a:schemeClr val="tx1"/>
+                          </a:solidFill>
+                          <a:latin typeface="맑은 고딕" panose="020B0503020000020004" pitchFamily="50" charset="-127"/>
+                          <a:ea typeface="맑은 고딕" panose="020B0503020000020004" pitchFamily="50" charset="-127"/>
+                          <a:cs typeface="+mn-cs"/>
+                        </a:rPr>
+                        <a:t> </a:t>
+                      </a:r>
+                      <a:r>
+                        <a:rPr lang="en-US" altLang="ko-KR" sz="1200" b="0" kern="1200" dirty="0" err="1" smtClean="0">
+                          <a:solidFill>
+                            <a:schemeClr val="tx1"/>
+                          </a:solidFill>
+                          <a:latin typeface="맑은 고딕" panose="020B0503020000020004" pitchFamily="50" charset="-127"/>
+                          <a:ea typeface="맑은 고딕" panose="020B0503020000020004" pitchFamily="50" charset="-127"/>
+                          <a:cs typeface="+mn-cs"/>
+                        </a:rPr>
+                        <a:t>cbDeadlineHour</a:t>
+                      </a:r>
+                      <a:endParaRPr lang="en-US" altLang="ko-KR" sz="1200" b="0" kern="1200" dirty="0" smtClean="0">
+                        <a:solidFill>
+                          <a:schemeClr val="tx1"/>
+                        </a:solidFill>
+                        <a:latin typeface="맑은 고딕" panose="020B0503020000020004" pitchFamily="50" charset="-127"/>
+                        <a:ea typeface="맑은 고딕" panose="020B0503020000020004" pitchFamily="50" charset="-127"/>
+                        <a:cs typeface="+mn-cs"/>
+                      </a:endParaRPr>
+                    </a:p>
+                    <a:p>
+                      <a:r>
+                        <a:rPr lang="en-US" altLang="ko-KR" sz="1200" b="0" kern="1200" dirty="0" err="1" smtClean="0">
+                          <a:solidFill>
+                            <a:schemeClr val="tx1"/>
+                          </a:solidFill>
+                          <a:latin typeface="맑은 고딕" panose="020B0503020000020004" pitchFamily="50" charset="-127"/>
+                          <a:ea typeface="맑은 고딕" panose="020B0503020000020004" pitchFamily="50" charset="-127"/>
+                          <a:cs typeface="+mn-cs"/>
+                        </a:rPr>
+                        <a:t>JComboBox</a:t>
+                      </a:r>
+                      <a:r>
+                        <a:rPr lang="en-US" altLang="ko-KR" sz="1200" b="0" kern="1200" dirty="0" smtClean="0">
+                          <a:solidFill>
+                            <a:schemeClr val="tx1"/>
+                          </a:solidFill>
+                          <a:latin typeface="맑은 고딕" panose="020B0503020000020004" pitchFamily="50" charset="-127"/>
+                          <a:ea typeface="맑은 고딕" panose="020B0503020000020004" pitchFamily="50" charset="-127"/>
+                          <a:cs typeface="+mn-cs"/>
+                        </a:rPr>
+                        <a:t> </a:t>
+                      </a:r>
+                      <a:r>
+                        <a:rPr lang="en-US" altLang="ko-KR" sz="1200" b="0" kern="1200" dirty="0" err="1" smtClean="0">
+                          <a:solidFill>
+                            <a:schemeClr val="tx1"/>
+                          </a:solidFill>
+                          <a:latin typeface="맑은 고딕" panose="020B0503020000020004" pitchFamily="50" charset="-127"/>
+                          <a:ea typeface="맑은 고딕" panose="020B0503020000020004" pitchFamily="50" charset="-127"/>
+                          <a:cs typeface="+mn-cs"/>
+                        </a:rPr>
+                        <a:t>cbDeadlineMinute</a:t>
+                      </a:r>
+                      <a:endParaRPr lang="en-US" altLang="ko-KR" sz="1200" b="0" kern="1200" dirty="0" smtClean="0">
+                        <a:solidFill>
+                          <a:schemeClr val="tx1"/>
+                        </a:solidFill>
+                        <a:latin typeface="맑은 고딕" panose="020B0503020000020004" pitchFamily="50" charset="-127"/>
+                        <a:ea typeface="맑은 고딕" panose="020B0503020000020004" pitchFamily="50" charset="-127"/>
+                        <a:cs typeface="+mn-cs"/>
+                      </a:endParaRPr>
+                    </a:p>
+                    <a:p>
+                      <a:r>
+                        <a:rPr lang="en-US" altLang="ko-KR" sz="1200" b="0" kern="1200" dirty="0" err="1" smtClean="0">
+                          <a:solidFill>
+                            <a:schemeClr val="tx1"/>
+                          </a:solidFill>
+                          <a:latin typeface="맑은 고딕" panose="020B0503020000020004" pitchFamily="50" charset="-127"/>
+                          <a:ea typeface="맑은 고딕" panose="020B0503020000020004" pitchFamily="50" charset="-127"/>
+                          <a:cs typeface="+mn-cs"/>
+                        </a:rPr>
+                        <a:t>JComboBox</a:t>
+                      </a:r>
+                      <a:r>
+                        <a:rPr lang="en-US" altLang="ko-KR" sz="1200" b="0" kern="1200" dirty="0" smtClean="0">
+                          <a:solidFill>
+                            <a:schemeClr val="tx1"/>
+                          </a:solidFill>
+                          <a:latin typeface="맑은 고딕" panose="020B0503020000020004" pitchFamily="50" charset="-127"/>
+                          <a:ea typeface="맑은 고딕" panose="020B0503020000020004" pitchFamily="50" charset="-127"/>
+                          <a:cs typeface="+mn-cs"/>
+                        </a:rPr>
+                        <a:t> </a:t>
+                      </a:r>
+                      <a:r>
+                        <a:rPr lang="en-US" altLang="ko-KR" sz="1200" b="0" kern="1200" dirty="0" err="1" smtClean="0">
+                          <a:solidFill>
+                            <a:schemeClr val="tx1"/>
+                          </a:solidFill>
+                          <a:latin typeface="맑은 고딕" panose="020B0503020000020004" pitchFamily="50" charset="-127"/>
+                          <a:ea typeface="맑은 고딕" panose="020B0503020000020004" pitchFamily="50" charset="-127"/>
+                          <a:cs typeface="+mn-cs"/>
+                        </a:rPr>
+                        <a:t>cbDueDateHour</a:t>
+                      </a:r>
+                      <a:endParaRPr lang="en-US" altLang="ko-KR" sz="1200" b="0" kern="1200" dirty="0" smtClean="0">
+                        <a:solidFill>
+                          <a:schemeClr val="tx1"/>
+                        </a:solidFill>
+                        <a:latin typeface="맑은 고딕" panose="020B0503020000020004" pitchFamily="50" charset="-127"/>
+                        <a:ea typeface="맑은 고딕" panose="020B0503020000020004" pitchFamily="50" charset="-127"/>
+                        <a:cs typeface="+mn-cs"/>
+                      </a:endParaRPr>
+                    </a:p>
+                    <a:p>
+                      <a:r>
+                        <a:rPr lang="en-US" altLang="ko-KR" sz="1200" b="0" kern="1200" dirty="0" err="1" smtClean="0">
+                          <a:solidFill>
+                            <a:schemeClr val="tx1"/>
+                          </a:solidFill>
+                          <a:latin typeface="맑은 고딕" panose="020B0503020000020004" pitchFamily="50" charset="-127"/>
+                          <a:ea typeface="맑은 고딕" panose="020B0503020000020004" pitchFamily="50" charset="-127"/>
+                          <a:cs typeface="+mn-cs"/>
+                        </a:rPr>
+                        <a:t>JComboBox</a:t>
+                      </a:r>
+                      <a:r>
+                        <a:rPr lang="en-US" altLang="ko-KR" sz="1200" b="0" kern="1200" dirty="0" smtClean="0">
+                          <a:solidFill>
+                            <a:schemeClr val="tx1"/>
+                          </a:solidFill>
+                          <a:latin typeface="맑은 고딕" panose="020B0503020000020004" pitchFamily="50" charset="-127"/>
+                          <a:ea typeface="맑은 고딕" panose="020B0503020000020004" pitchFamily="50" charset="-127"/>
+                          <a:cs typeface="+mn-cs"/>
+                        </a:rPr>
+                        <a:t> </a:t>
+                      </a:r>
+                      <a:r>
+                        <a:rPr lang="en-US" altLang="ko-KR" sz="1200" b="0" kern="1200" dirty="0" err="1" smtClean="0">
+                          <a:solidFill>
+                            <a:schemeClr val="tx1"/>
+                          </a:solidFill>
+                          <a:latin typeface="맑은 고딕" panose="020B0503020000020004" pitchFamily="50" charset="-127"/>
+                          <a:ea typeface="맑은 고딕" panose="020B0503020000020004" pitchFamily="50" charset="-127"/>
+                          <a:cs typeface="+mn-cs"/>
+                        </a:rPr>
+                        <a:t>cbDueDateMinute</a:t>
+                      </a:r>
+                      <a:endParaRPr lang="en-US" altLang="ko-KR" sz="1200" b="0" kern="1200" dirty="0" smtClean="0">
+                        <a:solidFill>
+                          <a:schemeClr val="tx1"/>
+                        </a:solidFill>
+                        <a:latin typeface="맑은 고딕" panose="020B0503020000020004" pitchFamily="50" charset="-127"/>
+                        <a:ea typeface="맑은 고딕" panose="020B0503020000020004" pitchFamily="50" charset="-127"/>
+                        <a:cs typeface="+mn-cs"/>
+                      </a:endParaRPr>
+                    </a:p>
+                    <a:p>
+                      <a:r>
+                        <a:rPr lang="en-US" altLang="ko-KR" sz="1200" b="0" kern="1200" dirty="0" err="1" smtClean="0">
+                          <a:solidFill>
+                            <a:schemeClr val="tx1"/>
+                          </a:solidFill>
+                          <a:latin typeface="맑은 고딕" panose="020B0503020000020004" pitchFamily="50" charset="-127"/>
+                          <a:ea typeface="맑은 고딕" panose="020B0503020000020004" pitchFamily="50" charset="-127"/>
+                          <a:cs typeface="+mn-cs"/>
+                        </a:rPr>
+                        <a:t>JCalendar</a:t>
+                      </a:r>
+                      <a:r>
+                        <a:rPr lang="en-US" altLang="ko-KR" sz="1200" b="0" kern="1200" dirty="0" smtClean="0">
+                          <a:solidFill>
+                            <a:schemeClr val="tx1"/>
+                          </a:solidFill>
+                          <a:latin typeface="맑은 고딕" panose="020B0503020000020004" pitchFamily="50" charset="-127"/>
+                          <a:ea typeface="맑은 고딕" panose="020B0503020000020004" pitchFamily="50" charset="-127"/>
+                          <a:cs typeface="+mn-cs"/>
+                        </a:rPr>
+                        <a:t> </a:t>
+                      </a:r>
+                      <a:r>
+                        <a:rPr lang="en-US" altLang="ko-KR" sz="1200" b="0" kern="1200" dirty="0" err="1" smtClean="0">
+                          <a:solidFill>
+                            <a:schemeClr val="tx1"/>
+                          </a:solidFill>
+                          <a:latin typeface="맑은 고딕" panose="020B0503020000020004" pitchFamily="50" charset="-127"/>
+                          <a:ea typeface="맑은 고딕" panose="020B0503020000020004" pitchFamily="50" charset="-127"/>
+                          <a:cs typeface="+mn-cs"/>
+                        </a:rPr>
+                        <a:t>JCalendarDueDate</a:t>
+                      </a:r>
+                      <a:endParaRPr lang="en-US" altLang="ko-KR" sz="1200" b="0" kern="1200" dirty="0" smtClean="0">
+                        <a:solidFill>
+                          <a:schemeClr val="tx1"/>
+                        </a:solidFill>
+                        <a:latin typeface="맑은 고딕" panose="020B0503020000020004" pitchFamily="50" charset="-127"/>
+                        <a:ea typeface="맑은 고딕" panose="020B0503020000020004" pitchFamily="50" charset="-127"/>
+                        <a:cs typeface="+mn-cs"/>
+                      </a:endParaRPr>
+                    </a:p>
+                    <a:p>
+                      <a:r>
+                        <a:rPr lang="en-US" altLang="ko-KR" sz="1200" b="0" kern="1200" dirty="0" err="1" smtClean="0">
+                          <a:solidFill>
+                            <a:schemeClr val="tx1"/>
+                          </a:solidFill>
+                          <a:latin typeface="맑은 고딕" panose="020B0503020000020004" pitchFamily="50" charset="-127"/>
+                          <a:ea typeface="맑은 고딕" panose="020B0503020000020004" pitchFamily="50" charset="-127"/>
+                          <a:cs typeface="+mn-cs"/>
+                        </a:rPr>
+                        <a:t>JCalendar</a:t>
+                      </a:r>
+                      <a:r>
+                        <a:rPr lang="en-US" altLang="ko-KR" sz="1200" b="0" kern="1200" dirty="0" smtClean="0">
+                          <a:solidFill>
+                            <a:schemeClr val="tx1"/>
+                          </a:solidFill>
+                          <a:latin typeface="맑은 고딕" panose="020B0503020000020004" pitchFamily="50" charset="-127"/>
+                          <a:ea typeface="맑은 고딕" panose="020B0503020000020004" pitchFamily="50" charset="-127"/>
+                          <a:cs typeface="+mn-cs"/>
+                        </a:rPr>
+                        <a:t> </a:t>
+                      </a:r>
+                      <a:r>
+                        <a:rPr lang="en-US" altLang="ko-KR" sz="1200" b="0" kern="1200" dirty="0" err="1" smtClean="0">
+                          <a:solidFill>
+                            <a:schemeClr val="tx1"/>
+                          </a:solidFill>
+                          <a:latin typeface="맑은 고딕" panose="020B0503020000020004" pitchFamily="50" charset="-127"/>
+                          <a:ea typeface="맑은 고딕" panose="020B0503020000020004" pitchFamily="50" charset="-127"/>
+                          <a:cs typeface="+mn-cs"/>
+                        </a:rPr>
+                        <a:t>JCalendarDeadline</a:t>
+                      </a:r>
+                      <a:endParaRPr lang="en-US" altLang="ko-KR" sz="1200" b="0" dirty="0" smtClean="0">
+                        <a:latin typeface="맑은 고딕" panose="020B0503020000020004" pitchFamily="50" charset="-127"/>
+                        <a:ea typeface="맑은 고딕" panose="020B0503020000020004" pitchFamily="50" charset="-127"/>
                         <a:cs typeface="Malgun Gothic" charset="-127"/>
                       </a:endParaRPr>
                     </a:p>
@@ -4420,8 +6914,8 @@
                   </a:ext>
                 </a:extLst>
               </a:tr>
-              <a:tr h="2290108">
-                <a:tc>
+              <a:tr h="2070684">
+                <a:tc gridSpan="2">
                   <a:txBody>
                     <a:bodyPr/>
                     <a:lstStyle/>
@@ -4443,11 +6937,195 @@
                         <a:tabLst/>
                         <a:defRPr/>
                       </a:pPr>
-                      <a:endParaRPr lang="en-US" sz="1200" baseline="0" dirty="0" smtClean="0">
-                        <a:latin typeface="Malgun Gothic" charset="-127"/>
-                        <a:ea typeface="Malgun Gothic" charset="-127"/>
+                      <a:r>
+                        <a:rPr lang="en-US" altLang="ko-KR" sz="1200" b="0" kern="1200" dirty="0" smtClean="0">
+                          <a:solidFill>
+                            <a:schemeClr val="tx1"/>
+                          </a:solidFill>
+                          <a:latin typeface="맑은 고딕" panose="020B0503020000020004" pitchFamily="50" charset="-127"/>
+                          <a:ea typeface="맑은 고딕" panose="020B0503020000020004" pitchFamily="50" charset="-127"/>
+                          <a:cs typeface="+mn-cs"/>
+                        </a:rPr>
+                        <a:t>public </a:t>
+                      </a:r>
+                      <a:r>
+                        <a:rPr lang="en-US" altLang="ko-KR" sz="1200" b="0" kern="1200" dirty="0" err="1" smtClean="0">
+                          <a:solidFill>
+                            <a:schemeClr val="tx1"/>
+                          </a:solidFill>
+                          <a:latin typeface="맑은 고딕" panose="020B0503020000020004" pitchFamily="50" charset="-127"/>
+                          <a:ea typeface="맑은 고딕" panose="020B0503020000020004" pitchFamily="50" charset="-127"/>
+                          <a:cs typeface="+mn-cs"/>
+                        </a:rPr>
+                        <a:t>TodoChange</a:t>
+                      </a:r>
+                      <a:r>
+                        <a:rPr lang="en-US" altLang="ko-KR" sz="1200" b="0" kern="1200" dirty="0" smtClean="0">
+                          <a:solidFill>
+                            <a:schemeClr val="tx1"/>
+                          </a:solidFill>
+                          <a:latin typeface="맑은 고딕" panose="020B0503020000020004" pitchFamily="50" charset="-127"/>
+                          <a:ea typeface="맑은 고딕" panose="020B0503020000020004" pitchFamily="50" charset="-127"/>
+                          <a:cs typeface="+mn-cs"/>
+                        </a:rPr>
+                        <a:t>(</a:t>
+                      </a:r>
+                      <a:r>
+                        <a:rPr lang="en-US" altLang="ko-KR" sz="1200" b="0" kern="1200" dirty="0" err="1" smtClean="0">
+                          <a:solidFill>
+                            <a:schemeClr val="tx1"/>
+                          </a:solidFill>
+                          <a:latin typeface="맑은 고딕" panose="020B0503020000020004" pitchFamily="50" charset="-127"/>
+                          <a:ea typeface="맑은 고딕" panose="020B0503020000020004" pitchFamily="50" charset="-127"/>
+                          <a:cs typeface="+mn-cs"/>
+                        </a:rPr>
+                        <a:t>TodoManage</a:t>
+                      </a:r>
+                      <a:r>
+                        <a:rPr lang="en-US" altLang="ko-KR" sz="1200" b="0" kern="1200" dirty="0" smtClean="0">
+                          <a:solidFill>
+                            <a:schemeClr val="tx1"/>
+                          </a:solidFill>
+                          <a:latin typeface="맑은 고딕" panose="020B0503020000020004" pitchFamily="50" charset="-127"/>
+                          <a:ea typeface="맑은 고딕" panose="020B0503020000020004" pitchFamily="50" charset="-127"/>
+                          <a:cs typeface="+mn-cs"/>
+                        </a:rPr>
+                        <a:t> </a:t>
+                      </a:r>
+                      <a:r>
+                        <a:rPr lang="en-US" altLang="ko-KR" sz="1200" b="0" kern="1200" dirty="0" err="1" smtClean="0">
+                          <a:solidFill>
+                            <a:schemeClr val="tx1"/>
+                          </a:solidFill>
+                          <a:latin typeface="맑은 고딕" panose="020B0503020000020004" pitchFamily="50" charset="-127"/>
+                          <a:ea typeface="맑은 고딕" panose="020B0503020000020004" pitchFamily="50" charset="-127"/>
+                          <a:cs typeface="+mn-cs"/>
+                        </a:rPr>
+                        <a:t>todomanage_parm,int</a:t>
+                      </a:r>
+                      <a:r>
+                        <a:rPr lang="en-US" altLang="ko-KR" sz="1200" b="0" kern="1200" dirty="0" smtClean="0">
+                          <a:solidFill>
+                            <a:schemeClr val="tx1"/>
+                          </a:solidFill>
+                          <a:latin typeface="맑은 고딕" panose="020B0503020000020004" pitchFamily="50" charset="-127"/>
+                          <a:ea typeface="맑은 고딕" panose="020B0503020000020004" pitchFamily="50" charset="-127"/>
+                          <a:cs typeface="+mn-cs"/>
+                        </a:rPr>
+                        <a:t> </a:t>
+                      </a:r>
+                      <a:r>
+                        <a:rPr lang="en-US" altLang="ko-KR" sz="1200" b="0" kern="1200" dirty="0" err="1" smtClean="0">
+                          <a:solidFill>
+                            <a:schemeClr val="tx1"/>
+                          </a:solidFill>
+                          <a:latin typeface="맑은 고딕" panose="020B0503020000020004" pitchFamily="50" charset="-127"/>
+                          <a:ea typeface="맑은 고딕" panose="020B0503020000020004" pitchFamily="50" charset="-127"/>
+                          <a:cs typeface="+mn-cs"/>
+                        </a:rPr>
+                        <a:t>selectedRow</a:t>
+                      </a:r>
+                      <a:r>
+                        <a:rPr lang="en-US" altLang="ko-KR" sz="1200" b="0" kern="1200" dirty="0" smtClean="0">
+                          <a:solidFill>
+                            <a:schemeClr val="tx1"/>
+                          </a:solidFill>
+                          <a:latin typeface="맑은 고딕" panose="020B0503020000020004" pitchFamily="50" charset="-127"/>
+                          <a:ea typeface="맑은 고딕" panose="020B0503020000020004" pitchFamily="50" charset="-127"/>
+                          <a:cs typeface="+mn-cs"/>
+                        </a:rPr>
+                        <a:t>) </a:t>
+                      </a:r>
+                    </a:p>
+                    <a:p>
+                      <a:pPr marL="0" marR="0" indent="0" algn="l" defTabSz="914400" rtl="0" eaLnBrk="1" fontAlgn="auto" latinLnBrk="1" hangingPunct="1">
+                        <a:lnSpc>
+                          <a:spcPct val="100000"/>
+                        </a:lnSpc>
+                        <a:spcBef>
+                          <a:spcPts val="0"/>
+                        </a:spcBef>
+                        <a:spcAft>
+                          <a:spcPts val="0"/>
+                        </a:spcAft>
+                        <a:buClrTx/>
+                        <a:buSzTx/>
+                        <a:buFontTx/>
+                        <a:buNone/>
+                        <a:tabLst/>
+                        <a:defRPr/>
+                      </a:pPr>
+                      <a:r>
+                        <a:rPr lang="en-US" altLang="ko-KR" sz="1200" b="0" kern="1200" dirty="0" smtClean="0">
+                          <a:solidFill>
+                            <a:schemeClr val="tx1"/>
+                          </a:solidFill>
+                          <a:latin typeface="맑은 고딕" panose="020B0503020000020004" pitchFamily="50" charset="-127"/>
+                          <a:ea typeface="맑은 고딕" panose="020B0503020000020004" pitchFamily="50" charset="-127"/>
+                          <a:cs typeface="+mn-cs"/>
+                        </a:rPr>
+                        <a:t>public void </a:t>
+                      </a:r>
+                      <a:r>
+                        <a:rPr lang="en-US" altLang="ko-KR" sz="1200" b="0" kern="1200" dirty="0" err="1" smtClean="0">
+                          <a:solidFill>
+                            <a:schemeClr val="tx1"/>
+                          </a:solidFill>
+                          <a:latin typeface="맑은 고딕" panose="020B0503020000020004" pitchFamily="50" charset="-127"/>
+                          <a:ea typeface="맑은 고딕" panose="020B0503020000020004" pitchFamily="50" charset="-127"/>
+                          <a:cs typeface="+mn-cs"/>
+                        </a:rPr>
+                        <a:t>actionPerformed</a:t>
+                      </a:r>
+                      <a:r>
+                        <a:rPr lang="en-US" altLang="ko-KR" sz="1200" b="0" kern="1200" dirty="0" smtClean="0">
+                          <a:solidFill>
+                            <a:schemeClr val="tx1"/>
+                          </a:solidFill>
+                          <a:latin typeface="맑은 고딕" panose="020B0503020000020004" pitchFamily="50" charset="-127"/>
+                          <a:ea typeface="맑은 고딕" panose="020B0503020000020004" pitchFamily="50" charset="-127"/>
+                          <a:cs typeface="+mn-cs"/>
+                        </a:rPr>
+                        <a:t>(</a:t>
+                      </a:r>
+                      <a:r>
+                        <a:rPr lang="en-US" altLang="ko-KR" sz="1200" b="0" kern="1200" dirty="0" err="1" smtClean="0">
+                          <a:solidFill>
+                            <a:schemeClr val="tx1"/>
+                          </a:solidFill>
+                          <a:latin typeface="맑은 고딕" panose="020B0503020000020004" pitchFamily="50" charset="-127"/>
+                          <a:ea typeface="맑은 고딕" panose="020B0503020000020004" pitchFamily="50" charset="-127"/>
+                          <a:cs typeface="+mn-cs"/>
+                        </a:rPr>
+                        <a:t>ActionEvent</a:t>
+                      </a:r>
+                      <a:r>
+                        <a:rPr lang="en-US" altLang="ko-KR" sz="1200" b="0" kern="1200" dirty="0" smtClean="0">
+                          <a:solidFill>
+                            <a:schemeClr val="tx1"/>
+                          </a:solidFill>
+                          <a:latin typeface="맑은 고딕" panose="020B0503020000020004" pitchFamily="50" charset="-127"/>
+                          <a:ea typeface="맑은 고딕" panose="020B0503020000020004" pitchFamily="50" charset="-127"/>
+                          <a:cs typeface="+mn-cs"/>
+                        </a:rPr>
+                        <a:t> e)</a:t>
+                      </a:r>
+                      <a:endParaRPr lang="en-US" sz="1200" b="0" baseline="0" dirty="0" smtClean="0">
+                        <a:latin typeface="맑은 고딕" panose="020B0503020000020004" pitchFamily="50" charset="-127"/>
+                        <a:ea typeface="맑은 고딕" panose="020B0503020000020004" pitchFamily="50" charset="-127"/>
                         <a:cs typeface="Malgun Gothic" charset="-127"/>
                       </a:endParaRPr>
+                    </a:p>
+                  </a:txBody>
+                  <a:tcPr/>
+                </a:tc>
+                <a:tc hMerge="1">
+                  <a:txBody>
+                    <a:bodyPr/>
+                    <a:lstStyle/>
+                    <a:p>
+                      <a:pPr latinLnBrk="1"/>
+                      <a:endParaRPr lang="ko-KR" altLang="en-US"/>
                     </a:p>
                   </a:txBody>
                   <a:tcPr/>
@@ -4522,7 +7200,11 @@
             <a:graphicFrameLocks noGrp="1"/>
           </p:cNvGraphicFramePr>
           <p:nvPr>
-            <p:extLst/>
+            <p:extLst>
+              <p:ext uri="{D42A27DB-BD31-4B8C-83A1-F6EECF244321}">
+                <p14:modId xmlns:p14="http://schemas.microsoft.com/office/powerpoint/2010/main" val="736877919"/>
+              </p:ext>
+            </p:extLst>
           </p:nvPr>
         </p:nvGraphicFramePr>
         <p:xfrm>
@@ -4556,7 +7238,15 @@
                           <a:ea typeface="Malgun Gothic" charset="-127"/>
                           <a:cs typeface="Malgun Gothic" charset="-127"/>
                         </a:rPr>
-                        <a:t>TodoSort</a:t>
+                        <a:t>SubjectElement</a:t>
+                      </a:r>
+                      <a:r>
+                        <a:rPr lang="en-US" sz="1200" dirty="0" smtClean="0">
+                          <a:latin typeface="Malgun Gothic" charset="-127"/>
+                          <a:ea typeface="Malgun Gothic" charset="-127"/>
+                          <a:cs typeface="Malgun Gothic" charset="-127"/>
+                        </a:rPr>
+                        <a:t>()</a:t>
                       </a:r>
                       <a:endParaRPr lang="en-US" sz="1200" dirty="0">
                         <a:latin typeface="Malgun Gothic" charset="-127"/>
@@ -4579,11 +7269,207 @@
                     <a:bodyPr/>
                     <a:lstStyle/>
                     <a:p>
+                      <a:r>
+                        <a:rPr lang="en-US" sz="1200" dirty="0" smtClean="0">
+                          <a:latin typeface="Malgun Gothic" charset="-127"/>
+                          <a:ea typeface="Malgun Gothic" charset="-127"/>
+                          <a:cs typeface="Malgun Gothic" charset="-127"/>
+                        </a:rPr>
+                        <a:t>public String name</a:t>
+                      </a:r>
+                    </a:p>
+                    <a:p>
+                      <a:r>
+                        <a:rPr lang="en-US" sz="1200" dirty="0" smtClean="0">
+                          <a:latin typeface="Malgun Gothic" charset="-127"/>
+                          <a:ea typeface="Malgun Gothic" charset="-127"/>
+                          <a:cs typeface="Malgun Gothic" charset="-127"/>
+                        </a:rPr>
+                        <a:t>public String prof</a:t>
+                      </a:r>
+                    </a:p>
+                    <a:p>
+                      <a:r>
+                        <a:rPr lang="en-US" sz="1200" dirty="0" smtClean="0">
+                          <a:latin typeface="Malgun Gothic" charset="-127"/>
+                          <a:ea typeface="Malgun Gothic" charset="-127"/>
+                          <a:cs typeface="Malgun Gothic" charset="-127"/>
+                        </a:rPr>
+                        <a:t>public String </a:t>
+                      </a:r>
+                      <a:r>
+                        <a:rPr lang="en-US" sz="1200" dirty="0" err="1" smtClean="0">
+                          <a:latin typeface="Malgun Gothic" charset="-127"/>
+                          <a:ea typeface="Malgun Gothic" charset="-127"/>
+                          <a:cs typeface="Malgun Gothic" charset="-127"/>
+                        </a:rPr>
+                        <a:t>selectday</a:t>
+                      </a:r>
                       <a:endParaRPr lang="en-US" sz="1200" dirty="0" smtClean="0">
                         <a:latin typeface="Malgun Gothic" charset="-127"/>
                         <a:ea typeface="Malgun Gothic" charset="-127"/>
                         <a:cs typeface="Malgun Gothic" charset="-127"/>
                       </a:endParaRPr>
+                    </a:p>
+                    <a:p>
+                      <a:r>
+                        <a:rPr lang="en-US" sz="1200" dirty="0" smtClean="0">
+                          <a:latin typeface="Malgun Gothic" charset="-127"/>
+                          <a:ea typeface="Malgun Gothic" charset="-127"/>
+                          <a:cs typeface="Malgun Gothic" charset="-127"/>
+                        </a:rPr>
+                        <a:t>public </a:t>
+                      </a:r>
+                      <a:r>
+                        <a:rPr lang="en-US" sz="1200" dirty="0" err="1" smtClean="0">
+                          <a:latin typeface="Malgun Gothic" charset="-127"/>
+                          <a:ea typeface="Malgun Gothic" charset="-127"/>
+                          <a:cs typeface="Malgun Gothic" charset="-127"/>
+                        </a:rPr>
+                        <a:t>int</a:t>
+                      </a:r>
+                      <a:r>
+                        <a:rPr lang="en-US" sz="1200" dirty="0" smtClean="0">
+                          <a:latin typeface="Malgun Gothic" charset="-127"/>
+                          <a:ea typeface="Malgun Gothic" charset="-127"/>
+                          <a:cs typeface="Malgun Gothic" charset="-127"/>
+                        </a:rPr>
+                        <a:t> </a:t>
+                      </a:r>
+                      <a:r>
+                        <a:rPr lang="en-US" sz="1200" dirty="0" err="1" smtClean="0">
+                          <a:latin typeface="Malgun Gothic" charset="-127"/>
+                          <a:ea typeface="Malgun Gothic" charset="-127"/>
+                          <a:cs typeface="Malgun Gothic" charset="-127"/>
+                        </a:rPr>
+                        <a:t>starthour</a:t>
+                      </a:r>
+                      <a:endParaRPr lang="en-US" sz="1200" dirty="0" smtClean="0">
+                        <a:latin typeface="Malgun Gothic" charset="-127"/>
+                        <a:ea typeface="Malgun Gothic" charset="-127"/>
+                        <a:cs typeface="Malgun Gothic" charset="-127"/>
+                      </a:endParaRPr>
+                    </a:p>
+                    <a:p>
+                      <a:r>
+                        <a:rPr lang="en-US" sz="1200" dirty="0" smtClean="0">
+                          <a:latin typeface="Malgun Gothic" charset="-127"/>
+                          <a:ea typeface="Malgun Gothic" charset="-127"/>
+                          <a:cs typeface="Malgun Gothic" charset="-127"/>
+                        </a:rPr>
+                        <a:t>public String </a:t>
+                      </a:r>
+                      <a:r>
+                        <a:rPr lang="en-US" sz="1200" dirty="0" err="1" smtClean="0">
+                          <a:latin typeface="Malgun Gothic" charset="-127"/>
+                          <a:ea typeface="Malgun Gothic" charset="-127"/>
+                          <a:cs typeface="Malgun Gothic" charset="-127"/>
+                        </a:rPr>
+                        <a:t>startminute</a:t>
+                      </a:r>
+                      <a:endParaRPr lang="en-US" sz="1200" dirty="0" smtClean="0">
+                        <a:latin typeface="Malgun Gothic" charset="-127"/>
+                        <a:ea typeface="Malgun Gothic" charset="-127"/>
+                        <a:cs typeface="Malgun Gothic" charset="-127"/>
+                      </a:endParaRPr>
+                    </a:p>
+                    <a:p>
+                      <a:r>
+                        <a:rPr lang="en-US" sz="1200" dirty="0" smtClean="0">
+                          <a:latin typeface="Malgun Gothic" charset="-127"/>
+                          <a:ea typeface="Malgun Gothic" charset="-127"/>
+                          <a:cs typeface="Malgun Gothic" charset="-127"/>
+                        </a:rPr>
+                        <a:t>public </a:t>
+                      </a:r>
+                      <a:r>
+                        <a:rPr lang="en-US" sz="1200" dirty="0" err="1" smtClean="0">
+                          <a:latin typeface="Malgun Gothic" charset="-127"/>
+                          <a:ea typeface="Malgun Gothic" charset="-127"/>
+                          <a:cs typeface="Malgun Gothic" charset="-127"/>
+                        </a:rPr>
+                        <a:t>int</a:t>
+                      </a:r>
+                      <a:r>
+                        <a:rPr lang="en-US" sz="1200" dirty="0" smtClean="0">
+                          <a:latin typeface="Malgun Gothic" charset="-127"/>
+                          <a:ea typeface="Malgun Gothic" charset="-127"/>
+                          <a:cs typeface="Malgun Gothic" charset="-127"/>
+                        </a:rPr>
+                        <a:t> </a:t>
+                      </a:r>
+                      <a:r>
+                        <a:rPr lang="en-US" sz="1200" dirty="0" err="1" smtClean="0">
+                          <a:latin typeface="Malgun Gothic" charset="-127"/>
+                          <a:ea typeface="Malgun Gothic" charset="-127"/>
+                          <a:cs typeface="Malgun Gothic" charset="-127"/>
+                        </a:rPr>
+                        <a:t>endhour</a:t>
+                      </a:r>
+                      <a:endParaRPr lang="en-US" sz="1200" dirty="0" smtClean="0">
+                        <a:latin typeface="Malgun Gothic" charset="-127"/>
+                        <a:ea typeface="Malgun Gothic" charset="-127"/>
+                        <a:cs typeface="Malgun Gothic" charset="-127"/>
+                      </a:endParaRPr>
+                    </a:p>
+                    <a:p>
+                      <a:r>
+                        <a:rPr lang="en-US" sz="1200" dirty="0" smtClean="0">
+                          <a:latin typeface="Malgun Gothic" charset="-127"/>
+                          <a:ea typeface="Malgun Gothic" charset="-127"/>
+                          <a:cs typeface="Malgun Gothic" charset="-127"/>
+                        </a:rPr>
+                        <a:t>public String </a:t>
+                      </a:r>
+                      <a:r>
+                        <a:rPr lang="en-US" sz="1200" dirty="0" err="1" smtClean="0">
+                          <a:latin typeface="Malgun Gothic" charset="-127"/>
+                          <a:ea typeface="Malgun Gothic" charset="-127"/>
+                          <a:cs typeface="Malgun Gothic" charset="-127"/>
+                        </a:rPr>
+                        <a:t>endminute</a:t>
+                      </a:r>
+                      <a:endParaRPr lang="en-US" sz="1200" dirty="0" smtClean="0">
+                        <a:latin typeface="Malgun Gothic" charset="-127"/>
+                        <a:ea typeface="Malgun Gothic" charset="-127"/>
+                        <a:cs typeface="Malgun Gothic" charset="-127"/>
+                      </a:endParaRPr>
+                    </a:p>
+                    <a:p>
+                      <a:r>
+                        <a:rPr lang="en-US" sz="1200" dirty="0" smtClean="0">
+                          <a:latin typeface="Malgun Gothic" charset="-127"/>
+                          <a:ea typeface="Malgun Gothic" charset="-127"/>
+                          <a:cs typeface="Malgun Gothic" charset="-127"/>
+                        </a:rPr>
+                        <a:t>public </a:t>
+                      </a:r>
+                      <a:r>
+                        <a:rPr lang="en-US" sz="1200" dirty="0" err="1" smtClean="0">
+                          <a:latin typeface="Malgun Gothic" charset="-127"/>
+                          <a:ea typeface="Malgun Gothic" charset="-127"/>
+                          <a:cs typeface="Malgun Gothic" charset="-127"/>
+                        </a:rPr>
+                        <a:t>int</a:t>
+                      </a:r>
+                      <a:r>
+                        <a:rPr lang="en-US" sz="1200" dirty="0" smtClean="0">
+                          <a:latin typeface="Malgun Gothic" charset="-127"/>
+                          <a:ea typeface="Malgun Gothic" charset="-127"/>
+                          <a:cs typeface="Malgun Gothic" charset="-127"/>
+                        </a:rPr>
+                        <a:t> year</a:t>
+                      </a:r>
+                    </a:p>
+                    <a:p>
+                      <a:r>
+                        <a:rPr lang="en-US" sz="1200" dirty="0" smtClean="0">
+                          <a:latin typeface="Malgun Gothic" charset="-127"/>
+                          <a:ea typeface="Malgun Gothic" charset="-127"/>
+                          <a:cs typeface="Malgun Gothic" charset="-127"/>
+                        </a:rPr>
+                        <a:t>public String semester</a:t>
+                      </a:r>
                     </a:p>
                   </a:txBody>
                   <a:tcPr/>
@@ -4617,11 +7503,185 @@
                         <a:tabLst/>
                         <a:defRPr/>
                       </a:pPr>
-                      <a:endParaRPr lang="en-US" sz="1200" baseline="0" dirty="0" smtClean="0">
-                        <a:latin typeface="Malgun Gothic" charset="-127"/>
-                        <a:ea typeface="Malgun Gothic" charset="-127"/>
-                        <a:cs typeface="Malgun Gothic" charset="-127"/>
-                      </a:endParaRPr>
+                      <a:r>
+                        <a:rPr lang="en-US" sz="1200" baseline="0" dirty="0" smtClean="0">
+                          <a:latin typeface="Malgun Gothic" charset="-127"/>
+                          <a:ea typeface="Malgun Gothic" charset="-127"/>
+                          <a:cs typeface="Malgun Gothic" charset="-127"/>
+                        </a:rPr>
+                        <a:t>public </a:t>
+                      </a:r>
+                      <a:r>
+                        <a:rPr lang="en-US" sz="1200" baseline="0" dirty="0" err="1" smtClean="0">
+                          <a:latin typeface="Malgun Gothic" charset="-127"/>
+                          <a:ea typeface="Malgun Gothic" charset="-127"/>
+                          <a:cs typeface="Malgun Gothic" charset="-127"/>
+                        </a:rPr>
+                        <a:t>SubjectElement</a:t>
+                      </a:r>
+                      <a:r>
+                        <a:rPr lang="en-US" sz="1200" baseline="0" dirty="0" smtClean="0">
+                          <a:latin typeface="Malgun Gothic" charset="-127"/>
+                          <a:ea typeface="Malgun Gothic" charset="-127"/>
+                          <a:cs typeface="Malgun Gothic" charset="-127"/>
+                        </a:rPr>
+                        <a:t>(String name, String prof, String </a:t>
+                      </a:r>
+                      <a:r>
+                        <a:rPr lang="en-US" sz="1200" baseline="0" dirty="0" err="1" smtClean="0">
+                          <a:latin typeface="Malgun Gothic" charset="-127"/>
+                          <a:ea typeface="Malgun Gothic" charset="-127"/>
+                          <a:cs typeface="Malgun Gothic" charset="-127"/>
+                        </a:rPr>
+                        <a:t>selectDay</a:t>
+                      </a:r>
+                      <a:r>
+                        <a:rPr lang="en-US" sz="1200" baseline="0" dirty="0" smtClean="0">
+                          <a:latin typeface="Malgun Gothic" charset="-127"/>
+                          <a:ea typeface="Malgun Gothic" charset="-127"/>
+                          <a:cs typeface="Malgun Gothic" charset="-127"/>
+                        </a:rPr>
+                        <a:t>, </a:t>
+                      </a:r>
+                      <a:r>
+                        <a:rPr lang="en-US" sz="1200" baseline="0" dirty="0" err="1" smtClean="0">
+                          <a:latin typeface="Malgun Gothic" charset="-127"/>
+                          <a:ea typeface="Malgun Gothic" charset="-127"/>
+                          <a:cs typeface="Malgun Gothic" charset="-127"/>
+                        </a:rPr>
+                        <a:t>int</a:t>
+                      </a:r>
+                      <a:r>
+                        <a:rPr lang="en-US" sz="1200" baseline="0" dirty="0" smtClean="0">
+                          <a:latin typeface="Malgun Gothic" charset="-127"/>
+                          <a:ea typeface="Malgun Gothic" charset="-127"/>
+                          <a:cs typeface="Malgun Gothic" charset="-127"/>
+                        </a:rPr>
+                        <a:t> </a:t>
+                      </a:r>
+                      <a:r>
+                        <a:rPr lang="en-US" sz="1200" baseline="0" dirty="0" err="1" smtClean="0">
+                          <a:latin typeface="Malgun Gothic" charset="-127"/>
+                          <a:ea typeface="Malgun Gothic" charset="-127"/>
+                          <a:cs typeface="Malgun Gothic" charset="-127"/>
+                        </a:rPr>
+                        <a:t>startHour</a:t>
+                      </a:r>
+                      <a:r>
+                        <a:rPr lang="en-US" sz="1200" baseline="0" dirty="0" smtClean="0">
+                          <a:latin typeface="Malgun Gothic" charset="-127"/>
+                          <a:ea typeface="Malgun Gothic" charset="-127"/>
+                          <a:cs typeface="Malgun Gothic" charset="-127"/>
+                        </a:rPr>
+                        <a:t>, String </a:t>
+                      </a:r>
+                      <a:r>
+                        <a:rPr lang="en-US" sz="1200" baseline="0" dirty="0" err="1" smtClean="0">
+                          <a:latin typeface="Malgun Gothic" charset="-127"/>
+                          <a:ea typeface="Malgun Gothic" charset="-127"/>
+                          <a:cs typeface="Malgun Gothic" charset="-127"/>
+                        </a:rPr>
+                        <a:t>startMinute</a:t>
+                      </a:r>
+                      <a:r>
+                        <a:rPr lang="en-US" sz="1200" baseline="0" dirty="0" smtClean="0">
+                          <a:latin typeface="Malgun Gothic" charset="-127"/>
+                          <a:ea typeface="Malgun Gothic" charset="-127"/>
+                          <a:cs typeface="Malgun Gothic" charset="-127"/>
+                        </a:rPr>
+                        <a:t>,</a:t>
+                      </a:r>
+                    </a:p>
+                    <a:p>
+                      <a:pPr marL="0" marR="0" indent="0" algn="l" defTabSz="914400" rtl="0" eaLnBrk="1" fontAlgn="auto" latinLnBrk="1" hangingPunct="1">
+                        <a:lnSpc>
+                          <a:spcPct val="100000"/>
+                        </a:lnSpc>
+                        <a:spcBef>
+                          <a:spcPts val="0"/>
+                        </a:spcBef>
+                        <a:spcAft>
+                          <a:spcPts val="0"/>
+                        </a:spcAft>
+                        <a:buClrTx/>
+                        <a:buSzTx/>
+                        <a:buFontTx/>
+                        <a:buNone/>
+                        <a:tabLst/>
+                        <a:defRPr/>
+                      </a:pPr>
+                      <a:r>
+                        <a:rPr lang="en-US" sz="1200" baseline="0" dirty="0" smtClean="0">
+                          <a:latin typeface="Malgun Gothic" charset="-127"/>
+                          <a:ea typeface="Malgun Gothic" charset="-127"/>
+                          <a:cs typeface="Malgun Gothic" charset="-127"/>
+                        </a:rPr>
+                        <a:t>         </a:t>
+                      </a:r>
+                      <a:r>
+                        <a:rPr lang="en-US" sz="1200" baseline="0" dirty="0" err="1" smtClean="0">
+                          <a:latin typeface="Malgun Gothic" charset="-127"/>
+                          <a:ea typeface="Malgun Gothic" charset="-127"/>
+                          <a:cs typeface="Malgun Gothic" charset="-127"/>
+                        </a:rPr>
+                        <a:t>int</a:t>
+                      </a:r>
+                      <a:r>
+                        <a:rPr lang="en-US" sz="1200" baseline="0" dirty="0" smtClean="0">
+                          <a:latin typeface="Malgun Gothic" charset="-127"/>
+                          <a:ea typeface="Malgun Gothic" charset="-127"/>
+                          <a:cs typeface="Malgun Gothic" charset="-127"/>
+                        </a:rPr>
+                        <a:t> </a:t>
+                      </a:r>
+                      <a:r>
+                        <a:rPr lang="en-US" sz="1200" baseline="0" dirty="0" err="1" smtClean="0">
+                          <a:latin typeface="Malgun Gothic" charset="-127"/>
+                          <a:ea typeface="Malgun Gothic" charset="-127"/>
+                          <a:cs typeface="Malgun Gothic" charset="-127"/>
+                        </a:rPr>
+                        <a:t>endHour</a:t>
+                      </a:r>
+                      <a:r>
+                        <a:rPr lang="en-US" sz="1200" baseline="0" dirty="0" smtClean="0">
+                          <a:latin typeface="Malgun Gothic" charset="-127"/>
+                          <a:ea typeface="Malgun Gothic" charset="-127"/>
+                          <a:cs typeface="Malgun Gothic" charset="-127"/>
+                        </a:rPr>
+                        <a:t>, String </a:t>
+                      </a:r>
+                      <a:r>
+                        <a:rPr lang="en-US" sz="1200" baseline="0" dirty="0" err="1" smtClean="0">
+                          <a:latin typeface="Malgun Gothic" charset="-127"/>
+                          <a:ea typeface="Malgun Gothic" charset="-127"/>
+                          <a:cs typeface="Malgun Gothic" charset="-127"/>
+                        </a:rPr>
+                        <a:t>endMinute</a:t>
+                      </a:r>
+                      <a:r>
+                        <a:rPr lang="en-US" sz="1200" baseline="0" dirty="0" smtClean="0">
+                          <a:latin typeface="Malgun Gothic" charset="-127"/>
+                          <a:ea typeface="Malgun Gothic" charset="-127"/>
+                          <a:cs typeface="Malgun Gothic" charset="-127"/>
+                        </a:rPr>
+                        <a:t>, </a:t>
+                      </a:r>
+                      <a:r>
+                        <a:rPr lang="en-US" sz="1200" baseline="0" dirty="0" err="1" smtClean="0">
+                          <a:latin typeface="Malgun Gothic" charset="-127"/>
+                          <a:ea typeface="Malgun Gothic" charset="-127"/>
+                          <a:cs typeface="Malgun Gothic" charset="-127"/>
+                        </a:rPr>
+                        <a:t>int</a:t>
+                      </a:r>
+                      <a:r>
+                        <a:rPr lang="en-US" sz="1200" baseline="0" dirty="0" smtClean="0">
+                          <a:latin typeface="Malgun Gothic" charset="-127"/>
+                          <a:ea typeface="Malgun Gothic" charset="-127"/>
+                          <a:cs typeface="Malgun Gothic" charset="-127"/>
+                        </a:rPr>
+                        <a:t> year, String semester)</a:t>
+                      </a:r>
                     </a:p>
                   </a:txBody>
                   <a:tcPr/>
@@ -4639,7 +7699,7 @@
     </p:spTree>
     <p:extLst>
       <p:ext uri="{BB962C8B-B14F-4D97-AF65-F5344CB8AC3E}">
-        <p14:creationId xmlns:p14="http://schemas.microsoft.com/office/powerpoint/2010/main" val="349271385"/>
+        <p14:creationId xmlns:p14="http://schemas.microsoft.com/office/powerpoint/2010/main" val="1131360444"/>
       </p:ext>
     </p:extLst>
   </p:cSld>
@@ -4691,14 +7751,14 @@
       </p:sp>
       <p:graphicFrame>
         <p:nvGraphicFramePr>
-          <p:cNvPr id="4" name="Table 3"/>
+          <p:cNvPr id="5" name="Table 3"/>
           <p:cNvGraphicFramePr>
             <a:graphicFrameLocks noGrp="1"/>
           </p:cNvGraphicFramePr>
           <p:nvPr>
             <p:extLst>
               <p:ext uri="{D42A27DB-BD31-4B8C-83A1-F6EECF244321}">
-                <p14:modId xmlns:p14="http://schemas.microsoft.com/office/powerpoint/2010/main" val="1668045349"/>
+                <p14:modId xmlns:p14="http://schemas.microsoft.com/office/powerpoint/2010/main" val="3357799058"/>
               </p:ext>
             </p:extLst>
           </p:nvPr>
@@ -4729,24 +7789,24 @@
                     <a:lstStyle/>
                     <a:p>
                       <a:r>
-                        <a:rPr lang="en-US" sz="1200" dirty="0" err="1" smtClean="0">
-                          <a:latin typeface="Malgun Gothic" charset="-127"/>
-                          <a:ea typeface="Malgun Gothic" charset="-127"/>
-                          <a:cs typeface="Malgun Gothic" charset="-127"/>
-                        </a:rPr>
-                        <a:t>SubjectElement</a:t>
-                      </a:r>
-                      <a:r>
-                        <a:rPr lang="en-US" sz="1200" dirty="0" smtClean="0">
-                          <a:latin typeface="Malgun Gothic" charset="-127"/>
-                          <a:ea typeface="Malgun Gothic" charset="-127"/>
+                        <a:rPr lang="en-US" sz="1200" b="0" dirty="0" err="1" smtClean="0">
+                          <a:latin typeface="맑은 고딕" panose="020B0503020000020004" pitchFamily="50" charset="-127"/>
+                          <a:ea typeface="맑은 고딕" panose="020B0503020000020004" pitchFamily="50" charset="-127"/>
+                          <a:cs typeface="Malgun Gothic" charset="-127"/>
+                        </a:rPr>
+                        <a:t>TodoElement</a:t>
+                      </a:r>
+                      <a:r>
+                        <a:rPr lang="en-US" sz="1200" b="0" dirty="0" smtClean="0">
+                          <a:latin typeface="맑은 고딕" panose="020B0503020000020004" pitchFamily="50" charset="-127"/>
+                          <a:ea typeface="맑은 고딕" panose="020B0503020000020004" pitchFamily="50" charset="-127"/>
                           <a:cs typeface="Malgun Gothic" charset="-127"/>
                         </a:rPr>
                         <a:t>()</a:t>
                       </a:r>
-                      <a:endParaRPr lang="en-US" sz="1200" dirty="0">
-                        <a:latin typeface="Malgun Gothic" charset="-127"/>
-                        <a:ea typeface="Malgun Gothic" charset="-127"/>
+                      <a:endParaRPr lang="en-US" sz="1200" b="0" dirty="0">
+                        <a:latin typeface="맑은 고딕" panose="020B0503020000020004" pitchFamily="50" charset="-127"/>
+                        <a:ea typeface="맑은 고딕" panose="020B0503020000020004" pitchFamily="50" charset="-127"/>
                         <a:cs typeface="Malgun Gothic" charset="-127"/>
                       </a:endParaRPr>
                     </a:p>
@@ -4766,206 +7826,168 @@
                     <a:lstStyle/>
                     <a:p>
                       <a:r>
-                        <a:rPr lang="en-US" sz="1200" dirty="0" smtClean="0">
-                          <a:latin typeface="Malgun Gothic" charset="-127"/>
-                          <a:ea typeface="Malgun Gothic" charset="-127"/>
-                          <a:cs typeface="Malgun Gothic" charset="-127"/>
-                        </a:rPr>
-                        <a:t>public String name</a:t>
-                      </a:r>
-                    </a:p>
-                    <a:p>
-                      <a:r>
-                        <a:rPr lang="en-US" sz="1200" dirty="0" smtClean="0">
-                          <a:latin typeface="Malgun Gothic" charset="-127"/>
-                          <a:ea typeface="Malgun Gothic" charset="-127"/>
-                          <a:cs typeface="Malgun Gothic" charset="-127"/>
-                        </a:rPr>
-                        <a:t>public String prof</a:t>
-                      </a:r>
-                    </a:p>
-                    <a:p>
-                      <a:r>
-                        <a:rPr lang="en-US" sz="1200" dirty="0" smtClean="0">
-                          <a:latin typeface="Malgun Gothic" charset="-127"/>
-                          <a:ea typeface="Malgun Gothic" charset="-127"/>
-                          <a:cs typeface="Malgun Gothic" charset="-127"/>
+                        <a:rPr lang="en-US" altLang="ko-KR" sz="1200" b="0" kern="1200" dirty="0" smtClean="0">
+                          <a:solidFill>
+                            <a:schemeClr val="tx1"/>
+                          </a:solidFill>
+                          <a:latin typeface="맑은 고딕" panose="020B0503020000020004" pitchFamily="50" charset="-127"/>
+                          <a:ea typeface="맑은 고딕" panose="020B0503020000020004" pitchFamily="50" charset="-127"/>
+                          <a:cs typeface="+mn-cs"/>
                         </a:rPr>
                         <a:t>public String </a:t>
                       </a:r>
                       <a:r>
-                        <a:rPr lang="en-US" sz="1200" dirty="0" err="1" smtClean="0">
-                          <a:latin typeface="Malgun Gothic" charset="-127"/>
-                          <a:ea typeface="Malgun Gothic" charset="-127"/>
-                          <a:cs typeface="Malgun Gothic" charset="-127"/>
-                        </a:rPr>
-                        <a:t>selectday</a:t>
-                      </a:r>
-                      <a:endParaRPr lang="en-US" sz="1200" dirty="0" smtClean="0">
-                        <a:latin typeface="Malgun Gothic" charset="-127"/>
-                        <a:ea typeface="Malgun Gothic" charset="-127"/>
+                        <a:rPr lang="en-US" altLang="ko-KR" sz="1200" b="0" kern="1200" dirty="0" err="1" smtClean="0">
+                          <a:solidFill>
+                            <a:schemeClr val="tx1"/>
+                          </a:solidFill>
+                          <a:latin typeface="맑은 고딕" panose="020B0503020000020004" pitchFamily="50" charset="-127"/>
+                          <a:ea typeface="맑은 고딕" panose="020B0503020000020004" pitchFamily="50" charset="-127"/>
+                          <a:cs typeface="+mn-cs"/>
+                        </a:rPr>
+                        <a:t>Todo</a:t>
+                      </a:r>
+                      <a:endParaRPr lang="en-US" altLang="ko-KR" sz="1200" b="0" kern="1200" dirty="0" smtClean="0">
+                        <a:solidFill>
+                          <a:schemeClr val="tx1"/>
+                        </a:solidFill>
+                        <a:latin typeface="맑은 고딕" panose="020B0503020000020004" pitchFamily="50" charset="-127"/>
+                        <a:ea typeface="맑은 고딕" panose="020B0503020000020004" pitchFamily="50" charset="-127"/>
+                        <a:cs typeface="+mn-cs"/>
+                      </a:endParaRPr>
+                    </a:p>
+                    <a:p>
+                      <a:r>
+                        <a:rPr lang="en-US" altLang="ko-KR" sz="1200" b="0" kern="1200" dirty="0" smtClean="0">
+                          <a:solidFill>
+                            <a:schemeClr val="tx1"/>
+                          </a:solidFill>
+                          <a:latin typeface="맑은 고딕" panose="020B0503020000020004" pitchFamily="50" charset="-127"/>
+                          <a:ea typeface="맑은 고딕" panose="020B0503020000020004" pitchFamily="50" charset="-127"/>
+                          <a:cs typeface="+mn-cs"/>
+                        </a:rPr>
+                        <a:t>public String Subject</a:t>
+                      </a:r>
+                    </a:p>
+                    <a:p>
+                      <a:r>
+                        <a:rPr lang="en-US" altLang="ko-KR" sz="1200" b="0" kern="1200" dirty="0" smtClean="0">
+                          <a:solidFill>
+                            <a:schemeClr val="tx1"/>
+                          </a:solidFill>
+                          <a:latin typeface="맑은 고딕" panose="020B0503020000020004" pitchFamily="50" charset="-127"/>
+                          <a:ea typeface="맑은 고딕" panose="020B0503020000020004" pitchFamily="50" charset="-127"/>
+                          <a:cs typeface="+mn-cs"/>
+                        </a:rPr>
+                        <a:t>public Calendar Deadline</a:t>
+                      </a:r>
+                    </a:p>
+                    <a:p>
+                      <a:r>
+                        <a:rPr lang="en-US" altLang="ko-KR" sz="1200" b="0" kern="1200" dirty="0" smtClean="0">
+                          <a:solidFill>
+                            <a:schemeClr val="tx1"/>
+                          </a:solidFill>
+                          <a:latin typeface="맑은 고딕" panose="020B0503020000020004" pitchFamily="50" charset="-127"/>
+                          <a:ea typeface="맑은 고딕" panose="020B0503020000020004" pitchFamily="50" charset="-127"/>
+                          <a:cs typeface="+mn-cs"/>
+                        </a:rPr>
+                        <a:t>public Calendar </a:t>
+                      </a:r>
+                      <a:r>
+                        <a:rPr lang="en-US" altLang="ko-KR" sz="1200" b="0" kern="1200" dirty="0" err="1" smtClean="0">
+                          <a:solidFill>
+                            <a:schemeClr val="tx1"/>
+                          </a:solidFill>
+                          <a:latin typeface="맑은 고딕" panose="020B0503020000020004" pitchFamily="50" charset="-127"/>
+                          <a:ea typeface="맑은 고딕" panose="020B0503020000020004" pitchFamily="50" charset="-127"/>
+                          <a:cs typeface="+mn-cs"/>
+                        </a:rPr>
+                        <a:t>DueDate</a:t>
+                      </a:r>
+                      <a:endParaRPr lang="en-US" altLang="ko-KR" sz="1200" b="0" kern="1200" dirty="0" smtClean="0">
+                        <a:solidFill>
+                          <a:schemeClr val="tx1"/>
+                        </a:solidFill>
+                        <a:latin typeface="맑은 고딕" panose="020B0503020000020004" pitchFamily="50" charset="-127"/>
+                        <a:ea typeface="맑은 고딕" panose="020B0503020000020004" pitchFamily="50" charset="-127"/>
+                        <a:cs typeface="+mn-cs"/>
+                      </a:endParaRPr>
+                    </a:p>
+                    <a:p>
+                      <a:r>
+                        <a:rPr lang="en-US" altLang="ko-KR" sz="1200" b="0" kern="1200" dirty="0" smtClean="0">
+                          <a:solidFill>
+                            <a:schemeClr val="tx1"/>
+                          </a:solidFill>
+                          <a:latin typeface="맑은 고딕" panose="020B0503020000020004" pitchFamily="50" charset="-127"/>
+                          <a:ea typeface="맑은 고딕" panose="020B0503020000020004" pitchFamily="50" charset="-127"/>
+                          <a:cs typeface="+mn-cs"/>
+                        </a:rPr>
+                        <a:t>public </a:t>
+                      </a:r>
+                      <a:r>
+                        <a:rPr lang="en-US" altLang="ko-KR" sz="1200" b="0" kern="1200" dirty="0" err="1" smtClean="0">
+                          <a:solidFill>
+                            <a:schemeClr val="tx1"/>
+                          </a:solidFill>
+                          <a:latin typeface="맑은 고딕" panose="020B0503020000020004" pitchFamily="50" charset="-127"/>
+                          <a:ea typeface="맑은 고딕" panose="020B0503020000020004" pitchFamily="50" charset="-127"/>
+                          <a:cs typeface="+mn-cs"/>
+                        </a:rPr>
+                        <a:t>boolean</a:t>
+                      </a:r>
+                      <a:r>
+                        <a:rPr lang="en-US" altLang="ko-KR" sz="1200" b="0" kern="1200" dirty="0" smtClean="0">
+                          <a:solidFill>
+                            <a:schemeClr val="tx1"/>
+                          </a:solidFill>
+                          <a:latin typeface="맑은 고딕" panose="020B0503020000020004" pitchFamily="50" charset="-127"/>
+                          <a:ea typeface="맑은 고딕" panose="020B0503020000020004" pitchFamily="50" charset="-127"/>
+                          <a:cs typeface="+mn-cs"/>
+                        </a:rPr>
+                        <a:t> Completed    </a:t>
+                      </a:r>
+                    </a:p>
+                    <a:p>
+                      <a:r>
+                        <a:rPr lang="en-US" altLang="ko-KR" sz="1200" b="0" kern="1200" dirty="0" smtClean="0">
+                          <a:solidFill>
+                            <a:schemeClr val="tx1"/>
+                          </a:solidFill>
+                          <a:latin typeface="맑은 고딕" panose="020B0503020000020004" pitchFamily="50" charset="-127"/>
+                          <a:ea typeface="맑은 고딕" panose="020B0503020000020004" pitchFamily="50" charset="-127"/>
+                          <a:cs typeface="+mn-cs"/>
+                        </a:rPr>
+                        <a:t>public </a:t>
+                      </a:r>
+                      <a:r>
+                        <a:rPr lang="en-US" altLang="ko-KR" sz="1200" b="0" kern="1200" dirty="0" err="1" smtClean="0">
+                          <a:solidFill>
+                            <a:schemeClr val="tx1"/>
+                          </a:solidFill>
+                          <a:latin typeface="맑은 고딕" panose="020B0503020000020004" pitchFamily="50" charset="-127"/>
+                          <a:ea typeface="맑은 고딕" panose="020B0503020000020004" pitchFamily="50" charset="-127"/>
+                          <a:cs typeface="+mn-cs"/>
+                        </a:rPr>
+                        <a:t>boolean</a:t>
+                      </a:r>
+                      <a:r>
+                        <a:rPr lang="en-US" altLang="ko-KR" sz="1200" b="0" kern="1200" dirty="0" smtClean="0">
+                          <a:solidFill>
+                            <a:schemeClr val="tx1"/>
+                          </a:solidFill>
+                          <a:latin typeface="맑은 고딕" panose="020B0503020000020004" pitchFamily="50" charset="-127"/>
+                          <a:ea typeface="맑은 고딕" panose="020B0503020000020004" pitchFamily="50" charset="-127"/>
+                          <a:cs typeface="+mn-cs"/>
+                        </a:rPr>
+                        <a:t> Importance</a:t>
+                      </a:r>
+                      <a:endParaRPr lang="en-US" sz="1200" b="0" dirty="0" smtClean="0">
+                        <a:latin typeface="맑은 고딕" panose="020B0503020000020004" pitchFamily="50" charset="-127"/>
+                        <a:ea typeface="맑은 고딕" panose="020B0503020000020004" pitchFamily="50" charset="-127"/>
                         <a:cs typeface="Malgun Gothic" charset="-127"/>
                       </a:endParaRPr>
-                    </a:p>
-                    <a:p>
-                      <a:r>
-                        <a:rPr lang="en-US" sz="1200" dirty="0" smtClean="0">
-                          <a:latin typeface="Malgun Gothic" charset="-127"/>
-                          <a:ea typeface="Malgun Gothic" charset="-127"/>
-                          <a:cs typeface="Malgun Gothic" charset="-127"/>
-                        </a:rPr>
-                        <a:t>public </a:t>
-                      </a:r>
-                      <a:r>
-                        <a:rPr lang="en-US" sz="1200" dirty="0" err="1" smtClean="0">
-                          <a:latin typeface="Malgun Gothic" charset="-127"/>
-                          <a:ea typeface="Malgun Gothic" charset="-127"/>
-                          <a:cs typeface="Malgun Gothic" charset="-127"/>
-                        </a:rPr>
-                        <a:t>int</a:t>
-                      </a:r>
-                      <a:r>
-                        <a:rPr lang="en-US" sz="1200" dirty="0" smtClean="0">
-                          <a:latin typeface="Malgun Gothic" charset="-127"/>
-                          <a:ea typeface="Malgun Gothic" charset="-127"/>
-                          <a:cs typeface="Malgun Gothic" charset="-127"/>
-                        </a:rPr>
-                        <a:t> </a:t>
-                      </a:r>
-                      <a:r>
-                        <a:rPr lang="en-US" sz="1200" dirty="0" err="1" smtClean="0">
-                          <a:latin typeface="Malgun Gothic" charset="-127"/>
-                          <a:ea typeface="Malgun Gothic" charset="-127"/>
-                          <a:cs typeface="Malgun Gothic" charset="-127"/>
-                        </a:rPr>
-                        <a:t>starthour</a:t>
-                      </a:r>
-                      <a:endParaRPr lang="en-US" sz="1200" dirty="0" smtClean="0">
-                        <a:latin typeface="Malgun Gothic" charset="-127"/>
-                        <a:ea typeface="Malgun Gothic" charset="-127"/>
-                        <a:cs typeface="Malgun Gothic" charset="-127"/>
-                      </a:endParaRPr>
-                    </a:p>
-                    <a:p>
-                      <a:r>
-                        <a:rPr lang="en-US" sz="1200" dirty="0" smtClean="0">
-                          <a:latin typeface="Malgun Gothic" charset="-127"/>
-                          <a:ea typeface="Malgun Gothic" charset="-127"/>
-                          <a:cs typeface="Malgun Gothic" charset="-127"/>
-                        </a:rPr>
-                        <a:t>public String </a:t>
-                      </a:r>
-                      <a:r>
-                        <a:rPr lang="en-US" sz="1200" dirty="0" err="1" smtClean="0">
-                          <a:latin typeface="Malgun Gothic" charset="-127"/>
-                          <a:ea typeface="Malgun Gothic" charset="-127"/>
-                          <a:cs typeface="Malgun Gothic" charset="-127"/>
-                        </a:rPr>
-                        <a:t>startminute</a:t>
-                      </a:r>
-                      <a:endParaRPr lang="en-US" sz="1200" dirty="0" smtClean="0">
-                        <a:latin typeface="Malgun Gothic" charset="-127"/>
-                        <a:ea typeface="Malgun Gothic" charset="-127"/>
-                        <a:cs typeface="Malgun Gothic" charset="-127"/>
-                      </a:endParaRPr>
-                    </a:p>
-                    <a:p>
-                      <a:r>
-                        <a:rPr lang="en-US" sz="1200" dirty="0" smtClean="0">
-                          <a:latin typeface="Malgun Gothic" charset="-127"/>
-                          <a:ea typeface="Malgun Gothic" charset="-127"/>
-                          <a:cs typeface="Malgun Gothic" charset="-127"/>
-                        </a:rPr>
-                        <a:t>public </a:t>
-                      </a:r>
-                      <a:r>
-                        <a:rPr lang="en-US" sz="1200" dirty="0" err="1" smtClean="0">
-                          <a:latin typeface="Malgun Gothic" charset="-127"/>
-                          <a:ea typeface="Malgun Gothic" charset="-127"/>
-                          <a:cs typeface="Malgun Gothic" charset="-127"/>
-                        </a:rPr>
-                        <a:t>int</a:t>
-                      </a:r>
-                      <a:r>
-                        <a:rPr lang="en-US" sz="1200" dirty="0" smtClean="0">
-                          <a:latin typeface="Malgun Gothic" charset="-127"/>
-                          <a:ea typeface="Malgun Gothic" charset="-127"/>
-                          <a:cs typeface="Malgun Gothic" charset="-127"/>
-                        </a:rPr>
-                        <a:t> </a:t>
-                      </a:r>
-                      <a:r>
-                        <a:rPr lang="en-US" sz="1200" dirty="0" err="1" smtClean="0">
-                          <a:latin typeface="Malgun Gothic" charset="-127"/>
-                          <a:ea typeface="Malgun Gothic" charset="-127"/>
-                          <a:cs typeface="Malgun Gothic" charset="-127"/>
-                        </a:rPr>
-                        <a:t>endhour</a:t>
-                      </a:r>
-                      <a:endParaRPr lang="en-US" sz="1200" dirty="0" smtClean="0">
-                        <a:latin typeface="Malgun Gothic" charset="-127"/>
-                        <a:ea typeface="Malgun Gothic" charset="-127"/>
-                        <a:cs typeface="Malgun Gothic" charset="-127"/>
-                      </a:endParaRPr>
-                    </a:p>
-                    <a:p>
-                      <a:r>
-                        <a:rPr lang="en-US" sz="1200" dirty="0" smtClean="0">
-                          <a:latin typeface="Malgun Gothic" charset="-127"/>
-                          <a:ea typeface="Malgun Gothic" charset="-127"/>
-                          <a:cs typeface="Malgun Gothic" charset="-127"/>
-                        </a:rPr>
-                        <a:t>public String </a:t>
-                      </a:r>
-                      <a:r>
-                        <a:rPr lang="en-US" sz="1200" dirty="0" err="1" smtClean="0">
-                          <a:latin typeface="Malgun Gothic" charset="-127"/>
-                          <a:ea typeface="Malgun Gothic" charset="-127"/>
-                          <a:cs typeface="Malgun Gothic" charset="-127"/>
-                        </a:rPr>
-                        <a:t>endminute</a:t>
-                      </a:r>
-                      <a:endParaRPr lang="en-US" sz="1200" dirty="0" smtClean="0">
-                        <a:latin typeface="Malgun Gothic" charset="-127"/>
-                        <a:ea typeface="Malgun Gothic" charset="-127"/>
-                        <a:cs typeface="Malgun Gothic" charset="-127"/>
-                      </a:endParaRPr>
-                    </a:p>
-                    <a:p>
-                      <a:r>
-                        <a:rPr lang="en-US" sz="1200" dirty="0" smtClean="0">
-                          <a:latin typeface="Malgun Gothic" charset="-127"/>
-                          <a:ea typeface="Malgun Gothic" charset="-127"/>
-                          <a:cs typeface="Malgun Gothic" charset="-127"/>
-                        </a:rPr>
-                        <a:t>public </a:t>
-                      </a:r>
-                      <a:r>
-                        <a:rPr lang="en-US" sz="1200" dirty="0" err="1" smtClean="0">
-                          <a:latin typeface="Malgun Gothic" charset="-127"/>
-                          <a:ea typeface="Malgun Gothic" charset="-127"/>
-                          <a:cs typeface="Malgun Gothic" charset="-127"/>
-                        </a:rPr>
-                        <a:t>int</a:t>
-                      </a:r>
-                      <a:r>
-                        <a:rPr lang="en-US" sz="1200" dirty="0" smtClean="0">
-                          <a:latin typeface="Malgun Gothic" charset="-127"/>
-                          <a:ea typeface="Malgun Gothic" charset="-127"/>
-                          <a:cs typeface="Malgun Gothic" charset="-127"/>
-                        </a:rPr>
-                        <a:t> year</a:t>
-                      </a:r>
-                    </a:p>
-                    <a:p>
-                      <a:r>
-                        <a:rPr lang="en-US" sz="1200" dirty="0" smtClean="0">
-                          <a:latin typeface="Malgun Gothic" charset="-127"/>
-                          <a:ea typeface="Malgun Gothic" charset="-127"/>
-                          <a:cs typeface="Malgun Gothic" charset="-127"/>
-                        </a:rPr>
-                        <a:t>public String semester</a:t>
-                      </a:r>
                     </a:p>
                   </a:txBody>
                   <a:tcPr/>
@@ -4982,382 +8004,150 @@
                     <a:bodyPr/>
                     <a:lstStyle/>
                     <a:p>
-                      <a:pPr marL="0" marR="0" indent="0" algn="l" defTabSz="914400" rtl="0" eaLnBrk="1" fontAlgn="auto" latinLnBrk="1" hangingPunct="1">
-                        <a:lnSpc>
-                          <a:spcPct val="100000"/>
-                        </a:lnSpc>
-                        <a:spcBef>
-                          <a:spcPts val="0"/>
-                        </a:spcBef>
-                        <a:spcAft>
-                          <a:spcPts val="0"/>
-                        </a:spcAft>
-                        <a:buClrTx/>
-                        <a:buSzTx/>
-                        <a:buFontTx/>
-                        <a:buNone/>
-                        <a:tabLst/>
-                        <a:defRPr/>
-                      </a:pPr>
-                      <a:r>
-                        <a:rPr lang="en-US" sz="1200" baseline="0" dirty="0" smtClean="0">
-                          <a:latin typeface="Malgun Gothic" charset="-127"/>
-                          <a:ea typeface="Malgun Gothic" charset="-127"/>
-                          <a:cs typeface="Malgun Gothic" charset="-127"/>
-                        </a:rPr>
-                        <a:t>public </a:t>
-                      </a:r>
-                      <a:r>
-                        <a:rPr lang="en-US" sz="1200" baseline="0" dirty="0" err="1" smtClean="0">
-                          <a:latin typeface="Malgun Gothic" charset="-127"/>
-                          <a:ea typeface="Malgun Gothic" charset="-127"/>
-                          <a:cs typeface="Malgun Gothic" charset="-127"/>
-                        </a:rPr>
-                        <a:t>SubjectElement</a:t>
-                      </a:r>
-                      <a:r>
-                        <a:rPr lang="en-US" sz="1200" baseline="0" dirty="0" smtClean="0">
-                          <a:latin typeface="Malgun Gothic" charset="-127"/>
-                          <a:ea typeface="Malgun Gothic" charset="-127"/>
-                          <a:cs typeface="Malgun Gothic" charset="-127"/>
-                        </a:rPr>
-                        <a:t>(String name, String prof, String </a:t>
-                      </a:r>
-                      <a:r>
-                        <a:rPr lang="en-US" sz="1200" baseline="0" dirty="0" err="1" smtClean="0">
-                          <a:latin typeface="Malgun Gothic" charset="-127"/>
-                          <a:ea typeface="Malgun Gothic" charset="-127"/>
-                          <a:cs typeface="Malgun Gothic" charset="-127"/>
-                        </a:rPr>
-                        <a:t>selectDay</a:t>
-                      </a:r>
-                      <a:r>
-                        <a:rPr lang="en-US" sz="1200" baseline="0" dirty="0" smtClean="0">
-                          <a:latin typeface="Malgun Gothic" charset="-127"/>
-                          <a:ea typeface="Malgun Gothic" charset="-127"/>
-                          <a:cs typeface="Malgun Gothic" charset="-127"/>
+                      <a:r>
+                        <a:rPr lang="en-US" altLang="ko-KR" sz="1200" b="0" kern="1200" dirty="0" smtClean="0">
+                          <a:solidFill>
+                            <a:schemeClr val="tx1"/>
+                          </a:solidFill>
+                          <a:latin typeface="맑은 고딕" panose="020B0503020000020004" pitchFamily="50" charset="-127"/>
+                          <a:ea typeface="맑은 고딕" panose="020B0503020000020004" pitchFamily="50" charset="-127"/>
+                          <a:cs typeface="+mn-cs"/>
+                        </a:rPr>
+                        <a:t>public void </a:t>
+                      </a:r>
+                      <a:r>
+                        <a:rPr lang="en-US" altLang="ko-KR" sz="1200" b="0" kern="1200" dirty="0" err="1" smtClean="0">
+                          <a:solidFill>
+                            <a:schemeClr val="tx1"/>
+                          </a:solidFill>
+                          <a:latin typeface="맑은 고딕" panose="020B0503020000020004" pitchFamily="50" charset="-127"/>
+                          <a:ea typeface="맑은 고딕" panose="020B0503020000020004" pitchFamily="50" charset="-127"/>
+                          <a:cs typeface="+mn-cs"/>
+                        </a:rPr>
+                        <a:t>setTodoElement</a:t>
+                      </a:r>
+                      <a:r>
+                        <a:rPr lang="en-US" altLang="ko-KR" sz="1200" b="0" kern="1200" dirty="0" smtClean="0">
+                          <a:solidFill>
+                            <a:schemeClr val="tx1"/>
+                          </a:solidFill>
+                          <a:latin typeface="맑은 고딕" panose="020B0503020000020004" pitchFamily="50" charset="-127"/>
+                          <a:ea typeface="맑은 고딕" panose="020B0503020000020004" pitchFamily="50" charset="-127"/>
+                          <a:cs typeface="+mn-cs"/>
+                        </a:rPr>
+                        <a:t>(String </a:t>
+                      </a:r>
+                      <a:r>
+                        <a:rPr lang="en-US" altLang="ko-KR" sz="1200" b="0" kern="1200" dirty="0" err="1" smtClean="0">
+                          <a:solidFill>
+                            <a:schemeClr val="tx1"/>
+                          </a:solidFill>
+                          <a:latin typeface="맑은 고딕" panose="020B0503020000020004" pitchFamily="50" charset="-127"/>
+                          <a:ea typeface="맑은 고딕" panose="020B0503020000020004" pitchFamily="50" charset="-127"/>
+                          <a:cs typeface="+mn-cs"/>
+                        </a:rPr>
+                        <a:t>Todo</a:t>
+                      </a:r>
+                      <a:r>
+                        <a:rPr lang="en-US" altLang="ko-KR" sz="1200" b="0" kern="1200" dirty="0" smtClean="0">
+                          <a:solidFill>
+                            <a:schemeClr val="tx1"/>
+                          </a:solidFill>
+                          <a:latin typeface="맑은 고딕" panose="020B0503020000020004" pitchFamily="50" charset="-127"/>
+                          <a:ea typeface="맑은 고딕" panose="020B0503020000020004" pitchFamily="50" charset="-127"/>
+                          <a:cs typeface="+mn-cs"/>
+                        </a:rPr>
+                        <a:t>, String Subject, Calendar Deadline, Calendar </a:t>
+                      </a:r>
+                      <a:r>
+                        <a:rPr lang="en-US" altLang="ko-KR" sz="1200" b="0" kern="1200" dirty="0" err="1" smtClean="0">
+                          <a:solidFill>
+                            <a:schemeClr val="tx1"/>
+                          </a:solidFill>
+                          <a:latin typeface="맑은 고딕" panose="020B0503020000020004" pitchFamily="50" charset="-127"/>
+                          <a:ea typeface="맑은 고딕" panose="020B0503020000020004" pitchFamily="50" charset="-127"/>
+                          <a:cs typeface="+mn-cs"/>
+                        </a:rPr>
+                        <a:t>DueDate</a:t>
+                      </a:r>
+                      <a:r>
+                        <a:rPr lang="en-US" altLang="ko-KR" sz="1200" b="0" kern="1200" dirty="0" smtClean="0">
+                          <a:solidFill>
+                            <a:schemeClr val="tx1"/>
+                          </a:solidFill>
+                          <a:latin typeface="맑은 고딕" panose="020B0503020000020004" pitchFamily="50" charset="-127"/>
+                          <a:ea typeface="맑은 고딕" panose="020B0503020000020004" pitchFamily="50" charset="-127"/>
+                          <a:cs typeface="+mn-cs"/>
                         </a:rPr>
                         <a:t>, </a:t>
                       </a:r>
-                      <a:r>
-                        <a:rPr lang="en-US" sz="1200" baseline="0" dirty="0" err="1" smtClean="0">
-                          <a:latin typeface="Malgun Gothic" charset="-127"/>
-                          <a:ea typeface="Malgun Gothic" charset="-127"/>
-                          <a:cs typeface="Malgun Gothic" charset="-127"/>
-                        </a:rPr>
-                        <a:t>int</a:t>
-                      </a:r>
-                      <a:r>
-                        <a:rPr lang="en-US" sz="1200" baseline="0" dirty="0" smtClean="0">
-                          <a:latin typeface="Malgun Gothic" charset="-127"/>
-                          <a:ea typeface="Malgun Gothic" charset="-127"/>
-                          <a:cs typeface="Malgun Gothic" charset="-127"/>
+                    </a:p>
+                    <a:p>
+                      <a:r>
+                        <a:rPr lang="en-US" altLang="ko-KR" sz="1200" b="0" kern="1200" dirty="0" smtClean="0">
+                          <a:solidFill>
+                            <a:schemeClr val="tx1"/>
+                          </a:solidFill>
+                          <a:latin typeface="맑은 고딕" panose="020B0503020000020004" pitchFamily="50" charset="-127"/>
+                          <a:ea typeface="맑은 고딕" panose="020B0503020000020004" pitchFamily="50" charset="-127"/>
+                          <a:cs typeface="+mn-cs"/>
+                        </a:rPr>
+                        <a:t>                                     Boolean</a:t>
+                      </a:r>
+                      <a:r>
+                        <a:rPr lang="en-US" altLang="ko-KR" sz="1200" b="0" kern="1200" baseline="0" dirty="0" smtClean="0">
+                          <a:solidFill>
+                            <a:schemeClr val="tx1"/>
+                          </a:solidFill>
+                          <a:latin typeface="맑은 고딕" panose="020B0503020000020004" pitchFamily="50" charset="-127"/>
+                          <a:ea typeface="맑은 고딕" panose="020B0503020000020004" pitchFamily="50" charset="-127"/>
+                          <a:cs typeface="+mn-cs"/>
                         </a:rPr>
                         <a:t> </a:t>
                       </a:r>
                       <a:r>
-                        <a:rPr lang="en-US" sz="1200" baseline="0" dirty="0" err="1" smtClean="0">
-                          <a:latin typeface="Malgun Gothic" charset="-127"/>
-                          <a:ea typeface="Malgun Gothic" charset="-127"/>
-                          <a:cs typeface="Malgun Gothic" charset="-127"/>
-                        </a:rPr>
-                        <a:t>startHour</a:t>
-                      </a:r>
-                      <a:r>
-                        <a:rPr lang="en-US" sz="1200" baseline="0" dirty="0" smtClean="0">
-                          <a:latin typeface="Malgun Gothic" charset="-127"/>
-                          <a:ea typeface="Malgun Gothic" charset="-127"/>
-                          <a:cs typeface="Malgun Gothic" charset="-127"/>
-                        </a:rPr>
-                        <a:t>, String </a:t>
-                      </a:r>
-                      <a:r>
-                        <a:rPr lang="en-US" sz="1200" baseline="0" dirty="0" err="1" smtClean="0">
-                          <a:latin typeface="Malgun Gothic" charset="-127"/>
-                          <a:ea typeface="Malgun Gothic" charset="-127"/>
-                          <a:cs typeface="Malgun Gothic" charset="-127"/>
-                        </a:rPr>
-                        <a:t>startMinute</a:t>
-                      </a:r>
-                      <a:r>
-                        <a:rPr lang="en-US" sz="1200" baseline="0" dirty="0" smtClean="0">
-                          <a:latin typeface="Malgun Gothic" charset="-127"/>
-                          <a:ea typeface="Malgun Gothic" charset="-127"/>
-                          <a:cs typeface="Malgun Gothic" charset="-127"/>
-                        </a:rPr>
-                        <a:t>,</a:t>
-                      </a:r>
-                    </a:p>
-                    <a:p>
-                      <a:pPr marL="0" marR="0" indent="0" algn="l" defTabSz="914400" rtl="0" eaLnBrk="1" fontAlgn="auto" latinLnBrk="1" hangingPunct="1">
-                        <a:lnSpc>
-                          <a:spcPct val="100000"/>
-                        </a:lnSpc>
-                        <a:spcBef>
-                          <a:spcPts val="0"/>
-                        </a:spcBef>
-                        <a:spcAft>
-                          <a:spcPts val="0"/>
-                        </a:spcAft>
-                        <a:buClrTx/>
-                        <a:buSzTx/>
-                        <a:buFontTx/>
-                        <a:buNone/>
-                        <a:tabLst/>
-                        <a:defRPr/>
-                      </a:pPr>
-                      <a:r>
-                        <a:rPr lang="en-US" sz="1200" baseline="0" dirty="0" smtClean="0">
-                          <a:latin typeface="Malgun Gothic" charset="-127"/>
-                          <a:ea typeface="Malgun Gothic" charset="-127"/>
-                          <a:cs typeface="Malgun Gothic" charset="-127"/>
-                        </a:rPr>
-                        <a:t>         </a:t>
-                      </a:r>
-                      <a:r>
-                        <a:rPr lang="en-US" sz="1200" baseline="0" dirty="0" err="1" smtClean="0">
-                          <a:latin typeface="Malgun Gothic" charset="-127"/>
-                          <a:ea typeface="Malgun Gothic" charset="-127"/>
-                          <a:cs typeface="Malgun Gothic" charset="-127"/>
-                        </a:rPr>
-                        <a:t>int</a:t>
-                      </a:r>
-                      <a:r>
-                        <a:rPr lang="en-US" sz="1200" baseline="0" dirty="0" smtClean="0">
-                          <a:latin typeface="Malgun Gothic" charset="-127"/>
-                          <a:ea typeface="Malgun Gothic" charset="-127"/>
-                          <a:cs typeface="Malgun Gothic" charset="-127"/>
-                        </a:rPr>
-                        <a:t> </a:t>
-                      </a:r>
-                      <a:r>
-                        <a:rPr lang="en-US" sz="1200" baseline="0" dirty="0" err="1" smtClean="0">
-                          <a:latin typeface="Malgun Gothic" charset="-127"/>
-                          <a:ea typeface="Malgun Gothic" charset="-127"/>
-                          <a:cs typeface="Malgun Gothic" charset="-127"/>
-                        </a:rPr>
-                        <a:t>endHour</a:t>
-                      </a:r>
-                      <a:r>
-                        <a:rPr lang="en-US" sz="1200" baseline="0" dirty="0" smtClean="0">
-                          <a:latin typeface="Malgun Gothic" charset="-127"/>
-                          <a:ea typeface="Malgun Gothic" charset="-127"/>
-                          <a:cs typeface="Malgun Gothic" charset="-127"/>
-                        </a:rPr>
-                        <a:t>, String </a:t>
-                      </a:r>
-                      <a:r>
-                        <a:rPr lang="en-US" sz="1200" baseline="0" dirty="0" err="1" smtClean="0">
-                          <a:latin typeface="Malgun Gothic" charset="-127"/>
-                          <a:ea typeface="Malgun Gothic" charset="-127"/>
-                          <a:cs typeface="Malgun Gothic" charset="-127"/>
-                        </a:rPr>
-                        <a:t>endMinute</a:t>
-                      </a:r>
-                      <a:r>
-                        <a:rPr lang="en-US" sz="1200" baseline="0" dirty="0" smtClean="0">
-                          <a:latin typeface="Malgun Gothic" charset="-127"/>
-                          <a:ea typeface="Malgun Gothic" charset="-127"/>
-                          <a:cs typeface="Malgun Gothic" charset="-127"/>
-                        </a:rPr>
-                        <a:t>, </a:t>
-                      </a:r>
-                      <a:r>
-                        <a:rPr lang="en-US" sz="1200" baseline="0" dirty="0" err="1" smtClean="0">
-                          <a:latin typeface="Malgun Gothic" charset="-127"/>
-                          <a:ea typeface="Malgun Gothic" charset="-127"/>
-                          <a:cs typeface="Malgun Gothic" charset="-127"/>
-                        </a:rPr>
-                        <a:t>int</a:t>
-                      </a:r>
-                      <a:r>
-                        <a:rPr lang="en-US" sz="1200" baseline="0" dirty="0" smtClean="0">
-                          <a:latin typeface="Malgun Gothic" charset="-127"/>
-                          <a:ea typeface="Malgun Gothic" charset="-127"/>
-                          <a:cs typeface="Malgun Gothic" charset="-127"/>
-                        </a:rPr>
-                        <a:t> year, String semester)</a:t>
-                      </a:r>
-                    </a:p>
-                  </a:txBody>
-                  <a:tcPr/>
-                </a:tc>
-                <a:extLst>
-                  <a:ext uri="{0D108BD9-81ED-4DB2-BD59-A6C34878D82A}">
-                    <a16:rowId xmlns:a16="http://schemas.microsoft.com/office/drawing/2014/main" val="10002"/>
-                  </a:ext>
-                </a:extLst>
-              </a:tr>
-            </a:tbl>
-          </a:graphicData>
-        </a:graphic>
-      </p:graphicFrame>
-    </p:spTree>
-    <p:extLst>
-      <p:ext uri="{BB962C8B-B14F-4D97-AF65-F5344CB8AC3E}">
-        <p14:creationId xmlns:p14="http://schemas.microsoft.com/office/powerpoint/2010/main" val="1131360444"/>
-      </p:ext>
-    </p:extLst>
-  </p:cSld>
-  <p:clrMapOvr>
-    <a:masterClrMapping/>
-  </p:clrMapOvr>
-</p:sld>
-</file>
-
-<file path=ppt/slides/slide14.xml><?xml version="1.0" encoding="utf-8"?>
-<p:sld xmlns:a="http://schemas.openxmlformats.org/drawingml/2006/main" xmlns:r="http://schemas.openxmlformats.org/officeDocument/2006/relationships" xmlns:p="http://schemas.openxmlformats.org/presentationml/2006/main">
-  <p:cSld>
-    <p:spTree>
-      <p:nvGrpSpPr>
-        <p:cNvPr id="1" name=""/>
-        <p:cNvGrpSpPr/>
-        <p:nvPr/>
-      </p:nvGrpSpPr>
-      <p:grpSpPr>
-        <a:xfrm>
-          <a:off x="0" y="0"/>
-          <a:ext cx="0" cy="0"/>
-          <a:chOff x="0" y="0"/>
-          <a:chExt cx="0" cy="0"/>
-        </a:xfrm>
-      </p:grpSpPr>
-      <p:sp>
-        <p:nvSpPr>
-          <p:cNvPr id="2" name="Footer Placeholder 1"/>
-          <p:cNvSpPr>
-            <a:spLocks noGrp="1"/>
-          </p:cNvSpPr>
-          <p:nvPr>
-            <p:ph type="ftr" sz="quarter" idx="3"/>
-          </p:nvPr>
-        </p:nvSpPr>
-        <p:spPr/>
-        <p:txBody>
-          <a:bodyPr/>
-          <a:lstStyle/>
-          <a:p>
-            <a:pPr algn="r"/>
-            <a:r>
-              <a:rPr lang="en-US" altLang="ko-KR" dirty="0"/>
-              <a:t>Turkey</a:t>
-            </a:r>
-          </a:p>
-        </p:txBody>
-      </p:sp>
-      <p:graphicFrame>
-        <p:nvGraphicFramePr>
-          <p:cNvPr id="4" name="Table 3"/>
-          <p:cNvGraphicFramePr>
-            <a:graphicFrameLocks noGrp="1"/>
-          </p:cNvGraphicFramePr>
-          <p:nvPr>
-            <p:extLst/>
-          </p:nvPr>
-        </p:nvGraphicFramePr>
-        <p:xfrm>
-          <a:off x="838200" y="1066798"/>
-          <a:ext cx="7556500" cy="4923118"/>
-        </p:xfrm>
-        <a:graphic>
-          <a:graphicData uri="http://schemas.openxmlformats.org/drawingml/2006/table">
-            <a:tbl>
-              <a:tblPr firstRow="1" bandRow="1">
-                <a:tableStyleId>{5940675A-B579-460E-94D1-54222C63F5DA}</a:tableStyleId>
-              </a:tblPr>
-              <a:tblGrid>
-                <a:gridCol w="7556500">
-                  <a:extLst>
-                    <a:ext uri="{9D8B030D-6E8A-4147-A177-3AD203B41FA5}">
-                      <a16:colId xmlns:a16="http://schemas.microsoft.com/office/drawing/2014/main" val="20000"/>
-                    </a:ext>
-                  </a:extLst>
-                </a:gridCol>
-              </a:tblGrid>
-              <a:tr h="342902">
-                <a:tc>
-                  <a:txBody>
-                    <a:bodyPr/>
-                    <a:lstStyle/>
-                    <a:p>
-                      <a:r>
-                        <a:rPr lang="en-US" sz="1200" dirty="0" err="1" smtClean="0">
-                          <a:latin typeface="Malgun Gothic" charset="-127"/>
-                          <a:ea typeface="Malgun Gothic" charset="-127"/>
-                          <a:cs typeface="Malgun Gothic" charset="-127"/>
-                        </a:rPr>
-                        <a:t>TodoElement</a:t>
-                      </a:r>
-                      <a:r>
-                        <a:rPr lang="en-US" sz="1200" dirty="0" smtClean="0">
-                          <a:latin typeface="Malgun Gothic" charset="-127"/>
-                          <a:ea typeface="Malgun Gothic" charset="-127"/>
-                          <a:cs typeface="Malgun Gothic" charset="-127"/>
-                        </a:rPr>
-                        <a:t>()</a:t>
-                      </a:r>
-                      <a:endParaRPr lang="en-US" sz="1200" dirty="0">
-                        <a:latin typeface="Malgun Gothic" charset="-127"/>
-                        <a:ea typeface="Malgun Gothic" charset="-127"/>
+                        <a:rPr lang="en-US" altLang="ko-KR" sz="1200" b="0" kern="1200" dirty="0" smtClean="0">
+                          <a:solidFill>
+                            <a:schemeClr val="tx1"/>
+                          </a:solidFill>
+                          <a:latin typeface="맑은 고딕" panose="020B0503020000020004" pitchFamily="50" charset="-127"/>
+                          <a:ea typeface="맑은 고딕" panose="020B0503020000020004" pitchFamily="50" charset="-127"/>
+                          <a:cs typeface="+mn-cs"/>
+                        </a:rPr>
+                        <a:t>Completed, </a:t>
+                      </a:r>
+                      <a:r>
+                        <a:rPr lang="en-US" altLang="ko-KR" sz="1200" b="0" kern="1200" dirty="0" err="1" smtClean="0">
+                          <a:solidFill>
+                            <a:schemeClr val="tx1"/>
+                          </a:solidFill>
+                          <a:latin typeface="맑은 고딕" panose="020B0503020000020004" pitchFamily="50" charset="-127"/>
+                          <a:ea typeface="맑은 고딕" panose="020B0503020000020004" pitchFamily="50" charset="-127"/>
+                          <a:cs typeface="+mn-cs"/>
+                        </a:rPr>
+                        <a:t>boolean</a:t>
+                      </a:r>
+                      <a:r>
+                        <a:rPr lang="en-US" altLang="ko-KR" sz="1200" b="0" kern="1200" dirty="0" smtClean="0">
+                          <a:solidFill>
+                            <a:schemeClr val="tx1"/>
+                          </a:solidFill>
+                          <a:latin typeface="맑은 고딕" panose="020B0503020000020004" pitchFamily="50" charset="-127"/>
+                          <a:ea typeface="맑은 고딕" panose="020B0503020000020004" pitchFamily="50" charset="-127"/>
+                          <a:cs typeface="+mn-cs"/>
+                        </a:rPr>
+                        <a:t> Importance)</a:t>
+                      </a:r>
+                      <a:endParaRPr lang="en-US" altLang="ko-KR" sz="1200" b="0" baseline="0" dirty="0" smtClean="0">
+                        <a:latin typeface="맑은 고딕" panose="020B0503020000020004" pitchFamily="50" charset="-127"/>
+                        <a:ea typeface="맑은 고딕" panose="020B0503020000020004" pitchFamily="50" charset="-127"/>
                         <a:cs typeface="Malgun Gothic" charset="-127"/>
                       </a:endParaRPr>
                     </a:p>
-                  </a:txBody>
-                  <a:tcPr/>
-                </a:tc>
-                <a:extLst>
-                  <a:ext uri="{0D108BD9-81ED-4DB2-BD59-A6C34878D82A}">
-                    <a16:rowId xmlns:a16="http://schemas.microsoft.com/office/drawing/2014/main" val="10000"/>
-                  </a:ext>
-                </a:extLst>
-              </a:tr>
-              <a:tr h="2290108">
-                <a:tc>
-                  <a:txBody>
-                    <a:bodyPr/>
-                    <a:lstStyle/>
-                    <a:p>
-                      <a:endParaRPr lang="en-US" sz="1200" dirty="0" smtClean="0">
-                        <a:latin typeface="Malgun Gothic" charset="-127"/>
-                        <a:ea typeface="Malgun Gothic" charset="-127"/>
-                        <a:cs typeface="Malgun Gothic" charset="-127"/>
-                      </a:endParaRPr>
-                    </a:p>
-                  </a:txBody>
-                  <a:tcPr/>
-                </a:tc>
-                <a:extLst>
-                  <a:ext uri="{0D108BD9-81ED-4DB2-BD59-A6C34878D82A}">
-                    <a16:rowId xmlns:a16="http://schemas.microsoft.com/office/drawing/2014/main" val="10001"/>
-                  </a:ext>
-                </a:extLst>
-              </a:tr>
-              <a:tr h="2290108">
-                <a:tc>
-                  <a:txBody>
-                    <a:bodyPr/>
-                    <a:lstStyle/>
-                    <a:p>
-                      <a:pPr marL="0" marR="0" indent="0" algn="l" defTabSz="914400" rtl="0" eaLnBrk="1" fontAlgn="auto" latinLnBrk="1" hangingPunct="1">
-                        <a:lnSpc>
-                          <a:spcPct val="100000"/>
-                        </a:lnSpc>
-                        <a:spcBef>
-                          <a:spcPts val="0"/>
-                        </a:spcBef>
-                        <a:spcAft>
-                          <a:spcPts val="0"/>
-                        </a:spcAft>
-                        <a:buClrTx/>
-                        <a:buSzTx/>
-                        <a:buFontTx/>
-                        <a:buNone/>
-                        <a:tabLst/>
-                        <a:defRPr/>
-                      </a:pPr>
-                      <a:endParaRPr lang="en-US" sz="1200" baseline="0" dirty="0" smtClean="0">
-                        <a:latin typeface="Malgun Gothic" charset="-127"/>
-                        <a:ea typeface="Malgun Gothic" charset="-127"/>
+                    <a:p>
+                      <a:endParaRPr lang="en-US" sz="1200" b="0" baseline="0" dirty="0" smtClean="0">
+                        <a:latin typeface="맑은 고딕" panose="020B0503020000020004" pitchFamily="50" charset="-127"/>
+                        <a:ea typeface="맑은 고딕" panose="020B0503020000020004" pitchFamily="50" charset="-127"/>
                         <a:cs typeface="Malgun Gothic" charset="-127"/>
                       </a:endParaRPr>
                     </a:p>
@@ -5387,7 +8177,7 @@
 </p:sld>
 </file>
 
-<file path=ppt/slides/slide15.xml><?xml version="1.0" encoding="utf-8"?>
+<file path=ppt/slides/slide14.xml><?xml version="1.0" encoding="utf-8"?>
 <p:sld xmlns:a="http://schemas.openxmlformats.org/drawingml/2006/main" xmlns:r="http://schemas.openxmlformats.org/officeDocument/2006/relationships" xmlns:p="http://schemas.openxmlformats.org/presentationml/2006/main">
   <p:cSld>
     <p:spTree>
@@ -6635,11 +9425,6 @@
                         </a:rPr>
                         <a:t>()</a:t>
                       </a:r>
-                      <a:endParaRPr lang="en-US" sz="1200" baseline="0" dirty="0" smtClean="0">
-                        <a:latin typeface="Malgun Gothic" charset="-127"/>
-                        <a:ea typeface="Malgun Gothic" charset="-127"/>
-                        <a:cs typeface="Malgun Gothic" charset="-127"/>
-                      </a:endParaRPr>
                     </a:p>
                   </a:txBody>
                   <a:tcPr/>
@@ -6741,7 +9526,7 @@
             <p:ph idx="1"/>
             <p:extLst>
               <p:ext uri="{D42A27DB-BD31-4B8C-83A1-F6EECF244321}">
-                <p14:modId xmlns:p14="http://schemas.microsoft.com/office/powerpoint/2010/main" val="696872340"/>
+                <p14:modId xmlns:p14="http://schemas.microsoft.com/office/powerpoint/2010/main" val="3357896707"/>
               </p:ext>
             </p:extLst>
           </p:nvPr>
@@ -7369,7 +10154,17 @@
                     <a:lstStyle/>
                     <a:p>
                       <a:pPr algn="ctr" latinLnBrk="1"/>
-                      <a:endParaRPr lang="ko-KR" altLang="en-US" sz="1200" b="0">
+                      <a:r>
+                        <a:rPr lang="en-US" altLang="ko-KR" sz="1200" b="0" dirty="0" smtClean="0">
+                          <a:solidFill>
+                            <a:schemeClr val="tx1"/>
+                          </a:solidFill>
+                          <a:latin typeface="맑은 고딕" pitchFamily="50" charset="-127"/>
+                          <a:ea typeface="맑은 고딕" pitchFamily="50" charset="-127"/>
+                        </a:rPr>
+                        <a:t>2017.05.25</a:t>
+                      </a:r>
+                      <a:endParaRPr lang="ko-KR" altLang="en-US" sz="1200" b="0" dirty="0">
                         <a:solidFill>
                           <a:schemeClr val="tx1"/>
                         </a:solidFill>
@@ -7390,6 +10185,16 @@
                     <a:lstStyle/>
                     <a:p>
                       <a:pPr algn="ctr" latinLnBrk="1"/>
+                      <a:r>
+                        <a:rPr lang="en-US" altLang="ko-KR" sz="1200" b="0" dirty="0" smtClean="0">
+                          <a:solidFill>
+                            <a:schemeClr val="tx1"/>
+                          </a:solidFill>
+                          <a:latin typeface="맑은 고딕" pitchFamily="50" charset="-127"/>
+                          <a:ea typeface="맑은 고딕" pitchFamily="50" charset="-127"/>
+                        </a:rPr>
+                        <a:t>V.0.3.0</a:t>
+                      </a:r>
                       <a:endParaRPr lang="ko-KR" altLang="en-US" sz="1200" b="0" dirty="0">
                         <a:solidFill>
                           <a:schemeClr val="tx1"/>
@@ -7410,7 +10215,27 @@
                     <a:bodyPr/>
                     <a:lstStyle/>
                     <a:p>
-                      <a:pPr latinLnBrk="1"/>
+                      <a:pPr algn="ctr" latinLnBrk="1"/>
+                      <a:r>
+                        <a:rPr lang="en-US" altLang="ko-KR" sz="1200" b="0" dirty="0" err="1" smtClean="0">
+                          <a:solidFill>
+                            <a:schemeClr val="tx1"/>
+                          </a:solidFill>
+                          <a:latin typeface="맑은 고딕" pitchFamily="50" charset="-127"/>
+                          <a:ea typeface="맑은 고딕" pitchFamily="50" charset="-127"/>
+                        </a:rPr>
+                        <a:t>Todo</a:t>
+                      </a:r>
+                      <a:r>
+                        <a:rPr lang="ko-KR" altLang="en-US" sz="1200" b="0" baseline="0" dirty="0" smtClean="0">
+                          <a:solidFill>
+                            <a:schemeClr val="tx1"/>
+                          </a:solidFill>
+                          <a:latin typeface="맑은 고딕" pitchFamily="50" charset="-127"/>
+                          <a:ea typeface="맑은 고딕" pitchFamily="50" charset="-127"/>
+                        </a:rPr>
+                        <a:t>관련 설계서 등록</a:t>
+                      </a:r>
                       <a:endParaRPr lang="ko-KR" altLang="en-US" sz="1200" b="0" dirty="0">
                         <a:solidFill>
                           <a:schemeClr val="tx1"/>
@@ -7432,6 +10257,16 @@
                     <a:lstStyle/>
                     <a:p>
                       <a:pPr algn="ctr" latinLnBrk="1"/>
+                      <a:r>
+                        <a:rPr lang="ko-KR" altLang="en-US" sz="1200" b="0" dirty="0" err="1" smtClean="0">
+                          <a:solidFill>
+                            <a:schemeClr val="tx1"/>
+                          </a:solidFill>
+                          <a:latin typeface="맑은 고딕" pitchFamily="50" charset="-127"/>
+                          <a:ea typeface="맑은 고딕" pitchFamily="50" charset="-127"/>
+                        </a:rPr>
+                        <a:t>김자훈</a:t>
+                      </a:r>
                       <a:endParaRPr lang="ko-KR" altLang="en-US" sz="1200" b="0" dirty="0">
                         <a:solidFill>
                           <a:schemeClr val="tx1"/>
@@ -11073,7 +13908,7 @@
           <p:nvPr>
             <p:extLst>
               <p:ext uri="{D42A27DB-BD31-4B8C-83A1-F6EECF244321}">
-                <p14:modId xmlns:p14="http://schemas.microsoft.com/office/powerpoint/2010/main" val="2573125126"/>
+                <p14:modId xmlns:p14="http://schemas.microsoft.com/office/powerpoint/2010/main" val="2962814064"/>
               </p:ext>
             </p:extLst>
           </p:nvPr>
@@ -11112,21 +13947,21 @@
                     <a:p>
                       <a:r>
                         <a:rPr lang="en-US" sz="1200" dirty="0" err="1" smtClean="0">
-                          <a:latin typeface="+mn-ea"/>
-                          <a:ea typeface="+mn-ea"/>
+                          <a:latin typeface="맑은 고딕" panose="020B0503020000020004" pitchFamily="50" charset="-127"/>
+                          <a:ea typeface="맑은 고딕" panose="020B0503020000020004" pitchFamily="50" charset="-127"/>
                         </a:rPr>
                         <a:t>SubjectChange</a:t>
                       </a:r>
                       <a:r>
                         <a:rPr lang="en-US" sz="1200" dirty="0" smtClean="0">
-                          <a:latin typeface="+mn-ea"/>
-                          <a:ea typeface="+mn-ea"/>
+                          <a:latin typeface="맑은 고딕" panose="020B0503020000020004" pitchFamily="50" charset="-127"/>
+                          <a:ea typeface="맑은 고딕" panose="020B0503020000020004" pitchFamily="50" charset="-127"/>
                         </a:rPr>
                         <a:t>()</a:t>
                       </a:r>
                       <a:endParaRPr lang="en-US" sz="1200" dirty="0">
-                        <a:latin typeface="+mn-ea"/>
-                        <a:ea typeface="+mn-ea"/>
+                        <a:latin typeface="맑은 고딕" panose="020B0503020000020004" pitchFamily="50" charset="-127"/>
+                        <a:ea typeface="맑은 고딕" panose="020B0503020000020004" pitchFamily="50" charset="-127"/>
                       </a:endParaRPr>
                     </a:p>
                   </a:txBody>
@@ -11156,233 +13991,233 @@
                     <a:p>
                       <a:r>
                         <a:rPr lang="en-US" sz="1200" dirty="0" smtClean="0">
-                          <a:latin typeface="+mn-ea"/>
-                          <a:ea typeface="+mn-ea"/>
+                          <a:latin typeface="맑은 고딕" panose="020B0503020000020004" pitchFamily="50" charset="-127"/>
+                          <a:ea typeface="맑은 고딕" panose="020B0503020000020004" pitchFamily="50" charset="-127"/>
                         </a:rPr>
                         <a:t>public </a:t>
                       </a:r>
                       <a:r>
                         <a:rPr lang="en-US" sz="1200" dirty="0" err="1" smtClean="0">
-                          <a:latin typeface="+mn-ea"/>
-                          <a:ea typeface="+mn-ea"/>
+                          <a:latin typeface="맑은 고딕" panose="020B0503020000020004" pitchFamily="50" charset="-127"/>
+                          <a:ea typeface="맑은 고딕" panose="020B0503020000020004" pitchFamily="50" charset="-127"/>
                         </a:rPr>
                         <a:t>SubjectElement</a:t>
                       </a:r>
                       <a:r>
                         <a:rPr lang="en-US" sz="1200" dirty="0" smtClean="0">
-                          <a:latin typeface="+mn-ea"/>
-                          <a:ea typeface="+mn-ea"/>
+                          <a:latin typeface="맑은 고딕" panose="020B0503020000020004" pitchFamily="50" charset="-127"/>
+                          <a:ea typeface="맑은 고딕" panose="020B0503020000020004" pitchFamily="50" charset="-127"/>
                         </a:rPr>
                         <a:t> </a:t>
                       </a:r>
                       <a:r>
                         <a:rPr lang="en-US" sz="1200" dirty="0" err="1" smtClean="0">
-                          <a:latin typeface="+mn-ea"/>
-                          <a:ea typeface="+mn-ea"/>
+                          <a:latin typeface="맑은 고딕" panose="020B0503020000020004" pitchFamily="50" charset="-127"/>
+                          <a:ea typeface="맑은 고딕" panose="020B0503020000020004" pitchFamily="50" charset="-127"/>
                         </a:rPr>
                         <a:t>SubjectElement</a:t>
                       </a:r>
                       <a:endParaRPr lang="en-US" sz="1200" dirty="0" smtClean="0">
-                        <a:latin typeface="+mn-ea"/>
-                        <a:ea typeface="+mn-ea"/>
+                        <a:latin typeface="맑은 고딕" panose="020B0503020000020004" pitchFamily="50" charset="-127"/>
+                        <a:ea typeface="맑은 고딕" panose="020B0503020000020004" pitchFamily="50" charset="-127"/>
                       </a:endParaRPr>
                     </a:p>
                     <a:p>
                       <a:r>
                         <a:rPr lang="en-US" sz="1200" dirty="0" smtClean="0">
-                          <a:latin typeface="+mn-ea"/>
-                          <a:ea typeface="+mn-ea"/>
+                          <a:latin typeface="맑은 고딕" panose="020B0503020000020004" pitchFamily="50" charset="-127"/>
+                          <a:ea typeface="맑은 고딕" panose="020B0503020000020004" pitchFamily="50" charset="-127"/>
                         </a:rPr>
                         <a:t>private</a:t>
                       </a:r>
                       <a:r>
                         <a:rPr lang="en-US" sz="1200" baseline="0" dirty="0" smtClean="0">
-                          <a:latin typeface="+mn-ea"/>
-                          <a:ea typeface="+mn-ea"/>
+                          <a:latin typeface="맑은 고딕" panose="020B0503020000020004" pitchFamily="50" charset="-127"/>
+                          <a:ea typeface="맑은 고딕" panose="020B0503020000020004" pitchFamily="50" charset="-127"/>
                         </a:rPr>
                         <a:t> </a:t>
                       </a:r>
                       <a:r>
                         <a:rPr lang="en-US" sz="1200" baseline="0" dirty="0" err="1" smtClean="0">
-                          <a:latin typeface="+mn-ea"/>
-                          <a:ea typeface="+mn-ea"/>
+                          <a:latin typeface="맑은 고딕" panose="020B0503020000020004" pitchFamily="50" charset="-127"/>
+                          <a:ea typeface="맑은 고딕" panose="020B0503020000020004" pitchFamily="50" charset="-127"/>
                         </a:rPr>
                         <a:t>JPanel</a:t>
                       </a:r>
                       <a:r>
                         <a:rPr lang="en-US" sz="1200" baseline="0" dirty="0" smtClean="0">
-                          <a:latin typeface="+mn-ea"/>
-                          <a:ea typeface="+mn-ea"/>
+                          <a:latin typeface="맑은 고딕" panose="020B0503020000020004" pitchFamily="50" charset="-127"/>
+                          <a:ea typeface="맑은 고딕" panose="020B0503020000020004" pitchFamily="50" charset="-127"/>
                         </a:rPr>
                         <a:t> </a:t>
                       </a:r>
                       <a:r>
                         <a:rPr lang="en-US" sz="1200" baseline="0" dirty="0" err="1" smtClean="0">
-                          <a:latin typeface="+mn-ea"/>
-                          <a:ea typeface="+mn-ea"/>
+                          <a:latin typeface="맑은 고딕" panose="020B0503020000020004" pitchFamily="50" charset="-127"/>
+                          <a:ea typeface="맑은 고딕" panose="020B0503020000020004" pitchFamily="50" charset="-127"/>
                         </a:rPr>
                         <a:t>contentPane</a:t>
                       </a:r>
                       <a:endParaRPr lang="en-US" sz="1200" baseline="0" dirty="0" smtClean="0">
-                        <a:latin typeface="+mn-ea"/>
-                        <a:ea typeface="+mn-ea"/>
+                        <a:latin typeface="맑은 고딕" panose="020B0503020000020004" pitchFamily="50" charset="-127"/>
+                        <a:ea typeface="맑은 고딕" panose="020B0503020000020004" pitchFamily="50" charset="-127"/>
                       </a:endParaRPr>
                     </a:p>
                     <a:p>
                       <a:r>
                         <a:rPr lang="en-US" sz="1200" baseline="0" dirty="0" smtClean="0">
-                          <a:latin typeface="+mn-ea"/>
-                          <a:ea typeface="+mn-ea"/>
+                          <a:latin typeface="맑은 고딕" panose="020B0503020000020004" pitchFamily="50" charset="-127"/>
+                          <a:ea typeface="맑은 고딕" panose="020B0503020000020004" pitchFamily="50" charset="-127"/>
                         </a:rPr>
                         <a:t>private </a:t>
                       </a:r>
                       <a:r>
                         <a:rPr lang="en-US" sz="1200" baseline="0" dirty="0" err="1" smtClean="0">
-                          <a:latin typeface="+mn-ea"/>
-                          <a:ea typeface="+mn-ea"/>
+                          <a:latin typeface="맑은 고딕" panose="020B0503020000020004" pitchFamily="50" charset="-127"/>
+                          <a:ea typeface="맑은 고딕" panose="020B0503020000020004" pitchFamily="50" charset="-127"/>
                         </a:rPr>
                         <a:t>SubjectManage</a:t>
                       </a:r>
                       <a:r>
                         <a:rPr lang="en-US" sz="1200" baseline="0" dirty="0" smtClean="0">
-                          <a:latin typeface="+mn-ea"/>
-                          <a:ea typeface="+mn-ea"/>
+                          <a:latin typeface="맑은 고딕" panose="020B0503020000020004" pitchFamily="50" charset="-127"/>
+                          <a:ea typeface="맑은 고딕" panose="020B0503020000020004" pitchFamily="50" charset="-127"/>
                         </a:rPr>
                         <a:t> </a:t>
                       </a:r>
                       <a:r>
                         <a:rPr lang="en-US" sz="1200" baseline="0" dirty="0" err="1" smtClean="0">
-                          <a:latin typeface="+mn-ea"/>
-                          <a:ea typeface="+mn-ea"/>
+                          <a:latin typeface="맑은 고딕" panose="020B0503020000020004" pitchFamily="50" charset="-127"/>
+                          <a:ea typeface="맑은 고딕" panose="020B0503020000020004" pitchFamily="50" charset="-127"/>
                         </a:rPr>
                         <a:t>subjectmanageclass</a:t>
                       </a:r>
                       <a:endParaRPr lang="en-US" sz="1200" baseline="0" dirty="0" smtClean="0">
-                        <a:latin typeface="+mn-ea"/>
-                        <a:ea typeface="+mn-ea"/>
+                        <a:latin typeface="맑은 고딕" panose="020B0503020000020004" pitchFamily="50" charset="-127"/>
+                        <a:ea typeface="맑은 고딕" panose="020B0503020000020004" pitchFamily="50" charset="-127"/>
                       </a:endParaRPr>
                     </a:p>
                     <a:p>
                       <a:r>
                         <a:rPr lang="en-US" sz="1200" baseline="0" dirty="0" smtClean="0">
-                          <a:latin typeface="+mn-ea"/>
-                          <a:ea typeface="+mn-ea"/>
+                          <a:latin typeface="맑은 고딕" panose="020B0503020000020004" pitchFamily="50" charset="-127"/>
+                          <a:ea typeface="맑은 고딕" panose="020B0503020000020004" pitchFamily="50" charset="-127"/>
                         </a:rPr>
                         <a:t>private </a:t>
                       </a:r>
                       <a:r>
                         <a:rPr lang="en-US" sz="1200" baseline="0" dirty="0" err="1" smtClean="0">
-                          <a:latin typeface="+mn-ea"/>
-                          <a:ea typeface="+mn-ea"/>
+                          <a:latin typeface="맑은 고딕" panose="020B0503020000020004" pitchFamily="50" charset="-127"/>
+                          <a:ea typeface="맑은 고딕" panose="020B0503020000020004" pitchFamily="50" charset="-127"/>
                         </a:rPr>
                         <a:t>SubjectChange</a:t>
                       </a:r>
                       <a:r>
                         <a:rPr lang="en-US" sz="1200" baseline="0" dirty="0" smtClean="0">
-                          <a:latin typeface="+mn-ea"/>
-                          <a:ea typeface="+mn-ea"/>
+                          <a:latin typeface="맑은 고딕" panose="020B0503020000020004" pitchFamily="50" charset="-127"/>
+                          <a:ea typeface="맑은 고딕" panose="020B0503020000020004" pitchFamily="50" charset="-127"/>
                         </a:rPr>
                         <a:t> </a:t>
                       </a:r>
                       <a:r>
                         <a:rPr lang="en-US" sz="1200" baseline="0" dirty="0" err="1" smtClean="0">
-                          <a:latin typeface="+mn-ea"/>
-                          <a:ea typeface="+mn-ea"/>
+                          <a:latin typeface="맑은 고딕" panose="020B0503020000020004" pitchFamily="50" charset="-127"/>
+                          <a:ea typeface="맑은 고딕" panose="020B0503020000020004" pitchFamily="50" charset="-127"/>
                         </a:rPr>
                         <a:t>thisSubjectChange</a:t>
                       </a:r>
                       <a:endParaRPr lang="en-US" sz="1200" baseline="0" dirty="0" smtClean="0">
-                        <a:latin typeface="+mn-ea"/>
-                        <a:ea typeface="+mn-ea"/>
+                        <a:latin typeface="맑은 고딕" panose="020B0503020000020004" pitchFamily="50" charset="-127"/>
+                        <a:ea typeface="맑은 고딕" panose="020B0503020000020004" pitchFamily="50" charset="-127"/>
                       </a:endParaRPr>
                     </a:p>
                     <a:p>
                       <a:r>
                         <a:rPr lang="en-US" sz="1200" baseline="0" dirty="0" smtClean="0">
-                          <a:latin typeface="+mn-ea"/>
-                          <a:ea typeface="+mn-ea"/>
+                          <a:latin typeface="맑은 고딕" panose="020B0503020000020004" pitchFamily="50" charset="-127"/>
+                          <a:ea typeface="맑은 고딕" panose="020B0503020000020004" pitchFamily="50" charset="-127"/>
                         </a:rPr>
                         <a:t>private </a:t>
                       </a:r>
                       <a:r>
                         <a:rPr lang="en-US" sz="1200" baseline="0" dirty="0" err="1" smtClean="0">
-                          <a:latin typeface="+mn-ea"/>
-                          <a:ea typeface="+mn-ea"/>
+                          <a:latin typeface="맑은 고딕" panose="020B0503020000020004" pitchFamily="50" charset="-127"/>
+                          <a:ea typeface="맑은 고딕" panose="020B0503020000020004" pitchFamily="50" charset="-127"/>
                         </a:rPr>
                         <a:t>JTextField</a:t>
                       </a:r>
                       <a:r>
                         <a:rPr lang="en-US" sz="1200" baseline="0" dirty="0" smtClean="0">
-                          <a:latin typeface="+mn-ea"/>
-                          <a:ea typeface="+mn-ea"/>
+                          <a:latin typeface="맑은 고딕" panose="020B0503020000020004" pitchFamily="50" charset="-127"/>
+                          <a:ea typeface="맑은 고딕" panose="020B0503020000020004" pitchFamily="50" charset="-127"/>
                         </a:rPr>
                         <a:t> </a:t>
                       </a:r>
                       <a:r>
                         <a:rPr lang="en-US" sz="1200" baseline="0" dirty="0" err="1" smtClean="0">
-                          <a:latin typeface="+mn-ea"/>
-                          <a:ea typeface="+mn-ea"/>
+                          <a:latin typeface="맑은 고딕" panose="020B0503020000020004" pitchFamily="50" charset="-127"/>
+                          <a:ea typeface="맑은 고딕" panose="020B0503020000020004" pitchFamily="50" charset="-127"/>
                         </a:rPr>
                         <a:t>txtSubject</a:t>
                       </a:r>
                       <a:endParaRPr lang="en-US" sz="1200" baseline="0" dirty="0" smtClean="0">
-                        <a:latin typeface="+mn-ea"/>
-                        <a:ea typeface="+mn-ea"/>
+                        <a:latin typeface="맑은 고딕" panose="020B0503020000020004" pitchFamily="50" charset="-127"/>
+                        <a:ea typeface="맑은 고딕" panose="020B0503020000020004" pitchFamily="50" charset="-127"/>
                       </a:endParaRPr>
                     </a:p>
                     <a:p>
                       <a:r>
                         <a:rPr lang="en-US" sz="1200" baseline="0" dirty="0" smtClean="0">
-                          <a:latin typeface="+mn-ea"/>
-                          <a:ea typeface="+mn-ea"/>
+                          <a:latin typeface="맑은 고딕" panose="020B0503020000020004" pitchFamily="50" charset="-127"/>
+                          <a:ea typeface="맑은 고딕" panose="020B0503020000020004" pitchFamily="50" charset="-127"/>
                         </a:rPr>
                         <a:t>private </a:t>
                       </a:r>
                       <a:r>
                         <a:rPr lang="en-US" sz="1200" baseline="0" dirty="0" err="1" smtClean="0">
-                          <a:latin typeface="+mn-ea"/>
-                          <a:ea typeface="+mn-ea"/>
+                          <a:latin typeface="맑은 고딕" panose="020B0503020000020004" pitchFamily="50" charset="-127"/>
+                          <a:ea typeface="맑은 고딕" panose="020B0503020000020004" pitchFamily="50" charset="-127"/>
                         </a:rPr>
                         <a:t>JTextField</a:t>
                       </a:r>
                       <a:r>
                         <a:rPr lang="en-US" sz="1200" baseline="0" dirty="0" smtClean="0">
-                          <a:latin typeface="+mn-ea"/>
-                          <a:ea typeface="+mn-ea"/>
+                          <a:latin typeface="맑은 고딕" panose="020B0503020000020004" pitchFamily="50" charset="-127"/>
+                          <a:ea typeface="맑은 고딕" panose="020B0503020000020004" pitchFamily="50" charset="-127"/>
                         </a:rPr>
                         <a:t> </a:t>
                       </a:r>
                       <a:r>
                         <a:rPr lang="en-US" sz="1200" baseline="0" dirty="0" err="1" smtClean="0">
-                          <a:latin typeface="+mn-ea"/>
-                          <a:ea typeface="+mn-ea"/>
+                          <a:latin typeface="맑은 고딕" panose="020B0503020000020004" pitchFamily="50" charset="-127"/>
+                          <a:ea typeface="맑은 고딕" panose="020B0503020000020004" pitchFamily="50" charset="-127"/>
                         </a:rPr>
                         <a:t>txtProf</a:t>
                       </a:r>
                       <a:endParaRPr lang="en-US" sz="1200" baseline="0" dirty="0" smtClean="0">
-                        <a:latin typeface="+mn-ea"/>
-                        <a:ea typeface="+mn-ea"/>
+                        <a:latin typeface="맑은 고딕" panose="020B0503020000020004" pitchFamily="50" charset="-127"/>
+                        <a:ea typeface="맑은 고딕" panose="020B0503020000020004" pitchFamily="50" charset="-127"/>
                       </a:endParaRPr>
                     </a:p>
                     <a:p>
                       <a:r>
                         <a:rPr lang="en-US" sz="1200" baseline="0" dirty="0" smtClean="0">
-                          <a:latin typeface="+mn-ea"/>
-                          <a:ea typeface="+mn-ea"/>
+                          <a:latin typeface="맑은 고딕" panose="020B0503020000020004" pitchFamily="50" charset="-127"/>
+                          <a:ea typeface="맑은 고딕" panose="020B0503020000020004" pitchFamily="50" charset="-127"/>
                         </a:rPr>
                         <a:t>private </a:t>
                       </a:r>
                       <a:r>
                         <a:rPr lang="en-US" sz="1200" baseline="0" dirty="0" err="1" smtClean="0">
-                          <a:latin typeface="+mn-ea"/>
-                          <a:ea typeface="+mn-ea"/>
+                          <a:latin typeface="맑은 고딕" panose="020B0503020000020004" pitchFamily="50" charset="-127"/>
+                          <a:ea typeface="맑은 고딕" panose="020B0503020000020004" pitchFamily="50" charset="-127"/>
                         </a:rPr>
                         <a:t>DataBase</a:t>
                       </a:r>
                       <a:r>
                         <a:rPr lang="en-US" sz="1200" baseline="0" dirty="0" smtClean="0">
-                          <a:latin typeface="+mn-ea"/>
-                          <a:ea typeface="+mn-ea"/>
+                          <a:latin typeface="맑은 고딕" panose="020B0503020000020004" pitchFamily="50" charset="-127"/>
+                          <a:ea typeface="맑은 고딕" panose="020B0503020000020004" pitchFamily="50" charset="-127"/>
                         </a:rPr>
                         <a:t> database</a:t>
                       </a:r>
@@ -11390,217 +14225,217 @@
                     <a:p>
                       <a:r>
                         <a:rPr lang="en-US" sz="1200" baseline="0" dirty="0" err="1" smtClean="0">
-                          <a:latin typeface="+mn-ea"/>
-                          <a:ea typeface="+mn-ea"/>
+                          <a:latin typeface="맑은 고딕" panose="020B0503020000020004" pitchFamily="50" charset="-127"/>
+                          <a:ea typeface="맑은 고딕" panose="020B0503020000020004" pitchFamily="50" charset="-127"/>
                         </a:rPr>
                         <a:t>JButton</a:t>
                       </a:r>
                       <a:r>
                         <a:rPr lang="en-US" sz="1200" baseline="0" dirty="0" smtClean="0">
-                          <a:latin typeface="+mn-ea"/>
-                          <a:ea typeface="+mn-ea"/>
+                          <a:latin typeface="맑은 고딕" panose="020B0503020000020004" pitchFamily="50" charset="-127"/>
+                          <a:ea typeface="맑은 고딕" panose="020B0503020000020004" pitchFamily="50" charset="-127"/>
                         </a:rPr>
                         <a:t> </a:t>
                       </a:r>
                       <a:r>
                         <a:rPr lang="en-US" sz="1200" baseline="0" dirty="0" err="1" smtClean="0">
-                          <a:latin typeface="+mn-ea"/>
-                          <a:ea typeface="+mn-ea"/>
+                          <a:latin typeface="맑은 고딕" panose="020B0503020000020004" pitchFamily="50" charset="-127"/>
+                          <a:ea typeface="맑은 고딕" panose="020B0503020000020004" pitchFamily="50" charset="-127"/>
                         </a:rPr>
                         <a:t>btnChange</a:t>
                       </a:r>
                       <a:endParaRPr lang="en-US" sz="1200" baseline="0" dirty="0" smtClean="0">
-                        <a:latin typeface="+mn-ea"/>
-                        <a:ea typeface="+mn-ea"/>
-                      </a:endParaRPr>
-                    </a:p>
-                    <a:p>
-                      <a:r>
-                        <a:rPr lang="en-US" sz="1200" baseline="0" dirty="0" err="1" smtClean="0">
-                          <a:latin typeface="+mn-ea"/>
-                          <a:ea typeface="+mn-ea"/>
+                        <a:latin typeface="맑은 고딕" panose="020B0503020000020004" pitchFamily="50" charset="-127"/>
+                        <a:ea typeface="맑은 고딕" panose="020B0503020000020004" pitchFamily="50" charset="-127"/>
+                      </a:endParaRPr>
+                    </a:p>
+                    <a:p>
+                      <a:r>
+                        <a:rPr lang="en-US" sz="1200" baseline="0" dirty="0" err="1" smtClean="0">
+                          <a:latin typeface="맑은 고딕" panose="020B0503020000020004" pitchFamily="50" charset="-127"/>
+                          <a:ea typeface="맑은 고딕" panose="020B0503020000020004" pitchFamily="50" charset="-127"/>
                         </a:rPr>
                         <a:t>JButton</a:t>
                       </a:r>
                       <a:r>
                         <a:rPr lang="en-US" sz="1200" baseline="0" dirty="0" smtClean="0">
-                          <a:latin typeface="+mn-ea"/>
-                          <a:ea typeface="+mn-ea"/>
+                          <a:latin typeface="맑은 고딕" panose="020B0503020000020004" pitchFamily="50" charset="-127"/>
+                          <a:ea typeface="맑은 고딕" panose="020B0503020000020004" pitchFamily="50" charset="-127"/>
                         </a:rPr>
                         <a:t> </a:t>
                       </a:r>
                       <a:r>
                         <a:rPr lang="en-US" sz="1200" baseline="0" dirty="0" err="1" smtClean="0">
-                          <a:latin typeface="+mn-ea"/>
-                          <a:ea typeface="+mn-ea"/>
+                          <a:latin typeface="맑은 고딕" panose="020B0503020000020004" pitchFamily="50" charset="-127"/>
+                          <a:ea typeface="맑은 고딕" panose="020B0503020000020004" pitchFamily="50" charset="-127"/>
                         </a:rPr>
                         <a:t>btnBack</a:t>
                       </a:r>
                       <a:endParaRPr lang="en-US" sz="1200" baseline="0" dirty="0" smtClean="0">
-                        <a:latin typeface="+mn-ea"/>
-                        <a:ea typeface="+mn-ea"/>
-                      </a:endParaRPr>
-                    </a:p>
-                    <a:p>
-                      <a:r>
-                        <a:rPr lang="en-US" sz="1200" baseline="0" dirty="0" err="1" smtClean="0">
-                          <a:latin typeface="+mn-ea"/>
-                          <a:ea typeface="+mn-ea"/>
+                        <a:latin typeface="맑은 고딕" panose="020B0503020000020004" pitchFamily="50" charset="-127"/>
+                        <a:ea typeface="맑은 고딕" panose="020B0503020000020004" pitchFamily="50" charset="-127"/>
+                      </a:endParaRPr>
+                    </a:p>
+                    <a:p>
+                      <a:r>
+                        <a:rPr lang="en-US" sz="1200" baseline="0" dirty="0" err="1" smtClean="0">
+                          <a:latin typeface="맑은 고딕" panose="020B0503020000020004" pitchFamily="50" charset="-127"/>
+                          <a:ea typeface="맑은 고딕" panose="020B0503020000020004" pitchFamily="50" charset="-127"/>
                         </a:rPr>
                         <a:t>JLabel</a:t>
                       </a:r>
                       <a:r>
                         <a:rPr lang="en-US" sz="1200" baseline="0" dirty="0" smtClean="0">
-                          <a:latin typeface="+mn-ea"/>
-                          <a:ea typeface="+mn-ea"/>
+                          <a:latin typeface="맑은 고딕" panose="020B0503020000020004" pitchFamily="50" charset="-127"/>
+                          <a:ea typeface="맑은 고딕" panose="020B0503020000020004" pitchFamily="50" charset="-127"/>
                         </a:rPr>
                         <a:t> </a:t>
                       </a:r>
                       <a:r>
                         <a:rPr lang="en-US" sz="1200" baseline="0" dirty="0" err="1" smtClean="0">
-                          <a:latin typeface="+mn-ea"/>
-                          <a:ea typeface="+mn-ea"/>
+                          <a:latin typeface="맑은 고딕" panose="020B0503020000020004" pitchFamily="50" charset="-127"/>
+                          <a:ea typeface="맑은 고딕" panose="020B0503020000020004" pitchFamily="50" charset="-127"/>
                         </a:rPr>
                         <a:t>lblSubject</a:t>
                       </a:r>
                       <a:endParaRPr lang="en-US" sz="1200" baseline="0" dirty="0" smtClean="0">
-                        <a:latin typeface="+mn-ea"/>
-                        <a:ea typeface="+mn-ea"/>
-                      </a:endParaRPr>
-                    </a:p>
-                    <a:p>
-                      <a:r>
-                        <a:rPr lang="en-US" sz="1200" baseline="0" dirty="0" err="1" smtClean="0">
-                          <a:latin typeface="+mn-ea"/>
-                          <a:ea typeface="+mn-ea"/>
+                        <a:latin typeface="맑은 고딕" panose="020B0503020000020004" pitchFamily="50" charset="-127"/>
+                        <a:ea typeface="맑은 고딕" panose="020B0503020000020004" pitchFamily="50" charset="-127"/>
+                      </a:endParaRPr>
+                    </a:p>
+                    <a:p>
+                      <a:r>
+                        <a:rPr lang="en-US" sz="1200" baseline="0" dirty="0" err="1" smtClean="0">
+                          <a:latin typeface="맑은 고딕" panose="020B0503020000020004" pitchFamily="50" charset="-127"/>
+                          <a:ea typeface="맑은 고딕" panose="020B0503020000020004" pitchFamily="50" charset="-127"/>
                         </a:rPr>
                         <a:t>JLabel</a:t>
                       </a:r>
                       <a:r>
                         <a:rPr lang="en-US" sz="1200" baseline="0" dirty="0" smtClean="0">
-                          <a:latin typeface="+mn-ea"/>
-                          <a:ea typeface="+mn-ea"/>
+                          <a:latin typeface="맑은 고딕" panose="020B0503020000020004" pitchFamily="50" charset="-127"/>
+                          <a:ea typeface="맑은 고딕" panose="020B0503020000020004" pitchFamily="50" charset="-127"/>
                         </a:rPr>
                         <a:t> </a:t>
                       </a:r>
                       <a:r>
                         <a:rPr lang="en-US" sz="1200" baseline="0" dirty="0" err="1" smtClean="0">
-                          <a:latin typeface="+mn-ea"/>
-                          <a:ea typeface="+mn-ea"/>
+                          <a:latin typeface="맑은 고딕" panose="020B0503020000020004" pitchFamily="50" charset="-127"/>
+                          <a:ea typeface="맑은 고딕" panose="020B0503020000020004" pitchFamily="50" charset="-127"/>
                         </a:rPr>
                         <a:t>lblProf</a:t>
                       </a:r>
                       <a:endParaRPr lang="en-US" sz="1200" baseline="0" dirty="0" smtClean="0">
-                        <a:latin typeface="+mn-ea"/>
-                        <a:ea typeface="+mn-ea"/>
-                      </a:endParaRPr>
-                    </a:p>
-                    <a:p>
-                      <a:r>
-                        <a:rPr lang="en-US" sz="1200" baseline="0" dirty="0" err="1" smtClean="0">
-                          <a:latin typeface="+mn-ea"/>
-                          <a:ea typeface="+mn-ea"/>
+                        <a:latin typeface="맑은 고딕" panose="020B0503020000020004" pitchFamily="50" charset="-127"/>
+                        <a:ea typeface="맑은 고딕" panose="020B0503020000020004" pitchFamily="50" charset="-127"/>
+                      </a:endParaRPr>
+                    </a:p>
+                    <a:p>
+                      <a:r>
+                        <a:rPr lang="en-US" sz="1200" baseline="0" dirty="0" err="1" smtClean="0">
+                          <a:latin typeface="맑은 고딕" panose="020B0503020000020004" pitchFamily="50" charset="-127"/>
+                          <a:ea typeface="맑은 고딕" panose="020B0503020000020004" pitchFamily="50" charset="-127"/>
                         </a:rPr>
                         <a:t>JLabel</a:t>
                       </a:r>
                       <a:r>
                         <a:rPr lang="en-US" sz="1200" baseline="0" dirty="0" smtClean="0">
-                          <a:latin typeface="+mn-ea"/>
-                          <a:ea typeface="+mn-ea"/>
+                          <a:latin typeface="맑은 고딕" panose="020B0503020000020004" pitchFamily="50" charset="-127"/>
+                          <a:ea typeface="맑은 고딕" panose="020B0503020000020004" pitchFamily="50" charset="-127"/>
                         </a:rPr>
                         <a:t> </a:t>
                       </a:r>
                       <a:r>
                         <a:rPr lang="en-US" sz="1200" baseline="0" dirty="0" err="1" smtClean="0">
-                          <a:latin typeface="+mn-ea"/>
-                          <a:ea typeface="+mn-ea"/>
+                          <a:latin typeface="맑은 고딕" panose="020B0503020000020004" pitchFamily="50" charset="-127"/>
+                          <a:ea typeface="맑은 고딕" panose="020B0503020000020004" pitchFamily="50" charset="-127"/>
                         </a:rPr>
                         <a:t>lblYearSemester</a:t>
                       </a:r>
                       <a:endParaRPr lang="en-US" sz="1200" baseline="0" dirty="0" smtClean="0">
-                        <a:latin typeface="+mn-ea"/>
-                        <a:ea typeface="+mn-ea"/>
-                      </a:endParaRPr>
-                    </a:p>
-                    <a:p>
-                      <a:r>
-                        <a:rPr lang="en-US" sz="1200" baseline="0" dirty="0" err="1" smtClean="0">
-                          <a:latin typeface="+mn-ea"/>
-                          <a:ea typeface="+mn-ea"/>
+                        <a:latin typeface="맑은 고딕" panose="020B0503020000020004" pitchFamily="50" charset="-127"/>
+                        <a:ea typeface="맑은 고딕" panose="020B0503020000020004" pitchFamily="50" charset="-127"/>
+                      </a:endParaRPr>
+                    </a:p>
+                    <a:p>
+                      <a:r>
+                        <a:rPr lang="en-US" sz="1200" baseline="0" dirty="0" err="1" smtClean="0">
+                          <a:latin typeface="맑은 고딕" panose="020B0503020000020004" pitchFamily="50" charset="-127"/>
+                          <a:ea typeface="맑은 고딕" panose="020B0503020000020004" pitchFamily="50" charset="-127"/>
                         </a:rPr>
                         <a:t>JLabel</a:t>
                       </a:r>
                       <a:r>
                         <a:rPr lang="en-US" sz="1200" baseline="0" dirty="0" smtClean="0">
-                          <a:latin typeface="+mn-ea"/>
-                          <a:ea typeface="+mn-ea"/>
+                          <a:latin typeface="맑은 고딕" panose="020B0503020000020004" pitchFamily="50" charset="-127"/>
+                          <a:ea typeface="맑은 고딕" panose="020B0503020000020004" pitchFamily="50" charset="-127"/>
                         </a:rPr>
                         <a:t> </a:t>
                       </a:r>
                       <a:r>
                         <a:rPr lang="en-US" sz="1200" baseline="0" dirty="0" err="1" smtClean="0">
-                          <a:latin typeface="+mn-ea"/>
-                          <a:ea typeface="+mn-ea"/>
+                          <a:latin typeface="맑은 고딕" panose="020B0503020000020004" pitchFamily="50" charset="-127"/>
+                          <a:ea typeface="맑은 고딕" panose="020B0503020000020004" pitchFamily="50" charset="-127"/>
                         </a:rPr>
                         <a:t>lblDay</a:t>
                       </a:r>
                       <a:endParaRPr lang="en-US" sz="1200" baseline="0" dirty="0" smtClean="0">
-                        <a:latin typeface="+mn-ea"/>
-                        <a:ea typeface="+mn-ea"/>
-                      </a:endParaRPr>
-                    </a:p>
-                    <a:p>
-                      <a:r>
-                        <a:rPr lang="en-US" sz="1200" baseline="0" dirty="0" err="1" smtClean="0">
-                          <a:latin typeface="+mn-ea"/>
-                          <a:ea typeface="+mn-ea"/>
+                        <a:latin typeface="맑은 고딕" panose="020B0503020000020004" pitchFamily="50" charset="-127"/>
+                        <a:ea typeface="맑은 고딕" panose="020B0503020000020004" pitchFamily="50" charset="-127"/>
+                      </a:endParaRPr>
+                    </a:p>
+                    <a:p>
+                      <a:r>
+                        <a:rPr lang="en-US" sz="1200" baseline="0" dirty="0" err="1" smtClean="0">
+                          <a:latin typeface="맑은 고딕" panose="020B0503020000020004" pitchFamily="50" charset="-127"/>
+                          <a:ea typeface="맑은 고딕" panose="020B0503020000020004" pitchFamily="50" charset="-127"/>
                         </a:rPr>
                         <a:t>JLabel</a:t>
                       </a:r>
                       <a:r>
                         <a:rPr lang="en-US" sz="1200" baseline="0" dirty="0" smtClean="0">
-                          <a:latin typeface="+mn-ea"/>
-                          <a:ea typeface="+mn-ea"/>
+                          <a:latin typeface="맑은 고딕" panose="020B0503020000020004" pitchFamily="50" charset="-127"/>
+                          <a:ea typeface="맑은 고딕" panose="020B0503020000020004" pitchFamily="50" charset="-127"/>
                         </a:rPr>
                         <a:t> </a:t>
                       </a:r>
                       <a:r>
                         <a:rPr lang="en-US" sz="1200" baseline="0" dirty="0" err="1" smtClean="0">
-                          <a:latin typeface="+mn-ea"/>
-                          <a:ea typeface="+mn-ea"/>
+                          <a:latin typeface="맑은 고딕" panose="020B0503020000020004" pitchFamily="50" charset="-127"/>
+                          <a:ea typeface="맑은 고딕" panose="020B0503020000020004" pitchFamily="50" charset="-127"/>
                         </a:rPr>
                         <a:t>lblStart</a:t>
                       </a:r>
                       <a:endParaRPr lang="en-US" sz="1200" baseline="0" dirty="0" smtClean="0">
-                        <a:latin typeface="+mn-ea"/>
-                        <a:ea typeface="+mn-ea"/>
-                      </a:endParaRPr>
-                    </a:p>
-                    <a:p>
-                      <a:r>
-                        <a:rPr lang="en-US" sz="1200" baseline="0" dirty="0" err="1" smtClean="0">
-                          <a:latin typeface="+mn-ea"/>
-                          <a:ea typeface="+mn-ea"/>
+                        <a:latin typeface="맑은 고딕" panose="020B0503020000020004" pitchFamily="50" charset="-127"/>
+                        <a:ea typeface="맑은 고딕" panose="020B0503020000020004" pitchFamily="50" charset="-127"/>
+                      </a:endParaRPr>
+                    </a:p>
+                    <a:p>
+                      <a:r>
+                        <a:rPr lang="en-US" sz="1200" baseline="0" dirty="0" err="1" smtClean="0">
+                          <a:latin typeface="맑은 고딕" panose="020B0503020000020004" pitchFamily="50" charset="-127"/>
+                          <a:ea typeface="맑은 고딕" panose="020B0503020000020004" pitchFamily="50" charset="-127"/>
                         </a:rPr>
                         <a:t>JLabel</a:t>
                       </a:r>
                       <a:r>
                         <a:rPr lang="en-US" sz="1200" baseline="0" dirty="0" smtClean="0">
-                          <a:latin typeface="+mn-ea"/>
-                          <a:ea typeface="+mn-ea"/>
+                          <a:latin typeface="맑은 고딕" panose="020B0503020000020004" pitchFamily="50" charset="-127"/>
+                          <a:ea typeface="맑은 고딕" panose="020B0503020000020004" pitchFamily="50" charset="-127"/>
                         </a:rPr>
                         <a:t> </a:t>
                       </a:r>
                       <a:r>
                         <a:rPr lang="en-US" sz="1200" baseline="0" dirty="0" err="1" smtClean="0">
-                          <a:latin typeface="+mn-ea"/>
-                          <a:ea typeface="+mn-ea"/>
+                          <a:latin typeface="맑은 고딕" panose="020B0503020000020004" pitchFamily="50" charset="-127"/>
+                          <a:ea typeface="맑은 고딕" panose="020B0503020000020004" pitchFamily="50" charset="-127"/>
                         </a:rPr>
                         <a:t>lblEnd</a:t>
                       </a:r>
                       <a:endParaRPr lang="en-US" sz="1200" baseline="0" dirty="0" smtClean="0">
-                        <a:latin typeface="+mn-ea"/>
-                        <a:ea typeface="+mn-ea"/>
+                        <a:latin typeface="맑은 고딕" panose="020B0503020000020004" pitchFamily="50" charset="-127"/>
+                        <a:ea typeface="맑은 고딕" panose="020B0503020000020004" pitchFamily="50" charset="-127"/>
                       </a:endParaRPr>
                     </a:p>
                   </a:txBody>
@@ -11640,28 +14475,28 @@
                       </a:pPr>
                       <a:r>
                         <a:rPr lang="en-US" sz="1200" baseline="0" dirty="0" err="1" smtClean="0">
-                          <a:latin typeface="+mn-ea"/>
-                          <a:ea typeface="+mn-ea"/>
+                          <a:latin typeface="맑은 고딕" panose="020B0503020000020004" pitchFamily="50" charset="-127"/>
+                          <a:ea typeface="맑은 고딕" panose="020B0503020000020004" pitchFamily="50" charset="-127"/>
                         </a:rPr>
                         <a:t>JComboBox</a:t>
                       </a:r>
                       <a:r>
                         <a:rPr lang="en-US" sz="1200" baseline="0" dirty="0" smtClean="0">
-                          <a:latin typeface="+mn-ea"/>
-                          <a:ea typeface="+mn-ea"/>
+                          <a:latin typeface="맑은 고딕" panose="020B0503020000020004" pitchFamily="50" charset="-127"/>
+                          <a:ea typeface="맑은 고딕" panose="020B0503020000020004" pitchFamily="50" charset="-127"/>
                         </a:rPr>
                         <a:t> </a:t>
                       </a:r>
                       <a:r>
                         <a:rPr lang="en-US" sz="1200" baseline="0" dirty="0" err="1" smtClean="0">
-                          <a:latin typeface="+mn-ea"/>
-                          <a:ea typeface="+mn-ea"/>
+                          <a:latin typeface="맑은 고딕" panose="020B0503020000020004" pitchFamily="50" charset="-127"/>
+                          <a:ea typeface="맑은 고딕" panose="020B0503020000020004" pitchFamily="50" charset="-127"/>
                         </a:rPr>
                         <a:t>cbStartAm</a:t>
                       </a:r>
                       <a:endParaRPr lang="en-US" sz="1200" baseline="0" dirty="0" smtClean="0">
-                        <a:latin typeface="+mn-ea"/>
-                        <a:ea typeface="+mn-ea"/>
+                        <a:latin typeface="맑은 고딕" panose="020B0503020000020004" pitchFamily="50" charset="-127"/>
+                        <a:ea typeface="맑은 고딕" panose="020B0503020000020004" pitchFamily="50" charset="-127"/>
                       </a:endParaRPr>
                     </a:p>
                     <a:p>
@@ -11684,28 +14519,28 @@
                       </a:pPr>
                       <a:r>
                         <a:rPr lang="en-US" sz="1200" baseline="0" dirty="0" err="1" smtClean="0">
-                          <a:latin typeface="+mn-ea"/>
-                          <a:ea typeface="+mn-ea"/>
+                          <a:latin typeface="맑은 고딕" panose="020B0503020000020004" pitchFamily="50" charset="-127"/>
+                          <a:ea typeface="맑은 고딕" panose="020B0503020000020004" pitchFamily="50" charset="-127"/>
                         </a:rPr>
                         <a:t>JComboBox</a:t>
                       </a:r>
                       <a:r>
                         <a:rPr lang="en-US" sz="1200" baseline="0" dirty="0" smtClean="0">
-                          <a:latin typeface="+mn-ea"/>
-                          <a:ea typeface="+mn-ea"/>
+                          <a:latin typeface="맑은 고딕" panose="020B0503020000020004" pitchFamily="50" charset="-127"/>
+                          <a:ea typeface="맑은 고딕" panose="020B0503020000020004" pitchFamily="50" charset="-127"/>
                         </a:rPr>
                         <a:t> </a:t>
                       </a:r>
                       <a:r>
                         <a:rPr lang="en-US" sz="1200" baseline="0" dirty="0" err="1" smtClean="0">
-                          <a:latin typeface="+mn-ea"/>
-                          <a:ea typeface="+mn-ea"/>
+                          <a:latin typeface="맑은 고딕" panose="020B0503020000020004" pitchFamily="50" charset="-127"/>
+                          <a:ea typeface="맑은 고딕" panose="020B0503020000020004" pitchFamily="50" charset="-127"/>
                         </a:rPr>
                         <a:t>cbStartHour</a:t>
                       </a:r>
                       <a:endParaRPr lang="en-US" sz="1200" baseline="0" dirty="0" smtClean="0">
-                        <a:latin typeface="+mn-ea"/>
-                        <a:ea typeface="+mn-ea"/>
+                        <a:latin typeface="맑은 고딕" panose="020B0503020000020004" pitchFamily="50" charset="-127"/>
+                        <a:ea typeface="맑은 고딕" panose="020B0503020000020004" pitchFamily="50" charset="-127"/>
                       </a:endParaRPr>
                     </a:p>
                     <a:p>
@@ -11728,28 +14563,28 @@
                       </a:pPr>
                       <a:r>
                         <a:rPr lang="en-US" sz="1200" baseline="0" dirty="0" err="1" smtClean="0">
-                          <a:latin typeface="+mn-ea"/>
-                          <a:ea typeface="+mn-ea"/>
+                          <a:latin typeface="맑은 고딕" panose="020B0503020000020004" pitchFamily="50" charset="-127"/>
+                          <a:ea typeface="맑은 고딕" panose="020B0503020000020004" pitchFamily="50" charset="-127"/>
                         </a:rPr>
                         <a:t>JComboBox</a:t>
                       </a:r>
                       <a:r>
                         <a:rPr lang="en-US" sz="1200" baseline="0" dirty="0" smtClean="0">
-                          <a:latin typeface="+mn-ea"/>
-                          <a:ea typeface="+mn-ea"/>
+                          <a:latin typeface="맑은 고딕" panose="020B0503020000020004" pitchFamily="50" charset="-127"/>
+                          <a:ea typeface="맑은 고딕" panose="020B0503020000020004" pitchFamily="50" charset="-127"/>
                         </a:rPr>
                         <a:t> </a:t>
                       </a:r>
                       <a:r>
                         <a:rPr lang="en-US" sz="1200" baseline="0" dirty="0" err="1" smtClean="0">
-                          <a:latin typeface="+mn-ea"/>
-                          <a:ea typeface="+mn-ea"/>
+                          <a:latin typeface="맑은 고딕" panose="020B0503020000020004" pitchFamily="50" charset="-127"/>
+                          <a:ea typeface="맑은 고딕" panose="020B0503020000020004" pitchFamily="50" charset="-127"/>
                         </a:rPr>
                         <a:t>cbStartMinute</a:t>
                       </a:r>
                       <a:endParaRPr lang="en-US" sz="1200" baseline="0" dirty="0" smtClean="0">
-                        <a:latin typeface="+mn-ea"/>
-                        <a:ea typeface="+mn-ea"/>
+                        <a:latin typeface="맑은 고딕" panose="020B0503020000020004" pitchFamily="50" charset="-127"/>
+                        <a:ea typeface="맑은 고딕" panose="020B0503020000020004" pitchFamily="50" charset="-127"/>
                       </a:endParaRPr>
                     </a:p>
                     <a:p>
@@ -11772,28 +14607,28 @@
                       </a:pPr>
                       <a:r>
                         <a:rPr lang="en-US" sz="1200" baseline="0" dirty="0" err="1" smtClean="0">
-                          <a:latin typeface="+mn-ea"/>
-                          <a:ea typeface="+mn-ea"/>
+                          <a:latin typeface="맑은 고딕" panose="020B0503020000020004" pitchFamily="50" charset="-127"/>
+                          <a:ea typeface="맑은 고딕" panose="020B0503020000020004" pitchFamily="50" charset="-127"/>
                         </a:rPr>
                         <a:t>JComboBox</a:t>
                       </a:r>
                       <a:r>
                         <a:rPr lang="en-US" sz="1200" baseline="0" dirty="0" smtClean="0">
-                          <a:latin typeface="+mn-ea"/>
-                          <a:ea typeface="+mn-ea"/>
+                          <a:latin typeface="맑은 고딕" panose="020B0503020000020004" pitchFamily="50" charset="-127"/>
+                          <a:ea typeface="맑은 고딕" panose="020B0503020000020004" pitchFamily="50" charset="-127"/>
                         </a:rPr>
                         <a:t> </a:t>
                       </a:r>
                       <a:r>
                         <a:rPr lang="en-US" sz="1200" baseline="0" dirty="0" err="1" smtClean="0">
-                          <a:latin typeface="+mn-ea"/>
-                          <a:ea typeface="+mn-ea"/>
+                          <a:latin typeface="맑은 고딕" panose="020B0503020000020004" pitchFamily="50" charset="-127"/>
+                          <a:ea typeface="맑은 고딕" panose="020B0503020000020004" pitchFamily="50" charset="-127"/>
                         </a:rPr>
                         <a:t>cbEndAm</a:t>
                       </a:r>
                       <a:endParaRPr lang="en-US" sz="1200" baseline="0" dirty="0" smtClean="0">
-                        <a:latin typeface="+mn-ea"/>
-                        <a:ea typeface="+mn-ea"/>
+                        <a:latin typeface="맑은 고딕" panose="020B0503020000020004" pitchFamily="50" charset="-127"/>
+                        <a:ea typeface="맑은 고딕" panose="020B0503020000020004" pitchFamily="50" charset="-127"/>
                       </a:endParaRPr>
                     </a:p>
                     <a:p>
@@ -11816,28 +14651,28 @@
                       </a:pPr>
                       <a:r>
                         <a:rPr lang="en-US" sz="1200" baseline="0" dirty="0" err="1" smtClean="0">
-                          <a:latin typeface="+mn-ea"/>
-                          <a:ea typeface="+mn-ea"/>
+                          <a:latin typeface="맑은 고딕" panose="020B0503020000020004" pitchFamily="50" charset="-127"/>
+                          <a:ea typeface="맑은 고딕" panose="020B0503020000020004" pitchFamily="50" charset="-127"/>
                         </a:rPr>
                         <a:t>JComboBox</a:t>
                       </a:r>
                       <a:r>
                         <a:rPr lang="en-US" sz="1200" baseline="0" dirty="0" smtClean="0">
-                          <a:latin typeface="+mn-ea"/>
-                          <a:ea typeface="+mn-ea"/>
+                          <a:latin typeface="맑은 고딕" panose="020B0503020000020004" pitchFamily="50" charset="-127"/>
+                          <a:ea typeface="맑은 고딕" panose="020B0503020000020004" pitchFamily="50" charset="-127"/>
                         </a:rPr>
                         <a:t> </a:t>
                       </a:r>
                       <a:r>
                         <a:rPr lang="en-US" sz="1200" baseline="0" dirty="0" err="1" smtClean="0">
-                          <a:latin typeface="+mn-ea"/>
-                          <a:ea typeface="+mn-ea"/>
+                          <a:latin typeface="맑은 고딕" panose="020B0503020000020004" pitchFamily="50" charset="-127"/>
+                          <a:ea typeface="맑은 고딕" panose="020B0503020000020004" pitchFamily="50" charset="-127"/>
                         </a:rPr>
                         <a:t>cbEndHour</a:t>
                       </a:r>
                       <a:endParaRPr lang="en-US" sz="1200" baseline="0" dirty="0" smtClean="0">
-                        <a:latin typeface="+mn-ea"/>
-                        <a:ea typeface="+mn-ea"/>
+                        <a:latin typeface="맑은 고딕" panose="020B0503020000020004" pitchFamily="50" charset="-127"/>
+                        <a:ea typeface="맑은 고딕" panose="020B0503020000020004" pitchFamily="50" charset="-127"/>
                       </a:endParaRPr>
                     </a:p>
                     <a:p>
@@ -11860,28 +14695,28 @@
                       </a:pPr>
                       <a:r>
                         <a:rPr lang="en-US" sz="1200" baseline="0" dirty="0" err="1" smtClean="0">
-                          <a:latin typeface="+mn-ea"/>
-                          <a:ea typeface="+mn-ea"/>
+                          <a:latin typeface="맑은 고딕" panose="020B0503020000020004" pitchFamily="50" charset="-127"/>
+                          <a:ea typeface="맑은 고딕" panose="020B0503020000020004" pitchFamily="50" charset="-127"/>
                         </a:rPr>
                         <a:t>JComboBox</a:t>
                       </a:r>
                       <a:r>
                         <a:rPr lang="en-US" sz="1200" baseline="0" dirty="0" smtClean="0">
-                          <a:latin typeface="+mn-ea"/>
-                          <a:ea typeface="+mn-ea"/>
+                          <a:latin typeface="맑은 고딕" panose="020B0503020000020004" pitchFamily="50" charset="-127"/>
+                          <a:ea typeface="맑은 고딕" panose="020B0503020000020004" pitchFamily="50" charset="-127"/>
                         </a:rPr>
                         <a:t> </a:t>
                       </a:r>
                       <a:r>
                         <a:rPr lang="en-US" sz="1200" baseline="0" dirty="0" err="1" smtClean="0">
-                          <a:latin typeface="+mn-ea"/>
-                          <a:ea typeface="+mn-ea"/>
+                          <a:latin typeface="맑은 고딕" panose="020B0503020000020004" pitchFamily="50" charset="-127"/>
+                          <a:ea typeface="맑은 고딕" panose="020B0503020000020004" pitchFamily="50" charset="-127"/>
                         </a:rPr>
                         <a:t>cbEndMinute</a:t>
                       </a:r>
                       <a:endParaRPr lang="en-US" sz="1200" baseline="0" dirty="0" smtClean="0">
-                        <a:latin typeface="+mn-ea"/>
-                        <a:ea typeface="+mn-ea"/>
+                        <a:latin typeface="맑은 고딕" panose="020B0503020000020004" pitchFamily="50" charset="-127"/>
+                        <a:ea typeface="맑은 고딕" panose="020B0503020000020004" pitchFamily="50" charset="-127"/>
                       </a:endParaRPr>
                     </a:p>
                     <a:p>
@@ -11904,28 +14739,28 @@
                       </a:pPr>
                       <a:r>
                         <a:rPr lang="en-US" sz="1200" baseline="0" dirty="0" err="1" smtClean="0">
-                          <a:latin typeface="+mn-ea"/>
-                          <a:ea typeface="+mn-ea"/>
+                          <a:latin typeface="맑은 고딕" panose="020B0503020000020004" pitchFamily="50" charset="-127"/>
+                          <a:ea typeface="맑은 고딕" panose="020B0503020000020004" pitchFamily="50" charset="-127"/>
                         </a:rPr>
                         <a:t>JComboBox</a:t>
                       </a:r>
                       <a:r>
                         <a:rPr lang="en-US" sz="1200" baseline="0" dirty="0" smtClean="0">
-                          <a:latin typeface="+mn-ea"/>
-                          <a:ea typeface="+mn-ea"/>
+                          <a:latin typeface="맑은 고딕" panose="020B0503020000020004" pitchFamily="50" charset="-127"/>
+                          <a:ea typeface="맑은 고딕" panose="020B0503020000020004" pitchFamily="50" charset="-127"/>
                         </a:rPr>
                         <a:t> </a:t>
                       </a:r>
                       <a:r>
                         <a:rPr lang="en-US" sz="1200" baseline="0" dirty="0" err="1" smtClean="0">
-                          <a:latin typeface="+mn-ea"/>
-                          <a:ea typeface="+mn-ea"/>
+                          <a:latin typeface="맑은 고딕" panose="020B0503020000020004" pitchFamily="50" charset="-127"/>
+                          <a:ea typeface="맑은 고딕" panose="020B0503020000020004" pitchFamily="50" charset="-127"/>
                         </a:rPr>
                         <a:t>cbSemester</a:t>
                       </a:r>
                       <a:endParaRPr lang="en-US" sz="1200" baseline="0" dirty="0" smtClean="0">
-                        <a:latin typeface="+mn-ea"/>
-                        <a:ea typeface="+mn-ea"/>
+                        <a:latin typeface="맑은 고딕" panose="020B0503020000020004" pitchFamily="50" charset="-127"/>
+                        <a:ea typeface="맑은 고딕" panose="020B0503020000020004" pitchFamily="50" charset="-127"/>
                       </a:endParaRPr>
                     </a:p>
                     <a:p>
@@ -11948,28 +14783,28 @@
                       </a:pPr>
                       <a:r>
                         <a:rPr lang="en-US" sz="1200" baseline="0" dirty="0" err="1" smtClean="0">
-                          <a:latin typeface="+mn-ea"/>
-                          <a:ea typeface="+mn-ea"/>
+                          <a:latin typeface="맑은 고딕" panose="020B0503020000020004" pitchFamily="50" charset="-127"/>
+                          <a:ea typeface="맑은 고딕" panose="020B0503020000020004" pitchFamily="50" charset="-127"/>
                         </a:rPr>
                         <a:t>JYearChooser</a:t>
                       </a:r>
                       <a:r>
                         <a:rPr lang="en-US" sz="1200" baseline="0" dirty="0" smtClean="0">
-                          <a:latin typeface="+mn-ea"/>
-                          <a:ea typeface="+mn-ea"/>
+                          <a:latin typeface="맑은 고딕" panose="020B0503020000020004" pitchFamily="50" charset="-127"/>
+                          <a:ea typeface="맑은 고딕" panose="020B0503020000020004" pitchFamily="50" charset="-127"/>
                         </a:rPr>
                         <a:t> </a:t>
                       </a:r>
                       <a:r>
                         <a:rPr lang="en-US" sz="1200" baseline="0" dirty="0" err="1" smtClean="0">
-                          <a:latin typeface="+mn-ea"/>
-                          <a:ea typeface="+mn-ea"/>
+                          <a:latin typeface="맑은 고딕" panose="020B0503020000020004" pitchFamily="50" charset="-127"/>
+                          <a:ea typeface="맑은 고딕" panose="020B0503020000020004" pitchFamily="50" charset="-127"/>
                         </a:rPr>
                         <a:t>ycYear</a:t>
                       </a:r>
                       <a:endParaRPr lang="en-US" sz="1200" baseline="0" dirty="0" smtClean="0">
-                        <a:latin typeface="+mn-ea"/>
-                        <a:ea typeface="+mn-ea"/>
+                        <a:latin typeface="맑은 고딕" panose="020B0503020000020004" pitchFamily="50" charset="-127"/>
+                        <a:ea typeface="맑은 고딕" panose="020B0503020000020004" pitchFamily="50" charset="-127"/>
                       </a:endParaRPr>
                     </a:p>
                     <a:p>
@@ -11992,28 +14827,28 @@
                       </a:pPr>
                       <a:r>
                         <a:rPr lang="en-US" sz="1200" baseline="0" dirty="0" err="1" smtClean="0">
-                          <a:latin typeface="+mn-ea"/>
-                          <a:ea typeface="+mn-ea"/>
+                          <a:latin typeface="맑은 고딕" panose="020B0503020000020004" pitchFamily="50" charset="-127"/>
+                          <a:ea typeface="맑은 고딕" panose="020B0503020000020004" pitchFamily="50" charset="-127"/>
                         </a:rPr>
                         <a:t>JButton</a:t>
                       </a:r>
                       <a:r>
                         <a:rPr lang="en-US" sz="1200" baseline="0" dirty="0" smtClean="0">
-                          <a:latin typeface="+mn-ea"/>
-                          <a:ea typeface="+mn-ea"/>
+                          <a:latin typeface="맑은 고딕" panose="020B0503020000020004" pitchFamily="50" charset="-127"/>
+                          <a:ea typeface="맑은 고딕" panose="020B0503020000020004" pitchFamily="50" charset="-127"/>
                         </a:rPr>
                         <a:t> </a:t>
                       </a:r>
                       <a:r>
                         <a:rPr lang="en-US" sz="1200" baseline="0" dirty="0" err="1" smtClean="0">
-                          <a:latin typeface="+mn-ea"/>
-                          <a:ea typeface="+mn-ea"/>
+                          <a:latin typeface="맑은 고딕" panose="020B0503020000020004" pitchFamily="50" charset="-127"/>
+                          <a:ea typeface="맑은 고딕" panose="020B0503020000020004" pitchFamily="50" charset="-127"/>
                         </a:rPr>
                         <a:t>btnMon</a:t>
                       </a:r>
                       <a:endParaRPr lang="en-US" sz="1200" baseline="0" dirty="0" smtClean="0">
-                        <a:latin typeface="+mn-ea"/>
-                        <a:ea typeface="+mn-ea"/>
+                        <a:latin typeface="맑은 고딕" panose="020B0503020000020004" pitchFamily="50" charset="-127"/>
+                        <a:ea typeface="맑은 고딕" panose="020B0503020000020004" pitchFamily="50" charset="-127"/>
                       </a:endParaRPr>
                     </a:p>
                     <a:p>
@@ -12036,28 +14871,28 @@
                       </a:pPr>
                       <a:r>
                         <a:rPr lang="en-US" sz="1200" baseline="0" dirty="0" err="1" smtClean="0">
-                          <a:latin typeface="+mn-ea"/>
-                          <a:ea typeface="+mn-ea"/>
+                          <a:latin typeface="맑은 고딕" panose="020B0503020000020004" pitchFamily="50" charset="-127"/>
+                          <a:ea typeface="맑은 고딕" panose="020B0503020000020004" pitchFamily="50" charset="-127"/>
                         </a:rPr>
                         <a:t>JButton</a:t>
                       </a:r>
                       <a:r>
                         <a:rPr lang="en-US" sz="1200" baseline="0" dirty="0" smtClean="0">
-                          <a:latin typeface="+mn-ea"/>
-                          <a:ea typeface="+mn-ea"/>
+                          <a:latin typeface="맑은 고딕" panose="020B0503020000020004" pitchFamily="50" charset="-127"/>
+                          <a:ea typeface="맑은 고딕" panose="020B0503020000020004" pitchFamily="50" charset="-127"/>
                         </a:rPr>
                         <a:t> </a:t>
                       </a:r>
                       <a:r>
                         <a:rPr lang="en-US" sz="1200" baseline="0" dirty="0" err="1" smtClean="0">
-                          <a:latin typeface="+mn-ea"/>
-                          <a:ea typeface="+mn-ea"/>
+                          <a:latin typeface="맑은 고딕" panose="020B0503020000020004" pitchFamily="50" charset="-127"/>
+                          <a:ea typeface="맑은 고딕" panose="020B0503020000020004" pitchFamily="50" charset="-127"/>
                         </a:rPr>
                         <a:t>btnTue</a:t>
                       </a:r>
                       <a:endParaRPr lang="en-US" sz="1200" baseline="0" dirty="0" smtClean="0">
-                        <a:latin typeface="+mn-ea"/>
-                        <a:ea typeface="+mn-ea"/>
+                        <a:latin typeface="맑은 고딕" panose="020B0503020000020004" pitchFamily="50" charset="-127"/>
+                        <a:ea typeface="맑은 고딕" panose="020B0503020000020004" pitchFamily="50" charset="-127"/>
                       </a:endParaRPr>
                     </a:p>
                     <a:p>
@@ -12080,28 +14915,28 @@
                       </a:pPr>
                       <a:r>
                         <a:rPr lang="en-US" sz="1200" baseline="0" dirty="0" err="1" smtClean="0">
-                          <a:latin typeface="+mn-ea"/>
-                          <a:ea typeface="+mn-ea"/>
+                          <a:latin typeface="맑은 고딕" panose="020B0503020000020004" pitchFamily="50" charset="-127"/>
+                          <a:ea typeface="맑은 고딕" panose="020B0503020000020004" pitchFamily="50" charset="-127"/>
                         </a:rPr>
                         <a:t>JButton</a:t>
                       </a:r>
                       <a:r>
                         <a:rPr lang="en-US" sz="1200" baseline="0" dirty="0" smtClean="0">
-                          <a:latin typeface="+mn-ea"/>
-                          <a:ea typeface="+mn-ea"/>
+                          <a:latin typeface="맑은 고딕" panose="020B0503020000020004" pitchFamily="50" charset="-127"/>
+                          <a:ea typeface="맑은 고딕" panose="020B0503020000020004" pitchFamily="50" charset="-127"/>
                         </a:rPr>
                         <a:t> </a:t>
                       </a:r>
                       <a:r>
                         <a:rPr lang="en-US" sz="1200" baseline="0" dirty="0" err="1" smtClean="0">
-                          <a:latin typeface="+mn-ea"/>
-                          <a:ea typeface="+mn-ea"/>
+                          <a:latin typeface="맑은 고딕" panose="020B0503020000020004" pitchFamily="50" charset="-127"/>
+                          <a:ea typeface="맑은 고딕" panose="020B0503020000020004" pitchFamily="50" charset="-127"/>
                         </a:rPr>
                         <a:t>btnWed</a:t>
                       </a:r>
                       <a:endParaRPr lang="en-US" sz="1200" baseline="0" dirty="0" smtClean="0">
-                        <a:latin typeface="+mn-ea"/>
-                        <a:ea typeface="+mn-ea"/>
+                        <a:latin typeface="맑은 고딕" panose="020B0503020000020004" pitchFamily="50" charset="-127"/>
+                        <a:ea typeface="맑은 고딕" panose="020B0503020000020004" pitchFamily="50" charset="-127"/>
                       </a:endParaRPr>
                     </a:p>
                     <a:p>
@@ -12124,28 +14959,28 @@
                       </a:pPr>
                       <a:r>
                         <a:rPr lang="en-US" sz="1200" baseline="0" dirty="0" err="1" smtClean="0">
-                          <a:latin typeface="+mn-ea"/>
-                          <a:ea typeface="+mn-ea"/>
+                          <a:latin typeface="맑은 고딕" panose="020B0503020000020004" pitchFamily="50" charset="-127"/>
+                          <a:ea typeface="맑은 고딕" panose="020B0503020000020004" pitchFamily="50" charset="-127"/>
                         </a:rPr>
                         <a:t>JButton</a:t>
                       </a:r>
                       <a:r>
                         <a:rPr lang="en-US" sz="1200" baseline="0" dirty="0" smtClean="0">
-                          <a:latin typeface="+mn-ea"/>
-                          <a:ea typeface="+mn-ea"/>
+                          <a:latin typeface="맑은 고딕" panose="020B0503020000020004" pitchFamily="50" charset="-127"/>
+                          <a:ea typeface="맑은 고딕" panose="020B0503020000020004" pitchFamily="50" charset="-127"/>
                         </a:rPr>
                         <a:t> </a:t>
                       </a:r>
                       <a:r>
                         <a:rPr lang="en-US" sz="1200" baseline="0" dirty="0" err="1" smtClean="0">
-                          <a:latin typeface="+mn-ea"/>
-                          <a:ea typeface="+mn-ea"/>
+                          <a:latin typeface="맑은 고딕" panose="020B0503020000020004" pitchFamily="50" charset="-127"/>
+                          <a:ea typeface="맑은 고딕" panose="020B0503020000020004" pitchFamily="50" charset="-127"/>
                         </a:rPr>
                         <a:t>btnThu</a:t>
                       </a:r>
                       <a:endParaRPr lang="en-US" sz="1200" baseline="0" dirty="0" smtClean="0">
-                        <a:latin typeface="+mn-ea"/>
-                        <a:ea typeface="+mn-ea"/>
+                        <a:latin typeface="맑은 고딕" panose="020B0503020000020004" pitchFamily="50" charset="-127"/>
+                        <a:ea typeface="맑은 고딕" panose="020B0503020000020004" pitchFamily="50" charset="-127"/>
                       </a:endParaRPr>
                     </a:p>
                     <a:p>
@@ -12168,28 +15003,28 @@
                       </a:pPr>
                       <a:r>
                         <a:rPr lang="en-US" sz="1200" baseline="0" dirty="0" err="1" smtClean="0">
-                          <a:latin typeface="+mn-ea"/>
-                          <a:ea typeface="+mn-ea"/>
+                          <a:latin typeface="맑은 고딕" panose="020B0503020000020004" pitchFamily="50" charset="-127"/>
+                          <a:ea typeface="맑은 고딕" panose="020B0503020000020004" pitchFamily="50" charset="-127"/>
                         </a:rPr>
                         <a:t>JButton</a:t>
                       </a:r>
                       <a:r>
                         <a:rPr lang="en-US" sz="1200" baseline="0" dirty="0" smtClean="0">
-                          <a:latin typeface="+mn-ea"/>
-                          <a:ea typeface="+mn-ea"/>
+                          <a:latin typeface="맑은 고딕" panose="020B0503020000020004" pitchFamily="50" charset="-127"/>
+                          <a:ea typeface="맑은 고딕" panose="020B0503020000020004" pitchFamily="50" charset="-127"/>
                         </a:rPr>
                         <a:t> </a:t>
                       </a:r>
                       <a:r>
                         <a:rPr lang="en-US" sz="1200" baseline="0" dirty="0" err="1" smtClean="0">
-                          <a:latin typeface="+mn-ea"/>
-                          <a:ea typeface="+mn-ea"/>
+                          <a:latin typeface="맑은 고딕" panose="020B0503020000020004" pitchFamily="50" charset="-127"/>
+                          <a:ea typeface="맑은 고딕" panose="020B0503020000020004" pitchFamily="50" charset="-127"/>
                         </a:rPr>
                         <a:t>btnFri</a:t>
                       </a:r>
                       <a:endParaRPr lang="en-US" sz="1200" baseline="0" dirty="0" smtClean="0">
-                        <a:latin typeface="+mn-ea"/>
-                        <a:ea typeface="+mn-ea"/>
+                        <a:latin typeface="맑은 고딕" panose="020B0503020000020004" pitchFamily="50" charset="-127"/>
+                        <a:ea typeface="맑은 고딕" panose="020B0503020000020004" pitchFamily="50" charset="-127"/>
                       </a:endParaRPr>
                     </a:p>
                     <a:p>
@@ -12212,28 +15047,28 @@
                       </a:pPr>
                       <a:r>
                         <a:rPr lang="en-US" sz="1200" baseline="0" dirty="0" err="1" smtClean="0">
-                          <a:latin typeface="+mn-ea"/>
-                          <a:ea typeface="+mn-ea"/>
+                          <a:latin typeface="맑은 고딕" panose="020B0503020000020004" pitchFamily="50" charset="-127"/>
+                          <a:ea typeface="맑은 고딕" panose="020B0503020000020004" pitchFamily="50" charset="-127"/>
                         </a:rPr>
                         <a:t>JButton</a:t>
                       </a:r>
                       <a:r>
                         <a:rPr lang="en-US" sz="1200" baseline="0" dirty="0" smtClean="0">
-                          <a:latin typeface="+mn-ea"/>
-                          <a:ea typeface="+mn-ea"/>
+                          <a:latin typeface="맑은 고딕" panose="020B0503020000020004" pitchFamily="50" charset="-127"/>
+                          <a:ea typeface="맑은 고딕" panose="020B0503020000020004" pitchFamily="50" charset="-127"/>
                         </a:rPr>
                         <a:t> </a:t>
                       </a:r>
                       <a:r>
                         <a:rPr lang="en-US" sz="1200" baseline="0" dirty="0" err="1" smtClean="0">
-                          <a:latin typeface="+mn-ea"/>
-                          <a:ea typeface="+mn-ea"/>
+                          <a:latin typeface="맑은 고딕" panose="020B0503020000020004" pitchFamily="50" charset="-127"/>
+                          <a:ea typeface="맑은 고딕" panose="020B0503020000020004" pitchFamily="50" charset="-127"/>
                         </a:rPr>
                         <a:t>btnSat</a:t>
                       </a:r>
                       <a:endParaRPr lang="en-US" sz="1200" baseline="0" dirty="0" smtClean="0">
-                        <a:latin typeface="+mn-ea"/>
-                        <a:ea typeface="+mn-ea"/>
+                        <a:latin typeface="맑은 고딕" panose="020B0503020000020004" pitchFamily="50" charset="-127"/>
+                        <a:ea typeface="맑은 고딕" panose="020B0503020000020004" pitchFamily="50" charset="-127"/>
                       </a:endParaRPr>
                     </a:p>
                     <a:p>
@@ -12256,28 +15091,28 @@
                       </a:pPr>
                       <a:r>
                         <a:rPr lang="en-US" sz="1200" baseline="0" dirty="0" err="1" smtClean="0">
-                          <a:latin typeface="+mn-ea"/>
-                          <a:ea typeface="+mn-ea"/>
+                          <a:latin typeface="맑은 고딕" panose="020B0503020000020004" pitchFamily="50" charset="-127"/>
+                          <a:ea typeface="맑은 고딕" panose="020B0503020000020004" pitchFamily="50" charset="-127"/>
                         </a:rPr>
                         <a:t>JButton</a:t>
                       </a:r>
                       <a:r>
                         <a:rPr lang="en-US" sz="1200" baseline="0" dirty="0" smtClean="0">
-                          <a:latin typeface="+mn-ea"/>
-                          <a:ea typeface="+mn-ea"/>
+                          <a:latin typeface="맑은 고딕" panose="020B0503020000020004" pitchFamily="50" charset="-127"/>
+                          <a:ea typeface="맑은 고딕" panose="020B0503020000020004" pitchFamily="50" charset="-127"/>
                         </a:rPr>
                         <a:t> </a:t>
                       </a:r>
                       <a:r>
                         <a:rPr lang="en-US" sz="1200" baseline="0" dirty="0" err="1" smtClean="0">
-                          <a:latin typeface="+mn-ea"/>
-                          <a:ea typeface="+mn-ea"/>
+                          <a:latin typeface="맑은 고딕" panose="020B0503020000020004" pitchFamily="50" charset="-127"/>
+                          <a:ea typeface="맑은 고딕" panose="020B0503020000020004" pitchFamily="50" charset="-127"/>
                         </a:rPr>
                         <a:t>btnSun</a:t>
                       </a:r>
                       <a:endParaRPr lang="en-US" sz="1200" baseline="0" dirty="0" smtClean="0">
-                        <a:latin typeface="+mn-ea"/>
-                        <a:ea typeface="+mn-ea"/>
+                        <a:latin typeface="맑은 고딕" panose="020B0503020000020004" pitchFamily="50" charset="-127"/>
+                        <a:ea typeface="맑은 고딕" panose="020B0503020000020004" pitchFamily="50" charset="-127"/>
                       </a:endParaRPr>
                     </a:p>
                     <a:p>
@@ -12299,8 +15134,8 @@
                         <a:defRPr/>
                       </a:pPr>
                       <a:endParaRPr lang="en-US" sz="1200" baseline="0" dirty="0" smtClean="0">
-                        <a:latin typeface="+mn-ea"/>
-                        <a:ea typeface="+mn-ea"/>
+                        <a:latin typeface="맑은 고딕" panose="020B0503020000020004" pitchFamily="50" charset="-127"/>
+                        <a:ea typeface="맑은 고딕" panose="020B0503020000020004" pitchFamily="50" charset="-127"/>
                       </a:endParaRPr>
                     </a:p>
                   </a:txBody>
@@ -12330,85 +15165,85 @@
                     <a:p>
                       <a:r>
                         <a:rPr lang="en-US" sz="1200" dirty="0" smtClean="0">
-                          <a:latin typeface="+mn-ea"/>
-                          <a:ea typeface="+mn-ea"/>
+                          <a:latin typeface="맑은 고딕" panose="020B0503020000020004" pitchFamily="50" charset="-127"/>
+                          <a:ea typeface="맑은 고딕" panose="020B0503020000020004" pitchFamily="50" charset="-127"/>
                         </a:rPr>
                         <a:t>public</a:t>
                       </a:r>
                       <a:r>
                         <a:rPr lang="en-US" sz="1200" baseline="0" dirty="0" smtClean="0">
-                          <a:latin typeface="+mn-ea"/>
-                          <a:ea typeface="+mn-ea"/>
+                          <a:latin typeface="맑은 고딕" panose="020B0503020000020004" pitchFamily="50" charset="-127"/>
+                          <a:ea typeface="맑은 고딕" panose="020B0503020000020004" pitchFamily="50" charset="-127"/>
                         </a:rPr>
                         <a:t> </a:t>
                       </a:r>
                       <a:r>
                         <a:rPr lang="en-US" sz="1200" baseline="0" dirty="0" err="1" smtClean="0">
-                          <a:latin typeface="+mn-ea"/>
-                          <a:ea typeface="+mn-ea"/>
+                          <a:latin typeface="맑은 고딕" panose="020B0503020000020004" pitchFamily="50" charset="-127"/>
+                          <a:ea typeface="맑은 고딕" panose="020B0503020000020004" pitchFamily="50" charset="-127"/>
                         </a:rPr>
                         <a:t>SubjectChange</a:t>
                       </a:r>
                       <a:r>
                         <a:rPr lang="en-US" sz="1200" baseline="0" dirty="0" smtClean="0">
-                          <a:latin typeface="+mn-ea"/>
-                          <a:ea typeface="+mn-ea"/>
+                          <a:latin typeface="맑은 고딕" panose="020B0503020000020004" pitchFamily="50" charset="-127"/>
+                          <a:ea typeface="맑은 고딕" panose="020B0503020000020004" pitchFamily="50" charset="-127"/>
                         </a:rPr>
                         <a:t>(</a:t>
                       </a:r>
                       <a:r>
                         <a:rPr lang="en-US" sz="1200" baseline="0" dirty="0" err="1" smtClean="0">
-                          <a:latin typeface="+mn-ea"/>
-                          <a:ea typeface="+mn-ea"/>
+                          <a:latin typeface="맑은 고딕" panose="020B0503020000020004" pitchFamily="50" charset="-127"/>
+                          <a:ea typeface="맑은 고딕" panose="020B0503020000020004" pitchFamily="50" charset="-127"/>
                         </a:rPr>
                         <a:t>SubjectManage</a:t>
                       </a:r>
                       <a:r>
                         <a:rPr lang="en-US" sz="1200" baseline="0" dirty="0" smtClean="0">
-                          <a:latin typeface="+mn-ea"/>
-                          <a:ea typeface="+mn-ea"/>
+                          <a:latin typeface="맑은 고딕" panose="020B0503020000020004" pitchFamily="50" charset="-127"/>
+                          <a:ea typeface="맑은 고딕" panose="020B0503020000020004" pitchFamily="50" charset="-127"/>
                         </a:rPr>
                         <a:t> </a:t>
                       </a:r>
                       <a:r>
                         <a:rPr lang="en-US" sz="1200" baseline="0" dirty="0" err="1" smtClean="0">
-                          <a:latin typeface="+mn-ea"/>
-                          <a:ea typeface="+mn-ea"/>
+                          <a:latin typeface="맑은 고딕" panose="020B0503020000020004" pitchFamily="50" charset="-127"/>
+                          <a:ea typeface="맑은 고딕" panose="020B0503020000020004" pitchFamily="50" charset="-127"/>
                         </a:rPr>
                         <a:t>subjectmanage_parm</a:t>
                       </a:r>
                       <a:r>
                         <a:rPr lang="en-US" sz="1200" baseline="0" dirty="0" smtClean="0">
-                          <a:latin typeface="+mn-ea"/>
-                          <a:ea typeface="+mn-ea"/>
+                          <a:latin typeface="맑은 고딕" panose="020B0503020000020004" pitchFamily="50" charset="-127"/>
+                          <a:ea typeface="맑은 고딕" panose="020B0503020000020004" pitchFamily="50" charset="-127"/>
                         </a:rPr>
                         <a:t>, </a:t>
                       </a:r>
                       <a:r>
                         <a:rPr lang="en-US" sz="1200" baseline="0" dirty="0" err="1" smtClean="0">
-                          <a:latin typeface="+mn-ea"/>
-                          <a:ea typeface="+mn-ea"/>
+                          <a:latin typeface="맑은 고딕" panose="020B0503020000020004" pitchFamily="50" charset="-127"/>
+                          <a:ea typeface="맑은 고딕" panose="020B0503020000020004" pitchFamily="50" charset="-127"/>
                         </a:rPr>
                         <a:t>int</a:t>
                       </a:r>
                       <a:r>
                         <a:rPr lang="en-US" sz="1200" baseline="0" dirty="0" smtClean="0">
-                          <a:latin typeface="+mn-ea"/>
-                          <a:ea typeface="+mn-ea"/>
+                          <a:latin typeface="맑은 고딕" panose="020B0503020000020004" pitchFamily="50" charset="-127"/>
+                          <a:ea typeface="맑은 고딕" panose="020B0503020000020004" pitchFamily="50" charset="-127"/>
                         </a:rPr>
                         <a:t> </a:t>
                       </a:r>
                       <a:r>
                         <a:rPr lang="en-US" sz="1200" baseline="0" dirty="0" err="1" smtClean="0">
-                          <a:latin typeface="+mn-ea"/>
-                          <a:ea typeface="+mn-ea"/>
+                          <a:latin typeface="맑은 고딕" panose="020B0503020000020004" pitchFamily="50" charset="-127"/>
+                          <a:ea typeface="맑은 고딕" panose="020B0503020000020004" pitchFamily="50" charset="-127"/>
                         </a:rPr>
                         <a:t>selectedRow</a:t>
                       </a:r>
                       <a:r>
                         <a:rPr lang="en-US" sz="1200" baseline="0" dirty="0" smtClean="0">
-                          <a:latin typeface="+mn-ea"/>
-                          <a:ea typeface="+mn-ea"/>
+                          <a:latin typeface="맑은 고딕" panose="020B0503020000020004" pitchFamily="50" charset="-127"/>
+                          <a:ea typeface="맑은 고딕" panose="020B0503020000020004" pitchFamily="50" charset="-127"/>
                         </a:rPr>
                         <a:t>)</a:t>
                       </a:r>
@@ -12416,36 +15251,36 @@
                     <a:p>
                       <a:r>
                         <a:rPr lang="en-US" sz="1200" dirty="0" smtClean="0">
-                          <a:latin typeface="+mn-ea"/>
-                          <a:ea typeface="+mn-ea"/>
+                          <a:latin typeface="맑은 고딕" panose="020B0503020000020004" pitchFamily="50" charset="-127"/>
+                          <a:ea typeface="맑은 고딕" panose="020B0503020000020004" pitchFamily="50" charset="-127"/>
                         </a:rPr>
                         <a:t>public void </a:t>
                       </a:r>
                       <a:r>
                         <a:rPr lang="en-US" sz="1200" dirty="0" err="1" smtClean="0">
-                          <a:latin typeface="+mn-ea"/>
-                          <a:ea typeface="+mn-ea"/>
+                          <a:latin typeface="맑은 고딕" panose="020B0503020000020004" pitchFamily="50" charset="-127"/>
+                          <a:ea typeface="맑은 고딕" panose="020B0503020000020004" pitchFamily="50" charset="-127"/>
                         </a:rPr>
                         <a:t>actionPerformed</a:t>
                       </a:r>
                       <a:r>
                         <a:rPr lang="en-US" sz="1200" dirty="0" smtClean="0">
-                          <a:latin typeface="+mn-ea"/>
-                          <a:ea typeface="+mn-ea"/>
+                          <a:latin typeface="맑은 고딕" panose="020B0503020000020004" pitchFamily="50" charset="-127"/>
+                          <a:ea typeface="맑은 고딕" panose="020B0503020000020004" pitchFamily="50" charset="-127"/>
                         </a:rPr>
                         <a:t>(</a:t>
                       </a:r>
                       <a:r>
                         <a:rPr lang="en-US" sz="1200" dirty="0" err="1" smtClean="0">
-                          <a:latin typeface="+mn-ea"/>
-                          <a:ea typeface="+mn-ea"/>
+                          <a:latin typeface="맑은 고딕" panose="020B0503020000020004" pitchFamily="50" charset="-127"/>
+                          <a:ea typeface="맑은 고딕" panose="020B0503020000020004" pitchFamily="50" charset="-127"/>
                         </a:rPr>
                         <a:t>ActionEvent</a:t>
                       </a:r>
                       <a:r>
                         <a:rPr lang="en-US" sz="1200" baseline="0" dirty="0" smtClean="0">
-                          <a:latin typeface="+mn-ea"/>
-                          <a:ea typeface="+mn-ea"/>
+                          <a:latin typeface="맑은 고딕" panose="020B0503020000020004" pitchFamily="50" charset="-127"/>
+                          <a:ea typeface="맑은 고딕" panose="020B0503020000020004" pitchFamily="50" charset="-127"/>
                         </a:rPr>
                         <a:t> e)</a:t>
                       </a:r>
@@ -12453,36 +15288,36 @@
                     <a:p>
                       <a:r>
                         <a:rPr lang="en-US" sz="1200" baseline="0" dirty="0" smtClean="0">
-                          <a:latin typeface="+mn-ea"/>
-                          <a:ea typeface="+mn-ea"/>
+                          <a:latin typeface="맑은 고딕" panose="020B0503020000020004" pitchFamily="50" charset="-127"/>
+                          <a:ea typeface="맑은 고딕" panose="020B0503020000020004" pitchFamily="50" charset="-127"/>
                         </a:rPr>
                         <a:t>public void </a:t>
                       </a:r>
                       <a:r>
                         <a:rPr lang="en-US" sz="1200" baseline="0" dirty="0" err="1" smtClean="0">
-                          <a:latin typeface="+mn-ea"/>
-                          <a:ea typeface="+mn-ea"/>
+                          <a:latin typeface="맑은 고딕" panose="020B0503020000020004" pitchFamily="50" charset="-127"/>
+                          <a:ea typeface="맑은 고딕" panose="020B0503020000020004" pitchFamily="50" charset="-127"/>
                         </a:rPr>
                         <a:t>mouseClicked</a:t>
                       </a:r>
                       <a:r>
                         <a:rPr lang="en-US" sz="1200" baseline="0" dirty="0" smtClean="0">
-                          <a:latin typeface="+mn-ea"/>
-                          <a:ea typeface="+mn-ea"/>
+                          <a:latin typeface="맑은 고딕" panose="020B0503020000020004" pitchFamily="50" charset="-127"/>
+                          <a:ea typeface="맑은 고딕" panose="020B0503020000020004" pitchFamily="50" charset="-127"/>
                         </a:rPr>
                         <a:t> (</a:t>
                       </a:r>
                       <a:r>
                         <a:rPr lang="en-US" sz="1200" baseline="0" dirty="0" err="1" smtClean="0">
-                          <a:latin typeface="+mn-ea"/>
-                          <a:ea typeface="+mn-ea"/>
+                          <a:latin typeface="맑은 고딕" panose="020B0503020000020004" pitchFamily="50" charset="-127"/>
+                          <a:ea typeface="맑은 고딕" panose="020B0503020000020004" pitchFamily="50" charset="-127"/>
                         </a:rPr>
                         <a:t>MouseEvent</a:t>
                       </a:r>
                       <a:r>
                         <a:rPr lang="en-US" sz="1200" baseline="0" dirty="0" smtClean="0">
-                          <a:latin typeface="+mn-ea"/>
-                          <a:ea typeface="+mn-ea"/>
+                          <a:latin typeface="맑은 고딕" panose="020B0503020000020004" pitchFamily="50" charset="-127"/>
+                          <a:ea typeface="맑은 고딕" panose="020B0503020000020004" pitchFamily="50" charset="-127"/>
                         </a:rPr>
                         <a:t> e)   </a:t>
                       </a:r>

--- a/doc/3_ 설계서/Class Design.pptx
+++ b/doc/3_ 설계서/Class Design.pptx
@@ -2,29 +2,29 @@
 <file path=ppt/presentation.xml><?xml version="1.0" encoding="utf-8"?>
 <p:presentation xmlns:a="http://schemas.openxmlformats.org/drawingml/2006/main" xmlns:r="http://schemas.openxmlformats.org/officeDocument/2006/relationships" xmlns:p="http://schemas.openxmlformats.org/presentationml/2006/main" showSpecialPlsOnTitleSld="0" strictFirstAndLastChars="0" saveSubsetFonts="1">
   <p:sldMasterIdLst>
-    <p:sldMasterId id="2147483655" r:id="rId1"/>
+    <p:sldMasterId id="2147483655" r:id="rId2"/>
   </p:sldMasterIdLst>
   <p:notesMasterIdLst>
-    <p:notesMasterId r:id="rId16"/>
+    <p:notesMasterId r:id="rId17"/>
   </p:notesMasterIdLst>
   <p:handoutMasterIdLst>
-    <p:handoutMasterId r:id="rId17"/>
+    <p:handoutMasterId r:id="rId18"/>
   </p:handoutMasterIdLst>
   <p:sldIdLst>
-    <p:sldId id="256" r:id="rId2"/>
-    <p:sldId id="257" r:id="rId3"/>
-    <p:sldId id="259" r:id="rId4"/>
-    <p:sldId id="260" r:id="rId5"/>
-    <p:sldId id="261" r:id="rId6"/>
-    <p:sldId id="262" r:id="rId7"/>
-    <p:sldId id="263" r:id="rId8"/>
-    <p:sldId id="264" r:id="rId9"/>
-    <p:sldId id="265" r:id="rId10"/>
-    <p:sldId id="266" r:id="rId11"/>
-    <p:sldId id="268" r:id="rId12"/>
-    <p:sldId id="269" r:id="rId13"/>
-    <p:sldId id="270" r:id="rId14"/>
-    <p:sldId id="273" r:id="rId15"/>
+    <p:sldId id="256" r:id="rId3"/>
+    <p:sldId id="257" r:id="rId4"/>
+    <p:sldId id="259" r:id="rId5"/>
+    <p:sldId id="260" r:id="rId6"/>
+    <p:sldId id="261" r:id="rId7"/>
+    <p:sldId id="262" r:id="rId8"/>
+    <p:sldId id="263" r:id="rId9"/>
+    <p:sldId id="264" r:id="rId10"/>
+    <p:sldId id="265" r:id="rId11"/>
+    <p:sldId id="266" r:id="rId12"/>
+    <p:sldId id="268" r:id="rId13"/>
+    <p:sldId id="269" r:id="rId14"/>
+    <p:sldId id="270" r:id="rId15"/>
+    <p:sldId id="273" r:id="rId16"/>
   </p:sldIdLst>
   <p:sldSz cx="9144000" cy="6858000" type="screen4x3"/>
   <p:notesSz cx="6797675" cy="9928225"/>
@@ -417,6 +417,7 @@
     </p:extLst>
   </p:cSld>
   <p:clrMap bg1="lt1" tx1="dk1" bg2="lt2" tx2="dk2" accent1="accent1" accent2="accent2" accent3="accent3" accent4="accent4" accent5="accent5" accent6="accent6" hlink="hlink" folHlink="folHlink"/>
+  <p:hf hdr="0" ftr="0" dt="0"/>
 </p:handoutMaster>
 </file>
 
@@ -743,6 +744,7 @@
     </p:extLst>
   </p:cSld>
   <p:clrMap bg1="lt1" tx1="dk1" bg2="lt2" tx2="dk2" accent1="accent1" accent2="accent2" accent3="accent3" accent4="accent4" accent5="accent5" accent6="accent6" hlink="hlink" folHlink="folHlink"/>
+  <p:hf hdr="0" ftr="0" dt="0"/>
   <p:notesStyle>
     <a:lvl1pPr algn="l" rtl="0" eaLnBrk="0" fontAlgn="base" hangingPunct="0">
       <a:spcBef>
@@ -1121,7 +1123,7 @@
           <p:nvPr userDrawn="1">
             <p:extLst>
               <p:ext uri="{D42A27DB-BD31-4B8C-83A1-F6EECF244321}">
-                <p14:modId xmlns:p14="http://schemas.microsoft.com/office/powerpoint/2010/main" val="3385421182"/>
+                <p14:modId xmlns:p14="http://schemas.microsoft.com/office/powerpoint/2010/main" val="4220479093"/>
               </p:ext>
             </p:extLst>
           </p:nvPr>
@@ -1282,7 +1284,35 @@
                         <a:buNone/>
                         <a:tabLst/>
                       </a:pPr>
-                      <a:endParaRPr kumimoji="1" lang="ko-KR" altLang="ko-KR" sz="900" b="0" i="0" u="none" strike="noStrike" cap="none" normalizeH="0" baseline="0" dirty="0">
+                      <a:r>
+                        <a:rPr kumimoji="1" lang="en-US" altLang="ko-KR" sz="1050" b="0" i="0" u="none" strike="noStrike" cap="none" normalizeH="0" baseline="0" dirty="0">
+                          <a:ln>
+                            <a:noFill/>
+                          </a:ln>
+                          <a:solidFill>
+                            <a:schemeClr val="tx1"/>
+                          </a:solidFill>
+                          <a:effectLst/>
+                          <a:latin typeface="맑은 고딕" pitchFamily="50" charset="-127"/>
+                          <a:ea typeface="맑은 고딕" pitchFamily="50" charset="-127"/>
+                        </a:rPr>
+                        <a:t>To do List </a:t>
+                      </a:r>
+                      <a:r>
+                        <a:rPr kumimoji="1" lang="ko-KR" altLang="en-US" sz="1050" b="0" i="0" u="none" strike="noStrike" cap="none" normalizeH="0" baseline="0" dirty="0">
+                          <a:ln>
+                            <a:noFill/>
+                          </a:ln>
+                          <a:solidFill>
+                            <a:schemeClr val="tx1"/>
+                          </a:solidFill>
+                          <a:effectLst/>
+                          <a:latin typeface="맑은 고딕" pitchFamily="50" charset="-127"/>
+                          <a:ea typeface="맑은 고딕" pitchFamily="50" charset="-127"/>
+                        </a:rPr>
+                        <a:t>관리프로그램</a:t>
+                      </a:r>
+                      <a:endParaRPr kumimoji="1" lang="ko-KR" altLang="ko-KR" sz="1050" b="0" i="0" u="none" strike="noStrike" cap="none" normalizeH="0" baseline="0" dirty="0">
                         <a:ln>
                           <a:noFill/>
                         </a:ln>
@@ -1363,7 +1393,7 @@
                         <a:tabLst/>
                       </a:pPr>
                       <a:r>
-                        <a:rPr kumimoji="1" lang="ko-KR" altLang="en-US" sz="900" b="0" i="0" u="none" strike="noStrike" cap="none" normalizeH="0" baseline="0" dirty="0">
+                        <a:rPr kumimoji="1" lang="ko-KR" altLang="en-US" sz="1050" b="0" i="0" u="none" strike="noStrike" cap="none" normalizeH="0" baseline="0" dirty="0">
                           <a:ln>
                             <a:noFill/>
                           </a:ln>
@@ -1376,7 +1406,7 @@
                         </a:rPr>
                         <a:t>문서 명</a:t>
                       </a:r>
-                      <a:endParaRPr kumimoji="1" lang="ko-KR" altLang="ko-KR" sz="900" b="0" i="0" u="none" strike="noStrike" cap="none" normalizeH="0" baseline="0" dirty="0">
+                      <a:endParaRPr kumimoji="1" lang="ko-KR" altLang="ko-KR" sz="1050" b="0" i="0" u="none" strike="noStrike" cap="none" normalizeH="0" baseline="0" dirty="0">
                         <a:ln>
                           <a:noFill/>
                         </a:ln>
@@ -1459,7 +1489,7 @@
                         <a:tabLst/>
                       </a:pPr>
                       <a:r>
-                        <a:rPr kumimoji="1" lang="en-US" altLang="ko-KR" sz="900" b="0" i="0" u="none" strike="noStrike" cap="none" normalizeH="0" baseline="0" dirty="0">
+                        <a:rPr kumimoji="1" lang="en-US" altLang="ko-KR" sz="1050" b="0" i="0" u="none" strike="noStrike" cap="none" normalizeH="0" baseline="0" dirty="0">
                           <a:ln>
                             <a:noFill/>
                           </a:ln>
@@ -1473,7 +1503,7 @@
                         <a:t>Class </a:t>
                       </a:r>
                       <a:r>
-                        <a:rPr kumimoji="1" lang="ko-KR" altLang="en-US" sz="900" b="0" i="0" u="none" strike="noStrike" cap="none" normalizeH="0" baseline="0" dirty="0">
+                        <a:rPr kumimoji="1" lang="ko-KR" altLang="en-US" sz="1050" b="0" i="0" u="none" strike="noStrike" cap="none" normalizeH="0" baseline="0" dirty="0">
                           <a:ln>
                             <a:noFill/>
                           </a:ln>
@@ -1486,7 +1516,7 @@
                         </a:rPr>
                         <a:t>설계서</a:t>
                       </a:r>
-                      <a:endParaRPr kumimoji="1" lang="ko-KR" sz="900" b="0" i="0" u="none" strike="noStrike" cap="none" normalizeH="0" baseline="0" dirty="0">
+                      <a:endParaRPr kumimoji="1" lang="ko-KR" sz="1050" b="0" i="0" u="none" strike="noStrike" cap="none" normalizeH="0" baseline="0" dirty="0">
                         <a:ln>
                           <a:noFill/>
                         </a:ln>
@@ -1736,7 +1766,7 @@
                         <a:tabLst/>
                       </a:pPr>
                       <a:r>
-                        <a:rPr kumimoji="1" lang="ko-KR" altLang="en-US" sz="900" b="0" i="0" u="none" strike="noStrike" cap="none" normalizeH="0" baseline="0" dirty="0">
+                        <a:rPr kumimoji="1" lang="ko-KR" altLang="en-US" sz="1050" b="0" i="0" u="none" strike="noStrike" cap="none" normalizeH="0" baseline="0" dirty="0">
                           <a:ln>
                             <a:noFill/>
                           </a:ln>
@@ -1749,7 +1779,7 @@
                         </a:rPr>
                         <a:t>버전</a:t>
                       </a:r>
-                      <a:endParaRPr kumimoji="1" lang="ko-KR" altLang="ko-KR" sz="900" b="0" i="0" u="none" strike="noStrike" cap="none" normalizeH="0" baseline="0" dirty="0">
+                      <a:endParaRPr kumimoji="1" lang="ko-KR" altLang="ko-KR" sz="1050" b="0" i="0" u="none" strike="noStrike" cap="none" normalizeH="0" baseline="0" dirty="0">
                         <a:ln>
                           <a:noFill/>
                         </a:ln>
@@ -1832,7 +1862,7 @@
                         <a:tabLst/>
                       </a:pPr>
                       <a:r>
-                        <a:rPr kumimoji="1" lang="en-US" altLang="ko-KR" sz="900" b="0" i="0" u="none" strike="noStrike" cap="none" normalizeH="0" baseline="0" dirty="0">
+                        <a:rPr kumimoji="1" lang="en-US" altLang="ko-KR" sz="1050" b="0" i="0" u="none" strike="noStrike" cap="none" normalizeH="0" baseline="0" dirty="0">
                           <a:ln>
                             <a:noFill/>
                           </a:ln>
@@ -1843,9 +1873,9 @@
                           <a:latin typeface="맑은 고딕" pitchFamily="50" charset="-127"/>
                           <a:ea typeface="맑은 고딕" pitchFamily="50" charset="-127"/>
                         </a:rPr>
-                        <a:t>V X.X</a:t>
-                      </a:r>
-                      <a:endParaRPr kumimoji="1" lang="ko-KR" altLang="ko-KR" sz="900" b="0" i="0" u="none" strike="noStrike" cap="none" normalizeH="0" baseline="0" dirty="0">
+                        <a:t>V1.0.1</a:t>
+                      </a:r>
+                      <a:endParaRPr kumimoji="1" lang="ko-KR" altLang="ko-KR" sz="1050" b="0" i="0" u="none" strike="noStrike" cap="none" normalizeH="0" baseline="0" dirty="0">
                         <a:ln>
                           <a:noFill/>
                         </a:ln>
@@ -1961,8 +1991,16 @@
           <a:p>
             <a:pPr algn="r"/>
             <a:r>
-              <a:rPr lang="ko-KR" altLang="en-US" dirty="0"/>
-              <a:t>팀 명</a:t>
+              <a:rPr lang="en-US" altLang="ko-KR"/>
+              <a:t>7</a:t>
+            </a:r>
+            <a:r>
+              <a:rPr lang="ko-KR" altLang="en-US"/>
+              <a:t>조 </a:t>
+            </a:r>
+            <a:r>
+              <a:rPr lang="en-US" altLang="ko-KR"/>
+              <a:t>Turkey</a:t>
             </a:r>
             <a:endParaRPr lang="en-US" altLang="ko-KR" dirty="0"/>
           </a:p>
@@ -2250,11 +2288,14 @@
           </p:cNvSpPr>
           <p:nvPr>
             <p:ph type="ftr" sz="quarter" idx="3"/>
+            <p:custDataLst>
+              <p:custData r:id="rId1"/>
+            </p:custDataLst>
           </p:nvPr>
         </p:nvSpPr>
         <p:spPr bwMode="black">
           <a:xfrm>
-            <a:off x="6061745" y="6464300"/>
+            <a:off x="6064250" y="6464300"/>
             <a:ext cx="2798763" cy="300038"/>
           </a:xfrm>
           <a:prstGeom prst="rect">
@@ -2277,22 +2318,29 @@
           </a:bodyPr>
           <a:lstStyle>
             <a:lvl1pPr>
-              <a:defRPr sz="900" i="1" baseline="0">
+              <a:defRPr sz="900" i="0" baseline="0">
                 <a:solidFill>
                   <a:srgbClr val="000066"/>
                 </a:solidFill>
-                <a:latin typeface="Times New Roman" charset="0"/>
-                <a:ea typeface="굴림" pitchFamily="50" charset="-127"/>
+                <a:latin typeface="맑은 고딕" panose="020B0503020000020004" pitchFamily="50" charset="-127"/>
+                <a:ea typeface="맑은 고딕" panose="020B0503020000020004" pitchFamily="50" charset="-127"/>
               </a:defRPr>
             </a:lvl1pPr>
           </a:lstStyle>
           <a:p>
             <a:pPr algn="r"/>
             <a:r>
+              <a:rPr lang="en-US" altLang="ko-KR" dirty="0"/>
+              <a:t>7</a:t>
+            </a:r>
+            <a:r>
               <a:rPr lang="ko-KR" altLang="en-US" dirty="0"/>
-              <a:t>팀 명</a:t>
+              <a:t>조 </a:t>
             </a:r>
-            <a:endParaRPr lang="en-US" altLang="ko-KR" dirty="0"/>
+            <a:r>
+              <a:rPr lang="en-US" altLang="ko-KR" dirty="0"/>
+              <a:t>Turkey</a:t>
+            </a:r>
           </a:p>
         </p:txBody>
       </p:sp>
@@ -2330,7 +2378,7 @@
           <p:nvPr userDrawn="1">
             <p:extLst>
               <p:ext uri="{D42A27DB-BD31-4B8C-83A1-F6EECF244321}">
-                <p14:modId xmlns:p14="http://schemas.microsoft.com/office/powerpoint/2010/main" val="825430496"/>
+                <p14:modId xmlns:p14="http://schemas.microsoft.com/office/powerpoint/2010/main" val="492983033"/>
               </p:ext>
             </p:extLst>
           </p:nvPr>
@@ -2396,7 +2444,7 @@
                         <a:tabLst/>
                       </a:pPr>
                       <a:r>
-                        <a:rPr kumimoji="1" lang="ko-KR" altLang="en-US" sz="900" b="0" i="0" u="none" strike="noStrike" cap="none" normalizeH="0" baseline="0" dirty="0">
+                        <a:rPr kumimoji="1" lang="ko-KR" altLang="en-US" sz="1050" b="0" i="0" u="none" strike="noStrike" cap="none" normalizeH="0" baseline="0" dirty="0">
                           <a:ln>
                             <a:noFill/>
                           </a:ln>
@@ -2409,7 +2457,7 @@
                         </a:rPr>
                         <a:t>프로젝트 명</a:t>
                       </a:r>
-                      <a:endParaRPr kumimoji="1" lang="ko-KR" altLang="ko-KR" sz="900" b="0" i="0" u="none" strike="noStrike" cap="none" normalizeH="0" baseline="0" dirty="0">
+                      <a:endParaRPr kumimoji="1" lang="ko-KR" altLang="ko-KR" sz="1050" b="0" i="0" u="none" strike="noStrike" cap="none" normalizeH="0" baseline="0" dirty="0">
                         <a:ln>
                           <a:noFill/>
                         </a:ln>
@@ -2492,38 +2540,38 @@
                         <a:tabLst/>
                       </a:pPr>
                       <a:r>
-                        <a:rPr lang="en-US" sz="900" kern="1200" dirty="0">
+                        <a:rPr lang="en-US" sz="1050" kern="1200" dirty="0">
                           <a:solidFill>
                             <a:schemeClr val="tx1"/>
                           </a:solidFill>
                           <a:effectLst/>
-                          <a:latin typeface="+mn-ea"/>
-                          <a:ea typeface="+mn-ea"/>
+                          <a:latin typeface="맑은 고딕" panose="020B0503020000020004" pitchFamily="50" charset="-127"/>
+                          <a:ea typeface="맑은 고딕" panose="020B0503020000020004" pitchFamily="50" charset="-127"/>
                           <a:cs typeface="+mn-cs"/>
                         </a:rPr>
                         <a:t>To do list </a:t>
                       </a:r>
                       <a:r>
-                        <a:rPr lang="ko-KR" altLang="en-US" sz="900" kern="1200" dirty="0">
+                        <a:rPr lang="ko-KR" altLang="en-US" sz="1050" kern="1200" dirty="0">
                           <a:solidFill>
                             <a:schemeClr val="tx1"/>
                           </a:solidFill>
                           <a:effectLst/>
-                          <a:latin typeface="+mn-ea"/>
-                          <a:ea typeface="+mn-ea"/>
+                          <a:latin typeface="맑은 고딕" panose="020B0503020000020004" pitchFamily="50" charset="-127"/>
+                          <a:ea typeface="맑은 고딕" panose="020B0503020000020004" pitchFamily="50" charset="-127"/>
                           <a:cs typeface="+mn-cs"/>
                         </a:rPr>
                         <a:t>관리 프로그램</a:t>
                       </a:r>
                       <a:r>
-                        <a:rPr lang="en-US" sz="900" dirty="0">
+                        <a:rPr lang="en-US" sz="1050" dirty="0">
                           <a:effectLst/>
-                          <a:latin typeface="+mn-ea"/>
-                          <a:ea typeface="+mn-ea"/>
+                          <a:latin typeface="맑은 고딕" panose="020B0503020000020004" pitchFamily="50" charset="-127"/>
+                          <a:ea typeface="맑은 고딕" panose="020B0503020000020004" pitchFamily="50" charset="-127"/>
                         </a:rPr>
                         <a:t> </a:t>
                       </a:r>
-                      <a:endParaRPr kumimoji="1" lang="ko-KR" altLang="ko-KR" sz="900" b="0" i="0" u="none" strike="noStrike" cap="none" normalizeH="0" baseline="0" dirty="0">
+                      <a:endParaRPr kumimoji="1" lang="ko-KR" altLang="ko-KR" sz="1050" b="0" i="0" u="none" strike="noStrike" cap="none" normalizeH="0" baseline="0" dirty="0">
                         <a:ln>
                           <a:noFill/>
                         </a:ln>
@@ -2531,8 +2579,8 @@
                           <a:schemeClr val="tx1"/>
                         </a:solidFill>
                         <a:effectLst/>
-                        <a:latin typeface="+mn-ea"/>
-                        <a:ea typeface="+mn-ea"/>
+                        <a:latin typeface="맑은 고딕" panose="020B0503020000020004" pitchFamily="50" charset="-127"/>
+                        <a:ea typeface="맑은 고딕" panose="020B0503020000020004" pitchFamily="50" charset="-127"/>
                       </a:endParaRPr>
                     </a:p>
                   </a:txBody>
@@ -2604,7 +2652,7 @@
                         <a:tabLst/>
                       </a:pPr>
                       <a:r>
-                        <a:rPr kumimoji="1" lang="ko-KR" altLang="en-US" sz="900" b="0" i="0" u="none" strike="noStrike" cap="none" normalizeH="0" baseline="0" dirty="0">
+                        <a:rPr kumimoji="1" lang="ko-KR" altLang="en-US" sz="1050" b="0" i="0" u="none" strike="noStrike" cap="none" normalizeH="0" baseline="0" dirty="0">
                           <a:ln>
                             <a:noFill/>
                           </a:ln>
@@ -2617,7 +2665,7 @@
                         </a:rPr>
                         <a:t>문서 명</a:t>
                       </a:r>
-                      <a:endParaRPr kumimoji="1" lang="ko-KR" altLang="ko-KR" sz="900" b="0" i="0" u="none" strike="noStrike" cap="none" normalizeH="0" baseline="0" dirty="0">
+                      <a:endParaRPr kumimoji="1" lang="ko-KR" altLang="ko-KR" sz="1050" b="0" i="0" u="none" strike="noStrike" cap="none" normalizeH="0" baseline="0" dirty="0">
                         <a:ln>
                           <a:noFill/>
                         </a:ln>
@@ -2700,7 +2748,7 @@
                         <a:tabLst/>
                       </a:pPr>
                       <a:r>
-                        <a:rPr kumimoji="1" lang="en-US" altLang="ko-KR" sz="900" b="0" i="0" u="none" strike="noStrike" cap="none" normalizeH="0" baseline="0" dirty="0">
+                        <a:rPr kumimoji="1" lang="en-US" altLang="ko-KR" sz="1050" b="0" i="0" u="none" strike="noStrike" cap="none" normalizeH="0" baseline="0" dirty="0">
                           <a:ln>
                             <a:noFill/>
                           </a:ln>
@@ -2714,7 +2762,7 @@
                         <a:t>Class </a:t>
                       </a:r>
                       <a:r>
-                        <a:rPr kumimoji="1" lang="ko-KR" altLang="en-US" sz="900" b="0" i="0" u="none" strike="noStrike" cap="none" normalizeH="0" baseline="0" dirty="0">
+                        <a:rPr kumimoji="1" lang="ko-KR" altLang="en-US" sz="1050" b="0" i="0" u="none" strike="noStrike" cap="none" normalizeH="0" baseline="0" dirty="0">
                           <a:ln>
                             <a:noFill/>
                           </a:ln>
@@ -2727,7 +2775,7 @@
                         </a:rPr>
                         <a:t>설계서</a:t>
                       </a:r>
-                      <a:endParaRPr kumimoji="1" lang="ko-KR" sz="900" b="0" i="0" u="none" strike="noStrike" cap="none" normalizeH="0" baseline="0" dirty="0">
+                      <a:endParaRPr kumimoji="1" lang="ko-KR" sz="1050" b="0" i="0" u="none" strike="noStrike" cap="none" normalizeH="0" baseline="0" dirty="0">
                         <a:ln>
                           <a:noFill/>
                         </a:ln>
@@ -2977,7 +3025,7 @@
                         <a:tabLst/>
                       </a:pPr>
                       <a:r>
-                        <a:rPr kumimoji="1" lang="ko-KR" altLang="en-US" sz="900" b="0" i="0" u="none" strike="noStrike" cap="none" normalizeH="0" baseline="0" dirty="0">
+                        <a:rPr kumimoji="1" lang="ko-KR" altLang="en-US" sz="1050" b="0" i="0" u="none" strike="noStrike" cap="none" normalizeH="0" baseline="0" dirty="0">
                           <a:ln>
                             <a:noFill/>
                           </a:ln>
@@ -2990,7 +3038,7 @@
                         </a:rPr>
                         <a:t>버전</a:t>
                       </a:r>
-                      <a:endParaRPr kumimoji="1" lang="ko-KR" altLang="ko-KR" sz="900" b="0" i="0" u="none" strike="noStrike" cap="none" normalizeH="0" baseline="0" dirty="0">
+                      <a:endParaRPr kumimoji="1" lang="ko-KR" altLang="ko-KR" sz="1050" b="0" i="0" u="none" strike="noStrike" cap="none" normalizeH="0" baseline="0" dirty="0">
                         <a:ln>
                           <a:noFill/>
                         </a:ln>
@@ -3073,16 +3121,16 @@
                         <a:tabLst/>
                       </a:pPr>
                       <a:r>
-                        <a:rPr lang="en-US" sz="900" kern="1200">
+                        <a:rPr lang="en-US" sz="1050" kern="1200" dirty="0">
                           <a:solidFill>
                             <a:schemeClr val="tx1"/>
                           </a:solidFill>
                           <a:effectLst/>
-                          <a:latin typeface="Malgun Gothic" charset="-127"/>
-                          <a:ea typeface="Malgun Gothic" charset="-127"/>
-                          <a:cs typeface="Malgun Gothic" charset="-127"/>
-                        </a:rPr>
-                        <a:t>V1.0.0</a:t>
+                          <a:latin typeface="맑은 고딕" panose="020B0503020000020004" pitchFamily="50" charset="-127"/>
+                          <a:ea typeface="맑은 고딕" panose="020B0503020000020004" pitchFamily="50" charset="-127"/>
+                          <a:cs typeface="Malgun Gothic" charset="-127"/>
+                        </a:rPr>
+                        <a:t>V1.0.1</a:t>
                       </a:r>
                     </a:p>
                   </a:txBody>
@@ -3179,15 +3227,23 @@
             <a:lvl1pPr>
               <a:defRPr sz="1050" i="0" baseline="0">
                 <a:solidFill>
-                  <a:srgbClr val="000066"/>
+                  <a:schemeClr val="tx1"/>
                 </a:solidFill>
-                <a:latin typeface="+mj-ea"/>
-                <a:ea typeface="+mj-ea"/>
+                <a:latin typeface="맑은 고딕" panose="020B0503020000020004" pitchFamily="50" charset="-127"/>
+                <a:ea typeface="맑은 고딕" panose="020B0503020000020004" pitchFamily="50" charset="-127"/>
               </a:defRPr>
             </a:lvl1pPr>
           </a:lstStyle>
           <a:p>
             <a:pPr algn="r"/>
+            <a:r>
+              <a:rPr lang="en-US" altLang="ko-KR" dirty="0"/>
+              <a:t>7</a:t>
+            </a:r>
+            <a:r>
+              <a:rPr lang="ko-KR" altLang="en-US" dirty="0"/>
+              <a:t>조 </a:t>
+            </a:r>
             <a:r>
               <a:rPr lang="en-US" altLang="ko-KR" dirty="0"/>
               <a:t>Turkey</a:t>
@@ -3462,8 +3518,16 @@
           <a:p>
             <a:pPr algn="r"/>
             <a:r>
-              <a:rPr lang="ko-KR" altLang="en-US" dirty="0"/>
-              <a:t>팀 명</a:t>
+              <a:rPr lang="en-US" altLang="ko-KR"/>
+              <a:t>7</a:t>
+            </a:r>
+            <a:r>
+              <a:rPr lang="ko-KR" altLang="en-US"/>
+              <a:t>조 </a:t>
+            </a:r>
+            <a:r>
+              <a:rPr lang="en-US" altLang="ko-KR"/>
+              <a:t>Turkey</a:t>
             </a:r>
             <a:endParaRPr lang="en-US" altLang="ko-KR" dirty="0"/>
           </a:p>
@@ -4031,8 +4095,8 @@
         </p:nvSpPr>
         <p:spPr>
           <a:xfrm>
-            <a:off x="7541100" y="4233144"/>
-            <a:ext cx="959045" cy="400110"/>
+            <a:off x="7076037" y="4233144"/>
+            <a:ext cx="1424108" cy="400110"/>
           </a:xfrm>
           <a:prstGeom prst="rect">
             <a:avLst/>
@@ -4046,10 +4110,30 @@
           <a:lstStyle/>
           <a:p>
             <a:r>
-              <a:rPr lang="en-US" altLang="ko-KR" sz="2000" dirty="0"/>
+              <a:rPr lang="en-US" altLang="ko-KR" sz="2000" dirty="0">
+                <a:latin typeface="맑은 고딕" panose="020B0503020000020004" pitchFamily="50" charset="-127"/>
+                <a:ea typeface="맑은 고딕" panose="020B0503020000020004" pitchFamily="50" charset="-127"/>
+              </a:rPr>
+              <a:t>7</a:t>
+            </a:r>
+            <a:r>
+              <a:rPr lang="ko-KR" altLang="en-US" sz="2000" dirty="0">
+                <a:latin typeface="맑은 고딕" panose="020B0503020000020004" pitchFamily="50" charset="-127"/>
+                <a:ea typeface="맑은 고딕" panose="020B0503020000020004" pitchFamily="50" charset="-127"/>
+              </a:rPr>
+              <a:t>조 </a:t>
+            </a:r>
+            <a:r>
+              <a:rPr lang="en-US" altLang="ko-KR" sz="2000" dirty="0">
+                <a:latin typeface="맑은 고딕" panose="020B0503020000020004" pitchFamily="50" charset="-127"/>
+                <a:ea typeface="맑은 고딕" panose="020B0503020000020004" pitchFamily="50" charset="-127"/>
+              </a:rPr>
               <a:t>Turkey</a:t>
             </a:r>
-            <a:endParaRPr lang="ko-KR" altLang="en-US" sz="2000" dirty="0"/>
+            <a:endParaRPr lang="ko-KR" altLang="en-US" sz="2000" dirty="0">
+              <a:latin typeface="맑은 고딕" panose="020B0503020000020004" pitchFamily="50" charset="-127"/>
+              <a:ea typeface="맑은 고딕" panose="020B0503020000020004" pitchFamily="50" charset="-127"/>
+            </a:endParaRPr>
           </a:p>
         </p:txBody>
       </p:sp>
@@ -4100,9 +4184,18 @@
           <a:p>
             <a:pPr algn="r"/>
             <a:r>
-              <a:rPr lang="en-US" altLang="ko-KR" dirty="0"/>
+              <a:rPr lang="en-US" altLang="ko-KR"/>
+              <a:t>7</a:t>
+            </a:r>
+            <a:r>
+              <a:rPr lang="ko-KR" altLang="en-US"/>
+              <a:t>조 </a:t>
+            </a:r>
+            <a:r>
+              <a:rPr lang="en-US" altLang="ko-KR"/>
               <a:t>Turkey</a:t>
             </a:r>
+            <a:endParaRPr lang="en-US" altLang="ko-KR" dirty="0"/>
           </a:p>
         </p:txBody>
       </p:sp>
@@ -5601,9 +5694,18 @@
           <a:p>
             <a:pPr algn="r"/>
             <a:r>
-              <a:rPr lang="en-US" altLang="ko-KR" dirty="0"/>
+              <a:rPr lang="en-US" altLang="ko-KR"/>
+              <a:t>7</a:t>
+            </a:r>
+            <a:r>
+              <a:rPr lang="ko-KR" altLang="en-US"/>
+              <a:t>조 </a:t>
+            </a:r>
+            <a:r>
+              <a:rPr lang="en-US" altLang="ko-KR"/>
               <a:t>Turkey</a:t>
             </a:r>
+            <a:endParaRPr lang="en-US" altLang="ko-KR" dirty="0"/>
           </a:p>
         </p:txBody>
       </p:sp>
@@ -6152,9 +6254,18 @@
           <a:p>
             <a:pPr algn="r"/>
             <a:r>
-              <a:rPr lang="en-US" altLang="ko-KR" dirty="0"/>
+              <a:rPr lang="en-US" altLang="ko-KR"/>
+              <a:t>7</a:t>
+            </a:r>
+            <a:r>
+              <a:rPr lang="ko-KR" altLang="en-US"/>
+              <a:t>조 </a:t>
+            </a:r>
+            <a:r>
+              <a:rPr lang="en-US" altLang="ko-KR"/>
               <a:t>Turkey</a:t>
             </a:r>
+            <a:endParaRPr lang="en-US" altLang="ko-KR" dirty="0"/>
           </a:p>
         </p:txBody>
       </p:sp>
@@ -6615,9 +6726,18 @@
           <a:p>
             <a:pPr algn="r"/>
             <a:r>
-              <a:rPr lang="en-US" altLang="ko-KR" dirty="0"/>
+              <a:rPr lang="en-US" altLang="ko-KR"/>
+              <a:t>7</a:t>
+            </a:r>
+            <a:r>
+              <a:rPr lang="ko-KR" altLang="en-US"/>
+              <a:t>조 </a:t>
+            </a:r>
+            <a:r>
+              <a:rPr lang="en-US" altLang="ko-KR"/>
               <a:t>Turkey</a:t>
             </a:r>
+            <a:endParaRPr lang="en-US" altLang="ko-KR" dirty="0"/>
           </a:p>
         </p:txBody>
       </p:sp>
@@ -7878,6 +7998,14 @@
             <a:pPr algn="r"/>
             <a:r>
               <a:rPr lang="en-US" altLang="ko-KR"/>
+              <a:t>7</a:t>
+            </a:r>
+            <a:r>
+              <a:rPr lang="ko-KR" altLang="en-US"/>
+              <a:t>조 </a:t>
+            </a:r>
+            <a:r>
+              <a:rPr lang="en-US" altLang="ko-KR"/>
               <a:t>Turkey</a:t>
             </a:r>
             <a:endParaRPr lang="en-US" altLang="ko-KR" dirty="0"/>
@@ -7916,7 +8044,7 @@
         </p:nvSpPr>
         <p:spPr>
           <a:xfrm>
-            <a:off x="223819" y="906916"/>
+            <a:off x="234705" y="906916"/>
             <a:ext cx="1880283" cy="307777"/>
           </a:xfrm>
           <a:prstGeom prst="rect">
@@ -7931,10 +8059,16 @@
           <a:lstStyle/>
           <a:p>
             <a:r>
-              <a:rPr lang="en-US" altLang="ko-KR"/>
-              <a:t>Class Diagram</a:t>
+              <a:rPr lang="en-US" altLang="ko-KR" b="1" dirty="0">
+                <a:latin typeface="맑은 고딕" panose="020B0503020000020004" pitchFamily="50" charset="-127"/>
+                <a:ea typeface="맑은 고딕" panose="020B0503020000020004" pitchFamily="50" charset="-127"/>
+              </a:rPr>
+              <a:t>&lt;Class Diagram&gt;</a:t>
             </a:r>
-            <a:endParaRPr lang="ko-KR" altLang="en-US"/>
+            <a:endParaRPr lang="ko-KR" altLang="en-US" b="1" dirty="0">
+              <a:latin typeface="맑은 고딕" panose="020B0503020000020004" pitchFamily="50" charset="-127"/>
+              <a:ea typeface="맑은 고딕" panose="020B0503020000020004" pitchFamily="50" charset="-127"/>
+            </a:endParaRPr>
           </a:p>
         </p:txBody>
       </p:sp>
@@ -8007,10 +8141,18 @@
           <a:p>
             <a:pPr algn="r"/>
             <a:r>
-              <a:rPr lang="ko-KR" altLang="en-US" dirty="0"/>
-              <a:t>팀 명</a:t>
+              <a:rPr lang="en-US" altLang="ko-KR" sz="1050" i="0"/>
+              <a:t>7</a:t>
             </a:r>
-            <a:endParaRPr lang="en-US" altLang="ko-KR" dirty="0"/>
+            <a:r>
+              <a:rPr lang="ko-KR" altLang="en-US" sz="1050" i="0"/>
+              <a:t>조 </a:t>
+            </a:r>
+            <a:r>
+              <a:rPr lang="en-US" altLang="ko-KR" sz="1050" i="0"/>
+              <a:t>Turkey</a:t>
+            </a:r>
+            <a:endParaRPr lang="en-US" altLang="ko-KR" sz="1050" i="0" dirty="0"/>
           </a:p>
         </p:txBody>
       </p:sp>
@@ -8024,7 +8166,7 @@
             <p:ph idx="1"/>
             <p:extLst>
               <p:ext uri="{D42A27DB-BD31-4B8C-83A1-F6EECF244321}">
-                <p14:modId xmlns:p14="http://schemas.microsoft.com/office/powerpoint/2010/main" val="2654722094"/>
+                <p14:modId xmlns:p14="http://schemas.microsoft.com/office/powerpoint/2010/main" val="4037696652"/>
               </p:ext>
             </p:extLst>
           </p:nvPr>
@@ -8926,7 +9068,17 @@
                     <a:lstStyle/>
                     <a:p>
                       <a:pPr algn="ctr" latinLnBrk="1"/>
-                      <a:endParaRPr lang="ko-KR" altLang="en-US" sz="1200" b="0">
+                      <a:r>
+                        <a:rPr lang="en-US" altLang="ko-KR" sz="1200" b="0" dirty="0">
+                          <a:solidFill>
+                            <a:schemeClr val="tx1"/>
+                          </a:solidFill>
+                          <a:latin typeface="맑은 고딕" pitchFamily="50" charset="-127"/>
+                          <a:ea typeface="맑은 고딕" pitchFamily="50" charset="-127"/>
+                        </a:rPr>
+                        <a:t>2017.05.26</a:t>
+                      </a:r>
+                      <a:endParaRPr lang="ko-KR" altLang="en-US" sz="1200" b="0" dirty="0">
                         <a:solidFill>
                           <a:schemeClr val="tx1"/>
                         </a:solidFill>
@@ -8947,6 +9099,16 @@
                     <a:lstStyle/>
                     <a:p>
                       <a:pPr algn="ctr" latinLnBrk="1"/>
+                      <a:r>
+                        <a:rPr lang="en-US" altLang="ko-KR" sz="1200" b="0" dirty="0">
+                          <a:solidFill>
+                            <a:schemeClr val="tx1"/>
+                          </a:solidFill>
+                          <a:latin typeface="맑은 고딕" pitchFamily="50" charset="-127"/>
+                          <a:ea typeface="맑은 고딕" pitchFamily="50" charset="-127"/>
+                        </a:rPr>
+                        <a:t>V1.0.1</a:t>
+                      </a:r>
                       <a:endParaRPr lang="ko-KR" altLang="en-US" sz="1200" b="0" dirty="0">
                         <a:solidFill>
                           <a:schemeClr val="tx1"/>
@@ -8967,14 +9129,17 @@
                     <a:bodyPr/>
                     <a:lstStyle/>
                     <a:p>
-                      <a:pPr latinLnBrk="1"/>
-                      <a:endParaRPr lang="ko-KR" altLang="en-US" sz="1200" b="0" dirty="0">
-                        <a:solidFill>
-                          <a:schemeClr val="tx1"/>
-                        </a:solidFill>
-                        <a:latin typeface="맑은 고딕" pitchFamily="50" charset="-127"/>
-                        <a:ea typeface="맑은 고딕" pitchFamily="50" charset="-127"/>
-                      </a:endParaRPr>
+                      <a:pPr algn="ctr" latinLnBrk="1"/>
+                      <a:r>
+                        <a:rPr lang="ko-KR" altLang="en-US" sz="1200" b="0" dirty="0">
+                          <a:solidFill>
+                            <a:schemeClr val="tx1"/>
+                          </a:solidFill>
+                          <a:latin typeface="맑은 고딕" pitchFamily="50" charset="-127"/>
+                          <a:ea typeface="맑은 고딕" pitchFamily="50" charset="-127"/>
+                        </a:rPr>
+                        <a:t>오타 수정</a:t>
+                      </a:r>
                     </a:p>
                   </a:txBody>
                   <a:tcPr anchor="ctr">
@@ -8989,13 +9154,16 @@
                     <a:lstStyle/>
                     <a:p>
                       <a:pPr algn="ctr" latinLnBrk="1"/>
-                      <a:endParaRPr lang="ko-KR" altLang="en-US" sz="1200" b="0" dirty="0">
-                        <a:solidFill>
-                          <a:schemeClr val="tx1"/>
-                        </a:solidFill>
-                        <a:latin typeface="맑은 고딕" pitchFamily="50" charset="-127"/>
-                        <a:ea typeface="맑은 고딕" pitchFamily="50" charset="-127"/>
-                      </a:endParaRPr>
+                      <a:r>
+                        <a:rPr lang="ko-KR" altLang="en-US" sz="1200" b="0" dirty="0">
+                          <a:solidFill>
+                            <a:schemeClr val="tx1"/>
+                          </a:solidFill>
+                          <a:latin typeface="맑은 고딕" pitchFamily="50" charset="-127"/>
+                          <a:ea typeface="맑은 고딕" pitchFamily="50" charset="-127"/>
+                        </a:rPr>
+                        <a:t>구소연</a:t>
+                      </a:r>
                     </a:p>
                   </a:txBody>
                   <a:tcPr anchor="ctr">
@@ -9152,7 +9320,33 @@
           <a:p>
             <a:pPr algn="r"/>
             <a:r>
-              <a:rPr lang="en-US" altLang="ko-KR" dirty="0"/>
+              <a:rPr lang="en-US" altLang="ko-KR" dirty="0">
+                <a:solidFill>
+                  <a:schemeClr val="tx1"/>
+                </a:solidFill>
+                <a:latin typeface="맑은 고딕" panose="020B0503020000020004" pitchFamily="50" charset="-127"/>
+                <a:ea typeface="맑은 고딕" panose="020B0503020000020004" pitchFamily="50" charset="-127"/>
+              </a:rPr>
+              <a:t>7</a:t>
+            </a:r>
+            <a:r>
+              <a:rPr lang="ko-KR" altLang="en-US" dirty="0">
+                <a:solidFill>
+                  <a:schemeClr val="tx1"/>
+                </a:solidFill>
+                <a:latin typeface="맑은 고딕" panose="020B0503020000020004" pitchFamily="50" charset="-127"/>
+                <a:ea typeface="맑은 고딕" panose="020B0503020000020004" pitchFamily="50" charset="-127"/>
+              </a:rPr>
+              <a:t>조 </a:t>
+            </a:r>
+            <a:r>
+              <a:rPr lang="en-US" altLang="ko-KR" dirty="0">
+                <a:solidFill>
+                  <a:schemeClr val="tx1"/>
+                </a:solidFill>
+                <a:latin typeface="맑은 고딕" panose="020B0503020000020004" pitchFamily="50" charset="-127"/>
+                <a:ea typeface="맑은 고딕" panose="020B0503020000020004" pitchFamily="50" charset="-127"/>
+              </a:rPr>
               <a:t>Turkey</a:t>
             </a:r>
           </a:p>
@@ -9330,29 +9524,6 @@
           <a:chExt cx="0" cy="0"/>
         </a:xfrm>
       </p:grpSpPr>
-      <p:sp>
-        <p:nvSpPr>
-          <p:cNvPr id="2" name="Footer Placeholder 1"/>
-          <p:cNvSpPr>
-            <a:spLocks noGrp="1"/>
-          </p:cNvSpPr>
-          <p:nvPr>
-            <p:ph type="ftr" sz="quarter" idx="3"/>
-          </p:nvPr>
-        </p:nvSpPr>
-        <p:spPr/>
-        <p:txBody>
-          <a:bodyPr/>
-          <a:lstStyle/>
-          <a:p>
-            <a:pPr algn="r"/>
-            <a:r>
-              <a:rPr lang="en-US" altLang="ko-KR" dirty="0"/>
-              <a:t>Turkey</a:t>
-            </a:r>
-          </a:p>
-        </p:txBody>
-      </p:sp>
       <p:graphicFrame>
         <p:nvGraphicFramePr>
           <p:cNvPr id="5" name="Table 4"/>
@@ -9686,6 +9857,60 @@
           </a:graphicData>
         </a:graphic>
       </p:graphicFrame>
+      <p:sp>
+        <p:nvSpPr>
+          <p:cNvPr id="6" name="Footer Placeholder 1"/>
+          <p:cNvSpPr>
+            <a:spLocks noGrp="1"/>
+          </p:cNvSpPr>
+          <p:nvPr>
+            <p:ph type="ftr" sz="quarter" idx="3"/>
+          </p:nvPr>
+        </p:nvSpPr>
+        <p:spPr>
+          <a:xfrm>
+            <a:off x="6061745" y="6464300"/>
+            <a:ext cx="2798763" cy="300038"/>
+          </a:xfrm>
+        </p:spPr>
+        <p:txBody>
+          <a:bodyPr/>
+          <a:lstStyle/>
+          <a:p>
+            <a:pPr algn="r"/>
+            <a:r>
+              <a:rPr lang="en-US" altLang="ko-KR" dirty="0">
+                <a:solidFill>
+                  <a:schemeClr val="tx1"/>
+                </a:solidFill>
+                <a:latin typeface="맑은 고딕" panose="020B0503020000020004" pitchFamily="50" charset="-127"/>
+                <a:ea typeface="맑은 고딕" panose="020B0503020000020004" pitchFamily="50" charset="-127"/>
+              </a:rPr>
+              <a:t>7</a:t>
+            </a:r>
+            <a:r>
+              <a:rPr lang="ko-KR" altLang="en-US" dirty="0">
+                <a:solidFill>
+                  <a:schemeClr val="tx1"/>
+                </a:solidFill>
+                <a:latin typeface="맑은 고딕" panose="020B0503020000020004" pitchFamily="50" charset="-127"/>
+                <a:ea typeface="맑은 고딕" panose="020B0503020000020004" pitchFamily="50" charset="-127"/>
+              </a:rPr>
+              <a:t>조 </a:t>
+            </a:r>
+            <a:r>
+              <a:rPr lang="en-US" altLang="ko-KR" dirty="0">
+                <a:solidFill>
+                  <a:schemeClr val="tx1"/>
+                </a:solidFill>
+                <a:latin typeface="맑은 고딕" panose="020B0503020000020004" pitchFamily="50" charset="-127"/>
+                <a:ea typeface="맑은 고딕" panose="020B0503020000020004" pitchFamily="50" charset="-127"/>
+              </a:rPr>
+              <a:t>Turkey</a:t>
+            </a:r>
+          </a:p>
+        </p:txBody>
+      </p:sp>
     </p:spTree>
     <p:extLst>
       <p:ext uri="{BB962C8B-B14F-4D97-AF65-F5344CB8AC3E}">
@@ -9733,9 +9958,18 @@
           <a:p>
             <a:pPr algn="r"/>
             <a:r>
-              <a:rPr lang="en-US" altLang="ko-KR" dirty="0"/>
+              <a:rPr lang="en-US" altLang="ko-KR"/>
+              <a:t>7</a:t>
+            </a:r>
+            <a:r>
+              <a:rPr lang="ko-KR" altLang="en-US"/>
+              <a:t>조 </a:t>
+            </a:r>
+            <a:r>
+              <a:rPr lang="en-US" altLang="ko-KR"/>
               <a:t>Turkey</a:t>
             </a:r>
+            <a:endParaRPr lang="en-US" altLang="ko-KR" dirty="0"/>
           </a:p>
         </p:txBody>
       </p:sp>
@@ -10510,9 +10744,18 @@
           <a:p>
             <a:pPr algn="r"/>
             <a:r>
-              <a:rPr lang="en-US" altLang="ko-KR" dirty="0"/>
+              <a:rPr lang="en-US" altLang="ko-KR"/>
+              <a:t>7</a:t>
+            </a:r>
+            <a:r>
+              <a:rPr lang="ko-KR" altLang="en-US"/>
+              <a:t>조 </a:t>
+            </a:r>
+            <a:r>
+              <a:rPr lang="en-US" altLang="ko-KR"/>
               <a:t>Turkey</a:t>
             </a:r>
+            <a:endParaRPr lang="en-US" altLang="ko-KR" dirty="0"/>
           </a:p>
         </p:txBody>
       </p:sp>
@@ -12283,9 +12526,18 @@
           <a:p>
             <a:pPr algn="r"/>
             <a:r>
-              <a:rPr lang="en-US" altLang="ko-KR" dirty="0"/>
+              <a:rPr lang="en-US" altLang="ko-KR"/>
+              <a:t>7</a:t>
+            </a:r>
+            <a:r>
+              <a:rPr lang="ko-KR" altLang="en-US"/>
+              <a:t>조 </a:t>
+            </a:r>
+            <a:r>
+              <a:rPr lang="en-US" altLang="ko-KR"/>
               <a:t>Turkey</a:t>
             </a:r>
+            <a:endParaRPr lang="en-US" altLang="ko-KR" dirty="0"/>
           </a:p>
         </p:txBody>
       </p:sp>
@@ -13778,9 +14030,18 @@
           <a:p>
             <a:pPr algn="r"/>
             <a:r>
-              <a:rPr lang="en-US" altLang="ko-KR" dirty="0"/>
+              <a:rPr lang="en-US" altLang="ko-KR"/>
+              <a:t>7</a:t>
+            </a:r>
+            <a:r>
+              <a:rPr lang="ko-KR" altLang="en-US"/>
+              <a:t>조 </a:t>
+            </a:r>
+            <a:r>
+              <a:rPr lang="en-US" altLang="ko-KR"/>
               <a:t>Turkey</a:t>
             </a:r>
+            <a:endParaRPr lang="en-US" altLang="ko-KR" dirty="0"/>
           </a:p>
         </p:txBody>
       </p:sp>
@@ -14424,9 +14685,18 @@
           <a:p>
             <a:pPr algn="r"/>
             <a:r>
-              <a:rPr lang="en-US" altLang="ko-KR" dirty="0"/>
+              <a:rPr lang="en-US" altLang="ko-KR"/>
+              <a:t>7</a:t>
+            </a:r>
+            <a:r>
+              <a:rPr lang="ko-KR" altLang="en-US"/>
+              <a:t>조 </a:t>
+            </a:r>
+            <a:r>
+              <a:rPr lang="en-US" altLang="ko-KR"/>
               <a:t>Turkey</a:t>
             </a:r>
+            <a:endParaRPr lang="en-US" altLang="ko-KR" dirty="0"/>
           </a:p>
         </p:txBody>
       </p:sp>
@@ -17069,4 +17339,18 @@
   <a:objectDefaults/>
   <a:extraClrSchemeLst/>
 </a:theme>
+</file>
+
+<file path=customXml/item1.xml><?xml version="1.0" encoding="utf-8"?>
+<Control xmlns="http://schemas.microsoft.com/VisualStudio/2011/storyboarding/control">
+  <Id Name="73b44065-d419-45ae-963d-2064703e6491" Revision="1" Stencil="System.MyShapes" StencilVersion="1.0"/>
+</Control>
+</file>
+
+<file path=customXml/itemProps1.xml><?xml version="1.0" encoding="utf-8"?>
+<ds:datastoreItem xmlns:ds="http://schemas.openxmlformats.org/officeDocument/2006/customXml" ds:itemID="{A2828C8D-95E2-4E53-8E15-199FFD57E690}">
+  <ds:schemaRefs>
+    <ds:schemaRef ds:uri="http://schemas.microsoft.com/VisualStudio/2011/storyboarding/control"/>
+  </ds:schemaRefs>
+</ds:datastoreItem>
 </file>
--- a/doc/3_ 설계서/Class Design.pptx
+++ b/doc/3_ 설계서/Class Design.pptx
@@ -870,6 +870,91 @@
 </p:notesMaster>
 </file>
 
+<file path=ppt/notesSlides/notesSlide1.xml><?xml version="1.0" encoding="utf-8"?>
+<p:notes xmlns:a="http://schemas.openxmlformats.org/drawingml/2006/main" xmlns:r="http://schemas.openxmlformats.org/officeDocument/2006/relationships" xmlns:p="http://schemas.openxmlformats.org/presentationml/2006/main">
+  <p:cSld>
+    <p:spTree>
+      <p:nvGrpSpPr>
+        <p:cNvPr id="1" name=""/>
+        <p:cNvGrpSpPr/>
+        <p:nvPr/>
+      </p:nvGrpSpPr>
+      <p:grpSpPr>
+        <a:xfrm>
+          <a:off x="0" y="0"/>
+          <a:ext cx="0" cy="0"/>
+          <a:chOff x="0" y="0"/>
+          <a:chExt cx="0" cy="0"/>
+        </a:xfrm>
+      </p:grpSpPr>
+      <p:sp>
+        <p:nvSpPr>
+          <p:cNvPr id="2" name="Slide Image Placeholder 1"/>
+          <p:cNvSpPr>
+            <a:spLocks noGrp="1" noRot="1" noChangeAspect="1"/>
+          </p:cNvSpPr>
+          <p:nvPr>
+            <p:ph type="sldImg"/>
+          </p:nvPr>
+        </p:nvSpPr>
+        <p:spPr/>
+      </p:sp>
+      <p:sp>
+        <p:nvSpPr>
+          <p:cNvPr id="3" name="Notes Placeholder 2"/>
+          <p:cNvSpPr>
+            <a:spLocks noGrp="1"/>
+          </p:cNvSpPr>
+          <p:nvPr>
+            <p:ph type="body" idx="1"/>
+          </p:nvPr>
+        </p:nvSpPr>
+        <p:spPr/>
+        <p:txBody>
+          <a:bodyPr/>
+          <a:lstStyle/>
+          <a:p>
+            <a:endParaRPr lang="en-US"/>
+          </a:p>
+        </p:txBody>
+      </p:sp>
+      <p:sp>
+        <p:nvSpPr>
+          <p:cNvPr id="4" name="Slide Number Placeholder 3"/>
+          <p:cNvSpPr>
+            <a:spLocks noGrp="1"/>
+          </p:cNvSpPr>
+          <p:nvPr>
+            <p:ph type="sldNum" sz="quarter" idx="10"/>
+          </p:nvPr>
+        </p:nvSpPr>
+        <p:spPr/>
+        <p:txBody>
+          <a:bodyPr/>
+          <a:lstStyle/>
+          <a:p>
+            <a:fld id="{379E618C-E705-4CD1-A19E-88052652622A}" type="slidenum">
+              <a:rPr lang="en-US" smtClean="0"/>
+              <a:pPr/>
+              <a:t>3</a:t>
+            </a:fld>
+            <a:endParaRPr lang="en-US"/>
+          </a:p>
+        </p:txBody>
+      </p:sp>
+    </p:spTree>
+    <p:extLst>
+      <p:ext uri="{BB962C8B-B14F-4D97-AF65-F5344CB8AC3E}">
+        <p14:creationId xmlns:p14="http://schemas.microsoft.com/office/powerpoint/2010/main" val="2043623095"/>
+      </p:ext>
+    </p:extLst>
+  </p:cSld>
+  <p:clrMapOvr>
+    <a:masterClrMapping/>
+  </p:clrMapOvr>
+</p:notes>
+</file>
+
 <file path=ppt/slideLayouts/slideLayout1.xml><?xml version="1.0" encoding="utf-8"?>
 <p:sldLayout xmlns:a="http://schemas.openxmlformats.org/drawingml/2006/main" xmlns:r="http://schemas.openxmlformats.org/officeDocument/2006/relationships" xmlns:p="http://schemas.openxmlformats.org/presentationml/2006/main" showMasterSp="0" preserve="1" userDrawn="1">
   <p:cSld name="제목 슬라이드">
@@ -1079,6 +1164,10 @@
             </a:lvl1pPr>
           </a:lstStyle>
           <a:p>
+            <a:r>
+              <a:rPr lang="en-US" altLang="ko-KR" dirty="0"/>
+              <a:t/>
+            </a:r>
             <a:br>
               <a:rPr lang="en-US" altLang="ko-KR" dirty="0"/>
             </a:br>
@@ -1123,7 +1212,7 @@
           <p:nvPr userDrawn="1">
             <p:extLst>
               <p:ext uri="{D42A27DB-BD31-4B8C-83A1-F6EECF244321}">
-                <p14:modId xmlns:p14="http://schemas.microsoft.com/office/powerpoint/2010/main" val="4220479093"/>
+                <p14:modId xmlns:p14="http://schemas.microsoft.com/office/powerpoint/2010/main" val="575147405"/>
               </p:ext>
             </p:extLst>
           </p:nvPr>
@@ -1140,28 +1229,28 @@
                 <a:gridCol w="1022523">
                   <a:extLst>
                     <a:ext uri="{9D8B030D-6E8A-4147-A177-3AD203B41FA5}">
-                      <a16:colId xmlns:a16="http://schemas.microsoft.com/office/drawing/2014/main" val="20000"/>
+                      <a16:colId xmlns="" xmlns:a16="http://schemas.microsoft.com/office/drawing/2014/main" val="20000"/>
                     </a:ext>
                   </a:extLst>
                 </a:gridCol>
                 <a:gridCol w="3439486">
                   <a:extLst>
                     <a:ext uri="{9D8B030D-6E8A-4147-A177-3AD203B41FA5}">
-                      <a16:colId xmlns:a16="http://schemas.microsoft.com/office/drawing/2014/main" val="20001"/>
+                      <a16:colId xmlns="" xmlns:a16="http://schemas.microsoft.com/office/drawing/2014/main" val="20001"/>
                     </a:ext>
                   </a:extLst>
                 </a:gridCol>
                 <a:gridCol w="947956">
                   <a:extLst>
                     <a:ext uri="{9D8B030D-6E8A-4147-A177-3AD203B41FA5}">
-                      <a16:colId xmlns:a16="http://schemas.microsoft.com/office/drawing/2014/main" val="20002"/>
+                      <a16:colId xmlns="" xmlns:a16="http://schemas.microsoft.com/office/drawing/2014/main" val="20002"/>
                     </a:ext>
                   </a:extLst>
                 </a:gridCol>
                 <a:gridCol w="3523377">
                   <a:extLst>
                     <a:ext uri="{9D8B030D-6E8A-4147-A177-3AD203B41FA5}">
-                      <a16:colId xmlns:a16="http://schemas.microsoft.com/office/drawing/2014/main" val="20003"/>
+                      <a16:colId xmlns="" xmlns:a16="http://schemas.microsoft.com/office/drawing/2014/main" val="20003"/>
                     </a:ext>
                   </a:extLst>
                 </a:gridCol>
@@ -1577,7 +1666,7 @@
                 </a:tc>
                 <a:extLst>
                   <a:ext uri="{0D108BD9-81ED-4DB2-BD59-A6C34878D82A}">
-                    <a16:rowId xmlns:a16="http://schemas.microsoft.com/office/drawing/2014/main" val="10000"/>
+                    <a16:rowId xmlns="" xmlns:a16="http://schemas.microsoft.com/office/drawing/2014/main" val="10000"/>
                   </a:ext>
                 </a:extLst>
               </a:tr>
@@ -1862,7 +1951,7 @@
                         <a:tabLst/>
                       </a:pPr>
                       <a:r>
-                        <a:rPr kumimoji="1" lang="en-US" altLang="ko-KR" sz="1050" b="0" i="0" u="none" strike="noStrike" cap="none" normalizeH="0" baseline="0" dirty="0">
+                        <a:rPr kumimoji="1" lang="en-US" altLang="ko-KR" sz="1050" b="0" i="0" u="none" strike="noStrike" cap="none" normalizeH="0" baseline="0" dirty="0" smtClean="0">
                           <a:ln>
                             <a:noFill/>
                           </a:ln>
@@ -1873,7 +1962,7 @@
                           <a:latin typeface="맑은 고딕" pitchFamily="50" charset="-127"/>
                           <a:ea typeface="맑은 고딕" pitchFamily="50" charset="-127"/>
                         </a:rPr>
-                        <a:t>V1.0.1</a:t>
+                        <a:t>V2.0.0</a:t>
                       </a:r>
                       <a:endParaRPr kumimoji="1" lang="ko-KR" altLang="ko-KR" sz="1050" b="0" i="0" u="none" strike="noStrike" cap="none" normalizeH="0" baseline="0" dirty="0">
                         <a:ln>
@@ -1936,7 +2025,7 @@
                 </a:tc>
                 <a:extLst>
                   <a:ext uri="{0D108BD9-81ED-4DB2-BD59-A6C34878D82A}">
-                    <a16:rowId xmlns:a16="http://schemas.microsoft.com/office/drawing/2014/main" val="10001"/>
+                    <a16:rowId xmlns="" xmlns:a16="http://schemas.microsoft.com/office/drawing/2014/main" val="10001"/>
                   </a:ext>
                 </a:extLst>
               </a:tr>
@@ -2378,7 +2467,7 @@
           <p:nvPr userDrawn="1">
             <p:extLst>
               <p:ext uri="{D42A27DB-BD31-4B8C-83A1-F6EECF244321}">
-                <p14:modId xmlns:p14="http://schemas.microsoft.com/office/powerpoint/2010/main" val="492983033"/>
+                <p14:modId xmlns:p14="http://schemas.microsoft.com/office/powerpoint/2010/main" val="1315062639"/>
               </p:ext>
             </p:extLst>
           </p:nvPr>
@@ -2395,28 +2484,28 @@
                 <a:gridCol w="1022523">
                   <a:extLst>
                     <a:ext uri="{9D8B030D-6E8A-4147-A177-3AD203B41FA5}">
-                      <a16:colId xmlns:a16="http://schemas.microsoft.com/office/drawing/2014/main" val="20000"/>
+                      <a16:colId xmlns="" xmlns:a16="http://schemas.microsoft.com/office/drawing/2014/main" val="20000"/>
                     </a:ext>
                   </a:extLst>
                 </a:gridCol>
                 <a:gridCol w="3439486">
                   <a:extLst>
                     <a:ext uri="{9D8B030D-6E8A-4147-A177-3AD203B41FA5}">
-                      <a16:colId xmlns:a16="http://schemas.microsoft.com/office/drawing/2014/main" val="20001"/>
+                      <a16:colId xmlns="" xmlns:a16="http://schemas.microsoft.com/office/drawing/2014/main" val="20001"/>
                     </a:ext>
                   </a:extLst>
                 </a:gridCol>
                 <a:gridCol w="947956">
                   <a:extLst>
                     <a:ext uri="{9D8B030D-6E8A-4147-A177-3AD203B41FA5}">
-                      <a16:colId xmlns:a16="http://schemas.microsoft.com/office/drawing/2014/main" val="20002"/>
+                      <a16:colId xmlns="" xmlns:a16="http://schemas.microsoft.com/office/drawing/2014/main" val="20002"/>
                     </a:ext>
                   </a:extLst>
                 </a:gridCol>
                 <a:gridCol w="3523377">
                   <a:extLst>
                     <a:ext uri="{9D8B030D-6E8A-4147-A177-3AD203B41FA5}">
-                      <a16:colId xmlns:a16="http://schemas.microsoft.com/office/drawing/2014/main" val="20003"/>
+                      <a16:colId xmlns="" xmlns:a16="http://schemas.microsoft.com/office/drawing/2014/main" val="20003"/>
                     </a:ext>
                   </a:extLst>
                 </a:gridCol>
@@ -2836,7 +2925,7 @@
                 </a:tc>
                 <a:extLst>
                   <a:ext uri="{0D108BD9-81ED-4DB2-BD59-A6C34878D82A}">
-                    <a16:rowId xmlns:a16="http://schemas.microsoft.com/office/drawing/2014/main" val="10000"/>
+                    <a16:rowId xmlns="" xmlns:a16="http://schemas.microsoft.com/office/drawing/2014/main" val="10000"/>
                   </a:ext>
                 </a:extLst>
               </a:tr>
@@ -3121,7 +3210,7 @@
                         <a:tabLst/>
                       </a:pPr>
                       <a:r>
-                        <a:rPr lang="en-US" sz="1050" kern="1200" dirty="0">
+                        <a:rPr lang="en-US" sz="1050" kern="1200" dirty="0" smtClean="0">
                           <a:solidFill>
                             <a:schemeClr val="tx1"/>
                           </a:solidFill>
@@ -3130,8 +3219,17 @@
                           <a:ea typeface="맑은 고딕" panose="020B0503020000020004" pitchFamily="50" charset="-127"/>
                           <a:cs typeface="Malgun Gothic" charset="-127"/>
                         </a:rPr>
-                        <a:t>V1.0.1</a:t>
-                      </a:r>
+                        <a:t>V2.0.0</a:t>
+                      </a:r>
+                      <a:endParaRPr lang="en-US" sz="1050" kern="1200" dirty="0">
+                        <a:solidFill>
+                          <a:schemeClr val="tx1"/>
+                        </a:solidFill>
+                        <a:effectLst/>
+                        <a:latin typeface="맑은 고딕" panose="020B0503020000020004" pitchFamily="50" charset="-127"/>
+                        <a:ea typeface="맑은 고딕" panose="020B0503020000020004" pitchFamily="50" charset="-127"/>
+                        <a:cs typeface="Malgun Gothic" charset="-127"/>
+                      </a:endParaRPr>
                     </a:p>
                   </a:txBody>
                   <a:tcPr marL="36000" marR="36000" marT="18000" marB="18000" anchor="ctr" horzOverflow="overflow">
@@ -3182,7 +3280,7 @@
                 </a:tc>
                 <a:extLst>
                   <a:ext uri="{0D108BD9-81ED-4DB2-BD59-A6C34878D82A}">
-                    <a16:rowId xmlns:a16="http://schemas.microsoft.com/office/drawing/2014/main" val="10001"/>
+                    <a16:rowId xmlns="" xmlns:a16="http://schemas.microsoft.com/office/drawing/2014/main" val="10001"/>
                   </a:ext>
                 </a:extLst>
               </a:tr>
@@ -4073,6 +4171,10 @@
           <a:bodyPr/>
           <a:lstStyle/>
           <a:p>
+            <a:r>
+              <a:rPr lang="en-US" altLang="ko-KR" dirty="0"/>
+              <a:t/>
+            </a:r>
             <a:br>
               <a:rPr lang="en-US" altLang="ko-KR" dirty="0"/>
             </a:br>
@@ -4227,14 +4329,14 @@
                 <a:gridCol w="3778250">
                   <a:extLst>
                     <a:ext uri="{9D8B030D-6E8A-4147-A177-3AD203B41FA5}">
-                      <a16:colId xmlns:a16="http://schemas.microsoft.com/office/drawing/2014/main" val="20000"/>
+                      <a16:colId xmlns="" xmlns:a16="http://schemas.microsoft.com/office/drawing/2014/main" val="20000"/>
                     </a:ext>
                   </a:extLst>
                 </a:gridCol>
                 <a:gridCol w="3778250">
                   <a:extLst>
                     <a:ext uri="{9D8B030D-6E8A-4147-A177-3AD203B41FA5}">
-                      <a16:colId xmlns:a16="http://schemas.microsoft.com/office/drawing/2014/main" val="704386244"/>
+                      <a16:colId xmlns="" xmlns:a16="http://schemas.microsoft.com/office/drawing/2014/main" val="704386244"/>
                     </a:ext>
                   </a:extLst>
                 </a:gridCol>
@@ -4281,7 +4383,7 @@
                 </a:tc>
                 <a:extLst>
                   <a:ext uri="{0D108BD9-81ED-4DB2-BD59-A6C34878D82A}">
-                    <a16:rowId xmlns:a16="http://schemas.microsoft.com/office/drawing/2014/main" val="10000"/>
+                    <a16:rowId xmlns="" xmlns:a16="http://schemas.microsoft.com/office/drawing/2014/main" val="10000"/>
                   </a:ext>
                 </a:extLst>
               </a:tr>
@@ -5417,7 +5519,7 @@
                 </a:tc>
                 <a:extLst>
                   <a:ext uri="{0D108BD9-81ED-4DB2-BD59-A6C34878D82A}">
-                    <a16:rowId xmlns:a16="http://schemas.microsoft.com/office/drawing/2014/main" val="10001"/>
+                    <a16:rowId xmlns="" xmlns:a16="http://schemas.microsoft.com/office/drawing/2014/main" val="10001"/>
                   </a:ext>
                 </a:extLst>
               </a:tr>
@@ -5639,7 +5741,7 @@
                 </a:tc>
                 <a:extLst>
                   <a:ext uri="{0D108BD9-81ED-4DB2-BD59-A6C34878D82A}">
-                    <a16:rowId xmlns:a16="http://schemas.microsoft.com/office/drawing/2014/main" val="10002"/>
+                    <a16:rowId xmlns="" xmlns:a16="http://schemas.microsoft.com/office/drawing/2014/main" val="10002"/>
                   </a:ext>
                 </a:extLst>
               </a:tr>
@@ -5737,7 +5839,7 @@
                 <a:gridCol w="7556500">
                   <a:extLst>
                     <a:ext uri="{9D8B030D-6E8A-4147-A177-3AD203B41FA5}">
-                      <a16:colId xmlns:a16="http://schemas.microsoft.com/office/drawing/2014/main" val="20000"/>
+                      <a16:colId xmlns="" xmlns:a16="http://schemas.microsoft.com/office/drawing/2014/main" val="20000"/>
                     </a:ext>
                   </a:extLst>
                 </a:gridCol>
@@ -5770,7 +5872,7 @@
                 </a:tc>
                 <a:extLst>
                   <a:ext uri="{0D108BD9-81ED-4DB2-BD59-A6C34878D82A}">
-                    <a16:rowId xmlns:a16="http://schemas.microsoft.com/office/drawing/2014/main" val="10000"/>
+                    <a16:rowId xmlns="" xmlns:a16="http://schemas.microsoft.com/office/drawing/2014/main" val="10000"/>
                   </a:ext>
                 </a:extLst>
               </a:tr>
@@ -5987,7 +6089,7 @@
                 </a:tc>
                 <a:extLst>
                   <a:ext uri="{0D108BD9-81ED-4DB2-BD59-A6C34878D82A}">
-                    <a16:rowId xmlns:a16="http://schemas.microsoft.com/office/drawing/2014/main" val="10001"/>
+                    <a16:rowId xmlns="" xmlns:a16="http://schemas.microsoft.com/office/drawing/2014/main" val="10001"/>
                   </a:ext>
                 </a:extLst>
               </a:tr>
@@ -6199,7 +6301,7 @@
                 </a:tc>
                 <a:extLst>
                   <a:ext uri="{0D108BD9-81ED-4DB2-BD59-A6C34878D82A}">
-                    <a16:rowId xmlns:a16="http://schemas.microsoft.com/office/drawing/2014/main" val="10002"/>
+                    <a16:rowId xmlns="" xmlns:a16="http://schemas.microsoft.com/office/drawing/2014/main" val="10002"/>
                   </a:ext>
                 </a:extLst>
               </a:tr>
@@ -6297,7 +6399,7 @@
                 <a:gridCol w="7556500">
                   <a:extLst>
                     <a:ext uri="{9D8B030D-6E8A-4147-A177-3AD203B41FA5}">
-                      <a16:colId xmlns:a16="http://schemas.microsoft.com/office/drawing/2014/main" val="20000"/>
+                      <a16:colId xmlns="" xmlns:a16="http://schemas.microsoft.com/office/drawing/2014/main" val="20000"/>
                     </a:ext>
                   </a:extLst>
                 </a:gridCol>
@@ -6330,7 +6432,7 @@
                 </a:tc>
                 <a:extLst>
                   <a:ext uri="{0D108BD9-81ED-4DB2-BD59-A6C34878D82A}">
-                    <a16:rowId xmlns:a16="http://schemas.microsoft.com/office/drawing/2014/main" val="10000"/>
+                    <a16:rowId xmlns="" xmlns:a16="http://schemas.microsoft.com/office/drawing/2014/main" val="10000"/>
                   </a:ext>
                 </a:extLst>
               </a:tr>
@@ -6509,7 +6611,7 @@
                 </a:tc>
                 <a:extLst>
                   <a:ext uri="{0D108BD9-81ED-4DB2-BD59-A6C34878D82A}">
-                    <a16:rowId xmlns:a16="http://schemas.microsoft.com/office/drawing/2014/main" val="10001"/>
+                    <a16:rowId xmlns="" xmlns:a16="http://schemas.microsoft.com/office/drawing/2014/main" val="10001"/>
                   </a:ext>
                 </a:extLst>
               </a:tr>
@@ -6671,7 +6773,7 @@
                 </a:tc>
                 <a:extLst>
                   <a:ext uri="{0D108BD9-81ED-4DB2-BD59-A6C34878D82A}">
-                    <a16:rowId xmlns:a16="http://schemas.microsoft.com/office/drawing/2014/main" val="10002"/>
+                    <a16:rowId xmlns="" xmlns:a16="http://schemas.microsoft.com/office/drawing/2014/main" val="10002"/>
                   </a:ext>
                 </a:extLst>
               </a:tr>
@@ -6750,14 +6852,14 @@
           <p:nvPr>
             <p:extLst>
               <p:ext uri="{D42A27DB-BD31-4B8C-83A1-F6EECF244321}">
-                <p14:modId xmlns:p14="http://schemas.microsoft.com/office/powerpoint/2010/main" val="2580429335"/>
+                <p14:modId xmlns:p14="http://schemas.microsoft.com/office/powerpoint/2010/main" val="368754051"/>
               </p:ext>
             </p:extLst>
           </p:nvPr>
         </p:nvGraphicFramePr>
         <p:xfrm>
-          <a:off x="838200" y="1066798"/>
-          <a:ext cx="7556500" cy="5284770"/>
+          <a:off x="838200" y="940777"/>
+          <a:ext cx="7556500" cy="5305654"/>
         </p:xfrm>
         <a:graphic>
           <a:graphicData uri="http://schemas.openxmlformats.org/drawingml/2006/table">
@@ -6766,16 +6868,17 @@
                 <a:tableStyleId>{5940675A-B579-460E-94D1-54222C63F5DA}</a:tableStyleId>
               </a:tblPr>
               <a:tblGrid>
-                <a:gridCol w="7556500">
+                <a:gridCol w="3778250">
                   <a:extLst>
                     <a:ext uri="{9D8B030D-6E8A-4147-A177-3AD203B41FA5}">
-                      <a16:colId xmlns:a16="http://schemas.microsoft.com/office/drawing/2014/main" val="20000"/>
+                      <a16:colId xmlns="" xmlns:a16="http://schemas.microsoft.com/office/drawing/2014/main" val="20000"/>
                     </a:ext>
                   </a:extLst>
                 </a:gridCol>
+                <a:gridCol w="3778250"/>
               </a:tblGrid>
-              <a:tr h="342902">
-                <a:tc>
+              <a:tr h="281376">
+                <a:tc gridSpan="2">
                   <a:txBody>
                     <a:bodyPr/>
                     <a:lstStyle/>
@@ -6788,17 +6891,27 @@
                         </a:rPr>
                         <a:t>Database()</a:t>
                       </a:r>
+                    </a:p>
+                  </a:txBody>
+                  <a:tcPr/>
+                </a:tc>
+                <a:tc hMerge="1">
+                  <a:txBody>
+                    <a:bodyPr/>
+                    <a:lstStyle/>
+                    <a:p>
+                      <a:endParaRPr lang="en-US"/>
                     </a:p>
                   </a:txBody>
                   <a:tcPr/>
                 </a:tc>
                 <a:extLst>
                   <a:ext uri="{0D108BD9-81ED-4DB2-BD59-A6C34878D82A}">
-                    <a16:rowId xmlns:a16="http://schemas.microsoft.com/office/drawing/2014/main" val="10000"/>
+                    <a16:rowId xmlns="" xmlns:a16="http://schemas.microsoft.com/office/drawing/2014/main" val="10000"/>
                   </a:ext>
                 </a:extLst>
               </a:tr>
-              <a:tr h="2290108">
+              <a:tr h="2189638">
                 <a:tc>
                   <a:txBody>
                     <a:bodyPr/>
@@ -6843,6 +6956,14 @@
                         </a:rPr>
                         <a:t>TodoColumnNames</a:t>
                       </a:r>
+                      <a:r>
+                        <a:rPr lang="en-US" sz="1200" dirty="0">
+                          <a:latin typeface="Malgun Gothic" charset="-127"/>
+                          <a:ea typeface="Malgun Gothic" charset="-127"/>
+                          <a:cs typeface="Malgun Gothic" charset="-127"/>
+                        </a:rPr>
+                        <a:t/>
+                      </a:r>
                       <a:br>
                         <a:rPr lang="en-US" sz="1200" dirty="0">
                           <a:latin typeface="Malgun Gothic" charset="-127"/>
@@ -6912,77 +7033,15 @@
                           <a:ea typeface="Malgun Gothic" charset="-127"/>
                           <a:cs typeface="Malgun Gothic" charset="-127"/>
                         </a:rPr>
-                        <a:t> database</a:t>
-                      </a:r>
-                    </a:p>
-                    <a:p>
-                      <a:r>
-                        <a:rPr lang="en-US" sz="1200" dirty="0">
-                          <a:latin typeface="Malgun Gothic" charset="-127"/>
-                          <a:ea typeface="Malgun Gothic" charset="-127"/>
-                          <a:cs typeface="Malgun Gothic" charset="-127"/>
-                        </a:rPr>
-                        <a:t>Private String </a:t>
-                      </a:r>
-                      <a:r>
-                        <a:rPr lang="en-US" sz="1200" dirty="0" err="1">
-                          <a:latin typeface="Malgun Gothic" charset="-127"/>
-                          <a:ea typeface="Malgun Gothic" charset="-127"/>
-                          <a:cs typeface="Malgun Gothic" charset="-127"/>
-                        </a:rPr>
-                        <a:t>subjectmatrix</a:t>
-                      </a:r>
-                      <a:r>
-                        <a:rPr lang="en-US" sz="1200" dirty="0">
-                          <a:latin typeface="Malgun Gothic" charset="-127"/>
-                          <a:ea typeface="Malgun Gothic" charset="-127"/>
-                          <a:cs typeface="Malgun Gothic" charset="-127"/>
-                        </a:rPr>
-                        <a:t>[][]</a:t>
-                      </a:r>
-                    </a:p>
-                    <a:p>
-                      <a:r>
-                        <a:rPr lang="en-US" sz="1200" dirty="0">
-                          <a:latin typeface="Malgun Gothic" charset="-127"/>
-                          <a:ea typeface="Malgun Gothic" charset="-127"/>
-                          <a:cs typeface="Malgun Gothic" charset="-127"/>
-                        </a:rPr>
-                        <a:t>Private String </a:t>
-                      </a:r>
-                      <a:r>
-                        <a:rPr lang="en-US" sz="1200" dirty="0" err="1">
-                          <a:latin typeface="Malgun Gothic" charset="-127"/>
-                          <a:ea typeface="Malgun Gothic" charset="-127"/>
-                          <a:cs typeface="Malgun Gothic" charset="-127"/>
-                        </a:rPr>
-                        <a:t>SubjectName</a:t>
-                      </a:r>
-                      <a:r>
-                        <a:rPr lang="en-US" sz="1200" dirty="0">
-                          <a:latin typeface="Malgun Gothic" charset="-127"/>
-                          <a:ea typeface="Malgun Gothic" charset="-127"/>
-                          <a:cs typeface="Malgun Gothic" charset="-127"/>
-                        </a:rPr>
-                        <a:t>[]</a:t>
-                      </a:r>
-                    </a:p>
-                    <a:p>
-                      <a:r>
-                        <a:rPr lang="en-US" sz="1200" dirty="0">
-                          <a:latin typeface="Malgun Gothic" charset="-127"/>
-                          <a:ea typeface="Malgun Gothic" charset="-127"/>
-                          <a:cs typeface="Malgun Gothic" charset="-127"/>
-                        </a:rPr>
-                        <a:t>Private String [][] </a:t>
-                      </a:r>
-                      <a:r>
-                        <a:rPr lang="en-US" sz="1200" dirty="0" err="1">
-                          <a:latin typeface="Malgun Gothic" charset="-127"/>
-                          <a:ea typeface="Malgun Gothic" charset="-127"/>
-                          <a:cs typeface="Malgun Gothic" charset="-127"/>
-                        </a:rPr>
-                        <a:t>TodoMatrix</a:t>
+                        <a:t> </a:t>
+                      </a:r>
+                      <a:r>
+                        <a:rPr lang="en-US" sz="1200" dirty="0" smtClean="0">
+                          <a:latin typeface="Malgun Gothic" charset="-127"/>
+                          <a:ea typeface="Malgun Gothic" charset="-127"/>
+                          <a:cs typeface="Malgun Gothic" charset="-127"/>
+                        </a:rPr>
+                        <a:t>database</a:t>
                       </a:r>
                       <a:endParaRPr lang="en-US" sz="1200" dirty="0">
                         <a:latin typeface="Malgun Gothic" charset="-127"/>
@@ -6990,40 +7049,93 @@
                         <a:cs typeface="Malgun Gothic" charset="-127"/>
                       </a:endParaRPr>
                     </a:p>
-                    <a:p>
-                      <a:r>
-                        <a:rPr lang="en-US" sz="1200" dirty="0">
-                          <a:latin typeface="Malgun Gothic" charset="-127"/>
-                          <a:ea typeface="Malgun Gothic" charset="-127"/>
-                          <a:cs typeface="Malgun Gothic" charset="-127"/>
-                        </a:rPr>
-                        <a:t>Private </a:t>
-                      </a:r>
-                      <a:r>
-                        <a:rPr lang="en-US" sz="1200" dirty="0" err="1">
-                          <a:latin typeface="Malgun Gothic" charset="-127"/>
-                          <a:ea typeface="Malgun Gothic" charset="-127"/>
-                          <a:cs typeface="Malgun Gothic" charset="-127"/>
-                        </a:rPr>
-                        <a:t>TodoElement</a:t>
-                      </a:r>
-                      <a:r>
-                        <a:rPr lang="en-US" sz="1200" dirty="0">
-                          <a:latin typeface="Malgun Gothic" charset="-127"/>
-                          <a:ea typeface="Malgun Gothic" charset="-127"/>
-                          <a:cs typeface="Malgun Gothic" charset="-127"/>
-                        </a:rPr>
-                        <a:t> </a:t>
-                      </a:r>
-                      <a:r>
-                        <a:rPr lang="en-US" sz="1200" dirty="0" err="1">
-                          <a:latin typeface="Malgun Gothic" charset="-127"/>
-                          <a:ea typeface="Malgun Gothic" charset="-127"/>
-                          <a:cs typeface="Malgun Gothic" charset="-127"/>
-                        </a:rPr>
-                        <a:t>selectedTodoElement</a:t>
-                      </a:r>
-                      <a:endParaRPr lang="en-US" sz="1200" dirty="0">
+                  </a:txBody>
+                  <a:tcPr>
+                    <a:lnR w="12700" cap="flat" cmpd="sng" algn="ctr">
+                      <a:solidFill>
+                        <a:schemeClr val="tx1"/>
+                      </a:solidFill>
+                      <a:prstDash val="solid"/>
+                      <a:round/>
+                      <a:headEnd type="none" w="med" len="med"/>
+                      <a:tailEnd type="none" w="med" len="med"/>
+                    </a:lnR>
+                  </a:tcPr>
+                </a:tc>
+                <a:tc>
+                  <a:txBody>
+                    <a:bodyPr/>
+                    <a:lstStyle/>
+                    <a:p>
+                      <a:r>
+                        <a:rPr lang="en-US" sz="1200" dirty="0" smtClean="0">
+                          <a:latin typeface="Malgun Gothic" charset="-127"/>
+                          <a:ea typeface="Malgun Gothic" charset="-127"/>
+                          <a:cs typeface="Malgun Gothic" charset="-127"/>
+                        </a:rPr>
+                        <a:t>Private String </a:t>
+                      </a:r>
+                      <a:r>
+                        <a:rPr lang="en-US" sz="1200" dirty="0" err="1" smtClean="0">
+                          <a:latin typeface="Malgun Gothic" charset="-127"/>
+                          <a:ea typeface="Malgun Gothic" charset="-127"/>
+                          <a:cs typeface="Malgun Gothic" charset="-127"/>
+                        </a:rPr>
+                        <a:t>subjectmatrix</a:t>
+                      </a:r>
+                      <a:r>
+                        <a:rPr lang="en-US" sz="1200" dirty="0" smtClean="0">
+                          <a:latin typeface="Malgun Gothic" charset="-127"/>
+                          <a:ea typeface="Malgun Gothic" charset="-127"/>
+                          <a:cs typeface="Malgun Gothic" charset="-127"/>
+                        </a:rPr>
+                        <a:t>[][]</a:t>
+                      </a:r>
+                    </a:p>
+                    <a:p>
+                      <a:r>
+                        <a:rPr lang="en-US" sz="1200" dirty="0" smtClean="0">
+                          <a:latin typeface="Malgun Gothic" charset="-127"/>
+                          <a:ea typeface="Malgun Gothic" charset="-127"/>
+                          <a:cs typeface="Malgun Gothic" charset="-127"/>
+                        </a:rPr>
+                        <a:t>Private String </a:t>
+                      </a:r>
+                      <a:r>
+                        <a:rPr lang="en-US" sz="1200" dirty="0" err="1" smtClean="0">
+                          <a:latin typeface="Malgun Gothic" charset="-127"/>
+                          <a:ea typeface="Malgun Gothic" charset="-127"/>
+                          <a:cs typeface="Malgun Gothic" charset="-127"/>
+                        </a:rPr>
+                        <a:t>SubjectName</a:t>
+                      </a:r>
+                      <a:r>
+                        <a:rPr lang="en-US" sz="1200" dirty="0" smtClean="0">
+                          <a:latin typeface="Malgun Gothic" charset="-127"/>
+                          <a:ea typeface="Malgun Gothic" charset="-127"/>
+                          <a:cs typeface="Malgun Gothic" charset="-127"/>
+                        </a:rPr>
+                        <a:t>[]</a:t>
+                      </a:r>
+                    </a:p>
+                    <a:p>
+                      <a:r>
+                        <a:rPr lang="en-US" sz="1200" dirty="0" smtClean="0">
+                          <a:latin typeface="Malgun Gothic" charset="-127"/>
+                          <a:ea typeface="Malgun Gothic" charset="-127"/>
+                          <a:cs typeface="Malgun Gothic" charset="-127"/>
+                        </a:rPr>
+                        <a:t>Private String [][] </a:t>
+                      </a:r>
+                      <a:r>
+                        <a:rPr lang="en-US" sz="1200" dirty="0" err="1" smtClean="0">
+                          <a:latin typeface="Malgun Gothic" charset="-127"/>
+                          <a:ea typeface="Malgun Gothic" charset="-127"/>
+                          <a:cs typeface="Malgun Gothic" charset="-127"/>
+                        </a:rPr>
+                        <a:t>TodoMatrix</a:t>
+                      </a:r>
+                      <a:endParaRPr lang="en-US" sz="1200" dirty="0" smtClean="0">
                         <a:latin typeface="Malgun Gothic" charset="-127"/>
                         <a:ea typeface="Malgun Gothic" charset="-127"/>
                         <a:cs typeface="Malgun Gothic" charset="-127"/>
@@ -7031,38 +7143,38 @@
                     </a:p>
                     <a:p>
                       <a:r>
-                        <a:rPr lang="en-US" sz="1200" dirty="0">
-                          <a:latin typeface="Malgun Gothic" charset="-127"/>
-                          <a:ea typeface="Malgun Gothic" charset="-127"/>
-                          <a:cs typeface="Malgun Gothic" charset="-127"/>
-                        </a:rPr>
-                        <a:t>Vector&lt;</a:t>
-                      </a:r>
-                      <a:r>
-                        <a:rPr lang="en-US" sz="1200" dirty="0" err="1">
-                          <a:latin typeface="Malgun Gothic" charset="-127"/>
-                          <a:ea typeface="Malgun Gothic" charset="-127"/>
-                          <a:cs typeface="Malgun Gothic" charset="-127"/>
-                        </a:rPr>
-                        <a:t>SubjectElement</a:t>
-                      </a:r>
-                      <a:r>
-                        <a:rPr lang="en-US" sz="1200" dirty="0">
-                          <a:latin typeface="Malgun Gothic" charset="-127"/>
-                          <a:ea typeface="Malgun Gothic" charset="-127"/>
-                          <a:cs typeface="Malgun Gothic" charset="-127"/>
-                        </a:rPr>
-                        <a:t>&gt; </a:t>
-                      </a:r>
-                      <a:r>
-                        <a:rPr lang="en-US" sz="1200" dirty="0" err="1">
-                          <a:latin typeface="Malgun Gothic" charset="-127"/>
-                          <a:ea typeface="Malgun Gothic" charset="-127"/>
-                          <a:cs typeface="Malgun Gothic" charset="-127"/>
-                        </a:rPr>
-                        <a:t>SubjectElement</a:t>
-                      </a:r>
-                      <a:endParaRPr lang="en-US" sz="1200" dirty="0">
+                        <a:rPr lang="en-US" sz="1200" dirty="0" smtClean="0">
+                          <a:latin typeface="Malgun Gothic" charset="-127"/>
+                          <a:ea typeface="Malgun Gothic" charset="-127"/>
+                          <a:cs typeface="Malgun Gothic" charset="-127"/>
+                        </a:rPr>
+                        <a:t>Private </a:t>
+                      </a:r>
+                      <a:r>
+                        <a:rPr lang="en-US" sz="1200" dirty="0" err="1" smtClean="0">
+                          <a:latin typeface="Malgun Gothic" charset="-127"/>
+                          <a:ea typeface="Malgun Gothic" charset="-127"/>
+                          <a:cs typeface="Malgun Gothic" charset="-127"/>
+                        </a:rPr>
+                        <a:t>TodoElement</a:t>
+                      </a:r>
+                      <a:r>
+                        <a:rPr lang="en-US" sz="1200" dirty="0" smtClean="0">
+                          <a:latin typeface="Malgun Gothic" charset="-127"/>
+                          <a:ea typeface="Malgun Gothic" charset="-127"/>
+                          <a:cs typeface="Malgun Gothic" charset="-127"/>
+                        </a:rPr>
+                        <a:t> </a:t>
+                      </a:r>
+                      <a:r>
+                        <a:rPr lang="en-US" sz="1200" dirty="0" err="1" smtClean="0">
+                          <a:latin typeface="Malgun Gothic" charset="-127"/>
+                          <a:ea typeface="Malgun Gothic" charset="-127"/>
+                          <a:cs typeface="Malgun Gothic" charset="-127"/>
+                        </a:rPr>
+                        <a:t>selectedTodoElement</a:t>
+                      </a:r>
+                      <a:endParaRPr lang="en-US" sz="1200" dirty="0" smtClean="0">
                         <a:latin typeface="Malgun Gothic" charset="-127"/>
                         <a:ea typeface="Malgun Gothic" charset="-127"/>
                         <a:cs typeface="Malgun Gothic" charset="-127"/>
@@ -7070,7 +7182,7 @@
                     </a:p>
                     <a:p>
                       <a:r>
-                        <a:rPr lang="en-US" sz="1200" dirty="0">
+                        <a:rPr lang="en-US" sz="1200" dirty="0" smtClean="0">
                           <a:latin typeface="Malgun Gothic" charset="-127"/>
                           <a:ea typeface="Malgun Gothic" charset="-127"/>
                           <a:cs typeface="Malgun Gothic" charset="-127"/>
@@ -7078,15 +7190,15 @@
                         <a:t>Vector&lt;</a:t>
                       </a:r>
                       <a:r>
-                        <a:rPr lang="en-US" sz="1200" dirty="0" err="1">
-                          <a:latin typeface="Malgun Gothic" charset="-127"/>
-                          <a:ea typeface="Malgun Gothic" charset="-127"/>
-                          <a:cs typeface="Malgun Gothic" charset="-127"/>
-                        </a:rPr>
-                        <a:t>TodoElement</a:t>
-                      </a:r>
-                      <a:r>
-                        <a:rPr lang="en-US" sz="1200" dirty="0">
+                        <a:rPr lang="en-US" sz="1200" dirty="0" err="1" smtClean="0">
+                          <a:latin typeface="Malgun Gothic" charset="-127"/>
+                          <a:ea typeface="Malgun Gothic" charset="-127"/>
+                          <a:cs typeface="Malgun Gothic" charset="-127"/>
+                        </a:rPr>
+                        <a:t>SubjectElement</a:t>
+                      </a:r>
+                      <a:r>
+                        <a:rPr lang="en-US" sz="1200" dirty="0" smtClean="0">
                           <a:latin typeface="Malgun Gothic" charset="-127"/>
                           <a:ea typeface="Malgun Gothic" charset="-127"/>
                           <a:cs typeface="Malgun Gothic" charset="-127"/>
@@ -7094,37 +7206,143 @@
                         <a:t>&gt; </a:t>
                       </a:r>
                       <a:r>
-                        <a:rPr lang="en-US" sz="1200" dirty="0" err="1">
-                          <a:latin typeface="Malgun Gothic" charset="-127"/>
-                          <a:ea typeface="Malgun Gothic" charset="-127"/>
-                          <a:cs typeface="Malgun Gothic" charset="-127"/>
-                        </a:rPr>
-                        <a:t>TodoElement</a:t>
-                      </a:r>
-                      <a:endParaRPr lang="en-US" sz="1200" dirty="0">
+                        <a:rPr lang="en-US" sz="1200" dirty="0" err="1" smtClean="0">
+                          <a:latin typeface="Malgun Gothic" charset="-127"/>
+                          <a:ea typeface="Malgun Gothic" charset="-127"/>
+                          <a:cs typeface="Malgun Gothic" charset="-127"/>
+                        </a:rPr>
+                        <a:t>SubjectElement</a:t>
+                      </a:r>
+                      <a:endParaRPr lang="en-US" sz="1200" dirty="0" smtClean="0">
                         <a:latin typeface="Malgun Gothic" charset="-127"/>
                         <a:ea typeface="Malgun Gothic" charset="-127"/>
                         <a:cs typeface="Malgun Gothic" charset="-127"/>
                       </a:endParaRPr>
                     </a:p>
                     <a:p>
-                      <a:endParaRPr lang="en-US" sz="1200" dirty="0">
+                      <a:r>
+                        <a:rPr lang="en-US" sz="1200" dirty="0" smtClean="0">
+                          <a:latin typeface="Malgun Gothic" charset="-127"/>
+                          <a:ea typeface="Malgun Gothic" charset="-127"/>
+                          <a:cs typeface="Malgun Gothic" charset="-127"/>
+                        </a:rPr>
+                        <a:t>Vector&lt;</a:t>
+                      </a:r>
+                      <a:r>
+                        <a:rPr lang="en-US" sz="1200" dirty="0" err="1" smtClean="0">
+                          <a:latin typeface="Malgun Gothic" charset="-127"/>
+                          <a:ea typeface="Malgun Gothic" charset="-127"/>
+                          <a:cs typeface="Malgun Gothic" charset="-127"/>
+                        </a:rPr>
+                        <a:t>TodoElement</a:t>
+                      </a:r>
+                      <a:r>
+                        <a:rPr lang="en-US" sz="1200" dirty="0" smtClean="0">
+                          <a:latin typeface="Malgun Gothic" charset="-127"/>
+                          <a:ea typeface="Malgun Gothic" charset="-127"/>
+                          <a:cs typeface="Malgun Gothic" charset="-127"/>
+                        </a:rPr>
+                        <a:t>&gt; </a:t>
+                      </a:r>
+                      <a:r>
+                        <a:rPr lang="en-US" sz="1200" dirty="0" err="1" smtClean="0">
+                          <a:latin typeface="Malgun Gothic" charset="-127"/>
+                          <a:ea typeface="Malgun Gothic" charset="-127"/>
+                          <a:cs typeface="Malgun Gothic" charset="-127"/>
+                        </a:rPr>
+                        <a:t>TodoElement</a:t>
+                      </a:r>
+                      <a:endParaRPr lang="en-US" sz="1200" dirty="0" smtClean="0">
                         <a:latin typeface="Malgun Gothic" charset="-127"/>
                         <a:ea typeface="Malgun Gothic" charset="-127"/>
                         <a:cs typeface="Malgun Gothic" charset="-127"/>
                       </a:endParaRPr>
                     </a:p>
+                    <a:p>
+                      <a:r>
+                        <a:rPr lang="en-US" sz="1200" dirty="0" err="1" smtClean="0">
+                          <a:latin typeface="Malgun Gothic" charset="-127"/>
+                          <a:ea typeface="Malgun Gothic" charset="-127"/>
+                          <a:cs typeface="Malgun Gothic" charset="-127"/>
+                        </a:rPr>
+                        <a:t>HashMap</a:t>
+                      </a:r>
+                      <a:r>
+                        <a:rPr lang="en-US" sz="1200" dirty="0" smtClean="0">
+                          <a:latin typeface="Malgun Gothic" charset="-127"/>
+                          <a:ea typeface="Malgun Gothic" charset="-127"/>
+                          <a:cs typeface="Malgun Gothic" charset="-127"/>
+                        </a:rPr>
+                        <a:t>&lt;Integer, Integer&gt; </a:t>
+                      </a:r>
+                      <a:r>
+                        <a:rPr lang="en-US" sz="1200" dirty="0" err="1" smtClean="0">
+                          <a:latin typeface="Malgun Gothic" charset="-127"/>
+                          <a:ea typeface="Malgun Gothic" charset="-127"/>
+                          <a:cs typeface="Malgun Gothic" charset="-127"/>
+                        </a:rPr>
+                        <a:t>HideHashMap</a:t>
+                      </a:r>
+                      <a:endParaRPr lang="en-US" sz="1200" dirty="0" smtClean="0">
+                        <a:latin typeface="Malgun Gothic" charset="-127"/>
+                        <a:ea typeface="Malgun Gothic" charset="-127"/>
+                        <a:cs typeface="Malgun Gothic" charset="-127"/>
+                      </a:endParaRPr>
+                    </a:p>
+                    <a:p>
+                      <a:r>
+                        <a:rPr lang="en-US" sz="1200" dirty="0" smtClean="0">
+                          <a:latin typeface="Malgun Gothic" charset="-127"/>
+                          <a:ea typeface="Malgun Gothic" charset="-127"/>
+                          <a:cs typeface="Malgun Gothic" charset="-127"/>
+                        </a:rPr>
+                        <a:t>public </a:t>
+                      </a:r>
+                      <a:r>
+                        <a:rPr lang="en-US" sz="1200" dirty="0" err="1" smtClean="0">
+                          <a:latin typeface="Malgun Gothic" charset="-127"/>
+                          <a:ea typeface="Malgun Gothic" charset="-127"/>
+                          <a:cs typeface="Malgun Gothic" charset="-127"/>
+                        </a:rPr>
+                        <a:t>boolean</a:t>
+                      </a:r>
+                      <a:r>
+                        <a:rPr lang="en-US" sz="1200" dirty="0" smtClean="0">
+                          <a:latin typeface="Malgun Gothic" charset="-127"/>
+                          <a:ea typeface="Malgun Gothic" charset="-127"/>
+                          <a:cs typeface="Malgun Gothic" charset="-127"/>
+                        </a:rPr>
+                        <a:t> Hide</a:t>
+                      </a:r>
+                    </a:p>
+                    <a:p>
+                      <a:endParaRPr lang="en-US" sz="1200" dirty="0" smtClean="0">
+                        <a:latin typeface="Malgun Gothic" charset="-127"/>
+                        <a:ea typeface="Malgun Gothic" charset="-127"/>
+                        <a:cs typeface="Malgun Gothic" charset="-127"/>
+                      </a:endParaRPr>
+                    </a:p>
                   </a:txBody>
-                  <a:tcPr/>
+                  <a:tcPr>
+                    <a:lnL w="12700" cap="flat" cmpd="sng" algn="ctr">
+                      <a:solidFill>
+                        <a:schemeClr val="tx1"/>
+                      </a:solidFill>
+                      <a:prstDash val="solid"/>
+                      <a:round/>
+                      <a:headEnd type="none" w="med" len="med"/>
+                      <a:tailEnd type="none" w="med" len="med"/>
+                    </a:lnL>
+                  </a:tcPr>
                 </a:tc>
                 <a:extLst>
                   <a:ext uri="{0D108BD9-81ED-4DB2-BD59-A6C34878D82A}">
-                    <a16:rowId xmlns:a16="http://schemas.microsoft.com/office/drawing/2014/main" val="10001"/>
+                    <a16:rowId xmlns="" xmlns:a16="http://schemas.microsoft.com/office/drawing/2014/main" val="10001"/>
                   </a:ext>
                 </a:extLst>
               </a:tr>
-              <a:tr h="2290108">
-                <a:tc>
+              <a:tr h="2664499">
+                <a:tc gridSpan="2">
                   <a:txBody>
                     <a:bodyPr/>
                     <a:lstStyle/>
@@ -7929,20 +8147,180 @@
                         <a:t>MatrixTodoElement</a:t>
                       </a:r>
                       <a:r>
-                        <a:rPr lang="en-US" sz="1200" baseline="0" dirty="0">
+                        <a:rPr lang="en-US" sz="1200" baseline="0" dirty="0" smtClean="0">
                           <a:latin typeface="Malgun Gothic" charset="-127"/>
                           <a:ea typeface="Malgun Gothic" charset="-127"/>
                           <a:cs typeface="Malgun Gothic" charset="-127"/>
                         </a:rPr>
                         <a:t>()</a:t>
                       </a:r>
+                    </a:p>
+                    <a:p>
+                      <a:pPr marL="0" marR="0" indent="0" algn="l" defTabSz="914400" rtl="0" eaLnBrk="1" fontAlgn="auto" latinLnBrk="1" hangingPunct="1">
+                        <a:lnSpc>
+                          <a:spcPct val="100000"/>
+                        </a:lnSpc>
+                        <a:spcBef>
+                          <a:spcPts val="0"/>
+                        </a:spcBef>
+                        <a:spcAft>
+                          <a:spcPts val="0"/>
+                        </a:spcAft>
+                        <a:buClrTx/>
+                        <a:buSzTx/>
+                        <a:buFontTx/>
+                        <a:buNone/>
+                        <a:tabLst/>
+                        <a:defRPr/>
+                      </a:pPr>
+                      <a:r>
+                        <a:rPr lang="en-US" sz="1200" baseline="0" dirty="0" smtClean="0">
+                          <a:latin typeface="Malgun Gothic" charset="-127"/>
+                          <a:ea typeface="Malgun Gothic" charset="-127"/>
+                          <a:cs typeface="Malgun Gothic" charset="-127"/>
+                        </a:rPr>
+                        <a:t>public String[][] </a:t>
+                      </a:r>
+                      <a:r>
+                        <a:rPr lang="en-US" sz="1200" baseline="0" dirty="0" err="1" smtClean="0">
+                          <a:latin typeface="Malgun Gothic" charset="-127"/>
+                          <a:ea typeface="Malgun Gothic" charset="-127"/>
+                          <a:cs typeface="Malgun Gothic" charset="-127"/>
+                        </a:rPr>
+                        <a:t>MatrixHideShowCompleted</a:t>
+                      </a:r>
+                      <a:r>
+                        <a:rPr lang="en-US" sz="1200" baseline="0" dirty="0" smtClean="0">
+                          <a:latin typeface="Malgun Gothic" charset="-127"/>
+                          <a:ea typeface="Malgun Gothic" charset="-127"/>
+                          <a:cs typeface="Malgun Gothic" charset="-127"/>
+                        </a:rPr>
+                        <a:t>()</a:t>
+                      </a:r>
+                    </a:p>
+                    <a:p>
+                      <a:pPr marL="0" marR="0" indent="0" algn="l" defTabSz="914400" rtl="0" eaLnBrk="1" fontAlgn="auto" latinLnBrk="1" hangingPunct="1">
+                        <a:lnSpc>
+                          <a:spcPct val="100000"/>
+                        </a:lnSpc>
+                        <a:spcBef>
+                          <a:spcPts val="0"/>
+                        </a:spcBef>
+                        <a:spcAft>
+                          <a:spcPts val="0"/>
+                        </a:spcAft>
+                        <a:buClrTx/>
+                        <a:buSzTx/>
+                        <a:buFontTx/>
+                        <a:buNone/>
+                        <a:tabLst/>
+                        <a:defRPr/>
+                      </a:pPr>
+                      <a:r>
+                        <a:rPr lang="en-US" sz="1200" baseline="0" dirty="0" smtClean="0">
+                          <a:latin typeface="Malgun Gothic" charset="-127"/>
+                          <a:ea typeface="Malgun Gothic" charset="-127"/>
+                          <a:cs typeface="Malgun Gothic" charset="-127"/>
+                        </a:rPr>
+                        <a:t>public </a:t>
+                      </a:r>
+                      <a:r>
+                        <a:rPr lang="en-US" sz="1200" baseline="0" dirty="0" err="1" smtClean="0">
+                          <a:latin typeface="Malgun Gothic" charset="-127"/>
+                          <a:ea typeface="Malgun Gothic" charset="-127"/>
+                          <a:cs typeface="Malgun Gothic" charset="-127"/>
+                        </a:rPr>
+                        <a:t>int</a:t>
+                      </a:r>
+                      <a:r>
+                        <a:rPr lang="en-US" sz="1200" baseline="0" dirty="0" smtClean="0">
+                          <a:latin typeface="Malgun Gothic" charset="-127"/>
+                          <a:ea typeface="Malgun Gothic" charset="-127"/>
+                          <a:cs typeface="Malgun Gothic" charset="-127"/>
+                        </a:rPr>
+                        <a:t> </a:t>
+                      </a:r>
+                      <a:r>
+                        <a:rPr lang="en-US" sz="1200" baseline="0" dirty="0" err="1" smtClean="0">
+                          <a:latin typeface="Malgun Gothic" charset="-127"/>
+                          <a:ea typeface="Malgun Gothic" charset="-127"/>
+                          <a:cs typeface="Malgun Gothic" charset="-127"/>
+                        </a:rPr>
+                        <a:t>SizeofMatrix</a:t>
+                      </a:r>
+                      <a:r>
+                        <a:rPr lang="en-US" sz="1200" baseline="0" dirty="0" smtClean="0">
+                          <a:latin typeface="Malgun Gothic" charset="-127"/>
+                          <a:ea typeface="Malgun Gothic" charset="-127"/>
+                          <a:cs typeface="Malgun Gothic" charset="-127"/>
+                        </a:rPr>
+                        <a:t>()</a:t>
+                      </a:r>
+                    </a:p>
+                    <a:p>
+                      <a:pPr marL="0" marR="0" indent="0" algn="l" defTabSz="914400" rtl="0" eaLnBrk="1" fontAlgn="auto" latinLnBrk="1" hangingPunct="1">
+                        <a:lnSpc>
+                          <a:spcPct val="100000"/>
+                        </a:lnSpc>
+                        <a:spcBef>
+                          <a:spcPts val="0"/>
+                        </a:spcBef>
+                        <a:spcAft>
+                          <a:spcPts val="0"/>
+                        </a:spcAft>
+                        <a:buClrTx/>
+                        <a:buSzTx/>
+                        <a:buFontTx/>
+                        <a:buNone/>
+                        <a:tabLst/>
+                        <a:defRPr/>
+                      </a:pPr>
+                      <a:endParaRPr lang="en-US" sz="1200" baseline="0" dirty="0" smtClean="0">
+                        <a:latin typeface="Malgun Gothic" charset="-127"/>
+                        <a:ea typeface="Malgun Gothic" charset="-127"/>
+                        <a:cs typeface="Malgun Gothic" charset="-127"/>
+                      </a:endParaRPr>
+                    </a:p>
+                    <a:p>
+                      <a:pPr marL="0" marR="0" indent="0" algn="l" defTabSz="914400" rtl="0" eaLnBrk="1" fontAlgn="auto" latinLnBrk="1" hangingPunct="1">
+                        <a:lnSpc>
+                          <a:spcPct val="100000"/>
+                        </a:lnSpc>
+                        <a:spcBef>
+                          <a:spcPts val="0"/>
+                        </a:spcBef>
+                        <a:spcAft>
+                          <a:spcPts val="0"/>
+                        </a:spcAft>
+                        <a:buClrTx/>
+                        <a:buSzTx/>
+                        <a:buFontTx/>
+                        <a:buNone/>
+                        <a:tabLst/>
+                        <a:defRPr/>
+                      </a:pPr>
+                      <a:endParaRPr lang="en-US" sz="1200" baseline="0" dirty="0">
+                        <a:latin typeface="Malgun Gothic" charset="-127"/>
+                        <a:ea typeface="Malgun Gothic" charset="-127"/>
+                        <a:cs typeface="Malgun Gothic" charset="-127"/>
+                      </a:endParaRPr>
+                    </a:p>
+                  </a:txBody>
+                  <a:tcPr/>
+                </a:tc>
+                <a:tc hMerge="1">
+                  <a:txBody>
+                    <a:bodyPr/>
+                    <a:lstStyle/>
+                    <a:p>
+                      <a:endParaRPr lang="en-US"/>
                     </a:p>
                   </a:txBody>
                   <a:tcPr/>
                 </a:tc>
                 <a:extLst>
                   <a:ext uri="{0D108BD9-81ED-4DB2-BD59-A6C34878D82A}">
-                    <a16:rowId xmlns:a16="http://schemas.microsoft.com/office/drawing/2014/main" val="10002"/>
+                    <a16:rowId xmlns="" xmlns:a16="http://schemas.microsoft.com/office/drawing/2014/main" val="10002"/>
                   </a:ext>
                 </a:extLst>
               </a:tr>
@@ -8166,7 +8544,7 @@
             <p:ph idx="1"/>
             <p:extLst>
               <p:ext uri="{D42A27DB-BD31-4B8C-83A1-F6EECF244321}">
-                <p14:modId xmlns:p14="http://schemas.microsoft.com/office/powerpoint/2010/main" val="4037696652"/>
+                <p14:modId xmlns:p14="http://schemas.microsoft.com/office/powerpoint/2010/main" val="1879055444"/>
               </p:ext>
             </p:extLst>
           </p:nvPr>
@@ -8185,28 +8563,28 @@
                 <a:gridCol w="2145506">
                   <a:extLst>
                     <a:ext uri="{9D8B030D-6E8A-4147-A177-3AD203B41FA5}">
-                      <a16:colId xmlns:a16="http://schemas.microsoft.com/office/drawing/2014/main" val="20000"/>
+                      <a16:colId xmlns="" xmlns:a16="http://schemas.microsoft.com/office/drawing/2014/main" val="20000"/>
                     </a:ext>
                   </a:extLst>
                 </a:gridCol>
                 <a:gridCol w="2145506">
                   <a:extLst>
                     <a:ext uri="{9D8B030D-6E8A-4147-A177-3AD203B41FA5}">
-                      <a16:colId xmlns:a16="http://schemas.microsoft.com/office/drawing/2014/main" val="20001"/>
+                      <a16:colId xmlns="" xmlns:a16="http://schemas.microsoft.com/office/drawing/2014/main" val="20001"/>
                     </a:ext>
                   </a:extLst>
                 </a:gridCol>
                 <a:gridCol w="2145506">
                   <a:extLst>
                     <a:ext uri="{9D8B030D-6E8A-4147-A177-3AD203B41FA5}">
-                      <a16:colId xmlns:a16="http://schemas.microsoft.com/office/drawing/2014/main" val="20002"/>
+                      <a16:colId xmlns="" xmlns:a16="http://schemas.microsoft.com/office/drawing/2014/main" val="20002"/>
                     </a:ext>
                   </a:extLst>
                 </a:gridCol>
                 <a:gridCol w="2145506">
                   <a:extLst>
                     <a:ext uri="{9D8B030D-6E8A-4147-A177-3AD203B41FA5}">
-                      <a16:colId xmlns:a16="http://schemas.microsoft.com/office/drawing/2014/main" val="20003"/>
+                      <a16:colId xmlns="" xmlns:a16="http://schemas.microsoft.com/office/drawing/2014/main" val="20003"/>
                     </a:ext>
                   </a:extLst>
                 </a:gridCol>
@@ -8334,7 +8712,7 @@
                 </a:tc>
                 <a:extLst>
                   <a:ext uri="{0D108BD9-81ED-4DB2-BD59-A6C34878D82A}">
-                    <a16:rowId xmlns:a16="http://schemas.microsoft.com/office/drawing/2014/main" val="10000"/>
+                    <a16:rowId xmlns="" xmlns:a16="http://schemas.microsoft.com/office/drawing/2014/main" val="10000"/>
                   </a:ext>
                 </a:extLst>
               </a:tr>
@@ -8478,7 +8856,7 @@
                 </a:tc>
                 <a:extLst>
                   <a:ext uri="{0D108BD9-81ED-4DB2-BD59-A6C34878D82A}">
-                    <a16:rowId xmlns:a16="http://schemas.microsoft.com/office/drawing/2014/main" val="10001"/>
+                    <a16:rowId xmlns="" xmlns:a16="http://schemas.microsoft.com/office/drawing/2014/main" val="10001"/>
                   </a:ext>
                 </a:extLst>
               </a:tr>
@@ -8605,7 +8983,7 @@
                 </a:tc>
                 <a:extLst>
                   <a:ext uri="{0D108BD9-81ED-4DB2-BD59-A6C34878D82A}">
-                    <a16:rowId xmlns:a16="http://schemas.microsoft.com/office/drawing/2014/main" val="10002"/>
+                    <a16:rowId xmlns="" xmlns:a16="http://schemas.microsoft.com/office/drawing/2014/main" val="10002"/>
                   </a:ext>
                 </a:extLst>
               </a:tr>
@@ -8755,7 +9133,7 @@
                 </a:tc>
                 <a:extLst>
                   <a:ext uri="{0D108BD9-81ED-4DB2-BD59-A6C34878D82A}">
-                    <a16:rowId xmlns:a16="http://schemas.microsoft.com/office/drawing/2014/main" val="10003"/>
+                    <a16:rowId xmlns="" xmlns:a16="http://schemas.microsoft.com/office/drawing/2014/main" val="10003"/>
                   </a:ext>
                 </a:extLst>
               </a:tr>
@@ -8896,7 +9274,7 @@
                 </a:tc>
                 <a:extLst>
                   <a:ext uri="{0D108BD9-81ED-4DB2-BD59-A6C34878D82A}">
-                    <a16:rowId xmlns:a16="http://schemas.microsoft.com/office/drawing/2014/main" val="10004"/>
+                    <a16:rowId xmlns="" xmlns:a16="http://schemas.microsoft.com/office/drawing/2014/main" val="10004"/>
                   </a:ext>
                 </a:extLst>
               </a:tr>
@@ -9057,7 +9435,7 @@
                 </a:tc>
                 <a:extLst>
                   <a:ext uri="{0D108BD9-81ED-4DB2-BD59-A6C34878D82A}">
-                    <a16:rowId xmlns:a16="http://schemas.microsoft.com/office/drawing/2014/main" val="10005"/>
+                    <a16:rowId xmlns="" xmlns:a16="http://schemas.microsoft.com/office/drawing/2014/main" val="10005"/>
                   </a:ext>
                 </a:extLst>
               </a:tr>
@@ -9174,7 +9552,7 @@
                 </a:tc>
                 <a:extLst>
                   <a:ext uri="{0D108BD9-81ED-4DB2-BD59-A6C34878D82A}">
-                    <a16:rowId xmlns:a16="http://schemas.microsoft.com/office/drawing/2014/main" val="10006"/>
+                    <a16:rowId xmlns="" xmlns:a16="http://schemas.microsoft.com/office/drawing/2014/main" val="10006"/>
                   </a:ext>
                 </a:extLst>
               </a:tr>
@@ -9185,7 +9563,17 @@
                     <a:lstStyle/>
                     <a:p>
                       <a:pPr algn="ctr" latinLnBrk="1"/>
-                      <a:endParaRPr lang="ko-KR" altLang="en-US" sz="1200" b="0">
+                      <a:r>
+                        <a:rPr lang="en-US" altLang="ko-KR" sz="1200" b="0" dirty="0" smtClean="0">
+                          <a:solidFill>
+                            <a:schemeClr val="tx1"/>
+                          </a:solidFill>
+                          <a:latin typeface="맑은 고딕" pitchFamily="50" charset="-127"/>
+                          <a:ea typeface="맑은 고딕" pitchFamily="50" charset="-127"/>
+                        </a:rPr>
+                        <a:t>2017.06.05</a:t>
+                      </a:r>
+                      <a:endParaRPr lang="ko-KR" altLang="en-US" sz="1200" b="0" dirty="0">
                         <a:solidFill>
                           <a:schemeClr val="tx1"/>
                         </a:solidFill>
@@ -9206,6 +9594,16 @@
                     <a:lstStyle/>
                     <a:p>
                       <a:pPr algn="ctr" latinLnBrk="1"/>
+                      <a:r>
+                        <a:rPr lang="en-US" altLang="ko-KR" sz="1200" b="0" dirty="0" smtClean="0">
+                          <a:solidFill>
+                            <a:schemeClr val="tx1"/>
+                          </a:solidFill>
+                          <a:latin typeface="맑은 고딕" pitchFamily="50" charset="-127"/>
+                          <a:ea typeface="맑은 고딕" pitchFamily="50" charset="-127"/>
+                        </a:rPr>
+                        <a:t>V2.0.0</a:t>
+                      </a:r>
                       <a:endParaRPr lang="ko-KR" altLang="en-US" sz="1200" b="0" dirty="0">
                         <a:solidFill>
                           <a:schemeClr val="tx1"/>
@@ -9226,7 +9624,67 @@
                     <a:bodyPr/>
                     <a:lstStyle/>
                     <a:p>
-                      <a:pPr latinLnBrk="1"/>
+                      <a:pPr algn="ctr" latinLnBrk="1"/>
+                      <a:r>
+                        <a:rPr lang="ko-KR" altLang="en-US" sz="1200" b="0" dirty="0" smtClean="0">
+                          <a:solidFill>
+                            <a:schemeClr val="tx1"/>
+                          </a:solidFill>
+                          <a:latin typeface="맑은 고딕" pitchFamily="50" charset="-127"/>
+                          <a:ea typeface="맑은 고딕" pitchFamily="50" charset="-127"/>
+                        </a:rPr>
+                        <a:t>보이기</a:t>
+                      </a:r>
+                      <a:r>
+                        <a:rPr lang="en-US" altLang="ko-KR" sz="1200" b="0" dirty="0" smtClean="0">
+                          <a:solidFill>
+                            <a:schemeClr val="tx1"/>
+                          </a:solidFill>
+                          <a:latin typeface="맑은 고딕" pitchFamily="50" charset="-127"/>
+                          <a:ea typeface="맑은 고딕" pitchFamily="50" charset="-127"/>
+                        </a:rPr>
+                        <a:t>/</a:t>
+                      </a:r>
+                      <a:r>
+                        <a:rPr lang="ko-KR" altLang="en-US" sz="1200" b="0" dirty="0" smtClean="0">
+                          <a:solidFill>
+                            <a:schemeClr val="tx1"/>
+                          </a:solidFill>
+                          <a:latin typeface="맑은 고딕" pitchFamily="50" charset="-127"/>
+                          <a:ea typeface="맑은 고딕" pitchFamily="50" charset="-127"/>
+                        </a:rPr>
+                        <a:t>숨기기</a:t>
+                      </a:r>
+                      <a:r>
+                        <a:rPr lang="en-US" altLang="ko-KR" sz="1200" b="0" baseline="0" dirty="0" smtClean="0">
+                          <a:solidFill>
+                            <a:schemeClr val="tx1"/>
+                          </a:solidFill>
+                          <a:latin typeface="맑은 고딕" pitchFamily="50" charset="-127"/>
+                          <a:ea typeface="맑은 고딕" pitchFamily="50" charset="-127"/>
+                        </a:rPr>
+                        <a:t> </a:t>
+                      </a:r>
+                      <a:r>
+                        <a:rPr lang="ko-KR" altLang="en-US" sz="1200" b="0" baseline="0" dirty="0" smtClean="0">
+                          <a:solidFill>
+                            <a:schemeClr val="tx1"/>
+                          </a:solidFill>
+                          <a:latin typeface="맑은 고딕" pitchFamily="50" charset="-127"/>
+                          <a:ea typeface="맑은 고딕" pitchFamily="50" charset="-127"/>
+                        </a:rPr>
+                        <a:t>기능</a:t>
+                      </a:r>
+                      <a:r>
+                        <a:rPr lang="ko-KR" altLang="en-US" sz="1200" b="0" dirty="0" smtClean="0">
+                          <a:solidFill>
+                            <a:schemeClr val="tx1"/>
+                          </a:solidFill>
+                          <a:latin typeface="맑은 고딕" pitchFamily="50" charset="-127"/>
+                          <a:ea typeface="맑은 고딕" pitchFamily="50" charset="-127"/>
+                        </a:rPr>
+                        <a:t> 설계</a:t>
+                      </a:r>
                       <a:endParaRPr lang="ko-KR" altLang="en-US" sz="1200" b="0" dirty="0">
                         <a:solidFill>
                           <a:schemeClr val="tx1"/>
@@ -9248,6 +9706,16 @@
                     <a:lstStyle/>
                     <a:p>
                       <a:pPr algn="ctr" latinLnBrk="1"/>
+                      <a:r>
+                        <a:rPr lang="ko-KR" altLang="en-US" sz="1200" b="0" dirty="0" smtClean="0">
+                          <a:solidFill>
+                            <a:schemeClr val="tx1"/>
+                          </a:solidFill>
+                          <a:latin typeface="맑은 고딕" pitchFamily="50" charset="-127"/>
+                          <a:ea typeface="맑은 고딕" pitchFamily="50" charset="-127"/>
+                        </a:rPr>
+                        <a:t>이연재</a:t>
+                      </a:r>
                       <a:endParaRPr lang="ko-KR" altLang="en-US" sz="1200" b="0" dirty="0">
                         <a:solidFill>
                           <a:schemeClr val="tx1"/>
@@ -9265,7 +9733,7 @@
                 </a:tc>
                 <a:extLst>
                   <a:ext uri="{0D108BD9-81ED-4DB2-BD59-A6C34878D82A}">
-                    <a16:rowId xmlns:a16="http://schemas.microsoft.com/office/drawing/2014/main" val="10007"/>
+                    <a16:rowId xmlns="" xmlns:a16="http://schemas.microsoft.com/office/drawing/2014/main" val="10007"/>
                   </a:ext>
                 </a:extLst>
               </a:tr>
@@ -9376,7 +9844,7 @@
                 <a:gridCol w="7556500">
                   <a:extLst>
                     <a:ext uri="{9D8B030D-6E8A-4147-A177-3AD203B41FA5}">
-                      <a16:colId xmlns:a16="http://schemas.microsoft.com/office/drawing/2014/main" val="20000"/>
+                      <a16:colId xmlns="" xmlns:a16="http://schemas.microsoft.com/office/drawing/2014/main" val="20000"/>
                     </a:ext>
                   </a:extLst>
                 </a:gridCol>
@@ -9401,7 +9869,7 @@
                 </a:tc>
                 <a:extLst>
                   <a:ext uri="{0D108BD9-81ED-4DB2-BD59-A6C34878D82A}">
-                    <a16:rowId xmlns:a16="http://schemas.microsoft.com/office/drawing/2014/main" val="10000"/>
+                    <a16:rowId xmlns="" xmlns:a16="http://schemas.microsoft.com/office/drawing/2014/main" val="10000"/>
                   </a:ext>
                 </a:extLst>
               </a:tr>
@@ -9446,7 +9914,7 @@
                 </a:tc>
                 <a:extLst>
                   <a:ext uri="{0D108BD9-81ED-4DB2-BD59-A6C34878D82A}">
-                    <a16:rowId xmlns:a16="http://schemas.microsoft.com/office/drawing/2014/main" val="10001"/>
+                    <a16:rowId xmlns="" xmlns:a16="http://schemas.microsoft.com/office/drawing/2014/main" val="10001"/>
                   </a:ext>
                 </a:extLst>
               </a:tr>
@@ -9486,7 +9954,7 @@
                 </a:tc>
                 <a:extLst>
                   <a:ext uri="{0D108BD9-81ED-4DB2-BD59-A6C34878D82A}">
-                    <a16:rowId xmlns:a16="http://schemas.microsoft.com/office/drawing/2014/main" val="10002"/>
+                    <a16:rowId xmlns="" xmlns:a16="http://schemas.microsoft.com/office/drawing/2014/main" val="10002"/>
                   </a:ext>
                 </a:extLst>
               </a:tr>
@@ -9552,7 +10020,7 @@
                 <a:gridCol w="7556500">
                   <a:extLst>
                     <a:ext uri="{9D8B030D-6E8A-4147-A177-3AD203B41FA5}">
-                      <a16:colId xmlns:a16="http://schemas.microsoft.com/office/drawing/2014/main" val="20000"/>
+                      <a16:colId xmlns="" xmlns:a16="http://schemas.microsoft.com/office/drawing/2014/main" val="20000"/>
                     </a:ext>
                   </a:extLst>
                 </a:gridCol>
@@ -9577,7 +10045,7 @@
                 </a:tc>
                 <a:extLst>
                   <a:ext uri="{0D108BD9-81ED-4DB2-BD59-A6C34878D82A}">
-                    <a16:rowId xmlns:a16="http://schemas.microsoft.com/office/drawing/2014/main" val="10000"/>
+                    <a16:rowId xmlns="" xmlns:a16="http://schemas.microsoft.com/office/drawing/2014/main" val="10000"/>
                   </a:ext>
                 </a:extLst>
               </a:tr>
@@ -9775,7 +10243,7 @@
                 </a:tc>
                 <a:extLst>
                   <a:ext uri="{0D108BD9-81ED-4DB2-BD59-A6C34878D82A}">
-                    <a16:rowId xmlns:a16="http://schemas.microsoft.com/office/drawing/2014/main" val="10001"/>
+                    <a16:rowId xmlns="" xmlns:a16="http://schemas.microsoft.com/office/drawing/2014/main" val="10001"/>
                   </a:ext>
                 </a:extLst>
               </a:tr>
@@ -9849,7 +10317,7 @@
                 </a:tc>
                 <a:extLst>
                   <a:ext uri="{0D108BD9-81ED-4DB2-BD59-A6C34878D82A}">
-                    <a16:rowId xmlns:a16="http://schemas.microsoft.com/office/drawing/2014/main" val="10002"/>
+                    <a16:rowId xmlns="" xmlns:a16="http://schemas.microsoft.com/office/drawing/2014/main" val="10002"/>
                   </a:ext>
                 </a:extLst>
               </a:tr>
@@ -10001,14 +10469,14 @@
                 <a:gridCol w="3872696">
                   <a:extLst>
                     <a:ext uri="{9D8B030D-6E8A-4147-A177-3AD203B41FA5}">
-                      <a16:colId xmlns:a16="http://schemas.microsoft.com/office/drawing/2014/main" val="20000"/>
+                      <a16:colId xmlns="" xmlns:a16="http://schemas.microsoft.com/office/drawing/2014/main" val="20000"/>
                     </a:ext>
                   </a:extLst>
                 </a:gridCol>
                 <a:gridCol w="3683804">
                   <a:extLst>
                     <a:ext uri="{9D8B030D-6E8A-4147-A177-3AD203B41FA5}">
-                      <a16:colId xmlns:a16="http://schemas.microsoft.com/office/drawing/2014/main" val="1913853126"/>
+                      <a16:colId xmlns="" xmlns:a16="http://schemas.microsoft.com/office/drawing/2014/main" val="1913853126"/>
                     </a:ext>
                   </a:extLst>
                 </a:gridCol>
@@ -10062,7 +10530,7 @@
                 </a:tc>
                 <a:extLst>
                   <a:ext uri="{0D108BD9-81ED-4DB2-BD59-A6C34878D82A}">
-                    <a16:rowId xmlns:a16="http://schemas.microsoft.com/office/drawing/2014/main" val="10000"/>
+                    <a16:rowId xmlns="" xmlns:a16="http://schemas.microsoft.com/office/drawing/2014/main" val="10000"/>
                   </a:ext>
                 </a:extLst>
               </a:tr>
@@ -10554,7 +11022,7 @@
                 </a:tc>
                 <a:extLst>
                   <a:ext uri="{0D108BD9-81ED-4DB2-BD59-A6C34878D82A}">
-                    <a16:rowId xmlns:a16="http://schemas.microsoft.com/office/drawing/2014/main" val="10001"/>
+                    <a16:rowId xmlns="" xmlns:a16="http://schemas.microsoft.com/office/drawing/2014/main" val="10001"/>
                   </a:ext>
                 </a:extLst>
               </a:tr>
@@ -10689,7 +11157,7 @@
                 </a:tc>
                 <a:extLst>
                   <a:ext uri="{0D108BD9-81ED-4DB2-BD59-A6C34878D82A}">
-                    <a16:rowId xmlns:a16="http://schemas.microsoft.com/office/drawing/2014/main" val="10002"/>
+                    <a16:rowId xmlns="" xmlns:a16="http://schemas.microsoft.com/office/drawing/2014/main" val="10002"/>
                   </a:ext>
                 </a:extLst>
               </a:tr>
@@ -10787,14 +11255,14 @@
                 <a:gridCol w="3778250">
                   <a:extLst>
                     <a:ext uri="{9D8B030D-6E8A-4147-A177-3AD203B41FA5}">
-                      <a16:colId xmlns:a16="http://schemas.microsoft.com/office/drawing/2014/main" val="20000"/>
+                      <a16:colId xmlns="" xmlns:a16="http://schemas.microsoft.com/office/drawing/2014/main" val="20000"/>
                     </a:ext>
                   </a:extLst>
                 </a:gridCol>
                 <a:gridCol w="3778250">
                   <a:extLst>
                     <a:ext uri="{9D8B030D-6E8A-4147-A177-3AD203B41FA5}">
-                      <a16:colId xmlns:a16="http://schemas.microsoft.com/office/drawing/2014/main" val="20001"/>
+                      <a16:colId xmlns="" xmlns:a16="http://schemas.microsoft.com/office/drawing/2014/main" val="20001"/>
                     </a:ext>
                   </a:extLst>
                 </a:gridCol>
@@ -10837,7 +11305,7 @@
                 </a:tc>
                 <a:extLst>
                   <a:ext uri="{0D108BD9-81ED-4DB2-BD59-A6C34878D82A}">
-                    <a16:rowId xmlns:a16="http://schemas.microsoft.com/office/drawing/2014/main" val="10000"/>
+                    <a16:rowId xmlns="" xmlns:a16="http://schemas.microsoft.com/office/drawing/2014/main" val="10000"/>
                   </a:ext>
                 </a:extLst>
               </a:tr>
@@ -12298,7 +12766,7 @@
                 </a:tc>
                 <a:extLst>
                   <a:ext uri="{0D108BD9-81ED-4DB2-BD59-A6C34878D82A}">
-                    <a16:rowId xmlns:a16="http://schemas.microsoft.com/office/drawing/2014/main" val="10001"/>
+                    <a16:rowId xmlns="" xmlns:a16="http://schemas.microsoft.com/office/drawing/2014/main" val="10001"/>
                   </a:ext>
                 </a:extLst>
               </a:tr>
@@ -12471,7 +12939,7 @@
                 </a:tc>
                 <a:extLst>
                   <a:ext uri="{0D108BD9-81ED-4DB2-BD59-A6C34878D82A}">
-                    <a16:rowId xmlns:a16="http://schemas.microsoft.com/office/drawing/2014/main" val="10002"/>
+                    <a16:rowId xmlns="" xmlns:a16="http://schemas.microsoft.com/office/drawing/2014/main" val="10002"/>
                   </a:ext>
                 </a:extLst>
               </a:tr>
@@ -12569,14 +13037,14 @@
                 <a:gridCol w="3778250">
                   <a:extLst>
                     <a:ext uri="{9D8B030D-6E8A-4147-A177-3AD203B41FA5}">
-                      <a16:colId xmlns:a16="http://schemas.microsoft.com/office/drawing/2014/main" val="20000"/>
+                      <a16:colId xmlns="" xmlns:a16="http://schemas.microsoft.com/office/drawing/2014/main" val="20000"/>
                     </a:ext>
                   </a:extLst>
                 </a:gridCol>
                 <a:gridCol w="3778250">
                   <a:extLst>
                     <a:ext uri="{9D8B030D-6E8A-4147-A177-3AD203B41FA5}">
-                      <a16:colId xmlns:a16="http://schemas.microsoft.com/office/drawing/2014/main" val="20001"/>
+                      <a16:colId xmlns="" xmlns:a16="http://schemas.microsoft.com/office/drawing/2014/main" val="20001"/>
                     </a:ext>
                   </a:extLst>
                 </a:gridCol>
@@ -12617,7 +13085,7 @@
                 </a:tc>
                 <a:extLst>
                   <a:ext uri="{0D108BD9-81ED-4DB2-BD59-A6C34878D82A}">
-                    <a16:rowId xmlns:a16="http://schemas.microsoft.com/office/drawing/2014/main" val="10000"/>
+                    <a16:rowId xmlns="" xmlns:a16="http://schemas.microsoft.com/office/drawing/2014/main" val="10000"/>
                   </a:ext>
                 </a:extLst>
               </a:tr>
@@ -13791,7 +14259,7 @@
                 </a:tc>
                 <a:extLst>
                   <a:ext uri="{0D108BD9-81ED-4DB2-BD59-A6C34878D82A}">
-                    <a16:rowId xmlns:a16="http://schemas.microsoft.com/office/drawing/2014/main" val="10001"/>
+                    <a16:rowId xmlns="" xmlns:a16="http://schemas.microsoft.com/office/drawing/2014/main" val="10001"/>
                   </a:ext>
                 </a:extLst>
               </a:tr>
@@ -13975,7 +14443,7 @@
                 </a:tc>
                 <a:extLst>
                   <a:ext uri="{0D108BD9-81ED-4DB2-BD59-A6C34878D82A}">
-                    <a16:rowId xmlns:a16="http://schemas.microsoft.com/office/drawing/2014/main" val="10002"/>
+                    <a16:rowId xmlns="" xmlns:a16="http://schemas.microsoft.com/office/drawing/2014/main" val="10002"/>
                   </a:ext>
                 </a:extLst>
               </a:tr>
@@ -14052,7 +14520,11 @@
             <a:graphicFrameLocks noGrp="1"/>
           </p:cNvGraphicFramePr>
           <p:nvPr>
-            <p:extLst/>
+            <p:extLst>
+              <p:ext uri="{D42A27DB-BD31-4B8C-83A1-F6EECF244321}">
+                <p14:modId xmlns:p14="http://schemas.microsoft.com/office/powerpoint/2010/main" val="999890961"/>
+              </p:ext>
+            </p:extLst>
           </p:nvPr>
         </p:nvGraphicFramePr>
         <p:xfrm>
@@ -14069,7 +14541,7 @@
                 <a:gridCol w="7556500">
                   <a:extLst>
                     <a:ext uri="{9D8B030D-6E8A-4147-A177-3AD203B41FA5}">
-                      <a16:colId xmlns:a16="http://schemas.microsoft.com/office/drawing/2014/main" val="20000"/>
+                      <a16:colId xmlns="" xmlns:a16="http://schemas.microsoft.com/office/drawing/2014/main" val="20000"/>
                     </a:ext>
                   </a:extLst>
                 </a:gridCol>
@@ -14102,7 +14574,7 @@
                 </a:tc>
                 <a:extLst>
                   <a:ext uri="{0D108BD9-81ED-4DB2-BD59-A6C34878D82A}">
-                    <a16:rowId xmlns:a16="http://schemas.microsoft.com/office/drawing/2014/main" val="10000"/>
+                    <a16:rowId xmlns="" xmlns:a16="http://schemas.microsoft.com/office/drawing/2014/main" val="10000"/>
                   </a:ext>
                 </a:extLst>
               </a:tr>
@@ -14440,7 +14912,7 @@
                         <a:defRPr/>
                       </a:pPr>
                       <a:r>
-                        <a:rPr lang="en-US" sz="1200" dirty="0" err="1">
+                        <a:rPr lang="en-US" sz="1200" dirty="0" err="1" smtClean="0">
                           <a:latin typeface="Malgun Gothic" charset="-127"/>
                           <a:ea typeface="Malgun Gothic" charset="-127"/>
                           <a:cs typeface="Malgun Gothic" charset="-127"/>
@@ -14448,7 +14920,7 @@
                         <a:t>JScrollPane</a:t>
                       </a:r>
                       <a:r>
-                        <a:rPr lang="en-US" sz="1200" dirty="0">
+                        <a:rPr lang="en-US" sz="1200" dirty="0" smtClean="0">
                           <a:latin typeface="Malgun Gothic" charset="-127"/>
                           <a:ea typeface="Malgun Gothic" charset="-127"/>
                           <a:cs typeface="Malgun Gothic" charset="-127"/>
@@ -14456,33 +14928,19 @@
                         <a:t> </a:t>
                       </a:r>
                       <a:r>
-                        <a:rPr lang="en-US" sz="1200" dirty="0" err="1">
+                        <a:rPr lang="en-US" sz="1200" dirty="0" err="1" smtClean="0">
                           <a:latin typeface="Malgun Gothic" charset="-127"/>
                           <a:ea typeface="Malgun Gothic" charset="-127"/>
                           <a:cs typeface="Malgun Gothic" charset="-127"/>
                         </a:rPr>
                         <a:t>scrollPane</a:t>
                       </a:r>
-                      <a:endParaRPr lang="en-US" sz="1200" dirty="0">
+                      <a:endParaRPr lang="en-US" sz="1200" dirty="0" smtClean="0">
                         <a:latin typeface="Malgun Gothic" charset="-127"/>
                         <a:ea typeface="Malgun Gothic" charset="-127"/>
                         <a:cs typeface="Malgun Gothic" charset="-127"/>
                       </a:endParaRPr>
                     </a:p>
-                  </a:txBody>
-                  <a:tcPr/>
-                </a:tc>
-                <a:extLst>
-                  <a:ext uri="{0D108BD9-81ED-4DB2-BD59-A6C34878D82A}">
-                    <a16:rowId xmlns:a16="http://schemas.microsoft.com/office/drawing/2014/main" val="10001"/>
-                  </a:ext>
-                </a:extLst>
-              </a:tr>
-              <a:tr h="2290108">
-                <a:tc>
-                  <a:txBody>
-                    <a:bodyPr/>
-                    <a:lstStyle/>
                     <a:p>
                       <a:pPr marL="0" marR="0" indent="0" algn="l" defTabSz="914400" rtl="0" eaLnBrk="1" fontAlgn="auto" latinLnBrk="1" hangingPunct="1">
                         <a:lnSpc>
@@ -14502,45 +14960,34 @@
                         <a:defRPr/>
                       </a:pPr>
                       <a:r>
-                        <a:rPr lang="en-US" sz="1200" dirty="0">
-                          <a:latin typeface="Malgun Gothic" charset="-127"/>
-                          <a:ea typeface="Malgun Gothic" charset="-127"/>
-                          <a:cs typeface="Malgun Gothic" charset="-127"/>
-                        </a:rPr>
-                        <a:t>public </a:t>
-                      </a:r>
-                      <a:r>
-                        <a:rPr lang="en-US" sz="1200" dirty="0" err="1">
-                          <a:latin typeface="Malgun Gothic" charset="-127"/>
-                          <a:ea typeface="Malgun Gothic" charset="-127"/>
-                          <a:cs typeface="Malgun Gothic" charset="-127"/>
-                        </a:rPr>
-                        <a:t>TodoManage</a:t>
-                      </a:r>
-                      <a:r>
-                        <a:rPr lang="en-US" sz="1200" dirty="0">
-                          <a:latin typeface="Malgun Gothic" charset="-127"/>
-                          <a:ea typeface="Malgun Gothic" charset="-127"/>
-                          <a:cs typeface="Malgun Gothic" charset="-127"/>
-                        </a:rPr>
-                        <a:t>(Intro </a:t>
-                      </a:r>
-                      <a:r>
-                        <a:rPr lang="en-US" sz="1200" dirty="0" err="1">
-                          <a:latin typeface="Malgun Gothic" charset="-127"/>
-                          <a:ea typeface="Malgun Gothic" charset="-127"/>
-                          <a:cs typeface="Malgun Gothic" charset="-127"/>
-                        </a:rPr>
-                        <a:t>introclass_parm</a:t>
-                      </a:r>
-                      <a:r>
-                        <a:rPr lang="en-US" sz="1200" dirty="0">
-                          <a:latin typeface="Malgun Gothic" charset="-127"/>
-                          <a:ea typeface="Malgun Gothic" charset="-127"/>
-                          <a:cs typeface="Malgun Gothic" charset="-127"/>
-                        </a:rPr>
-                        <a:t>)</a:t>
-                      </a:r>
+                        <a:rPr lang="en-US" sz="1200" dirty="0" err="1" smtClean="0">
+                          <a:latin typeface="Malgun Gothic" charset="-127"/>
+                          <a:ea typeface="Malgun Gothic" charset="-127"/>
+                          <a:cs typeface="Malgun Gothic" charset="-127"/>
+                        </a:rPr>
+                        <a:t>JButton</a:t>
+                      </a:r>
+                      <a:r>
+                        <a:rPr lang="en-US" sz="1200" dirty="0" smtClean="0">
+                          <a:latin typeface="Malgun Gothic" charset="-127"/>
+                          <a:ea typeface="Malgun Gothic" charset="-127"/>
+                          <a:cs typeface="Malgun Gothic" charset="-127"/>
+                        </a:rPr>
+                        <a:t> </a:t>
+                      </a:r>
+                      <a:r>
+                        <a:rPr lang="en-US" sz="1200" dirty="0" err="1" smtClean="0">
+                          <a:latin typeface="Malgun Gothic" charset="-127"/>
+                          <a:ea typeface="Malgun Gothic" charset="-127"/>
+                          <a:cs typeface="Malgun Gothic" charset="-127"/>
+                        </a:rPr>
+                        <a:t>btnHideShowCompleted</a:t>
+                      </a:r>
+                      <a:endParaRPr lang="en-US" sz="1200" dirty="0" smtClean="0">
+                        <a:latin typeface="Malgun Gothic" charset="-127"/>
+                        <a:ea typeface="Malgun Gothic" charset="-127"/>
+                        <a:cs typeface="Malgun Gothic" charset="-127"/>
+                      </a:endParaRPr>
                     </a:p>
                     <a:p>
                       <a:pPr marL="0" marR="0" indent="0" algn="l" defTabSz="914400" rtl="0" eaLnBrk="1" fontAlgn="auto" latinLnBrk="1" hangingPunct="1">
@@ -14560,47 +15007,26 @@
                         <a:tabLst/>
                         <a:defRPr/>
                       </a:pPr>
-                      <a:r>
-                        <a:rPr lang="en-US" sz="1200" dirty="0">
-                          <a:latin typeface="Malgun Gothic" charset="-127"/>
-                          <a:ea typeface="Malgun Gothic" charset="-127"/>
-                          <a:cs typeface="Malgun Gothic" charset="-127"/>
-                        </a:rPr>
-                        <a:t>public void </a:t>
-                      </a:r>
-                      <a:r>
-                        <a:rPr lang="en-US" sz="1200" dirty="0" err="1">
-                          <a:latin typeface="Malgun Gothic" charset="-127"/>
-                          <a:ea typeface="Malgun Gothic" charset="-127"/>
-                          <a:cs typeface="Malgun Gothic" charset="-127"/>
-                        </a:rPr>
-                        <a:t>actionPerformed</a:t>
-                      </a:r>
-                      <a:r>
-                        <a:rPr lang="en-US" sz="1200" dirty="0">
-                          <a:latin typeface="Malgun Gothic" charset="-127"/>
-                          <a:ea typeface="Malgun Gothic" charset="-127"/>
-                          <a:cs typeface="Malgun Gothic" charset="-127"/>
-                        </a:rPr>
-                        <a:t>(</a:t>
-                      </a:r>
-                      <a:r>
-                        <a:rPr lang="en-US" sz="1200" dirty="0" err="1">
-                          <a:latin typeface="Malgun Gothic" charset="-127"/>
-                          <a:ea typeface="Malgun Gothic" charset="-127"/>
-                          <a:cs typeface="Malgun Gothic" charset="-127"/>
-                        </a:rPr>
-                        <a:t>ActionEvent</a:t>
-                      </a:r>
-                      <a:r>
-                        <a:rPr lang="en-US" sz="1200" baseline="0" dirty="0">
-                          <a:latin typeface="Malgun Gothic" charset="-127"/>
-                          <a:ea typeface="Malgun Gothic" charset="-127"/>
-                          <a:cs typeface="Malgun Gothic" charset="-127"/>
-                        </a:rPr>
-                        <a:t> e)</a:t>
-                      </a:r>
-                    </a:p>
+                      <a:endParaRPr lang="en-US" sz="1200" dirty="0">
+                        <a:latin typeface="Malgun Gothic" charset="-127"/>
+                        <a:ea typeface="Malgun Gothic" charset="-127"/>
+                        <a:cs typeface="Malgun Gothic" charset="-127"/>
+                      </a:endParaRPr>
+                    </a:p>
+                  </a:txBody>
+                  <a:tcPr/>
+                </a:tc>
+                <a:extLst>
+                  <a:ext uri="{0D108BD9-81ED-4DB2-BD59-A6C34878D82A}">
+                    <a16:rowId xmlns="" xmlns:a16="http://schemas.microsoft.com/office/drawing/2014/main" val="10001"/>
+                  </a:ext>
+                </a:extLst>
+              </a:tr>
+              <a:tr h="2290108">
+                <a:tc>
+                  <a:txBody>
+                    <a:bodyPr/>
+                    <a:lstStyle/>
                     <a:p>
                       <a:pPr marL="0" marR="0" indent="0" algn="l" defTabSz="914400" rtl="0" eaLnBrk="1" fontAlgn="auto" latinLnBrk="1" hangingPunct="1">
                         <a:lnSpc>
@@ -14619,6 +15045,204 @@
                         <a:tabLst/>
                         <a:defRPr/>
                       </a:pPr>
+                      <a:r>
+                        <a:rPr lang="en-US" sz="1200" dirty="0">
+                          <a:latin typeface="Malgun Gothic" charset="-127"/>
+                          <a:ea typeface="Malgun Gothic" charset="-127"/>
+                          <a:cs typeface="Malgun Gothic" charset="-127"/>
+                        </a:rPr>
+                        <a:t>public </a:t>
+                      </a:r>
+                      <a:r>
+                        <a:rPr lang="en-US" sz="1200" dirty="0" err="1">
+                          <a:latin typeface="Malgun Gothic" charset="-127"/>
+                          <a:ea typeface="Malgun Gothic" charset="-127"/>
+                          <a:cs typeface="Malgun Gothic" charset="-127"/>
+                        </a:rPr>
+                        <a:t>TodoManage</a:t>
+                      </a:r>
+                      <a:r>
+                        <a:rPr lang="en-US" sz="1200" dirty="0">
+                          <a:latin typeface="Malgun Gothic" charset="-127"/>
+                          <a:ea typeface="Malgun Gothic" charset="-127"/>
+                          <a:cs typeface="Malgun Gothic" charset="-127"/>
+                        </a:rPr>
+                        <a:t>(Intro </a:t>
+                      </a:r>
+                      <a:r>
+                        <a:rPr lang="en-US" sz="1200" dirty="0" err="1">
+                          <a:latin typeface="Malgun Gothic" charset="-127"/>
+                          <a:ea typeface="Malgun Gothic" charset="-127"/>
+                          <a:cs typeface="Malgun Gothic" charset="-127"/>
+                        </a:rPr>
+                        <a:t>introclass_parm</a:t>
+                      </a:r>
+                      <a:r>
+                        <a:rPr lang="en-US" sz="1200" dirty="0">
+                          <a:latin typeface="Malgun Gothic" charset="-127"/>
+                          <a:ea typeface="Malgun Gothic" charset="-127"/>
+                          <a:cs typeface="Malgun Gothic" charset="-127"/>
+                        </a:rPr>
+                        <a:t>)</a:t>
+                      </a:r>
+                    </a:p>
+                    <a:p>
+                      <a:pPr marL="0" marR="0" indent="0" algn="l" defTabSz="914400" rtl="0" eaLnBrk="1" fontAlgn="auto" latinLnBrk="1" hangingPunct="1">
+                        <a:lnSpc>
+                          <a:spcPct val="100000"/>
+                        </a:lnSpc>
+                        <a:spcBef>
+                          <a:spcPts val="0"/>
+                        </a:spcBef>
+                        <a:spcAft>
+                          <a:spcPts val="0"/>
+                        </a:spcAft>
+                        <a:buClrTx/>
+                        <a:buSzTx/>
+                        <a:buFontTx/>
+                        <a:buNone/>
+                        <a:tabLst/>
+                        <a:defRPr/>
+                      </a:pPr>
+                      <a:r>
+                        <a:rPr lang="en-US" sz="1200" dirty="0">
+                          <a:latin typeface="Malgun Gothic" charset="-127"/>
+                          <a:ea typeface="Malgun Gothic" charset="-127"/>
+                          <a:cs typeface="Malgun Gothic" charset="-127"/>
+                        </a:rPr>
+                        <a:t>public void </a:t>
+                      </a:r>
+                      <a:r>
+                        <a:rPr lang="en-US" sz="1200" dirty="0" err="1">
+                          <a:latin typeface="Malgun Gothic" charset="-127"/>
+                          <a:ea typeface="Malgun Gothic" charset="-127"/>
+                          <a:cs typeface="Malgun Gothic" charset="-127"/>
+                        </a:rPr>
+                        <a:t>actionPerformed</a:t>
+                      </a:r>
+                      <a:r>
+                        <a:rPr lang="en-US" sz="1200" dirty="0">
+                          <a:latin typeface="Malgun Gothic" charset="-127"/>
+                          <a:ea typeface="Malgun Gothic" charset="-127"/>
+                          <a:cs typeface="Malgun Gothic" charset="-127"/>
+                        </a:rPr>
+                        <a:t>(</a:t>
+                      </a:r>
+                      <a:r>
+                        <a:rPr lang="en-US" sz="1200" dirty="0" err="1">
+                          <a:latin typeface="Malgun Gothic" charset="-127"/>
+                          <a:ea typeface="Malgun Gothic" charset="-127"/>
+                          <a:cs typeface="Malgun Gothic" charset="-127"/>
+                        </a:rPr>
+                        <a:t>ActionEvent</a:t>
+                      </a:r>
+                      <a:r>
+                        <a:rPr lang="en-US" sz="1200" baseline="0" dirty="0">
+                          <a:latin typeface="Malgun Gothic" charset="-127"/>
+                          <a:ea typeface="Malgun Gothic" charset="-127"/>
+                          <a:cs typeface="Malgun Gothic" charset="-127"/>
+                        </a:rPr>
+                        <a:t> e</a:t>
+                      </a:r>
+                      <a:r>
+                        <a:rPr lang="en-US" sz="1200" baseline="0" dirty="0" smtClean="0">
+                          <a:latin typeface="Malgun Gothic" charset="-127"/>
+                          <a:ea typeface="Malgun Gothic" charset="-127"/>
+                          <a:cs typeface="Malgun Gothic" charset="-127"/>
+                        </a:rPr>
+                        <a:t>)</a:t>
+                      </a:r>
+                    </a:p>
+                    <a:p>
+                      <a:pPr marL="0" marR="0" indent="0" algn="l" defTabSz="914400" rtl="0" eaLnBrk="1" fontAlgn="auto" latinLnBrk="1" hangingPunct="1">
+                        <a:lnSpc>
+                          <a:spcPct val="100000"/>
+                        </a:lnSpc>
+                        <a:spcBef>
+                          <a:spcPts val="0"/>
+                        </a:spcBef>
+                        <a:spcAft>
+                          <a:spcPts val="0"/>
+                        </a:spcAft>
+                        <a:buClrTx/>
+                        <a:buSzTx/>
+                        <a:buFontTx/>
+                        <a:buNone/>
+                        <a:tabLst/>
+                        <a:defRPr/>
+                      </a:pPr>
+                      <a:r>
+                        <a:rPr lang="en-US" sz="1200" baseline="0" dirty="0" smtClean="0">
+                          <a:latin typeface="Malgun Gothic" charset="-127"/>
+                          <a:ea typeface="Malgun Gothic" charset="-127"/>
+                          <a:cs typeface="Malgun Gothic" charset="-127"/>
+                        </a:rPr>
+                        <a:t>public void </a:t>
+                      </a:r>
+                      <a:r>
+                        <a:rPr lang="en-US" sz="1200" baseline="0" dirty="0" err="1" smtClean="0">
+                          <a:latin typeface="Malgun Gothic" charset="-127"/>
+                          <a:ea typeface="Malgun Gothic" charset="-127"/>
+                          <a:cs typeface="Malgun Gothic" charset="-127"/>
+                        </a:rPr>
+                        <a:t>UpdateTable_HideShowCompleted</a:t>
+                      </a:r>
+                      <a:r>
+                        <a:rPr lang="en-US" sz="1200" baseline="0" dirty="0" smtClean="0">
+                          <a:latin typeface="Malgun Gothic" charset="-127"/>
+                          <a:ea typeface="Malgun Gothic" charset="-127"/>
+                          <a:cs typeface="Malgun Gothic" charset="-127"/>
+                        </a:rPr>
+                        <a:t>()</a:t>
+                      </a:r>
+                      <a:endParaRPr lang="en-US" sz="1200" baseline="0" dirty="0">
+                        <a:latin typeface="Malgun Gothic" charset="-127"/>
+                        <a:ea typeface="Malgun Gothic" charset="-127"/>
+                        <a:cs typeface="Malgun Gothic" charset="-127"/>
+                      </a:endParaRPr>
+                    </a:p>
+                    <a:p>
+                      <a:pPr marL="0" marR="0" indent="0" algn="l" defTabSz="914400" rtl="0" eaLnBrk="1" fontAlgn="auto" latinLnBrk="1" hangingPunct="1">
+                        <a:lnSpc>
+                          <a:spcPct val="100000"/>
+                        </a:lnSpc>
+                        <a:spcBef>
+                          <a:spcPts val="0"/>
+                        </a:spcBef>
+                        <a:spcAft>
+                          <a:spcPts val="0"/>
+                        </a:spcAft>
+                        <a:buClrTx/>
+                        <a:buSzTx/>
+                        <a:buFontTx/>
+                        <a:buNone/>
+                        <a:tabLst/>
+                        <a:defRPr/>
+                      </a:pPr>
+                      <a:r>
+                        <a:rPr lang="en-US" sz="1200" baseline="0" dirty="0" smtClean="0">
+                          <a:latin typeface="Malgun Gothic" charset="-127"/>
+                          <a:ea typeface="Malgun Gothic" charset="-127"/>
+                          <a:cs typeface="Malgun Gothic" charset="-127"/>
+                        </a:rPr>
+                        <a:t>public void </a:t>
+                      </a:r>
+                      <a:r>
+                        <a:rPr lang="en-US" sz="1200" baseline="0" dirty="0" err="1" smtClean="0">
+                          <a:latin typeface="Malgun Gothic" charset="-127"/>
+                          <a:ea typeface="Malgun Gothic" charset="-127"/>
+                          <a:cs typeface="Malgun Gothic" charset="-127"/>
+                        </a:rPr>
+                        <a:t>SelectUpdateTableMethod</a:t>
+                      </a:r>
+                      <a:r>
+                        <a:rPr lang="en-US" sz="1200" baseline="0" dirty="0" smtClean="0">
+                          <a:latin typeface="Malgun Gothic" charset="-127"/>
+                          <a:ea typeface="Malgun Gothic" charset="-127"/>
+                          <a:cs typeface="Malgun Gothic" charset="-127"/>
+                        </a:rPr>
+                        <a:t>()</a:t>
+                      </a:r>
                       <a:endParaRPr lang="en-US" sz="1200" baseline="0" dirty="0">
                         <a:latin typeface="Malgun Gothic" charset="-127"/>
                         <a:ea typeface="Malgun Gothic" charset="-127"/>
@@ -14630,7 +15254,7 @@
                 </a:tc>
                 <a:extLst>
                   <a:ext uri="{0D108BD9-81ED-4DB2-BD59-A6C34878D82A}">
-                    <a16:rowId xmlns:a16="http://schemas.microsoft.com/office/drawing/2014/main" val="10002"/>
+                    <a16:rowId xmlns="" xmlns:a16="http://schemas.microsoft.com/office/drawing/2014/main" val="10002"/>
                   </a:ext>
                 </a:extLst>
               </a:tr>
@@ -14728,14 +15352,14 @@
                 <a:gridCol w="3778250">
                   <a:extLst>
                     <a:ext uri="{9D8B030D-6E8A-4147-A177-3AD203B41FA5}">
-                      <a16:colId xmlns:a16="http://schemas.microsoft.com/office/drawing/2014/main" val="20000"/>
+                      <a16:colId xmlns="" xmlns:a16="http://schemas.microsoft.com/office/drawing/2014/main" val="20000"/>
                     </a:ext>
                   </a:extLst>
                 </a:gridCol>
                 <a:gridCol w="3778250">
                   <a:extLst>
                     <a:ext uri="{9D8B030D-6E8A-4147-A177-3AD203B41FA5}">
-                      <a16:colId xmlns:a16="http://schemas.microsoft.com/office/drawing/2014/main" val="4260403839"/>
+                      <a16:colId xmlns="" xmlns:a16="http://schemas.microsoft.com/office/drawing/2014/main" val="4260403839"/>
                     </a:ext>
                   </a:extLst>
                 </a:gridCol>
@@ -14795,7 +15419,7 @@
                 </a:tc>
                 <a:extLst>
                   <a:ext uri="{0D108BD9-81ED-4DB2-BD59-A6C34878D82A}">
-                    <a16:rowId xmlns:a16="http://schemas.microsoft.com/office/drawing/2014/main" val="10000"/>
+                    <a16:rowId xmlns="" xmlns:a16="http://schemas.microsoft.com/office/drawing/2014/main" val="10000"/>
                   </a:ext>
                 </a:extLst>
               </a:tr>
@@ -15905,7 +16529,7 @@
                 </a:tc>
                 <a:extLst>
                   <a:ext uri="{0D108BD9-81ED-4DB2-BD59-A6C34878D82A}">
-                    <a16:rowId xmlns:a16="http://schemas.microsoft.com/office/drawing/2014/main" val="10001"/>
+                    <a16:rowId xmlns="" xmlns:a16="http://schemas.microsoft.com/office/drawing/2014/main" val="10001"/>
                   </a:ext>
                 </a:extLst>
               </a:tr>
@@ -16196,7 +16820,7 @@
                 </a:tc>
                 <a:extLst>
                   <a:ext uri="{0D108BD9-81ED-4DB2-BD59-A6C34878D82A}">
-                    <a16:rowId xmlns:a16="http://schemas.microsoft.com/office/drawing/2014/main" val="10002"/>
+                    <a16:rowId xmlns="" xmlns:a16="http://schemas.microsoft.com/office/drawing/2014/main" val="10002"/>
                   </a:ext>
                 </a:extLst>
               </a:tr>
